--- a/Optimal Control Theory.pptx
+++ b/Optimal Control Theory.pptx
@@ -5,7 +5,7 @@
     <p:sldMasterId id="2147483648" r:id="rId1"/>
   </p:sldMasterIdLst>
   <p:notesMasterIdLst>
-    <p:notesMasterId r:id="rId15"/>
+    <p:notesMasterId r:id="rId18"/>
   </p:notesMasterIdLst>
   <p:sldIdLst>
     <p:sldId id="273" r:id="rId2"/>
@@ -21,6 +21,9 @@
     <p:sldId id="282" r:id="rId12"/>
     <p:sldId id="281" r:id="rId13"/>
     <p:sldId id="284" r:id="rId14"/>
+    <p:sldId id="295" r:id="rId15"/>
+    <p:sldId id="294" r:id="rId16"/>
+    <p:sldId id="293" r:id="rId17"/>
   </p:sldIdLst>
   <p:sldSz cx="12192000" cy="6858000"/>
   <p:notesSz cx="6858000" cy="9144000"/>
@@ -743,6 +746,95 @@
 </p:notes>
 </file>
 
+<file path=ppt/notesSlides/notesSlide4.xml><?xml version="1.0" encoding="utf-8"?>
+<p:notes xmlns:a="http://schemas.openxmlformats.org/drawingml/2006/main" xmlns:r="http://schemas.openxmlformats.org/officeDocument/2006/relationships" xmlns:p="http://schemas.openxmlformats.org/presentationml/2006/main">
+  <p:cSld>
+    <p:spTree>
+      <p:nvGrpSpPr>
+        <p:cNvPr id="1" name=""/>
+        <p:cNvGrpSpPr/>
+        <p:nvPr/>
+      </p:nvGrpSpPr>
+      <p:grpSpPr>
+        <a:xfrm>
+          <a:off x="0" y="0"/>
+          <a:ext cx="0" cy="0"/>
+          <a:chOff x="0" y="0"/>
+          <a:chExt cx="0" cy="0"/>
+        </a:xfrm>
+      </p:grpSpPr>
+      <p:sp>
+        <p:nvSpPr>
+          <p:cNvPr id="2" name="Slide Image Placeholder 1"/>
+          <p:cNvSpPr>
+            <a:spLocks noGrp="1" noRot="1" noChangeAspect="1"/>
+          </p:cNvSpPr>
+          <p:nvPr>
+            <p:ph type="sldImg"/>
+          </p:nvPr>
+        </p:nvSpPr>
+        <p:spPr>
+          <a:xfrm>
+            <a:off x="409575" y="698500"/>
+            <a:ext cx="6203950" cy="3490913"/>
+          </a:xfrm>
+        </p:spPr>
+      </p:sp>
+      <p:sp>
+        <p:nvSpPr>
+          <p:cNvPr id="3" name="Notes Placeholder 2"/>
+          <p:cNvSpPr>
+            <a:spLocks noGrp="1"/>
+          </p:cNvSpPr>
+          <p:nvPr>
+            <p:ph type="body" idx="1"/>
+          </p:nvPr>
+        </p:nvSpPr>
+        <p:spPr/>
+        <p:txBody>
+          <a:bodyPr/>
+          <a:lstStyle/>
+          <a:p>
+            <a:endParaRPr lang="en-US"/>
+          </a:p>
+        </p:txBody>
+      </p:sp>
+      <p:sp>
+        <p:nvSpPr>
+          <p:cNvPr id="4" name="Slide Number Placeholder 3"/>
+          <p:cNvSpPr>
+            <a:spLocks noGrp="1"/>
+          </p:cNvSpPr>
+          <p:nvPr>
+            <p:ph type="sldNum" sz="quarter" idx="10"/>
+          </p:nvPr>
+        </p:nvSpPr>
+        <p:spPr/>
+        <p:txBody>
+          <a:bodyPr/>
+          <a:lstStyle/>
+          <a:p>
+            <a:fld id="{EB3DA8EE-BE46-464A-B9ED-639C808FE555}" type="slidenum">
+              <a:rPr lang="en-US" smtClean="0"/>
+              <a:t>16</a:t>
+            </a:fld>
+            <a:endParaRPr lang="en-US"/>
+          </a:p>
+        </p:txBody>
+      </p:sp>
+    </p:spTree>
+    <p:extLst>
+      <p:ext uri="{BB962C8B-B14F-4D97-AF65-F5344CB8AC3E}">
+        <p14:creationId xmlns:p14="http://schemas.microsoft.com/office/powerpoint/2010/main" val="2240277444"/>
+      </p:ext>
+    </p:extLst>
+  </p:cSld>
+  <p:clrMapOvr>
+    <a:masterClrMapping/>
+  </p:clrMapOvr>
+</p:notes>
+</file>
+
 <file path=ppt/slideLayouts/slideLayout1.xml><?xml version="1.0" encoding="utf-8"?>
 <p:sldLayout xmlns:a="http://schemas.openxmlformats.org/drawingml/2006/main" xmlns:r="http://schemas.openxmlformats.org/officeDocument/2006/relationships" xmlns:p="http://schemas.openxmlformats.org/presentationml/2006/main" type="title" preserve="1">
   <p:cSld name="Title Slide">
@@ -2557,6 +2649,121 @@
 </p:sldLayout>
 </file>
 
+<file path=ppt/slideLayouts/slideLayout14.xml><?xml version="1.0" encoding="utf-8"?>
+<p:sldLayout xmlns:a="http://schemas.openxmlformats.org/drawingml/2006/main" xmlns:r="http://schemas.openxmlformats.org/officeDocument/2006/relationships" xmlns:p="http://schemas.openxmlformats.org/presentationml/2006/main" userDrawn="1">
+  <p:cSld name="5_Title Slide">
+    <p:spTree>
+      <p:nvGrpSpPr>
+        <p:cNvPr id="1" name=""/>
+        <p:cNvGrpSpPr/>
+        <p:nvPr/>
+      </p:nvGrpSpPr>
+      <p:grpSpPr>
+        <a:xfrm>
+          <a:off x="0" y="0"/>
+          <a:ext cx="0" cy="0"/>
+          <a:chOff x="0" y="0"/>
+          <a:chExt cx="0" cy="0"/>
+        </a:xfrm>
+      </p:grpSpPr>
+      <p:sp>
+        <p:nvSpPr>
+          <p:cNvPr id="8" name="Rectangle 7"/>
+          <p:cNvSpPr/>
+          <p:nvPr userDrawn="1"/>
+        </p:nvSpPr>
+        <p:spPr bwMode="black">
+          <a:xfrm>
+            <a:off x="2" y="0"/>
+            <a:ext cx="12192001" cy="6858000"/>
+          </a:xfrm>
+          <a:prstGeom prst="rect">
+            <a:avLst/>
+          </a:prstGeom>
+          <a:solidFill>
+            <a:srgbClr val="D6001C"/>
+          </a:solidFill>
+          <a:ln>
+            <a:noFill/>
+          </a:ln>
+        </p:spPr>
+        <p:style>
+          <a:lnRef idx="1">
+            <a:schemeClr val="accent1"/>
+          </a:lnRef>
+          <a:fillRef idx="3">
+            <a:schemeClr val="accent1"/>
+          </a:fillRef>
+          <a:effectRef idx="2">
+            <a:schemeClr val="accent1"/>
+          </a:effectRef>
+          <a:fontRef idx="minor">
+            <a:schemeClr val="lt1"/>
+          </a:fontRef>
+        </p:style>
+        <p:txBody>
+          <a:bodyPr rtlCol="0" anchor="ctr"/>
+          <a:lstStyle/>
+          <a:p>
+            <a:pPr algn="ctr"/>
+            <a:endParaRPr lang="en-US" sz="2400"/>
+          </a:p>
+        </p:txBody>
+      </p:sp>
+      <p:pic>
+        <p:nvPicPr>
+          <p:cNvPr id="1026" name="Picture 2" descr="C:\Users\gardel2\Desktop\Brand Approval Reference\Rensselaer Logo Layered Files\RF0010-01 Rensselaer Large Logo\RGB\PNGs\RF0010-01 Rensselaer Large Logo-with Tagline RGB-White.png"/>
+          <p:cNvPicPr>
+            <a:picLocks noChangeAspect="1" noChangeArrowheads="1"/>
+          </p:cNvPicPr>
+          <p:nvPr userDrawn="1"/>
+        </p:nvPicPr>
+        <p:blipFill>
+          <a:blip r:embed="rId2">
+            <a:extLst>
+              <a:ext uri="{28A0092B-C50C-407E-A947-70E740481C1C}">
+                <a14:useLocalDpi xmlns:a14="http://schemas.microsoft.com/office/drawing/2010/main" val="0"/>
+              </a:ext>
+            </a:extLst>
+          </a:blip>
+          <a:srcRect/>
+          <a:stretch>
+            <a:fillRect/>
+          </a:stretch>
+        </p:blipFill>
+        <p:spPr bwMode="auto">
+          <a:xfrm>
+            <a:off x="2683961" y="2600942"/>
+            <a:ext cx="6824073" cy="1656113"/>
+          </a:xfrm>
+          <a:prstGeom prst="rect">
+            <a:avLst/>
+          </a:prstGeom>
+          <a:noFill/>
+          <a:extLst>
+            <a:ext uri="{909E8E84-426E-40DD-AFC4-6F175D3DCCD1}">
+              <a14:hiddenFill xmlns:a14="http://schemas.microsoft.com/office/drawing/2010/main">
+                <a:solidFill>
+                  <a:srgbClr val="FFFFFF"/>
+                </a:solidFill>
+              </a14:hiddenFill>
+            </a:ext>
+          </a:extLst>
+        </p:spPr>
+      </p:pic>
+    </p:spTree>
+    <p:extLst>
+      <p:ext uri="{BB962C8B-B14F-4D97-AF65-F5344CB8AC3E}">
+        <p14:creationId xmlns:p14="http://schemas.microsoft.com/office/powerpoint/2010/main" val="3349827240"/>
+      </p:ext>
+    </p:extLst>
+  </p:cSld>
+  <p:clrMapOvr>
+    <a:masterClrMapping/>
+  </p:clrMapOvr>
+</p:sldLayout>
+</file>
+
 <file path=ppt/slideLayouts/slideLayout2.xml><?xml version="1.0" encoding="utf-8"?>
 <p:sldLayout xmlns:a="http://schemas.openxmlformats.org/drawingml/2006/main" xmlns:r="http://schemas.openxmlformats.org/officeDocument/2006/relationships" xmlns:p="http://schemas.openxmlformats.org/presentationml/2006/main" type="obj" preserve="1">
   <p:cSld name="Title and Content">
@@ -4846,6 +5053,7 @@
     <p:sldLayoutId id="2147483659" r:id="rId11"/>
     <p:sldLayoutId id="2147483660" r:id="rId12"/>
     <p:sldLayoutId id="2147483661" r:id="rId13"/>
+    <p:sldLayoutId id="2147483662" r:id="rId14"/>
   </p:sldLayoutIdLst>
   <p:txStyles>
     <p:titleStyle>
@@ -5408,14 +5616,14 @@
           <a:p>
             <a:pPr lvl="1"/>
             <a:r>
-              <a:rPr lang="en-US" sz="2800" dirty="0"/>
+              <a:rPr lang="en-US" sz="2600" dirty="0"/>
               <a:t>Undesired behavior of a vehicle</a:t>
             </a:r>
           </a:p>
         </p:txBody>
       </p:sp>
-      <mc:AlternateContent xmlns:mc="http://schemas.openxmlformats.org/markup-compatibility/2006">
-        <mc:Choice xmlns:a14="http://schemas.microsoft.com/office/drawing/2010/main" Requires="a14">
+      <mc:AlternateContent xmlns:mc="http://schemas.openxmlformats.org/markup-compatibility/2006" xmlns:a14="http://schemas.microsoft.com/office/drawing/2010/main">
+        <mc:Choice Requires="a14">
           <p:sp>
             <p:nvSpPr>
               <p:cNvPr id="6" name="TextBox 5">
@@ -5554,7 +5762,7 @@
             </p:txBody>
           </p:sp>
         </mc:Choice>
-        <mc:Fallback>
+        <mc:Fallback xmlns="">
           <p:sp>
             <p:nvSpPr>
               <p:cNvPr id="6" name="TextBox 5">
@@ -5807,7 +6015,7 @@
         <p:spPr>
           <a:xfrm>
             <a:off x="299222" y="1051971"/>
-            <a:ext cx="8343900" cy="4379999"/>
+            <a:ext cx="10737746" cy="4379999"/>
           </a:xfrm>
         </p:spPr>
         <p:txBody>
@@ -5818,33 +6026,28 @@
           <a:p>
             <a:pPr lvl="1"/>
             <a:r>
-              <a:rPr lang="en-US" sz="2800" dirty="0"/>
+              <a:rPr lang="en-US" sz="2600" dirty="0"/>
               <a:t>Optimized motion towards a desired position</a:t>
             </a:r>
           </a:p>
           <a:p>
+            <a:pPr lvl="2"/>
+            <a:r>
+              <a:rPr lang="en-US" sz="2200" dirty="0"/>
+              <a:t>Constrained optimization </a:t>
+            </a:r>
+          </a:p>
+          <a:p>
             <a:pPr lvl="1"/>
             <a:r>
-              <a:rPr lang="en-US" sz="2800" dirty="0"/>
+              <a:rPr lang="en-US" sz="2600" dirty="0"/>
               <a:t>Simplified simulation of parallel parking process</a:t>
             </a:r>
           </a:p>
           <a:p>
-            <a:pPr lvl="1"/>
-            <a:r>
-              <a:rPr lang="en-US" sz="2800" dirty="0"/>
-              <a:t>Optimization variables can be much more complex in real cases</a:t>
-            </a:r>
-          </a:p>
-          <a:p>
-            <a:pPr lvl="1"/>
-            <a:r>
-              <a:rPr lang="en-US" sz="2800" dirty="0"/>
-              <a:t>Complex feedback system for a real automobiles</a:t>
-            </a:r>
-          </a:p>
-          <a:p>
-            <a:pPr lvl="1"/>
+            <a:pPr marL="0" lvl="1" indent="0">
+              <a:buNone/>
+            </a:pPr>
             <a:endParaRPr lang="en-US" dirty="0"/>
           </a:p>
         </p:txBody>
@@ -5853,6 +6056,284 @@
     <p:extLst>
       <p:ext uri="{BB962C8B-B14F-4D97-AF65-F5344CB8AC3E}">
         <p14:creationId xmlns:p14="http://schemas.microsoft.com/office/powerpoint/2010/main" val="3889181724"/>
+      </p:ext>
+    </p:extLst>
+  </p:cSld>
+  <p:clrMapOvr>
+    <a:masterClrMapping/>
+  </p:clrMapOvr>
+</p:sld>
+</file>
+
+<file path=ppt/slides/slide14.xml><?xml version="1.0" encoding="utf-8"?>
+<p:sld xmlns:a="http://schemas.openxmlformats.org/drawingml/2006/main" xmlns:r="http://schemas.openxmlformats.org/officeDocument/2006/relationships" xmlns:p="http://schemas.openxmlformats.org/presentationml/2006/main">
+  <p:cSld>
+    <p:spTree>
+      <p:nvGrpSpPr>
+        <p:cNvPr id="1" name=""/>
+        <p:cNvGrpSpPr/>
+        <p:nvPr/>
+      </p:nvGrpSpPr>
+      <p:grpSpPr>
+        <a:xfrm>
+          <a:off x="0" y="0"/>
+          <a:ext cx="0" cy="0"/>
+          <a:chOff x="0" y="0"/>
+          <a:chExt cx="0" cy="0"/>
+        </a:xfrm>
+      </p:grpSpPr>
+      <p:sp>
+        <p:nvSpPr>
+          <p:cNvPr id="2" name="Text Placeholder 1">
+            <a:extLst>
+              <a:ext uri="{FF2B5EF4-FFF2-40B4-BE49-F238E27FC236}">
+                <a16:creationId xmlns:a16="http://schemas.microsoft.com/office/drawing/2014/main" id="{BCCE844A-2193-4DDD-BF71-931954EF917B}"/>
+              </a:ext>
+            </a:extLst>
+          </p:cNvPr>
+          <p:cNvSpPr>
+            <a:spLocks noGrp="1"/>
+          </p:cNvSpPr>
+          <p:nvPr>
+            <p:ph type="body" sz="quarter" idx="14"/>
+          </p:nvPr>
+        </p:nvSpPr>
+        <p:spPr/>
+        <p:txBody>
+          <a:bodyPr>
+            <a:noAutofit/>
+          </a:bodyPr>
+          <a:lstStyle/>
+          <a:p>
+            <a:r>
+              <a:rPr lang="en-US" sz="4000" dirty="0">
+                <a:solidFill>
+                  <a:schemeClr val="tx1"/>
+                </a:solidFill>
+              </a:rPr>
+              <a:t>Future Improvements</a:t>
+            </a:r>
+          </a:p>
+        </p:txBody>
+      </p:sp>
+      <p:sp>
+        <p:nvSpPr>
+          <p:cNvPr id="3" name="Text Placeholder 2">
+            <a:extLst>
+              <a:ext uri="{FF2B5EF4-FFF2-40B4-BE49-F238E27FC236}">
+                <a16:creationId xmlns:a16="http://schemas.microsoft.com/office/drawing/2014/main" id="{C650830E-669F-42E2-86FB-99AA9BBC1880}"/>
+              </a:ext>
+            </a:extLst>
+          </p:cNvPr>
+          <p:cNvSpPr>
+            <a:spLocks noGrp="1"/>
+          </p:cNvSpPr>
+          <p:nvPr>
+            <p:ph type="body" sz="quarter" idx="17"/>
+          </p:nvPr>
+        </p:nvSpPr>
+        <p:spPr>
+          <a:xfrm>
+            <a:off x="299222" y="1051971"/>
+            <a:ext cx="10737746" cy="5092155"/>
+          </a:xfrm>
+        </p:spPr>
+        <p:txBody>
+          <a:bodyPr>
+            <a:normAutofit/>
+          </a:bodyPr>
+          <a:lstStyle/>
+          <a:p>
+            <a:pPr lvl="1"/>
+            <a:r>
+              <a:rPr lang="en-US" sz="2600" dirty="0"/>
+              <a:t>Smaller slot – if a solution is possible</a:t>
+            </a:r>
+          </a:p>
+          <a:p>
+            <a:pPr lvl="1"/>
+            <a:r>
+              <a:rPr lang="en-US" sz="2600" dirty="0"/>
+              <a:t>Research on reverse parking</a:t>
+            </a:r>
+          </a:p>
+          <a:p>
+            <a:pPr lvl="2"/>
+            <a:r>
+              <a:rPr lang="en-US" sz="2600" dirty="0"/>
+              <a:t>Different physical models and dynamics</a:t>
+            </a:r>
+          </a:p>
+          <a:p>
+            <a:pPr lvl="1"/>
+            <a:r>
+              <a:rPr lang="en-US" sz="2600" dirty="0"/>
+              <a:t>Take more complex system into consideration</a:t>
+            </a:r>
+          </a:p>
+          <a:p>
+            <a:pPr lvl="2"/>
+            <a:r>
+              <a:rPr lang="en-US" sz="2600" dirty="0"/>
+              <a:t>Parking slot located at ramps</a:t>
+            </a:r>
+          </a:p>
+          <a:p>
+            <a:pPr lvl="1"/>
+            <a:r>
+              <a:rPr lang="en-US" sz="2600" dirty="0"/>
+              <a:t>Optimization variables can be much more complex in real cases</a:t>
+            </a:r>
+          </a:p>
+          <a:p>
+            <a:pPr lvl="1"/>
+            <a:r>
+              <a:rPr lang="en-US" sz="2600" dirty="0"/>
+              <a:t>Complex feedback system for a real automobiles</a:t>
+            </a:r>
+          </a:p>
+          <a:p>
+            <a:pPr marL="0" lvl="1" indent="0">
+              <a:buNone/>
+            </a:pPr>
+            <a:endParaRPr lang="en-US" dirty="0"/>
+          </a:p>
+        </p:txBody>
+      </p:sp>
+    </p:spTree>
+    <p:extLst>
+      <p:ext uri="{BB962C8B-B14F-4D97-AF65-F5344CB8AC3E}">
+        <p14:creationId xmlns:p14="http://schemas.microsoft.com/office/powerpoint/2010/main" val="610522070"/>
+      </p:ext>
+    </p:extLst>
+  </p:cSld>
+  <p:clrMapOvr>
+    <a:masterClrMapping/>
+  </p:clrMapOvr>
+</p:sld>
+</file>
+
+<file path=ppt/slides/slide15.xml><?xml version="1.0" encoding="utf-8"?>
+<p:sld xmlns:a="http://schemas.openxmlformats.org/drawingml/2006/main" xmlns:r="http://schemas.openxmlformats.org/officeDocument/2006/relationships" xmlns:p="http://schemas.openxmlformats.org/presentationml/2006/main">
+  <p:cSld>
+    <p:spTree>
+      <p:nvGrpSpPr>
+        <p:cNvPr id="1" name=""/>
+        <p:cNvGrpSpPr/>
+        <p:nvPr/>
+      </p:nvGrpSpPr>
+      <p:grpSpPr>
+        <a:xfrm>
+          <a:off x="0" y="0"/>
+          <a:ext cx="0" cy="0"/>
+          <a:chOff x="0" y="0"/>
+          <a:chExt cx="0" cy="0"/>
+        </a:xfrm>
+      </p:grpSpPr>
+      <p:sp>
+        <p:nvSpPr>
+          <p:cNvPr id="2" name="Text Placeholder 1">
+            <a:extLst>
+              <a:ext uri="{FF2B5EF4-FFF2-40B4-BE49-F238E27FC236}">
+                <a16:creationId xmlns:a16="http://schemas.microsoft.com/office/drawing/2014/main" id="{5F7719BC-2E57-4382-AC4E-6FF87CE16649}"/>
+              </a:ext>
+            </a:extLst>
+          </p:cNvPr>
+          <p:cNvSpPr>
+            <a:spLocks noGrp="1"/>
+          </p:cNvSpPr>
+          <p:nvPr>
+            <p:ph type="body" sz="quarter" idx="14"/>
+          </p:nvPr>
+        </p:nvSpPr>
+        <p:spPr/>
+        <p:txBody>
+          <a:bodyPr>
+            <a:noAutofit/>
+          </a:bodyPr>
+          <a:lstStyle/>
+          <a:p>
+            <a:r>
+              <a:rPr lang="en-US" sz="4000" dirty="0">
+                <a:solidFill>
+                  <a:schemeClr val="tx1"/>
+                </a:solidFill>
+              </a:rPr>
+              <a:t>Q&amp;A</a:t>
+            </a:r>
+          </a:p>
+        </p:txBody>
+      </p:sp>
+      <p:sp>
+        <p:nvSpPr>
+          <p:cNvPr id="5" name="TextBox 4">
+            <a:extLst>
+              <a:ext uri="{FF2B5EF4-FFF2-40B4-BE49-F238E27FC236}">
+                <a16:creationId xmlns:a16="http://schemas.microsoft.com/office/drawing/2014/main" id="{28BA6369-E7EF-46F1-9CC7-1B2F9074F999}"/>
+              </a:ext>
+            </a:extLst>
+          </p:cNvPr>
+          <p:cNvSpPr txBox="1"/>
+          <p:nvPr/>
+        </p:nvSpPr>
+        <p:spPr>
+          <a:xfrm>
+            <a:off x="2800985" y="3075057"/>
+            <a:ext cx="6096000" cy="707886"/>
+          </a:xfrm>
+          <a:prstGeom prst="rect">
+            <a:avLst/>
+          </a:prstGeom>
+          <a:noFill/>
+        </p:spPr>
+        <p:txBody>
+          <a:bodyPr wrap="square" rtlCol="0">
+            <a:spAutoFit/>
+          </a:bodyPr>
+          <a:lstStyle/>
+          <a:p>
+            <a:pPr algn="ctr"/>
+            <a:r>
+              <a:rPr lang="en-US" sz="4000" dirty="0"/>
+              <a:t>Any Questions?</a:t>
+            </a:r>
+          </a:p>
+        </p:txBody>
+      </p:sp>
+    </p:spTree>
+    <p:extLst>
+      <p:ext uri="{BB962C8B-B14F-4D97-AF65-F5344CB8AC3E}">
+        <p14:creationId xmlns:p14="http://schemas.microsoft.com/office/powerpoint/2010/main" val="1806401461"/>
+      </p:ext>
+    </p:extLst>
+  </p:cSld>
+  <p:clrMapOvr>
+    <a:masterClrMapping/>
+  </p:clrMapOvr>
+</p:sld>
+</file>
+
+<file path=ppt/slides/slide16.xml><?xml version="1.0" encoding="utf-8"?>
+<p:sld xmlns:a="http://schemas.openxmlformats.org/drawingml/2006/main" xmlns:r="http://schemas.openxmlformats.org/officeDocument/2006/relationships" xmlns:p="http://schemas.openxmlformats.org/presentationml/2006/main">
+  <p:cSld>
+    <p:spTree>
+      <p:nvGrpSpPr>
+        <p:cNvPr id="1" name=""/>
+        <p:cNvGrpSpPr/>
+        <p:nvPr/>
+      </p:nvGrpSpPr>
+      <p:grpSpPr>
+        <a:xfrm>
+          <a:off x="0" y="0"/>
+          <a:ext cx="0" cy="0"/>
+          <a:chOff x="0" y="0"/>
+          <a:chExt cx="0" cy="0"/>
+        </a:xfrm>
+      </p:grpSpPr>
+    </p:spTree>
+    <p:extLst>
+      <p:ext uri="{BB962C8B-B14F-4D97-AF65-F5344CB8AC3E}">
+        <p14:creationId xmlns:p14="http://schemas.microsoft.com/office/powerpoint/2010/main" val="94899325"/>
       </p:ext>
     </p:extLst>
   </p:cSld>
@@ -5928,8 +6409,8 @@
         </p:nvSpPr>
         <p:spPr>
           <a:xfrm>
-            <a:off x="299222" y="1065223"/>
-            <a:ext cx="9577668" cy="4886398"/>
+            <a:off x="299222" y="1065224"/>
+            <a:ext cx="9577668" cy="5143072"/>
           </a:xfrm>
           <a:prstGeom prst="rect">
             <a:avLst/>
@@ -5937,7 +6418,7 @@
         </p:spPr>
         <p:txBody>
           <a:bodyPr>
-            <a:normAutofit fontScale="92500" lnSpcReduction="20000"/>
+            <a:normAutofit fontScale="85000" lnSpcReduction="20000"/>
           </a:bodyPr>
           <a:lstStyle>
             <a:lvl2pPr marL="225425" marR="0" indent="-225425" algn="l" defTabSz="457200" rtl="0" eaLnBrk="1" fontAlgn="auto" latinLnBrk="0" hangingPunct="1">
@@ -6041,6 +6522,21 @@
               <a:rPr lang="en-US" sz="3000" dirty="0"/>
               <a:t>Conclusions</a:t>
             </a:r>
+          </a:p>
+          <a:p>
+            <a:pPr lvl="1"/>
+            <a:r>
+              <a:rPr lang="en-US" sz="3000" dirty="0"/>
+              <a:t>Future Improvements</a:t>
+            </a:r>
+          </a:p>
+          <a:p>
+            <a:pPr lvl="1"/>
+            <a:endParaRPr lang="en-US" sz="3000" dirty="0"/>
+          </a:p>
+          <a:p>
+            <a:pPr lvl="1"/>
+            <a:endParaRPr lang="en-US" sz="3000" dirty="0"/>
           </a:p>
           <a:p>
             <a:pPr marL="0" lvl="1" indent="0">
@@ -6178,42 +6674,42 @@
           <a:p>
             <a:pPr lvl="1"/>
             <a:r>
-              <a:rPr lang="en-US" sz="2800" dirty="0"/>
+              <a:rPr lang="en-US" sz="2600" dirty="0"/>
               <a:t>Vehicular Automation</a:t>
             </a:r>
           </a:p>
           <a:p>
             <a:pPr lvl="2"/>
             <a:r>
-              <a:rPr lang="en-US" sz="2800" dirty="0"/>
+              <a:rPr lang="en-US" sz="2600" dirty="0"/>
               <a:t>Usage of Mechatronics, AI, and Multi-agent system</a:t>
             </a:r>
           </a:p>
           <a:p>
             <a:pPr lvl="1"/>
             <a:r>
-              <a:rPr lang="en-US" sz="2800" dirty="0"/>
+              <a:rPr lang="en-US" sz="2600" dirty="0"/>
               <a:t>Application</a:t>
             </a:r>
           </a:p>
           <a:p>
             <a:pPr lvl="2"/>
             <a:r>
-              <a:rPr lang="en-US" sz="2800" dirty="0"/>
+              <a:rPr lang="en-US" sz="2600" dirty="0"/>
               <a:t>Autopilot</a:t>
             </a:r>
           </a:p>
           <a:p>
             <a:pPr lvl="2"/>
             <a:r>
-              <a:rPr lang="en-US" sz="2800" dirty="0"/>
+              <a:rPr lang="en-US" sz="2600" dirty="0"/>
               <a:t>Navigation</a:t>
             </a:r>
           </a:p>
           <a:p>
             <a:pPr lvl="2"/>
             <a:r>
-              <a:rPr lang="en-US" sz="2800" dirty="0"/>
+              <a:rPr lang="en-US" sz="2600" dirty="0"/>
               <a:t>Automatic drive</a:t>
             </a:r>
           </a:p>
@@ -6334,42 +6830,42 @@
           <a:p>
             <a:pPr lvl="1"/>
             <a:r>
-              <a:rPr lang="en-US" sz="2800" dirty="0"/>
+              <a:rPr lang="en-US" sz="2600" dirty="0"/>
               <a:t>Existing technologies for the parallel parking is limited. </a:t>
             </a:r>
           </a:p>
           <a:p>
             <a:pPr lvl="2"/>
             <a:r>
-              <a:rPr lang="en-US" sz="2800" dirty="0"/>
+              <a:rPr lang="en-US" sz="2600" dirty="0"/>
               <a:t>Codes and programs are mostly simple simulation. </a:t>
             </a:r>
           </a:p>
           <a:p>
             <a:pPr lvl="2"/>
             <a:r>
-              <a:rPr lang="en-US" sz="2800" dirty="0"/>
+              <a:rPr lang="en-US" sz="2600" dirty="0"/>
               <a:t>The main body of the vehicle collides into walls and objects.</a:t>
             </a:r>
           </a:p>
           <a:p>
             <a:pPr lvl="1"/>
             <a:r>
-              <a:rPr lang="en-US" sz="2800" dirty="0"/>
+              <a:rPr lang="en-US" sz="2600" dirty="0"/>
               <a:t>Parallel parking is not an optimal problem.</a:t>
             </a:r>
           </a:p>
           <a:p>
             <a:pPr lvl="2"/>
             <a:r>
-              <a:rPr lang="en-US" sz="2800" dirty="0"/>
+              <a:rPr lang="en-US" sz="2600" dirty="0"/>
               <a:t>Limited involvement in optimizing cost.</a:t>
             </a:r>
           </a:p>
           <a:p>
             <a:pPr lvl="2"/>
             <a:r>
-              <a:rPr lang="en-US" sz="2800" dirty="0"/>
+              <a:rPr lang="en-US" sz="2600" dirty="0"/>
               <a:t>More involvement in trajectory planning.</a:t>
             </a:r>
           </a:p>
@@ -6472,42 +6968,42 @@
           <a:p>
             <a:pPr lvl="1"/>
             <a:r>
-              <a:rPr lang="en-US" sz="2800" dirty="0"/>
+              <a:rPr lang="en-US" sz="2600" dirty="0"/>
               <a:t>Parallel parking</a:t>
             </a:r>
           </a:p>
           <a:p>
             <a:pPr lvl="2"/>
             <a:r>
-              <a:rPr lang="en-US" sz="2800" dirty="0"/>
+              <a:rPr lang="en-US" sz="2600" dirty="0"/>
               <a:t>Common and universal behavior of vehicles </a:t>
             </a:r>
           </a:p>
           <a:p>
             <a:pPr lvl="2"/>
             <a:r>
-              <a:rPr lang="en-US" sz="2800" dirty="0"/>
+              <a:rPr lang="en-US" sz="2600" dirty="0"/>
               <a:t>Part of the self-piloting of vehicles</a:t>
             </a:r>
           </a:p>
           <a:p>
             <a:pPr lvl="1"/>
             <a:r>
-              <a:rPr lang="en-US" sz="2800" dirty="0"/>
+              <a:rPr lang="en-US" sz="2600" dirty="0"/>
               <a:t>Four-wheeled Automobile Simulation</a:t>
             </a:r>
           </a:p>
           <a:p>
             <a:pPr lvl="2"/>
             <a:r>
-              <a:rPr lang="en-US" sz="2800" dirty="0"/>
+              <a:rPr lang="en-US" sz="2600" dirty="0"/>
               <a:t>Represented and simulated as a rectangle</a:t>
             </a:r>
           </a:p>
           <a:p>
             <a:pPr lvl="2"/>
             <a:r>
-              <a:rPr lang="en-US" sz="2800" dirty="0"/>
+              <a:rPr lang="en-US" sz="2600" dirty="0"/>
               <a:t>Vertices represent four wheels respectively</a:t>
             </a:r>
           </a:p>
@@ -6610,7 +7106,7 @@
           <a:p>
             <a:pPr lvl="1"/>
             <a:r>
-              <a:rPr lang="en-US" sz="2800" dirty="0"/>
+              <a:rPr lang="en-US" sz="2600" dirty="0"/>
               <a:t>Representation of a parking slot</a:t>
             </a:r>
           </a:p>
@@ -6651,8 +7147,8 @@
           </a:prstGeom>
         </p:spPr>
       </p:pic>
-      <mc:AlternateContent xmlns:mc="http://schemas.openxmlformats.org/markup-compatibility/2006">
-        <mc:Choice xmlns:a14="http://schemas.microsoft.com/office/drawing/2010/main" Requires="a14">
+      <mc:AlternateContent xmlns:mc="http://schemas.openxmlformats.org/markup-compatibility/2006" xmlns:a14="http://schemas.microsoft.com/office/drawing/2010/main">
+        <mc:Choice Requires="a14">
           <p:sp>
             <p:nvSpPr>
               <p:cNvPr id="6" name="TextBox 5">
@@ -6934,7 +7430,7 @@
             </p:txBody>
           </p:sp>
         </mc:Choice>
-        <mc:Fallback>
+        <mc:Fallback xmlns="">
           <p:sp>
             <p:nvSpPr>
               <p:cNvPr id="6" name="TextBox 5">
@@ -7073,14 +7569,14 @@
           <a:p>
             <a:pPr lvl="1"/>
             <a:r>
-              <a:rPr lang="en-US" sz="2800" dirty="0"/>
+              <a:rPr lang="en-US" sz="2600" dirty="0"/>
               <a:t>Representation of a vehicle </a:t>
             </a:r>
           </a:p>
         </p:txBody>
       </p:sp>
-      <mc:AlternateContent xmlns:mc="http://schemas.openxmlformats.org/markup-compatibility/2006">
-        <mc:Choice xmlns:a14="http://schemas.microsoft.com/office/drawing/2010/main" Requires="a14">
+      <mc:AlternateContent xmlns:mc="http://schemas.openxmlformats.org/markup-compatibility/2006" xmlns:a14="http://schemas.microsoft.com/office/drawing/2010/main">
+        <mc:Choice Requires="a14">
           <p:sp>
             <p:nvSpPr>
               <p:cNvPr id="6" name="TextBox 5">
@@ -7271,7 +7767,7 @@
             </p:txBody>
           </p:sp>
         </mc:Choice>
-        <mc:Fallback>
+        <mc:Fallback xmlns="">
           <p:sp>
             <p:nvSpPr>
               <p:cNvPr id="6" name="TextBox 5">
@@ -7448,20 +7944,20 @@
               <a:p>
                 <a:pPr lvl="1"/>
                 <a:r>
-                  <a:rPr lang="en-US" sz="2800" dirty="0"/>
+                  <a:rPr lang="en-US" sz="2600" dirty="0"/>
                   <a:t>Cost-to-go function</a:t>
                 </a:r>
               </a:p>
               <a:p>
                 <a:pPr lvl="2"/>
                 <a:r>
-                  <a:rPr lang="en-US" sz="2800" dirty="0"/>
+                  <a:rPr lang="en-US" sz="2600" dirty="0"/>
                   <a:t>Defined as quadratic function of </a:t>
                 </a:r>
                 <a14:m>
                   <m:oMath xmlns:m="http://schemas.openxmlformats.org/officeDocument/2006/math">
                     <m:r>
-                      <a:rPr lang="en-US" sz="2800" i="1" dirty="0" smtClean="0">
+                      <a:rPr lang="en-US" sz="2600" i="1" dirty="0" smtClean="0">
                         <a:latin typeface="Cambria Math" panose="02040503050406030204" pitchFamily="18" charset="0"/>
                       </a:rPr>
                       <m:t>𝑥</m:t>
@@ -7469,13 +7965,13 @@
                   </m:oMath>
                 </a14:m>
                 <a:r>
-                  <a:rPr lang="en-US" sz="2800" dirty="0"/>
+                  <a:rPr lang="en-US" sz="2600" dirty="0"/>
                   <a:t>, </a:t>
                 </a:r>
                 <a14:m>
                   <m:oMath xmlns:m="http://schemas.openxmlformats.org/officeDocument/2006/math">
                     <m:r>
-                      <a:rPr lang="en-US" sz="2800" b="0" i="1" smtClean="0">
+                      <a:rPr lang="en-US" sz="2600" b="0" i="1" smtClean="0">
                         <a:latin typeface="Cambria Math" panose="02040503050406030204" pitchFamily="18" charset="0"/>
                       </a:rPr>
                       <m:t>𝑦</m:t>
@@ -7483,31 +7979,31 @@
                   </m:oMath>
                 </a14:m>
                 <a:r>
-                  <a:rPr lang="en-US" sz="2800" dirty="0"/>
+                  <a:rPr lang="en-US" sz="2600" dirty="0"/>
                   <a:t>, and </a:t>
                 </a:r>
                 <a14:m>
                   <m:oMath xmlns:m="http://schemas.openxmlformats.org/officeDocument/2006/math">
                     <m:r>
-                      <a:rPr lang="en-US" sz="2800" i="1">
+                      <a:rPr lang="en-US" sz="2600" i="1">
                         <a:latin typeface="Cambria Math" panose="02040503050406030204" pitchFamily="18" charset="0"/>
                       </a:rPr>
                       <m:t>𝜃</m:t>
                     </m:r>
                   </m:oMath>
                 </a14:m>
-                <a:endParaRPr lang="en-US" sz="2800" dirty="0"/>
+                <a:endParaRPr lang="en-US" sz="2600" dirty="0"/>
               </a:p>
               <a:p>
                 <a:pPr lvl="2"/>
                 <a:r>
-                  <a:rPr lang="en-US" sz="2800" dirty="0"/>
+                  <a:rPr lang="en-US" sz="2600" dirty="0"/>
                   <a:t>Moving toward desired position (slot) center at </a:t>
                 </a:r>
                 <a14:m>
                   <m:oMath xmlns:m="http://schemas.openxmlformats.org/officeDocument/2006/math">
                     <m:r>
-                      <a:rPr lang="en-US" sz="2800" i="1" dirty="0" smtClean="0">
+                      <a:rPr lang="en-US" sz="2600" i="1" dirty="0" smtClean="0">
                         <a:latin typeface="Cambria Math" panose="02040503050406030204" pitchFamily="18" charset="0"/>
                       </a:rPr>
                       <m:t>𝑥𝑑</m:t>
@@ -7515,31 +8011,31 @@
                   </m:oMath>
                 </a14:m>
                 <a:r>
-                  <a:rPr lang="en-US" sz="2800" dirty="0"/>
+                  <a:rPr lang="en-US" sz="2600" dirty="0"/>
                   <a:t> and </a:t>
                 </a:r>
                 <a14:m>
                   <m:oMath xmlns:m="http://schemas.openxmlformats.org/officeDocument/2006/math">
                     <m:r>
-                      <a:rPr lang="en-US" sz="2800" i="1" dirty="0" smtClean="0">
+                      <a:rPr lang="en-US" sz="2600" i="1" dirty="0" smtClean="0">
                         <a:latin typeface="Cambria Math" panose="02040503050406030204" pitchFamily="18" charset="0"/>
                       </a:rPr>
                       <m:t>𝑦𝑑</m:t>
                     </m:r>
                   </m:oMath>
                 </a14:m>
-                <a:endParaRPr lang="en-US" sz="2800" dirty="0"/>
+                <a:endParaRPr lang="en-US" sz="2600" dirty="0"/>
               </a:p>
               <a:p>
                 <a:pPr lvl="2"/>
                 <a:r>
-                  <a:rPr lang="en-US" sz="2800" dirty="0"/>
+                  <a:rPr lang="en-US" sz="2600" dirty="0"/>
                   <a:t>Weight on </a:t>
                 </a:r>
                 <a14:m>
                   <m:oMath xmlns:m="http://schemas.openxmlformats.org/officeDocument/2006/math">
                     <m:r>
-                      <a:rPr lang="en-US" sz="2800" i="1">
+                      <a:rPr lang="en-US" sz="2600" i="1">
                         <a:latin typeface="Cambria Math" panose="02040503050406030204" pitchFamily="18" charset="0"/>
                       </a:rPr>
                       <m:t>𝜃</m:t>
@@ -7547,35 +8043,35 @@
                   </m:oMath>
                 </a14:m>
                 <a:r>
-                  <a:rPr lang="en-US" sz="2800" dirty="0"/>
+                  <a:rPr lang="en-US" sz="2600" dirty="0"/>
                   <a:t> is high to highlight “parallel”</a:t>
                 </a:r>
               </a:p>
               <a:p>
                 <a:pPr lvl="1"/>
                 <a:r>
-                  <a:rPr lang="en-US" sz="2800" dirty="0"/>
+                  <a:rPr lang="en-US" sz="2600" dirty="0"/>
                   <a:t>Four-wheeled Automobile Simulation</a:t>
                 </a:r>
               </a:p>
               <a:p>
                 <a:pPr lvl="2"/>
                 <a:r>
-                  <a:rPr lang="en-US" sz="2800" dirty="0"/>
+                  <a:rPr lang="en-US" sz="2600" dirty="0"/>
                   <a:t>Calculating net position given current position and inputs</a:t>
                 </a:r>
               </a:p>
               <a:p>
                 <a:pPr lvl="2"/>
                 <a:r>
-                  <a:rPr lang="en-US" sz="2800" dirty="0"/>
+                  <a:rPr lang="en-US" sz="2600" dirty="0"/>
                   <a:t>Update state and co-state dynamics</a:t>
                 </a:r>
               </a:p>
               <a:p>
                 <a:pPr lvl="2"/>
                 <a:r>
-                  <a:rPr lang="en-US" sz="2800" dirty="0"/>
+                  <a:rPr lang="en-US" sz="2600" dirty="0"/>
                   <a:t>Update input variables by gradient descent method</a:t>
                 </a:r>
               </a:p>
@@ -7610,7 +8106,7 @@
               <a:blipFill>
                 <a:blip r:embed="rId2"/>
                 <a:stretch>
-                  <a:fillRect l="-971" t="-1222"/>
+                  <a:fillRect l="-857" t="-1100"/>
                 </a:stretch>
               </a:blipFill>
             </p:spPr>

--- a/Optimal Control Theory.pptx
+++ b/Optimal Control Theory.pptx
@@ -5,7 +5,7 @@
     <p:sldMasterId id="2147483648" r:id="rId1"/>
   </p:sldMasterIdLst>
   <p:notesMasterIdLst>
-    <p:notesMasterId r:id="rId18"/>
+    <p:notesMasterId r:id="rId22"/>
   </p:notesMasterIdLst>
   <p:sldIdLst>
     <p:sldId id="273" r:id="rId2"/>
@@ -17,13 +17,17 @@
     <p:sldId id="278" r:id="rId8"/>
     <p:sldId id="279" r:id="rId9"/>
     <p:sldId id="283" r:id="rId10"/>
-    <p:sldId id="280" r:id="rId11"/>
-    <p:sldId id="282" r:id="rId12"/>
-    <p:sldId id="281" r:id="rId13"/>
-    <p:sldId id="284" r:id="rId14"/>
-    <p:sldId id="295" r:id="rId15"/>
-    <p:sldId id="294" r:id="rId16"/>
-    <p:sldId id="293" r:id="rId17"/>
+    <p:sldId id="296" r:id="rId11"/>
+    <p:sldId id="280" r:id="rId12"/>
+    <p:sldId id="298" r:id="rId13"/>
+    <p:sldId id="297" r:id="rId14"/>
+    <p:sldId id="299" r:id="rId15"/>
+    <p:sldId id="281" r:id="rId16"/>
+    <p:sldId id="300" r:id="rId17"/>
+    <p:sldId id="301" r:id="rId18"/>
+    <p:sldId id="295" r:id="rId19"/>
+    <p:sldId id="294" r:id="rId20"/>
+    <p:sldId id="293" r:id="rId21"/>
   </p:sldIdLst>
   <p:sldSz cx="12192000" cy="6858000"/>
   <p:notesSz cx="6858000" cy="9144000"/>
@@ -816,7 +820,7 @@
           <a:p>
             <a:fld id="{EB3DA8EE-BE46-464A-B9ED-639C808FE555}" type="slidenum">
               <a:rPr lang="en-US" smtClean="0"/>
-              <a:t>16</a:t>
+              <a:t>20</a:t>
             </a:fld>
             <a:endParaRPr lang="en-US"/>
           </a:p>
@@ -2105,7 +2109,7 @@
                   <a:schemeClr val="bg1"/>
                 </a:solidFill>
               </a:rPr>
-              <a:t>{ INSERT TITLE HERE ]</a:t>
+              <a:t>Parallel Parking with Collision Avoidance</a:t>
             </a:r>
           </a:p>
         </p:txBody>
@@ -5416,12 +5420,26 @@
           </a:prstGeom>
         </p:spPr>
         <p:txBody>
-          <a:bodyPr/>
+          <a:bodyPr>
+            <a:normAutofit/>
+          </a:bodyPr>
           <a:lstStyle/>
           <a:p>
             <a:r>
+              <a:rPr lang="en-US" altLang="zh-CN" dirty="0"/>
+              <a:t>Honglu He, </a:t>
+            </a:r>
+            <a:r>
+              <a:rPr lang="en-US" altLang="zh-CN" dirty="0" err="1"/>
+              <a:t>Yidong</a:t>
+            </a:r>
+            <a:r>
+              <a:rPr lang="en-US" altLang="zh-CN" dirty="0"/>
+              <a:t> Fu	</a:t>
+            </a:r>
+            <a:r>
               <a:rPr lang="en-US" dirty="0"/>
-              <a:t>DEPARTMENT OR ENGINEERING    |    04/22/2020</a:t>
+              <a:t>|    04/22/2020</a:t>
             </a:r>
           </a:p>
         </p:txBody>
@@ -5461,7 +5479,7 @@
           <p:cNvPr id="2" name="Text Placeholder 1">
             <a:extLst>
               <a:ext uri="{FF2B5EF4-FFF2-40B4-BE49-F238E27FC236}">
-                <a16:creationId xmlns:a16="http://schemas.microsoft.com/office/drawing/2014/main" id="{58CFB951-233F-4A20-AE66-EEA65F99CE5F}"/>
+                <a16:creationId xmlns:a16="http://schemas.microsoft.com/office/drawing/2014/main" id="{2CE4D028-889A-4E0D-A2B3-729F25C4A914}"/>
               </a:ext>
             </a:extLst>
           </p:cNvPr>
@@ -5485,47 +5503,561 @@
                   <a:schemeClr val="tx1"/>
                 </a:solidFill>
               </a:rPr>
-              <a:t>Collision Avoidance</a:t>
-            </a:r>
-          </a:p>
-        </p:txBody>
-      </p:sp>
-      <p:sp>
-        <p:nvSpPr>
-          <p:cNvPr id="3" name="Text Placeholder 2">
+              <a:t>Approach</a:t>
+            </a:r>
+          </a:p>
+        </p:txBody>
+      </p:sp>
+      <mc:AlternateContent xmlns:mc="http://schemas.openxmlformats.org/markup-compatibility/2006">
+        <mc:Choice xmlns:a14="http://schemas.microsoft.com/office/drawing/2010/main" Requires="a14">
+          <p:sp>
+            <p:nvSpPr>
+              <p:cNvPr id="3" name="Text Placeholder 2">
+                <a:extLst>
+                  <a:ext uri="{FF2B5EF4-FFF2-40B4-BE49-F238E27FC236}">
+                    <a16:creationId xmlns:a16="http://schemas.microsoft.com/office/drawing/2014/main" id="{F95A7129-A532-474F-A5EC-150189A30AF7}"/>
+                  </a:ext>
+                </a:extLst>
+              </p:cNvPr>
+              <p:cNvSpPr>
+                <a:spLocks noGrp="1"/>
+              </p:cNvSpPr>
+              <p:nvPr>
+                <p:ph type="body" sz="quarter" idx="17"/>
+              </p:nvPr>
+            </p:nvSpPr>
+            <p:spPr>
+              <a:xfrm>
+                <a:off x="299222" y="1051972"/>
+                <a:ext cx="9828546" cy="2438400"/>
+              </a:xfrm>
+            </p:spPr>
+            <p:txBody>
+              <a:bodyPr>
+                <a:normAutofit/>
+              </a:bodyPr>
+              <a:lstStyle/>
+              <a:p>
+                <a:r>
+                  <a:rPr lang="en-US" altLang="zh-CN" dirty="0"/>
+                  <a:t>Or we can minimize the steps to get to the destination.</a:t>
+                </a:r>
+              </a:p>
+              <a:p>
+                <a14:m>
+                  <m:oMath xmlns:m="http://schemas.openxmlformats.org/officeDocument/2006/math">
+                    <m:r>
+                      <a:rPr lang="en-US" b="0" i="1" smtClean="0">
+                        <a:latin typeface="Cambria Math" panose="02040503050406030204" pitchFamily="18" charset="0"/>
+                      </a:rPr>
+                      <m:t>𝐽</m:t>
+                    </m:r>
+                    <m:r>
+                      <a:rPr lang="en-US" b="0" i="1" smtClean="0">
+                        <a:latin typeface="Cambria Math" panose="02040503050406030204" pitchFamily="18" charset="0"/>
+                      </a:rPr>
+                      <m:t>=</m:t>
+                    </m:r>
+                    <m:f>
+                      <m:fPr>
+                        <m:ctrlPr>
+                          <a:rPr lang="en-US" b="0" i="1" smtClean="0">
+                            <a:latin typeface="Cambria Math" panose="02040503050406030204" pitchFamily="18" charset="0"/>
+                          </a:rPr>
+                        </m:ctrlPr>
+                      </m:fPr>
+                      <m:num>
+                        <m:r>
+                          <a:rPr lang="en-US" b="0" i="1" smtClean="0">
+                            <a:latin typeface="Cambria Math" panose="02040503050406030204" pitchFamily="18" charset="0"/>
+                          </a:rPr>
+                          <m:t>1</m:t>
+                        </m:r>
+                      </m:num>
+                      <m:den>
+                        <m:r>
+                          <a:rPr lang="en-US" b="0" i="1" smtClean="0">
+                            <a:latin typeface="Cambria Math" panose="02040503050406030204" pitchFamily="18" charset="0"/>
+                          </a:rPr>
+                          <m:t>2</m:t>
+                        </m:r>
+                      </m:den>
+                    </m:f>
+                    <m:sSubSup>
+                      <m:sSubSupPr>
+                        <m:ctrlPr>
+                          <a:rPr lang="en-US" altLang="zh-CN" b="0" i="1" smtClean="0">
+                            <a:latin typeface="Cambria Math" panose="02040503050406030204" pitchFamily="18" charset="0"/>
+                          </a:rPr>
+                        </m:ctrlPr>
+                      </m:sSubSupPr>
+                      <m:e>
+                        <m:r>
+                          <m:rPr>
+                            <m:sty m:val="p"/>
+                          </m:rPr>
+                          <a:rPr lang="en-US" altLang="zh-CN" i="1">
+                            <a:latin typeface="Cambria Math" panose="02040503050406030204" pitchFamily="18" charset="0"/>
+                          </a:rPr>
+                          <m:t>Σ</m:t>
+                        </m:r>
+                      </m:e>
+                      <m:sub>
+                        <m:r>
+                          <a:rPr lang="en-US" altLang="zh-CN" b="0" i="1" smtClean="0">
+                            <a:latin typeface="Cambria Math" panose="02040503050406030204" pitchFamily="18" charset="0"/>
+                          </a:rPr>
+                          <m:t>𝑘</m:t>
+                        </m:r>
+                        <m:r>
+                          <a:rPr lang="en-US" altLang="zh-CN" b="0" i="1" smtClean="0">
+                            <a:latin typeface="Cambria Math" panose="02040503050406030204" pitchFamily="18" charset="0"/>
+                          </a:rPr>
+                          <m:t>=1</m:t>
+                        </m:r>
+                      </m:sub>
+                      <m:sup>
+                        <m:r>
+                          <a:rPr lang="en-US" altLang="zh-CN" b="0" i="1" smtClean="0">
+                            <a:latin typeface="Cambria Math" panose="02040503050406030204" pitchFamily="18" charset="0"/>
+                          </a:rPr>
+                          <m:t>𝑁</m:t>
+                        </m:r>
+                      </m:sup>
+                    </m:sSubSup>
+                    <m:sSup>
+                      <m:sSupPr>
+                        <m:ctrlPr>
+                          <a:rPr lang="en-US" altLang="zh-CN" b="0" i="1" smtClean="0">
+                            <a:latin typeface="Cambria Math" panose="02040503050406030204" pitchFamily="18" charset="0"/>
+                          </a:rPr>
+                        </m:ctrlPr>
+                      </m:sSupPr>
+                      <m:e>
+                        <m:r>
+                          <m:rPr>
+                            <m:sty m:val="p"/>
+                          </m:rPr>
+                          <a:rPr lang="en-US" altLang="zh-CN" i="1">
+                            <a:latin typeface="Cambria Math" panose="02040503050406030204" pitchFamily="18" charset="0"/>
+                          </a:rPr>
+                          <m:t>γ</m:t>
+                        </m:r>
+                      </m:e>
+                      <m:sup>
+                        <m:r>
+                          <a:rPr lang="en-US" altLang="zh-CN" b="0" i="1" smtClean="0">
+                            <a:latin typeface="Cambria Math" panose="02040503050406030204" pitchFamily="18" charset="0"/>
+                          </a:rPr>
+                          <m:t>𝑘</m:t>
+                        </m:r>
+                      </m:sup>
+                    </m:sSup>
+                    <m:r>
+                      <a:rPr lang="en-US" b="0" i="1" smtClean="0">
+                        <a:latin typeface="Cambria Math" panose="02040503050406030204" pitchFamily="18" charset="0"/>
+                      </a:rPr>
+                      <m:t>(</m:t>
+                    </m:r>
+                    <m:sSup>
+                      <m:sSupPr>
+                        <m:ctrlPr>
+                          <a:rPr lang="en-US" b="0" i="1" smtClean="0">
+                            <a:latin typeface="Cambria Math" panose="02040503050406030204" pitchFamily="18" charset="0"/>
+                          </a:rPr>
+                        </m:ctrlPr>
+                      </m:sSupPr>
+                      <m:e>
+                        <m:d>
+                          <m:dPr>
+                            <m:ctrlPr>
+                              <a:rPr lang="en-US" b="0" i="1" smtClean="0">
+                                <a:latin typeface="Cambria Math" panose="02040503050406030204" pitchFamily="18" charset="0"/>
+                              </a:rPr>
+                            </m:ctrlPr>
+                          </m:dPr>
+                          <m:e>
+                            <m:r>
+                              <a:rPr lang="en-US" b="0" i="1" smtClean="0">
+                                <a:latin typeface="Cambria Math" panose="02040503050406030204" pitchFamily="18" charset="0"/>
+                              </a:rPr>
+                              <m:t>𝑥</m:t>
+                            </m:r>
+                            <m:d>
+                              <m:dPr>
+                                <m:ctrlPr>
+                                  <a:rPr lang="en-US" b="0" i="1" smtClean="0">
+                                    <a:latin typeface="Cambria Math" panose="02040503050406030204" pitchFamily="18" charset="0"/>
+                                  </a:rPr>
+                                </m:ctrlPr>
+                              </m:dPr>
+                              <m:e>
+                                <m:r>
+                                  <a:rPr lang="en-US" b="0" i="1" smtClean="0">
+                                    <a:latin typeface="Cambria Math" panose="02040503050406030204" pitchFamily="18" charset="0"/>
+                                  </a:rPr>
+                                  <m:t>𝑘</m:t>
+                                </m:r>
+                              </m:e>
+                            </m:d>
+                            <m:r>
+                              <a:rPr lang="en-US" b="0" i="1" smtClean="0">
+                                <a:latin typeface="Cambria Math" panose="02040503050406030204" pitchFamily="18" charset="0"/>
+                              </a:rPr>
+                              <m:t>−</m:t>
+                            </m:r>
+                            <m:sSub>
+                              <m:sSubPr>
+                                <m:ctrlPr>
+                                  <a:rPr lang="en-US" b="0" i="1" smtClean="0">
+                                    <a:latin typeface="Cambria Math" panose="02040503050406030204" pitchFamily="18" charset="0"/>
+                                  </a:rPr>
+                                </m:ctrlPr>
+                              </m:sSubPr>
+                              <m:e>
+                                <m:r>
+                                  <a:rPr lang="en-US" b="0" i="1" smtClean="0">
+                                    <a:latin typeface="Cambria Math" panose="02040503050406030204" pitchFamily="18" charset="0"/>
+                                  </a:rPr>
+                                  <m:t>𝑥</m:t>
+                                </m:r>
+                              </m:e>
+                              <m:sub>
+                                <m:r>
+                                  <a:rPr lang="en-US" b="0" i="1" smtClean="0">
+                                    <a:latin typeface="Cambria Math" panose="02040503050406030204" pitchFamily="18" charset="0"/>
+                                  </a:rPr>
+                                  <m:t>𝑑</m:t>
+                                </m:r>
+                              </m:sub>
+                            </m:sSub>
+                          </m:e>
+                        </m:d>
+                      </m:e>
+                      <m:sup>
+                        <m:r>
+                          <a:rPr lang="en-US" b="0" i="1" smtClean="0">
+                            <a:latin typeface="Cambria Math" panose="02040503050406030204" pitchFamily="18" charset="0"/>
+                          </a:rPr>
+                          <m:t>2</m:t>
+                        </m:r>
+                      </m:sup>
+                    </m:sSup>
+                    <m:r>
+                      <a:rPr lang="en-US" b="0" i="1" smtClean="0">
+                        <a:latin typeface="Cambria Math" panose="02040503050406030204" pitchFamily="18" charset="0"/>
+                      </a:rPr>
+                      <m:t>+</m:t>
+                    </m:r>
+                    <m:sSup>
+                      <m:sSupPr>
+                        <m:ctrlPr>
+                          <a:rPr lang="en-US" i="1">
+                            <a:latin typeface="Cambria Math" panose="02040503050406030204" pitchFamily="18" charset="0"/>
+                          </a:rPr>
+                        </m:ctrlPr>
+                      </m:sSupPr>
+                      <m:e>
+                        <m:d>
+                          <m:dPr>
+                            <m:ctrlPr>
+                              <a:rPr lang="en-US" i="1">
+                                <a:latin typeface="Cambria Math" panose="02040503050406030204" pitchFamily="18" charset="0"/>
+                              </a:rPr>
+                            </m:ctrlPr>
+                          </m:dPr>
+                          <m:e>
+                            <m:r>
+                              <a:rPr lang="en-US" b="0" i="1" smtClean="0">
+                                <a:latin typeface="Cambria Math" panose="02040503050406030204" pitchFamily="18" charset="0"/>
+                              </a:rPr>
+                              <m:t>𝑦</m:t>
+                            </m:r>
+                            <m:d>
+                              <m:dPr>
+                                <m:ctrlPr>
+                                  <a:rPr lang="en-US" i="1">
+                                    <a:latin typeface="Cambria Math" panose="02040503050406030204" pitchFamily="18" charset="0"/>
+                                  </a:rPr>
+                                </m:ctrlPr>
+                              </m:dPr>
+                              <m:e>
+                                <m:r>
+                                  <a:rPr lang="en-US" b="0" i="1" smtClean="0">
+                                    <a:latin typeface="Cambria Math" panose="02040503050406030204" pitchFamily="18" charset="0"/>
+                                  </a:rPr>
+                                  <m:t>𝑘</m:t>
+                                </m:r>
+                              </m:e>
+                            </m:d>
+                            <m:r>
+                              <a:rPr lang="en-US" i="1">
+                                <a:latin typeface="Cambria Math" panose="02040503050406030204" pitchFamily="18" charset="0"/>
+                              </a:rPr>
+                              <m:t>−</m:t>
+                            </m:r>
+                            <m:sSub>
+                              <m:sSubPr>
+                                <m:ctrlPr>
+                                  <a:rPr lang="en-US" i="1">
+                                    <a:latin typeface="Cambria Math" panose="02040503050406030204" pitchFamily="18" charset="0"/>
+                                  </a:rPr>
+                                </m:ctrlPr>
+                              </m:sSubPr>
+                              <m:e>
+                                <m:r>
+                                  <a:rPr lang="en-US" b="0" i="1" smtClean="0">
+                                    <a:latin typeface="Cambria Math" panose="02040503050406030204" pitchFamily="18" charset="0"/>
+                                  </a:rPr>
+                                  <m:t>𝑦</m:t>
+                                </m:r>
+                              </m:e>
+                              <m:sub>
+                                <m:r>
+                                  <a:rPr lang="en-US" i="1">
+                                    <a:latin typeface="Cambria Math" panose="02040503050406030204" pitchFamily="18" charset="0"/>
+                                  </a:rPr>
+                                  <m:t>𝑑</m:t>
+                                </m:r>
+                              </m:sub>
+                            </m:sSub>
+                          </m:e>
+                        </m:d>
+                      </m:e>
+                      <m:sup>
+                        <m:r>
+                          <a:rPr lang="en-US" i="1">
+                            <a:latin typeface="Cambria Math" panose="02040503050406030204" pitchFamily="18" charset="0"/>
+                          </a:rPr>
+                          <m:t>2</m:t>
+                        </m:r>
+                      </m:sup>
+                    </m:sSup>
+                    <m:r>
+                      <a:rPr lang="en-US" b="0" i="0" smtClean="0">
+                        <a:latin typeface="Cambria Math" panose="02040503050406030204" pitchFamily="18" charset="0"/>
+                      </a:rPr>
+                      <m:t>+</m:t>
+                    </m:r>
+                    <m:r>
+                      <m:rPr>
+                        <m:sty m:val="p"/>
+                      </m:rPr>
+                      <a:rPr lang="en-US" b="0" i="0" smtClean="0">
+                        <a:latin typeface="Cambria Math" panose="02040503050406030204" pitchFamily="18" charset="0"/>
+                      </a:rPr>
+                      <m:t>w</m:t>
+                    </m:r>
+                    <m:sSup>
+                      <m:sSupPr>
+                        <m:ctrlPr>
+                          <a:rPr lang="en-US" i="1">
+                            <a:latin typeface="Cambria Math" panose="02040503050406030204" pitchFamily="18" charset="0"/>
+                          </a:rPr>
+                        </m:ctrlPr>
+                      </m:sSupPr>
+                      <m:e>
+                        <m:d>
+                          <m:dPr>
+                            <m:ctrlPr>
+                              <a:rPr lang="en-US" i="1">
+                                <a:latin typeface="Cambria Math" panose="02040503050406030204" pitchFamily="18" charset="0"/>
+                              </a:rPr>
+                            </m:ctrlPr>
+                          </m:dPr>
+                          <m:e>
+                            <m:r>
+                              <m:rPr>
+                                <m:sty m:val="p"/>
+                              </m:rPr>
+                              <a:rPr lang="en-US" altLang="zh-CN" i="1" smtClean="0">
+                                <a:latin typeface="Cambria Math" panose="02040503050406030204" pitchFamily="18" charset="0"/>
+                              </a:rPr>
+                              <m:t>θ</m:t>
+                            </m:r>
+                            <m:d>
+                              <m:dPr>
+                                <m:ctrlPr>
+                                  <a:rPr lang="en-US" i="1">
+                                    <a:latin typeface="Cambria Math" panose="02040503050406030204" pitchFamily="18" charset="0"/>
+                                  </a:rPr>
+                                </m:ctrlPr>
+                              </m:dPr>
+                              <m:e>
+                                <m:r>
+                                  <a:rPr lang="en-US" b="0" i="1" smtClean="0">
+                                    <a:latin typeface="Cambria Math" panose="02040503050406030204" pitchFamily="18" charset="0"/>
+                                  </a:rPr>
+                                  <m:t>𝑘</m:t>
+                                </m:r>
+                              </m:e>
+                            </m:d>
+                            <m:r>
+                              <a:rPr lang="en-US" i="1">
+                                <a:latin typeface="Cambria Math" panose="02040503050406030204" pitchFamily="18" charset="0"/>
+                              </a:rPr>
+                              <m:t>−</m:t>
+                            </m:r>
+                            <m:sSub>
+                              <m:sSubPr>
+                                <m:ctrlPr>
+                                  <a:rPr lang="en-US" i="1">
+                                    <a:latin typeface="Cambria Math" panose="02040503050406030204" pitchFamily="18" charset="0"/>
+                                  </a:rPr>
+                                </m:ctrlPr>
+                              </m:sSubPr>
+                              <m:e>
+                                <m:r>
+                                  <m:rPr>
+                                    <m:sty m:val="p"/>
+                                  </m:rPr>
+                                  <a:rPr lang="en-US" altLang="zh-CN" i="1">
+                                    <a:latin typeface="Cambria Math" panose="02040503050406030204" pitchFamily="18" charset="0"/>
+                                  </a:rPr>
+                                  <m:t>θ</m:t>
+                                </m:r>
+                              </m:e>
+                              <m:sub>
+                                <m:r>
+                                  <a:rPr lang="en-US" i="1">
+                                    <a:latin typeface="Cambria Math" panose="02040503050406030204" pitchFamily="18" charset="0"/>
+                                  </a:rPr>
+                                  <m:t>𝑑</m:t>
+                                </m:r>
+                              </m:sub>
+                            </m:sSub>
+                          </m:e>
+                        </m:d>
+                      </m:e>
+                      <m:sup>
+                        <m:r>
+                          <a:rPr lang="en-US" i="1">
+                            <a:latin typeface="Cambria Math" panose="02040503050406030204" pitchFamily="18" charset="0"/>
+                          </a:rPr>
+                          <m:t>2</m:t>
+                        </m:r>
+                      </m:sup>
+                    </m:sSup>
+                    <m:r>
+                      <a:rPr lang="en-US" b="0" i="1" smtClean="0">
+                        <a:latin typeface="Cambria Math" panose="02040503050406030204" pitchFamily="18" charset="0"/>
+                      </a:rPr>
+                      <m:t>)</m:t>
+                    </m:r>
+                  </m:oMath>
+                </a14:m>
+                <a:endParaRPr lang="en-US" dirty="0"/>
+              </a:p>
+              <a:p>
+                <a:r>
+                  <a:rPr lang="en-US" dirty="0"/>
+                  <a:t>where </a:t>
+                </a:r>
+                <a14:m>
+                  <m:oMath xmlns:m="http://schemas.openxmlformats.org/officeDocument/2006/math">
+                    <m:r>
+                      <m:rPr>
+                        <m:sty m:val="p"/>
+                      </m:rPr>
+                      <a:rPr lang="en-US" altLang="zh-CN" i="1">
+                        <a:latin typeface="Cambria Math" panose="02040503050406030204" pitchFamily="18" charset="0"/>
+                      </a:rPr>
+                      <m:t>γ</m:t>
+                    </m:r>
+                  </m:oMath>
+                </a14:m>
+                <a:r>
+                  <a:rPr lang="en-US" dirty="0"/>
+                  <a:t>=1.1</a:t>
+                </a:r>
+              </a:p>
+            </p:txBody>
+          </p:sp>
+        </mc:Choice>
+        <mc:Fallback>
+          <p:sp>
+            <p:nvSpPr>
+              <p:cNvPr id="3" name="Text Placeholder 2">
+                <a:extLst>
+                  <a:ext uri="{FF2B5EF4-FFF2-40B4-BE49-F238E27FC236}">
+                    <a16:creationId xmlns:a16="http://schemas.microsoft.com/office/drawing/2014/main" id="{F95A7129-A532-474F-A5EC-150189A30AF7}"/>
+                  </a:ext>
+                </a:extLst>
+              </p:cNvPr>
+              <p:cNvSpPr>
+                <a:spLocks noGrp="1" noRot="1" noChangeAspect="1" noMove="1" noResize="1" noEditPoints="1" noAdjustHandles="1" noChangeArrowheads="1" noChangeShapeType="1" noTextEdit="1"/>
+              </p:cNvSpPr>
+              <p:nvPr>
+                <p:ph type="body" sz="quarter" idx="17"/>
+              </p:nvPr>
+            </p:nvSpPr>
+            <p:spPr>
+              <a:xfrm>
+                <a:off x="299222" y="1051972"/>
+                <a:ext cx="9828546" cy="2438400"/>
+              </a:xfrm>
+              <a:blipFill>
+                <a:blip r:embed="rId2"/>
+                <a:stretch>
+                  <a:fillRect l="-1117" t="-4250"/>
+                </a:stretch>
+              </a:blipFill>
+            </p:spPr>
+            <p:txBody>
+              <a:bodyPr/>
+              <a:lstStyle/>
+              <a:p>
+                <a:r>
+                  <a:rPr lang="en-US">
+                    <a:noFill/>
+                  </a:rPr>
+                  <a:t> </a:t>
+                </a:r>
+              </a:p>
+            </p:txBody>
+          </p:sp>
+        </mc:Fallback>
+      </mc:AlternateContent>
+      <p:pic>
+        <p:nvPicPr>
+          <p:cNvPr id="8" name="圖片 7" descr="一張含有 時鐘 的圖片&#10;&#10;自動產生的描述">
             <a:extLst>
               <a:ext uri="{FF2B5EF4-FFF2-40B4-BE49-F238E27FC236}">
-                <a16:creationId xmlns:a16="http://schemas.microsoft.com/office/drawing/2014/main" id="{E2A8DB5D-FBDC-4B81-B099-76F8F0C123FB}"/>
+                <a16:creationId xmlns:a16="http://schemas.microsoft.com/office/drawing/2014/main" id="{171464D4-F264-4A7F-B012-5B1A60E6C4E6}"/>
               </a:ext>
             </a:extLst>
           </p:cNvPr>
-          <p:cNvSpPr>
-            <a:spLocks noGrp="1"/>
-          </p:cNvSpPr>
-          <p:nvPr>
-            <p:ph type="body" sz="quarter" idx="17"/>
-          </p:nvPr>
-        </p:nvSpPr>
+          <p:cNvPicPr>
+            <a:picLocks noChangeAspect="1"/>
+          </p:cNvPicPr>
+          <p:nvPr/>
+        </p:nvPicPr>
+        <p:blipFill>
+          <a:blip r:embed="rId3">
+            <a:extLst>
+              <a:ext uri="{28A0092B-C50C-407E-A947-70E740481C1C}">
+                <a14:useLocalDpi xmlns:a14="http://schemas.microsoft.com/office/drawing/2010/main" val="0"/>
+              </a:ext>
+            </a:extLst>
+          </a:blip>
+          <a:stretch>
+            <a:fillRect/>
+          </a:stretch>
+        </p:blipFill>
         <p:spPr>
           <a:xfrm>
-            <a:off x="299222" y="1051972"/>
-            <a:ext cx="10673578" cy="4986221"/>
+            <a:off x="2959091" y="2692750"/>
+            <a:ext cx="4508807" cy="3381605"/>
           </a:xfrm>
+          <a:prstGeom prst="rect">
+            <a:avLst/>
+          </a:prstGeom>
         </p:spPr>
-        <p:txBody>
-          <a:bodyPr>
-            <a:normAutofit/>
-          </a:bodyPr>
-          <a:lstStyle/>
-          <a:p>
-            <a:endParaRPr lang="en-US" dirty="0"/>
-          </a:p>
-        </p:txBody>
-      </p:sp>
+      </p:pic>
     </p:spTree>
     <p:extLst>
       <p:ext uri="{BB962C8B-B14F-4D97-AF65-F5344CB8AC3E}">
-        <p14:creationId xmlns:p14="http://schemas.microsoft.com/office/powerpoint/2010/main" val="154618465"/>
+        <p14:creationId xmlns:p14="http://schemas.microsoft.com/office/powerpoint/2010/main" val="224244742"/>
       </p:ext>
     </p:extLst>
   </p:cSld>
@@ -5581,7 +6113,7 @@
                   <a:schemeClr val="tx1"/>
                 </a:solidFill>
               </a:rPr>
-              <a:t>Model &amp; Focus</a:t>
+              <a:t>Collision Detection</a:t>
             </a:r>
           </a:p>
         </p:txBody>
@@ -5604,8 +6136,8 @@
         </p:nvSpPr>
         <p:spPr>
           <a:xfrm>
-            <a:off x="299221" y="1051972"/>
-            <a:ext cx="11315835" cy="4986221"/>
+            <a:off x="299222" y="1051972"/>
+            <a:ext cx="10673578" cy="4986221"/>
           </a:xfrm>
         </p:spPr>
         <p:txBody>
@@ -5614,205 +6146,25 @@
           </a:bodyPr>
           <a:lstStyle/>
           <a:p>
-            <a:pPr lvl="1"/>
-            <a:r>
-              <a:rPr lang="en-US" sz="2600" dirty="0"/>
-              <a:t>Undesired behavior of a vehicle</a:t>
-            </a:r>
-          </a:p>
-        </p:txBody>
-      </p:sp>
-      <mc:AlternateContent xmlns:mc="http://schemas.openxmlformats.org/markup-compatibility/2006" xmlns:a14="http://schemas.microsoft.com/office/drawing/2010/main">
-        <mc:Choice Requires="a14">
-          <p:sp>
-            <p:nvSpPr>
-              <p:cNvPr id="6" name="TextBox 5">
-                <a:extLst>
-                  <a:ext uri="{FF2B5EF4-FFF2-40B4-BE49-F238E27FC236}">
-                    <a16:creationId xmlns:a16="http://schemas.microsoft.com/office/drawing/2014/main" id="{ABDE782B-153A-4F69-A916-9909E92250C2}"/>
-                  </a:ext>
-                </a:extLst>
-              </p:cNvPr>
-              <p:cNvSpPr txBox="1"/>
-              <p:nvPr/>
-            </p:nvSpPr>
-            <p:spPr>
-              <a:xfrm>
-                <a:off x="6808878" y="1924752"/>
-                <a:ext cx="4806179" cy="1015663"/>
-              </a:xfrm>
-              <a:prstGeom prst="rect">
-                <a:avLst/>
-              </a:prstGeom>
-              <a:noFill/>
-            </p:spPr>
-            <p:txBody>
-              <a:bodyPr wrap="square" rtlCol="0">
-                <a:spAutoFit/>
-              </a:bodyPr>
-              <a:lstStyle/>
-              <a:p>
-                <a:r>
-                  <a:rPr lang="en-US" sz="2000" dirty="0"/>
-                  <a:t>Visualization of a vehicle and surrounding:</a:t>
-                </a:r>
-              </a:p>
-              <a:p>
-                <a:pPr marL="342900" indent="-342900">
-                  <a:buFont typeface="Arial" panose="020B0604020202020204" pitchFamily="34" charset="0"/>
-                  <a:buChar char="•"/>
-                </a:pPr>
-                <a14:m>
-                  <m:oMath xmlns:m="http://schemas.openxmlformats.org/officeDocument/2006/math">
-                    <m:r>
-                      <a:rPr lang="en-US" sz="2000" b="0" i="1" dirty="0" smtClean="0">
-                        <a:latin typeface="Cambria Math" panose="02040503050406030204" pitchFamily="18" charset="0"/>
-                      </a:rPr>
-                      <m:t>𝐺</m:t>
-                    </m:r>
-                    <m:r>
-                      <a:rPr lang="en-US" sz="2000" b="0" i="1" dirty="0" smtClean="0">
-                        <a:latin typeface="Cambria Math" panose="02040503050406030204" pitchFamily="18" charset="0"/>
-                      </a:rPr>
-                      <m:t>:</m:t>
-                    </m:r>
-                    <m:r>
-                      <a:rPr lang="en-US" sz="2000" b="0" i="1" dirty="0" smtClean="0">
-                        <a:latin typeface="Cambria Math" panose="02040503050406030204" pitchFamily="18" charset="0"/>
-                      </a:rPr>
-                      <m:t>𝑔𝑒𝑜𝑚𝑒𝑡𝑟𝑖𝑐</m:t>
-                    </m:r>
-                    <m:r>
-                      <a:rPr lang="en-US" sz="2000" b="0" i="1" dirty="0" smtClean="0">
-                        <a:latin typeface="Cambria Math" panose="02040503050406030204" pitchFamily="18" charset="0"/>
-                      </a:rPr>
-                      <m:t> </m:t>
-                    </m:r>
-                    <m:r>
-                      <a:rPr lang="en-US" sz="2000" b="0" i="1" dirty="0" smtClean="0">
-                        <a:latin typeface="Cambria Math" panose="02040503050406030204" pitchFamily="18" charset="0"/>
-                      </a:rPr>
-                      <m:t>𝑐𝑒𝑛𝑡𝑒𝑟</m:t>
-                    </m:r>
-                    <m:r>
-                      <a:rPr lang="en-US" sz="2000" b="0" i="1" dirty="0" smtClean="0">
-                        <a:latin typeface="Cambria Math" panose="02040503050406030204" pitchFamily="18" charset="0"/>
-                      </a:rPr>
-                      <m:t> </m:t>
-                    </m:r>
-                  </m:oMath>
-                </a14:m>
-                <a:endParaRPr lang="en-US" sz="2000" b="0" i="1" dirty="0">
-                  <a:latin typeface="Cambria Math" panose="02040503050406030204" pitchFamily="18" charset="0"/>
-                </a:endParaRPr>
-              </a:p>
-              <a:p>
-                <a:pPr marL="342900" indent="-342900">
-                  <a:buFont typeface="Arial" panose="020B0604020202020204" pitchFamily="34" charset="0"/>
-                  <a:buChar char="•"/>
-                </a:pPr>
-                <a14:m>
-                  <m:oMath xmlns:m="http://schemas.openxmlformats.org/officeDocument/2006/math">
-                    <m:r>
-                      <a:rPr lang="en-US" sz="2000" b="0" i="1" smtClean="0">
-                        <a:latin typeface="Cambria Math" panose="02040503050406030204" pitchFamily="18" charset="0"/>
-                      </a:rPr>
-                      <m:t>𝐸</m:t>
-                    </m:r>
-                    <m:r>
-                      <a:rPr lang="en-US" sz="2000" b="0" i="1" smtClean="0">
-                        <a:latin typeface="Cambria Math" panose="02040503050406030204" pitchFamily="18" charset="0"/>
-                      </a:rPr>
-                      <m:t>:</m:t>
-                    </m:r>
-                    <m:r>
-                      <a:rPr lang="en-US" sz="2000" b="0" i="1" smtClean="0">
-                        <a:latin typeface="Cambria Math" panose="02040503050406030204" pitchFamily="18" charset="0"/>
-                      </a:rPr>
-                      <m:t>𝑐𝑜𝑟𝑛𝑒𝑟</m:t>
-                    </m:r>
-                    <m:r>
-                      <a:rPr lang="en-US" sz="2000" b="0" i="1" smtClean="0">
-                        <a:latin typeface="Cambria Math" panose="02040503050406030204" pitchFamily="18" charset="0"/>
-                      </a:rPr>
-                      <m:t> </m:t>
-                    </m:r>
-                    <m:r>
-                      <a:rPr lang="en-US" sz="2000" b="0" i="1" smtClean="0">
-                        <a:latin typeface="Cambria Math" panose="02040503050406030204" pitchFamily="18" charset="0"/>
-                      </a:rPr>
-                      <m:t>𝑜𝑓</m:t>
-                    </m:r>
-                    <m:r>
-                      <a:rPr lang="en-US" sz="2000" b="0" i="1" smtClean="0">
-                        <a:latin typeface="Cambria Math" panose="02040503050406030204" pitchFamily="18" charset="0"/>
-                      </a:rPr>
-                      <m:t> </m:t>
-                    </m:r>
-                    <m:r>
-                      <a:rPr lang="en-US" sz="2000" b="0" i="1" smtClean="0">
-                        <a:latin typeface="Cambria Math" panose="02040503050406030204" pitchFamily="18" charset="0"/>
-                      </a:rPr>
-                      <m:t>𝑜𝑏𝑠𝑡𝑎𝑐𝑙𝑒</m:t>
-                    </m:r>
-                  </m:oMath>
-                </a14:m>
-                <a:endParaRPr lang="en-US" sz="2000" dirty="0"/>
-              </a:p>
-            </p:txBody>
-          </p:sp>
-        </mc:Choice>
-        <mc:Fallback xmlns="">
-          <p:sp>
-            <p:nvSpPr>
-              <p:cNvPr id="6" name="TextBox 5">
-                <a:extLst>
-                  <a:ext uri="{FF2B5EF4-FFF2-40B4-BE49-F238E27FC236}">
-                    <a16:creationId xmlns:a16="http://schemas.microsoft.com/office/drawing/2014/main" id="{ABDE782B-153A-4F69-A916-9909E92250C2}"/>
-                  </a:ext>
-                </a:extLst>
-              </p:cNvPr>
-              <p:cNvSpPr txBox="1">
-                <a:spLocks noRot="1" noChangeAspect="1" noMove="1" noResize="1" noEditPoints="1" noAdjustHandles="1" noChangeArrowheads="1" noChangeShapeType="1" noTextEdit="1"/>
-              </p:cNvSpPr>
-              <p:nvPr/>
-            </p:nvSpPr>
-            <p:spPr>
-              <a:xfrm>
-                <a:off x="6808878" y="1924752"/>
-                <a:ext cx="4806179" cy="1015663"/>
-              </a:xfrm>
-              <a:prstGeom prst="rect">
-                <a:avLst/>
-              </a:prstGeom>
-              <a:blipFill>
-                <a:blip r:embed="rId2"/>
-                <a:stretch>
-                  <a:fillRect l="-1396" t="-3614" b="-7831"/>
-                </a:stretch>
-              </a:blipFill>
-            </p:spPr>
-            <p:txBody>
-              <a:bodyPr/>
-              <a:lstStyle/>
-              <a:p>
-                <a:r>
-                  <a:rPr lang="en-US">
-                    <a:noFill/>
-                  </a:rPr>
-                  <a:t> </a:t>
-                </a:r>
-              </a:p>
-            </p:txBody>
-          </p:sp>
-        </mc:Fallback>
-      </mc:AlternateContent>
+            <a:r>
+              <a:rPr lang="en-US" dirty="0"/>
+              <a:t>From the result without “obstacles”, we can see the potential collision is at the bottom boundary and upper right corner.</a:t>
+            </a:r>
+          </a:p>
+          <a:p>
+            <a:r>
+              <a:rPr lang="en-US" dirty="0"/>
+              <a:t>For the red line, we simply detect if the edge point of the vehicle falls below the line</a:t>
+            </a:r>
+          </a:p>
+        </p:txBody>
+      </p:sp>
       <p:pic>
         <p:nvPicPr>
-          <p:cNvPr id="5" name="Picture 4" descr="A close up of a device&#10;&#10;Description automatically generated">
+          <p:cNvPr id="5" name="圖片 4" descr="一張含有 廚房, 白色 的圖片&#10;&#10;自動產生的描述">
             <a:extLst>
               <a:ext uri="{FF2B5EF4-FFF2-40B4-BE49-F238E27FC236}">
-                <a16:creationId xmlns:a16="http://schemas.microsoft.com/office/drawing/2014/main" id="{5FE65406-3CB5-40D0-9BEF-C6F6673F9590}"/>
+                <a16:creationId xmlns:a16="http://schemas.microsoft.com/office/drawing/2014/main" id="{28983250-5719-4469-B2F7-22FA3F64A4DE}"/>
               </a:ext>
             </a:extLst>
           </p:cNvPr>
@@ -5821,22 +6173,21 @@
           </p:cNvPicPr>
           <p:nvPr/>
         </p:nvPicPr>
-        <p:blipFill>
-          <a:blip r:embed="rId3">
+        <p:blipFill rotWithShape="1">
+          <a:blip r:embed="rId2">
             <a:extLst>
               <a:ext uri="{28A0092B-C50C-407E-A947-70E740481C1C}">
                 <a14:useLocalDpi xmlns:a14="http://schemas.microsoft.com/office/drawing/2010/main" val="0"/>
               </a:ext>
             </a:extLst>
           </a:blip>
-          <a:stretch>
-            <a:fillRect/>
-          </a:stretch>
+          <a:srcRect l="7663" t="5584" r="6854" b="4466"/>
+          <a:stretch/>
         </p:blipFill>
         <p:spPr>
           <a:xfrm>
-            <a:off x="299222" y="1595181"/>
-            <a:ext cx="6563641" cy="3667637"/>
+            <a:off x="3949787" y="2355368"/>
+            <a:ext cx="4666593" cy="3682825"/>
           </a:xfrm>
           <a:prstGeom prst="rect">
             <a:avLst/>
@@ -5846,7 +6197,7 @@
     </p:spTree>
     <p:extLst>
       <p:ext uri="{BB962C8B-B14F-4D97-AF65-F5344CB8AC3E}">
-        <p14:creationId xmlns:p14="http://schemas.microsoft.com/office/powerpoint/2010/main" val="2575515907"/>
+        <p14:creationId xmlns:p14="http://schemas.microsoft.com/office/powerpoint/2010/main" val="154618465"/>
       </p:ext>
     </p:extLst>
   </p:cSld>
@@ -5878,7 +6229,7 @@
           <p:cNvPr id="2" name="Text Placeholder 1">
             <a:extLst>
               <a:ext uri="{FF2B5EF4-FFF2-40B4-BE49-F238E27FC236}">
-                <a16:creationId xmlns:a16="http://schemas.microsoft.com/office/drawing/2014/main" id="{3FC3EBA3-6AF3-45B0-90A7-A1FFF2422565}"/>
+                <a16:creationId xmlns:a16="http://schemas.microsoft.com/office/drawing/2014/main" id="{58CFB951-233F-4A20-AE66-EEA65F99CE5F}"/>
               </a:ext>
             </a:extLst>
           </p:cNvPr>
@@ -5902,32 +6253,465 @@
                   <a:schemeClr val="tx1"/>
                 </a:solidFill>
               </a:rPr>
-              <a:t>Results</a:t>
-            </a:r>
-          </a:p>
-        </p:txBody>
-      </p:sp>
-      <p:sp>
-        <p:nvSpPr>
-          <p:cNvPr id="3" name="Text Placeholder 2">
+              <a:t>Collision Detection</a:t>
+            </a:r>
+          </a:p>
+        </p:txBody>
+      </p:sp>
+      <mc:AlternateContent xmlns:mc="http://schemas.openxmlformats.org/markup-compatibility/2006">
+        <mc:Choice xmlns:a14="http://schemas.microsoft.com/office/drawing/2010/main" Requires="a14">
+          <p:sp>
+            <p:nvSpPr>
+              <p:cNvPr id="3" name="Text Placeholder 2">
+                <a:extLst>
+                  <a:ext uri="{FF2B5EF4-FFF2-40B4-BE49-F238E27FC236}">
+                    <a16:creationId xmlns:a16="http://schemas.microsoft.com/office/drawing/2014/main" id="{E2A8DB5D-FBDC-4B81-B099-76F8F0C123FB}"/>
+                  </a:ext>
+                </a:extLst>
+              </p:cNvPr>
+              <p:cNvSpPr>
+                <a:spLocks noGrp="1"/>
+              </p:cNvSpPr>
+              <p:nvPr>
+                <p:ph type="body" sz="quarter" idx="17"/>
+              </p:nvPr>
+            </p:nvSpPr>
+            <p:spPr>
+              <a:xfrm>
+                <a:off x="299222" y="1051972"/>
+                <a:ext cx="10673578" cy="4986221"/>
+              </a:xfrm>
+            </p:spPr>
+            <p:txBody>
+              <a:bodyPr>
+                <a:normAutofit/>
+              </a:bodyPr>
+              <a:lstStyle/>
+              <a:p>
+                <a:r>
+                  <a:rPr lang="en-US" dirty="0"/>
+                  <a:t>For the red corner, taken the fact that the vehicle is a convex object, when it doesn’t collide:</a:t>
+                </a:r>
+              </a:p>
+              <a:p>
+                <a:pPr lvl="2"/>
+                <a14:m>
+                  <m:oMath xmlns:m="http://schemas.openxmlformats.org/officeDocument/2006/math">
+                    <m:r>
+                      <a:rPr lang="en-US" b="0" i="1" smtClean="0">
+                        <a:latin typeface="Cambria Math" panose="02040503050406030204" pitchFamily="18" charset="0"/>
+                      </a:rPr>
+                      <m:t>𝐴𝑟𝑒𝑎</m:t>
+                    </m:r>
+                    <m:d>
+                      <m:dPr>
+                        <m:ctrlPr>
+                          <a:rPr lang="en-US" b="0" i="1" smtClean="0">
+                            <a:latin typeface="Cambria Math" panose="02040503050406030204" pitchFamily="18" charset="0"/>
+                          </a:rPr>
+                        </m:ctrlPr>
+                      </m:dPr>
+                      <m:e>
+                        <m:r>
+                          <a:rPr lang="en-US" b="0" i="1" smtClean="0">
+                            <a:latin typeface="Cambria Math" panose="02040503050406030204" pitchFamily="18" charset="0"/>
+                          </a:rPr>
+                          <m:t>𝐴𝐸𝐵</m:t>
+                        </m:r>
+                      </m:e>
+                    </m:d>
+                    <m:r>
+                      <a:rPr lang="en-US" i="1">
+                        <a:latin typeface="Cambria Math" panose="02040503050406030204" pitchFamily="18" charset="0"/>
+                      </a:rPr>
+                      <m:t>+</m:t>
+                    </m:r>
+                    <m:r>
+                      <a:rPr lang="en-US" i="1">
+                        <a:latin typeface="Cambria Math" panose="02040503050406030204" pitchFamily="18" charset="0"/>
+                      </a:rPr>
+                      <m:t>𝐴𝑟𝑒𝑎</m:t>
+                    </m:r>
+                    <m:d>
+                      <m:dPr>
+                        <m:ctrlPr>
+                          <a:rPr lang="en-US" i="1">
+                            <a:latin typeface="Cambria Math" panose="02040503050406030204" pitchFamily="18" charset="0"/>
+                          </a:rPr>
+                        </m:ctrlPr>
+                      </m:dPr>
+                      <m:e>
+                        <m:r>
+                          <a:rPr lang="en-US" b="0" i="1" smtClean="0">
+                            <a:latin typeface="Cambria Math" panose="02040503050406030204" pitchFamily="18" charset="0"/>
+                          </a:rPr>
+                          <m:t>𝐵</m:t>
+                        </m:r>
+                        <m:r>
+                          <a:rPr lang="en-US" i="1">
+                            <a:latin typeface="Cambria Math" panose="02040503050406030204" pitchFamily="18" charset="0"/>
+                          </a:rPr>
+                          <m:t>𝐸</m:t>
+                        </m:r>
+                        <m:r>
+                          <a:rPr lang="en-US" b="0" i="1" smtClean="0">
+                            <a:latin typeface="Cambria Math" panose="02040503050406030204" pitchFamily="18" charset="0"/>
+                          </a:rPr>
+                          <m:t>𝐶</m:t>
+                        </m:r>
+                      </m:e>
+                    </m:d>
+                  </m:oMath>
+                </a14:m>
+                <a:r>
+                  <a:rPr lang="en-US" dirty="0"/>
+                  <a:t>+ </a:t>
+                </a:r>
+                <a14:m>
+                  <m:oMath xmlns:m="http://schemas.openxmlformats.org/officeDocument/2006/math">
+                    <m:r>
+                      <a:rPr lang="en-US" i="1">
+                        <a:latin typeface="Cambria Math" panose="02040503050406030204" pitchFamily="18" charset="0"/>
+                      </a:rPr>
+                      <m:t>𝐴𝑟𝑒𝑎</m:t>
+                    </m:r>
+                    <m:d>
+                      <m:dPr>
+                        <m:ctrlPr>
+                          <a:rPr lang="en-US" i="1">
+                            <a:latin typeface="Cambria Math" panose="02040503050406030204" pitchFamily="18" charset="0"/>
+                          </a:rPr>
+                        </m:ctrlPr>
+                      </m:dPr>
+                      <m:e>
+                        <m:r>
+                          <a:rPr lang="en-US" b="0" i="1" smtClean="0">
+                            <a:latin typeface="Cambria Math" panose="02040503050406030204" pitchFamily="18" charset="0"/>
+                          </a:rPr>
+                          <m:t>𝐶</m:t>
+                        </m:r>
+                        <m:r>
+                          <a:rPr lang="en-US" i="1">
+                            <a:latin typeface="Cambria Math" panose="02040503050406030204" pitchFamily="18" charset="0"/>
+                          </a:rPr>
+                          <m:t>𝐸</m:t>
+                        </m:r>
+                        <m:r>
+                          <a:rPr lang="en-US" b="0" i="1" smtClean="0">
+                            <a:latin typeface="Cambria Math" panose="02040503050406030204" pitchFamily="18" charset="0"/>
+                          </a:rPr>
+                          <m:t>𝐷</m:t>
+                        </m:r>
+                      </m:e>
+                    </m:d>
+                  </m:oMath>
+                </a14:m>
+                <a:r>
+                  <a:rPr lang="en-US" dirty="0"/>
+                  <a:t>+ </a:t>
+                </a:r>
+                <a14:m>
+                  <m:oMath xmlns:m="http://schemas.openxmlformats.org/officeDocument/2006/math">
+                    <m:r>
+                      <a:rPr lang="en-US" i="1">
+                        <a:latin typeface="Cambria Math" panose="02040503050406030204" pitchFamily="18" charset="0"/>
+                      </a:rPr>
+                      <m:t>𝐴𝑟𝑒𝑎</m:t>
+                    </m:r>
+                    <m:d>
+                      <m:dPr>
+                        <m:ctrlPr>
+                          <a:rPr lang="en-US" i="1">
+                            <a:latin typeface="Cambria Math" panose="02040503050406030204" pitchFamily="18" charset="0"/>
+                          </a:rPr>
+                        </m:ctrlPr>
+                      </m:dPr>
+                      <m:e>
+                        <m:r>
+                          <a:rPr lang="en-US" b="0" i="1" smtClean="0">
+                            <a:latin typeface="Cambria Math" panose="02040503050406030204" pitchFamily="18" charset="0"/>
+                          </a:rPr>
+                          <m:t>𝐷𝐸𝐴</m:t>
+                        </m:r>
+                      </m:e>
+                    </m:d>
+                  </m:oMath>
+                </a14:m>
+                <a:r>
+                  <a:rPr lang="en-US" dirty="0"/>
+                  <a:t>&gt;</a:t>
+                </a:r>
+                <a14:m>
+                  <m:oMath xmlns:m="http://schemas.openxmlformats.org/officeDocument/2006/math">
+                    <m:r>
+                      <a:rPr lang="en-US" i="1">
+                        <a:latin typeface="Cambria Math" panose="02040503050406030204" pitchFamily="18" charset="0"/>
+                      </a:rPr>
+                      <m:t>𝐴𝑟𝑒𝑎</m:t>
+                    </m:r>
+                    <m:d>
+                      <m:dPr>
+                        <m:ctrlPr>
+                          <a:rPr lang="en-US" i="1">
+                            <a:latin typeface="Cambria Math" panose="02040503050406030204" pitchFamily="18" charset="0"/>
+                          </a:rPr>
+                        </m:ctrlPr>
+                      </m:dPr>
+                      <m:e>
+                        <m:r>
+                          <a:rPr lang="en-US" i="1">
+                            <a:latin typeface="Cambria Math" panose="02040503050406030204" pitchFamily="18" charset="0"/>
+                          </a:rPr>
+                          <m:t>𝐴𝐵</m:t>
+                        </m:r>
+                        <m:r>
+                          <a:rPr lang="en-US" b="0" i="1" smtClean="0">
+                            <a:latin typeface="Cambria Math" panose="02040503050406030204" pitchFamily="18" charset="0"/>
+                          </a:rPr>
+                          <m:t>𝐶𝐷</m:t>
+                        </m:r>
+                      </m:e>
+                    </m:d>
+                  </m:oMath>
+                </a14:m>
+                <a:endParaRPr lang="en-US" dirty="0"/>
+              </a:p>
+              <a:p>
+                <a:r>
+                  <a:rPr lang="en-US" sz="2000" dirty="0"/>
+                  <a:t>Visualization of a vehicle and surrounding:</a:t>
+                </a:r>
+              </a:p>
+              <a:p>
+                <a:pPr marL="342900" indent="-342900"/>
+                <a14:m>
+                  <m:oMath xmlns:m="http://schemas.openxmlformats.org/officeDocument/2006/math">
+                    <m:r>
+                      <a:rPr lang="en-US" sz="2000" i="1" dirty="0">
+                        <a:latin typeface="Cambria Math" panose="02040503050406030204" pitchFamily="18" charset="0"/>
+                      </a:rPr>
+                      <m:t>𝐺</m:t>
+                    </m:r>
+                    <m:r>
+                      <a:rPr lang="en-US" sz="2000" i="1" dirty="0">
+                        <a:latin typeface="Cambria Math" panose="02040503050406030204" pitchFamily="18" charset="0"/>
+                      </a:rPr>
+                      <m:t>:</m:t>
+                    </m:r>
+                    <m:r>
+                      <a:rPr lang="en-US" sz="2000" i="1" dirty="0">
+                        <a:latin typeface="Cambria Math" panose="02040503050406030204" pitchFamily="18" charset="0"/>
+                      </a:rPr>
+                      <m:t>𝑔𝑒𝑜𝑚𝑒𝑡𝑟𝑖𝑐</m:t>
+                    </m:r>
+                    <m:r>
+                      <a:rPr lang="en-US" sz="2000" i="1" dirty="0">
+                        <a:latin typeface="Cambria Math" panose="02040503050406030204" pitchFamily="18" charset="0"/>
+                      </a:rPr>
+                      <m:t> </m:t>
+                    </m:r>
+                    <m:r>
+                      <a:rPr lang="en-US" sz="2000" i="1" dirty="0">
+                        <a:latin typeface="Cambria Math" panose="02040503050406030204" pitchFamily="18" charset="0"/>
+                      </a:rPr>
+                      <m:t>𝑐𝑒𝑛𝑡𝑒𝑟</m:t>
+                    </m:r>
+                    <m:r>
+                      <a:rPr lang="en-US" sz="2000" i="1" dirty="0">
+                        <a:latin typeface="Cambria Math" panose="02040503050406030204" pitchFamily="18" charset="0"/>
+                      </a:rPr>
+                      <m:t> </m:t>
+                    </m:r>
+                  </m:oMath>
+                </a14:m>
+                <a:endParaRPr lang="en-US" sz="2000" i="1" dirty="0">
+                  <a:latin typeface="Cambria Math" panose="02040503050406030204" pitchFamily="18" charset="0"/>
+                </a:endParaRPr>
+              </a:p>
+              <a:p>
+                <a:pPr marL="342900" indent="-342900"/>
+                <a14:m>
+                  <m:oMath xmlns:m="http://schemas.openxmlformats.org/officeDocument/2006/math">
+                    <m:r>
+                      <a:rPr lang="en-US" sz="2000" i="1">
+                        <a:latin typeface="Cambria Math" panose="02040503050406030204" pitchFamily="18" charset="0"/>
+                      </a:rPr>
+                      <m:t>𝐸</m:t>
+                    </m:r>
+                    <m:r>
+                      <a:rPr lang="en-US" sz="2000" i="1">
+                        <a:latin typeface="Cambria Math" panose="02040503050406030204" pitchFamily="18" charset="0"/>
+                      </a:rPr>
+                      <m:t>:</m:t>
+                    </m:r>
+                    <m:r>
+                      <a:rPr lang="en-US" sz="2000" i="1">
+                        <a:latin typeface="Cambria Math" panose="02040503050406030204" pitchFamily="18" charset="0"/>
+                      </a:rPr>
+                      <m:t>𝑐𝑜𝑟𝑛𝑒𝑟</m:t>
+                    </m:r>
+                    <m:r>
+                      <a:rPr lang="en-US" sz="2000" i="1">
+                        <a:latin typeface="Cambria Math" panose="02040503050406030204" pitchFamily="18" charset="0"/>
+                      </a:rPr>
+                      <m:t> </m:t>
+                    </m:r>
+                    <m:r>
+                      <a:rPr lang="en-US" sz="2000" i="1">
+                        <a:latin typeface="Cambria Math" panose="02040503050406030204" pitchFamily="18" charset="0"/>
+                      </a:rPr>
+                      <m:t>𝑜𝑓</m:t>
+                    </m:r>
+                    <m:r>
+                      <a:rPr lang="en-US" sz="2000" i="1">
+                        <a:latin typeface="Cambria Math" panose="02040503050406030204" pitchFamily="18" charset="0"/>
+                      </a:rPr>
+                      <m:t> </m:t>
+                    </m:r>
+                    <m:r>
+                      <a:rPr lang="en-US" sz="2000" i="1">
+                        <a:latin typeface="Cambria Math" panose="02040503050406030204" pitchFamily="18" charset="0"/>
+                      </a:rPr>
+                      <m:t>𝑜𝑏𝑠𝑡𝑎𝑐𝑙𝑒</m:t>
+                    </m:r>
+                  </m:oMath>
+                </a14:m>
+                <a:endParaRPr lang="en-US" sz="2000" dirty="0"/>
+              </a:p>
+              <a:p>
+                <a:pPr marL="300559" lvl="2" indent="0">
+                  <a:buNone/>
+                </a:pPr>
+                <a:endParaRPr lang="en-US" dirty="0"/>
+              </a:p>
+            </p:txBody>
+          </p:sp>
+        </mc:Choice>
+        <mc:Fallback>
+          <p:sp>
+            <p:nvSpPr>
+              <p:cNvPr id="3" name="Text Placeholder 2">
+                <a:extLst>
+                  <a:ext uri="{FF2B5EF4-FFF2-40B4-BE49-F238E27FC236}">
+                    <a16:creationId xmlns:a16="http://schemas.microsoft.com/office/drawing/2014/main" id="{E2A8DB5D-FBDC-4B81-B099-76F8F0C123FB}"/>
+                  </a:ext>
+                </a:extLst>
+              </p:cNvPr>
+              <p:cNvSpPr>
+                <a:spLocks noGrp="1" noRot="1" noChangeAspect="1" noMove="1" noResize="1" noEditPoints="1" noAdjustHandles="1" noChangeArrowheads="1" noChangeShapeType="1" noTextEdit="1"/>
+              </p:cNvSpPr>
+              <p:nvPr>
+                <p:ph type="body" sz="quarter" idx="17"/>
+              </p:nvPr>
+            </p:nvSpPr>
+            <p:spPr>
+              <a:xfrm>
+                <a:off x="299222" y="1051972"/>
+                <a:ext cx="10673578" cy="4986221"/>
+              </a:xfrm>
+              <a:blipFill>
+                <a:blip r:embed="rId2"/>
+                <a:stretch>
+                  <a:fillRect l="-1028" t="-2078"/>
+                </a:stretch>
+              </a:blipFill>
+            </p:spPr>
+            <p:txBody>
+              <a:bodyPr/>
+              <a:lstStyle/>
+              <a:p>
+                <a:r>
+                  <a:rPr lang="en-US">
+                    <a:noFill/>
+                  </a:rPr>
+                  <a:t> </a:t>
+                </a:r>
+              </a:p>
+            </p:txBody>
+          </p:sp>
+        </mc:Fallback>
+      </mc:AlternateContent>
+      <p:pic>
+        <p:nvPicPr>
+          <p:cNvPr id="1026" name="Picture 2">
             <a:extLst>
               <a:ext uri="{FF2B5EF4-FFF2-40B4-BE49-F238E27FC236}">
-                <a16:creationId xmlns:a16="http://schemas.microsoft.com/office/drawing/2014/main" id="{6257CB59-96D7-4DD7-B8D6-CC87B8BF765D}"/>
+                <a16:creationId xmlns:a16="http://schemas.microsoft.com/office/drawing/2014/main" id="{6203B3A3-DD5D-4D95-BCF3-D1A54ED9C875}"/>
               </a:ext>
             </a:extLst>
           </p:cNvPr>
-          <p:cNvSpPr>
-            <a:spLocks noGrp="1"/>
-          </p:cNvSpPr>
-          <p:nvPr>
-            <p:ph type="body" sz="quarter" idx="17"/>
-          </p:nvPr>
-        </p:nvSpPr>
-        <p:spPr/>
-        <p:txBody>
-          <a:bodyPr/>
+          <p:cNvPicPr>
+            <a:picLocks noChangeAspect="1" noChangeArrowheads="1"/>
+          </p:cNvPicPr>
+          <p:nvPr/>
+        </p:nvPicPr>
+        <p:blipFill rotWithShape="1">
+          <a:blip r:embed="rId3">
+            <a:extLst>
+              <a:ext uri="{28A0092B-C50C-407E-A947-70E740481C1C}">
+                <a14:useLocalDpi xmlns:a14="http://schemas.microsoft.com/office/drawing/2010/main" val="0"/>
+              </a:ext>
+            </a:extLst>
+          </a:blip>
+          <a:srcRect l="17824" t="4625" r="22550"/>
+          <a:stretch/>
+        </p:blipFill>
+        <p:spPr bwMode="auto">
+          <a:xfrm>
+            <a:off x="8027801" y="2257622"/>
+            <a:ext cx="4164199" cy="3610303"/>
+          </a:xfrm>
+          <a:prstGeom prst="rect">
+            <a:avLst/>
+          </a:prstGeom>
+          <a:noFill/>
+          <a:extLst>
+            <a:ext uri="{909E8E84-426E-40DD-AFC4-6F175D3DCCD1}">
+              <a14:hiddenFill xmlns:a14="http://schemas.microsoft.com/office/drawing/2010/main">
+                <a:solidFill>
+                  <a:srgbClr val="FFFFFF"/>
+                </a:solidFill>
+              </a14:hiddenFill>
+            </a:ext>
+          </a:extLst>
+        </p:spPr>
+      </p:pic>
+      <p:sp>
+        <p:nvSpPr>
+          <p:cNvPr id="4" name="矩形 3">
+            <a:extLst>
+              <a:ext uri="{FF2B5EF4-FFF2-40B4-BE49-F238E27FC236}">
+                <a16:creationId xmlns:a16="http://schemas.microsoft.com/office/drawing/2014/main" id="{66262422-ABF7-46A3-A019-7044D84C93C5}"/>
+              </a:ext>
+            </a:extLst>
+          </p:cNvPr>
+          <p:cNvSpPr/>
+          <p:nvPr/>
+        </p:nvSpPr>
+        <p:spPr>
+          <a:xfrm>
+            <a:off x="8726527" y="5806028"/>
+            <a:ext cx="2916183" cy="369332"/>
+          </a:xfrm>
+          <a:prstGeom prst="rect">
+            <a:avLst/>
+          </a:prstGeom>
+        </p:spPr>
+        <p:txBody>
+          <a:bodyPr wrap="none">
+            <a:spAutoFit/>
+          </a:bodyPr>
           <a:lstStyle/>
           <a:p>
+            <a:r>
+              <a:rPr lang="en-US" dirty="0">
+                <a:solidFill>
+                  <a:srgbClr val="333333"/>
+                </a:solidFill>
+                <a:latin typeface="Times New Roman" panose="02020603050405020304" pitchFamily="18" charset="0"/>
+              </a:rPr>
+              <a:t>Figure 3: Collision Model [1]</a:t>
+            </a:r>
             <a:endParaRPr lang="en-US" dirty="0"/>
           </a:p>
         </p:txBody>
@@ -5935,7 +6719,7 @@
     </p:spTree>
     <p:extLst>
       <p:ext uri="{BB962C8B-B14F-4D97-AF65-F5344CB8AC3E}">
-        <p14:creationId xmlns:p14="http://schemas.microsoft.com/office/powerpoint/2010/main" val="604564482"/>
+        <p14:creationId xmlns:p14="http://schemas.microsoft.com/office/powerpoint/2010/main" val="2109398474"/>
       </p:ext>
     </p:extLst>
   </p:cSld>
@@ -5967,7 +6751,7 @@
           <p:cNvPr id="2" name="Text Placeholder 1">
             <a:extLst>
               <a:ext uri="{FF2B5EF4-FFF2-40B4-BE49-F238E27FC236}">
-                <a16:creationId xmlns:a16="http://schemas.microsoft.com/office/drawing/2014/main" id="{BCCE844A-2193-4DDD-BF71-931954EF917B}"/>
+                <a16:creationId xmlns:a16="http://schemas.microsoft.com/office/drawing/2014/main" id="{58CFB951-233F-4A20-AE66-EEA65F99CE5F}"/>
               </a:ext>
             </a:extLst>
           </p:cNvPr>
@@ -5991,71 +6775,494 @@
                   <a:schemeClr val="tx1"/>
                 </a:solidFill>
               </a:rPr>
-              <a:t>Conclusions</a:t>
-            </a:r>
-          </a:p>
-        </p:txBody>
-      </p:sp>
-      <p:sp>
-        <p:nvSpPr>
-          <p:cNvPr id="3" name="Text Placeholder 2">
-            <a:extLst>
-              <a:ext uri="{FF2B5EF4-FFF2-40B4-BE49-F238E27FC236}">
-                <a16:creationId xmlns:a16="http://schemas.microsoft.com/office/drawing/2014/main" id="{C650830E-669F-42E2-86FB-99AA9BBC1880}"/>
-              </a:ext>
-            </a:extLst>
-          </p:cNvPr>
-          <p:cNvSpPr>
-            <a:spLocks noGrp="1"/>
-          </p:cNvSpPr>
-          <p:nvPr>
-            <p:ph type="body" sz="quarter" idx="17"/>
-          </p:nvPr>
-        </p:nvSpPr>
-        <p:spPr>
-          <a:xfrm>
-            <a:off x="299222" y="1051971"/>
-            <a:ext cx="10737746" cy="4379999"/>
-          </a:xfrm>
-        </p:spPr>
-        <p:txBody>
-          <a:bodyPr>
-            <a:normAutofit/>
-          </a:bodyPr>
-          <a:lstStyle/>
-          <a:p>
-            <a:pPr lvl="1"/>
-            <a:r>
-              <a:rPr lang="en-US" sz="2600" dirty="0"/>
-              <a:t>Optimized motion towards a desired position</a:t>
-            </a:r>
-          </a:p>
-          <a:p>
-            <a:pPr lvl="2"/>
-            <a:r>
-              <a:rPr lang="en-US" sz="2200" dirty="0"/>
-              <a:t>Constrained optimization </a:t>
-            </a:r>
-          </a:p>
-          <a:p>
-            <a:pPr lvl="1"/>
-            <a:r>
-              <a:rPr lang="en-US" sz="2600" dirty="0"/>
-              <a:t>Simplified simulation of parallel parking process</a:t>
-            </a:r>
-          </a:p>
-          <a:p>
-            <a:pPr marL="0" lvl="1" indent="0">
-              <a:buNone/>
-            </a:pPr>
-            <a:endParaRPr lang="en-US" dirty="0"/>
-          </a:p>
-        </p:txBody>
-      </p:sp>
+              <a:t>Collision Avoidance</a:t>
+            </a:r>
+          </a:p>
+        </p:txBody>
+      </p:sp>
+      <mc:AlternateContent xmlns:mc="http://schemas.openxmlformats.org/markup-compatibility/2006">
+        <mc:Choice xmlns:a14="http://schemas.microsoft.com/office/drawing/2010/main" Requires="a14">
+          <p:sp>
+            <p:nvSpPr>
+              <p:cNvPr id="3" name="Text Placeholder 2">
+                <a:extLst>
+                  <a:ext uri="{FF2B5EF4-FFF2-40B4-BE49-F238E27FC236}">
+                    <a16:creationId xmlns:a16="http://schemas.microsoft.com/office/drawing/2014/main" id="{E2A8DB5D-FBDC-4B81-B099-76F8F0C123FB}"/>
+                  </a:ext>
+                </a:extLst>
+              </p:cNvPr>
+              <p:cNvSpPr>
+                <a:spLocks noGrp="1"/>
+              </p:cNvSpPr>
+              <p:nvPr>
+                <p:ph type="body" sz="quarter" idx="17"/>
+              </p:nvPr>
+            </p:nvSpPr>
+            <p:spPr>
+              <a:xfrm>
+                <a:off x="299222" y="1051972"/>
+                <a:ext cx="10673578" cy="4986221"/>
+              </a:xfrm>
+            </p:spPr>
+            <p:txBody>
+              <a:bodyPr>
+                <a:normAutofit/>
+              </a:bodyPr>
+              <a:lstStyle/>
+              <a:p>
+                <a:r>
+                  <a:rPr lang="en-US" dirty="0"/>
+                  <a:t>The first idea is to push the vehicle toward the normal direction of the collision configuration. </a:t>
+                </a:r>
+              </a:p>
+              <a:p>
+                <a:r>
+                  <a:rPr lang="en-US" dirty="0"/>
+                  <a:t>Taking the step before collision as starting point, and the desired final location is 10 units away  in the normal direction, this is again a Two Point Boundary Value problem:</a:t>
+                </a:r>
+              </a:p>
+              <a:p>
+                <a14:m>
+                  <m:oMath xmlns:m="http://schemas.openxmlformats.org/officeDocument/2006/math">
+                    <m:r>
+                      <a:rPr lang="en-US" i="1">
+                        <a:latin typeface="Cambria Math" panose="02040503050406030204" pitchFamily="18" charset="0"/>
+                      </a:rPr>
+                      <m:t>𝐽</m:t>
+                    </m:r>
+                    <m:r>
+                      <a:rPr lang="en-US" i="1">
+                        <a:latin typeface="Cambria Math" panose="02040503050406030204" pitchFamily="18" charset="0"/>
+                      </a:rPr>
+                      <m:t>=</m:t>
+                    </m:r>
+                    <m:f>
+                      <m:fPr>
+                        <m:ctrlPr>
+                          <a:rPr lang="en-US" i="1">
+                            <a:latin typeface="Cambria Math" panose="02040503050406030204" pitchFamily="18" charset="0"/>
+                          </a:rPr>
+                        </m:ctrlPr>
+                      </m:fPr>
+                      <m:num>
+                        <m:r>
+                          <a:rPr lang="en-US" i="1">
+                            <a:latin typeface="Cambria Math" panose="02040503050406030204" pitchFamily="18" charset="0"/>
+                          </a:rPr>
+                          <m:t>1</m:t>
+                        </m:r>
+                      </m:num>
+                      <m:den>
+                        <m:r>
+                          <a:rPr lang="en-US" i="1">
+                            <a:latin typeface="Cambria Math" panose="02040503050406030204" pitchFamily="18" charset="0"/>
+                          </a:rPr>
+                          <m:t>2</m:t>
+                        </m:r>
+                      </m:den>
+                    </m:f>
+                    <m:r>
+                      <a:rPr lang="en-US" i="1">
+                        <a:latin typeface="Cambria Math" panose="02040503050406030204" pitchFamily="18" charset="0"/>
+                      </a:rPr>
+                      <m:t>(</m:t>
+                    </m:r>
+                    <m:sSup>
+                      <m:sSupPr>
+                        <m:ctrlPr>
+                          <a:rPr lang="en-US" i="1">
+                            <a:latin typeface="Cambria Math" panose="02040503050406030204" pitchFamily="18" charset="0"/>
+                          </a:rPr>
+                        </m:ctrlPr>
+                      </m:sSupPr>
+                      <m:e>
+                        <m:d>
+                          <m:dPr>
+                            <m:ctrlPr>
+                              <a:rPr lang="en-US" i="1">
+                                <a:latin typeface="Cambria Math" panose="02040503050406030204" pitchFamily="18" charset="0"/>
+                              </a:rPr>
+                            </m:ctrlPr>
+                          </m:dPr>
+                          <m:e>
+                            <m:r>
+                              <a:rPr lang="en-US" i="1">
+                                <a:latin typeface="Cambria Math" panose="02040503050406030204" pitchFamily="18" charset="0"/>
+                              </a:rPr>
+                              <m:t>𝑥</m:t>
+                            </m:r>
+                            <m:d>
+                              <m:dPr>
+                                <m:ctrlPr>
+                                  <a:rPr lang="en-US" i="1">
+                                    <a:latin typeface="Cambria Math" panose="02040503050406030204" pitchFamily="18" charset="0"/>
+                                  </a:rPr>
+                                </m:ctrlPr>
+                              </m:dPr>
+                              <m:e>
+                                <m:r>
+                                  <a:rPr lang="en-US" b="0" i="1" smtClean="0">
+                                    <a:latin typeface="Cambria Math" panose="02040503050406030204" pitchFamily="18" charset="0"/>
+                                  </a:rPr>
+                                  <m:t>𝑖</m:t>
+                                </m:r>
+                                <m:r>
+                                  <a:rPr lang="en-US" b="0" i="1" smtClean="0">
+                                    <a:latin typeface="Cambria Math" panose="02040503050406030204" pitchFamily="18" charset="0"/>
+                                  </a:rPr>
+                                  <m:t>+3</m:t>
+                                </m:r>
+                              </m:e>
+                            </m:d>
+                            <m:r>
+                              <a:rPr lang="en-US" i="1">
+                                <a:latin typeface="Cambria Math" panose="02040503050406030204" pitchFamily="18" charset="0"/>
+                              </a:rPr>
+                              <m:t>−</m:t>
+                            </m:r>
+                            <m:r>
+                              <a:rPr lang="en-US" b="0" i="1" smtClean="0">
+                                <a:latin typeface="Cambria Math" panose="02040503050406030204" pitchFamily="18" charset="0"/>
+                              </a:rPr>
+                              <m:t>(</m:t>
+                            </m:r>
+                            <m:r>
+                              <a:rPr lang="en-US" i="1">
+                                <a:latin typeface="Cambria Math" panose="02040503050406030204" pitchFamily="18" charset="0"/>
+                              </a:rPr>
+                              <m:t>𝑥</m:t>
+                            </m:r>
+                            <m:d>
+                              <m:dPr>
+                                <m:ctrlPr>
+                                  <a:rPr lang="en-US" i="1">
+                                    <a:latin typeface="Cambria Math" panose="02040503050406030204" pitchFamily="18" charset="0"/>
+                                  </a:rPr>
+                                </m:ctrlPr>
+                              </m:dPr>
+                              <m:e>
+                                <m:r>
+                                  <a:rPr lang="en-US" i="1">
+                                    <a:latin typeface="Cambria Math" panose="02040503050406030204" pitchFamily="18" charset="0"/>
+                                  </a:rPr>
+                                  <m:t>𝑖</m:t>
+                                </m:r>
+                              </m:e>
+                            </m:d>
+                            <m:r>
+                              <a:rPr lang="en-US" b="0" i="1" smtClean="0">
+                                <a:latin typeface="Cambria Math" panose="02040503050406030204" pitchFamily="18" charset="0"/>
+                              </a:rPr>
+                              <m:t>+</m:t>
+                            </m:r>
+                            <m:sSub>
+                              <m:sSubPr>
+                                <m:ctrlPr>
+                                  <a:rPr lang="en-US" b="0" i="1" smtClean="0">
+                                    <a:latin typeface="Cambria Math" panose="02040503050406030204" pitchFamily="18" charset="0"/>
+                                  </a:rPr>
+                                </m:ctrlPr>
+                              </m:sSubPr>
+                              <m:e>
+                                <m:r>
+                                  <a:rPr lang="en-US" b="0" i="1" smtClean="0">
+                                    <a:latin typeface="Cambria Math" panose="02040503050406030204" pitchFamily="18" charset="0"/>
+                                  </a:rPr>
+                                  <m:t>10</m:t>
+                                </m:r>
+                                <m:acc>
+                                  <m:accPr>
+                                    <m:chr m:val="⃑"/>
+                                    <m:ctrlPr>
+                                      <a:rPr lang="en-US" b="0" i="1" smtClean="0">
+                                        <a:latin typeface="Cambria Math" panose="02040503050406030204" pitchFamily="18" charset="0"/>
+                                      </a:rPr>
+                                    </m:ctrlPr>
+                                  </m:accPr>
+                                  <m:e>
+                                    <m:r>
+                                      <a:rPr lang="en-US" b="0" i="1" smtClean="0">
+                                        <a:latin typeface="Cambria Math" panose="02040503050406030204" pitchFamily="18" charset="0"/>
+                                      </a:rPr>
+                                      <m:t>𝑛</m:t>
+                                    </m:r>
+                                  </m:e>
+                                </m:acc>
+                              </m:e>
+                              <m:sub>
+                                <m:r>
+                                  <a:rPr lang="en-US" b="0" i="1" smtClean="0">
+                                    <a:latin typeface="Cambria Math" panose="02040503050406030204" pitchFamily="18" charset="0"/>
+                                  </a:rPr>
+                                  <m:t>𝑥</m:t>
+                                </m:r>
+                              </m:sub>
+                            </m:sSub>
+                          </m:e>
+                        </m:d>
+                      </m:e>
+                      <m:sup>
+                        <m:r>
+                          <a:rPr lang="en-US" i="1">
+                            <a:latin typeface="Cambria Math" panose="02040503050406030204" pitchFamily="18" charset="0"/>
+                          </a:rPr>
+                          <m:t>2</m:t>
+                        </m:r>
+                      </m:sup>
+                    </m:sSup>
+                    <m:r>
+                      <a:rPr lang="en-US" i="1">
+                        <a:latin typeface="Cambria Math" panose="02040503050406030204" pitchFamily="18" charset="0"/>
+                      </a:rPr>
+                      <m:t>+</m:t>
+                    </m:r>
+                    <m:sSup>
+                      <m:sSupPr>
+                        <m:ctrlPr>
+                          <a:rPr lang="en-US" i="1">
+                            <a:latin typeface="Cambria Math" panose="02040503050406030204" pitchFamily="18" charset="0"/>
+                          </a:rPr>
+                        </m:ctrlPr>
+                      </m:sSupPr>
+                      <m:e>
+                        <m:d>
+                          <m:dPr>
+                            <m:ctrlPr>
+                              <a:rPr lang="en-US" i="1">
+                                <a:latin typeface="Cambria Math" panose="02040503050406030204" pitchFamily="18" charset="0"/>
+                              </a:rPr>
+                            </m:ctrlPr>
+                          </m:dPr>
+                          <m:e>
+                            <m:r>
+                              <a:rPr lang="en-US" i="1">
+                                <a:latin typeface="Cambria Math" panose="02040503050406030204" pitchFamily="18" charset="0"/>
+                              </a:rPr>
+                              <m:t>𝑦</m:t>
+                            </m:r>
+                            <m:d>
+                              <m:dPr>
+                                <m:ctrlPr>
+                                  <a:rPr lang="en-US" i="1">
+                                    <a:latin typeface="Cambria Math" panose="02040503050406030204" pitchFamily="18" charset="0"/>
+                                  </a:rPr>
+                                </m:ctrlPr>
+                              </m:dPr>
+                              <m:e>
+                                <m:r>
+                                  <a:rPr lang="en-US" b="0" i="1" smtClean="0">
+                                    <a:latin typeface="Cambria Math" panose="02040503050406030204" pitchFamily="18" charset="0"/>
+                                  </a:rPr>
+                                  <m:t>𝑖</m:t>
+                                </m:r>
+                                <m:r>
+                                  <a:rPr lang="en-US" b="0" i="1" smtClean="0">
+                                    <a:latin typeface="Cambria Math" panose="02040503050406030204" pitchFamily="18" charset="0"/>
+                                  </a:rPr>
+                                  <m:t>+3</m:t>
+                                </m:r>
+                              </m:e>
+                            </m:d>
+                            <m:r>
+                              <a:rPr lang="en-US" i="1">
+                                <a:latin typeface="Cambria Math" panose="02040503050406030204" pitchFamily="18" charset="0"/>
+                              </a:rPr>
+                              <m:t>−</m:t>
+                            </m:r>
+                            <m:r>
+                              <a:rPr lang="en-US" i="1">
+                                <a:latin typeface="Cambria Math" panose="02040503050406030204" pitchFamily="18" charset="0"/>
+                              </a:rPr>
+                              <m:t>(</m:t>
+                            </m:r>
+                            <m:r>
+                              <a:rPr lang="en-US" b="0" i="1" smtClean="0">
+                                <a:latin typeface="Cambria Math" panose="02040503050406030204" pitchFamily="18" charset="0"/>
+                              </a:rPr>
+                              <m:t>𝑦</m:t>
+                            </m:r>
+                            <m:d>
+                              <m:dPr>
+                                <m:ctrlPr>
+                                  <a:rPr lang="en-US" i="1">
+                                    <a:latin typeface="Cambria Math" panose="02040503050406030204" pitchFamily="18" charset="0"/>
+                                  </a:rPr>
+                                </m:ctrlPr>
+                              </m:dPr>
+                              <m:e>
+                                <m:r>
+                                  <a:rPr lang="en-US" i="1">
+                                    <a:latin typeface="Cambria Math" panose="02040503050406030204" pitchFamily="18" charset="0"/>
+                                  </a:rPr>
+                                  <m:t>𝑖</m:t>
+                                </m:r>
+                              </m:e>
+                            </m:d>
+                            <m:r>
+                              <a:rPr lang="en-US" i="1">
+                                <a:latin typeface="Cambria Math" panose="02040503050406030204" pitchFamily="18" charset="0"/>
+                              </a:rPr>
+                              <m:t>+</m:t>
+                            </m:r>
+                            <m:sSub>
+                              <m:sSubPr>
+                                <m:ctrlPr>
+                                  <a:rPr lang="en-US" i="1">
+                                    <a:latin typeface="Cambria Math" panose="02040503050406030204" pitchFamily="18" charset="0"/>
+                                  </a:rPr>
+                                </m:ctrlPr>
+                              </m:sSubPr>
+                              <m:e>
+                                <m:r>
+                                  <a:rPr lang="en-US" b="0" i="1" smtClean="0">
+                                    <a:latin typeface="Cambria Math" panose="02040503050406030204" pitchFamily="18" charset="0"/>
+                                  </a:rPr>
+                                  <m:t>10</m:t>
+                                </m:r>
+                                <m:acc>
+                                  <m:accPr>
+                                    <m:chr m:val="⃑"/>
+                                    <m:ctrlPr>
+                                      <a:rPr lang="en-US" i="1">
+                                        <a:latin typeface="Cambria Math" panose="02040503050406030204" pitchFamily="18" charset="0"/>
+                                      </a:rPr>
+                                    </m:ctrlPr>
+                                  </m:accPr>
+                                  <m:e>
+                                    <m:r>
+                                      <a:rPr lang="en-US" i="1">
+                                        <a:latin typeface="Cambria Math" panose="02040503050406030204" pitchFamily="18" charset="0"/>
+                                      </a:rPr>
+                                      <m:t>𝑛</m:t>
+                                    </m:r>
+                                  </m:e>
+                                </m:acc>
+                              </m:e>
+                              <m:sub>
+                                <m:r>
+                                  <a:rPr lang="en-US" b="0" i="1" smtClean="0">
+                                    <a:latin typeface="Cambria Math" panose="02040503050406030204" pitchFamily="18" charset="0"/>
+                                  </a:rPr>
+                                  <m:t>𝑦</m:t>
+                                </m:r>
+                              </m:sub>
+                            </m:sSub>
+                            <m:r>
+                              <a:rPr lang="en-US" b="0" i="1" smtClean="0">
+                                <a:latin typeface="Cambria Math" panose="02040503050406030204" pitchFamily="18" charset="0"/>
+                              </a:rPr>
+                              <m:t>)</m:t>
+                            </m:r>
+                          </m:e>
+                        </m:d>
+                      </m:e>
+                      <m:sup>
+                        <m:r>
+                          <a:rPr lang="en-US" i="1">
+                            <a:latin typeface="Cambria Math" panose="02040503050406030204" pitchFamily="18" charset="0"/>
+                          </a:rPr>
+                          <m:t>2</m:t>
+                        </m:r>
+                      </m:sup>
+                    </m:sSup>
+                  </m:oMath>
+                </a14:m>
+                <a:endParaRPr lang="en-US" dirty="0"/>
+              </a:p>
+              <a:p>
+                <a:r>
+                  <a:rPr lang="en-US" dirty="0"/>
+                  <a:t>Where </a:t>
+                </a:r>
+                <a14:m>
+                  <m:oMath xmlns:m="http://schemas.openxmlformats.org/officeDocument/2006/math">
+                    <m:r>
+                      <a:rPr lang="en-US" b="0" i="1" smtClean="0">
+                        <a:latin typeface="Cambria Math" panose="02040503050406030204" pitchFamily="18" charset="0"/>
+                      </a:rPr>
+                      <m:t>𝑖</m:t>
+                    </m:r>
+                  </m:oMath>
+                </a14:m>
+                <a:r>
+                  <a:rPr lang="en-US" dirty="0"/>
+                  <a:t> is current step, with 3 more steps to push the vehicle further from the collision point in direction </a:t>
+                </a:r>
+                <a14:m>
+                  <m:oMath xmlns:m="http://schemas.openxmlformats.org/officeDocument/2006/math">
+                    <m:acc>
+                      <m:accPr>
+                        <m:chr m:val="⃑"/>
+                        <m:ctrlPr>
+                          <a:rPr lang="en-US" i="1">
+                            <a:latin typeface="Cambria Math" panose="02040503050406030204" pitchFamily="18" charset="0"/>
+                          </a:rPr>
+                        </m:ctrlPr>
+                      </m:accPr>
+                      <m:e>
+                        <m:r>
+                          <a:rPr lang="en-US" i="1">
+                            <a:latin typeface="Cambria Math" panose="02040503050406030204" pitchFamily="18" charset="0"/>
+                          </a:rPr>
+                          <m:t>𝑛</m:t>
+                        </m:r>
+                      </m:e>
+                    </m:acc>
+                  </m:oMath>
+                </a14:m>
+                <a:endParaRPr lang="en-US" dirty="0"/>
+              </a:p>
+            </p:txBody>
+          </p:sp>
+        </mc:Choice>
+        <mc:Fallback>
+          <p:sp>
+            <p:nvSpPr>
+              <p:cNvPr id="3" name="Text Placeholder 2">
+                <a:extLst>
+                  <a:ext uri="{FF2B5EF4-FFF2-40B4-BE49-F238E27FC236}">
+                    <a16:creationId xmlns:a16="http://schemas.microsoft.com/office/drawing/2014/main" id="{E2A8DB5D-FBDC-4B81-B099-76F8F0C123FB}"/>
+                  </a:ext>
+                </a:extLst>
+              </p:cNvPr>
+              <p:cNvSpPr>
+                <a:spLocks noGrp="1" noRot="1" noChangeAspect="1" noMove="1" noResize="1" noEditPoints="1" noAdjustHandles="1" noChangeArrowheads="1" noChangeShapeType="1" noTextEdit="1"/>
+              </p:cNvSpPr>
+              <p:nvPr>
+                <p:ph type="body" sz="quarter" idx="17"/>
+              </p:nvPr>
+            </p:nvSpPr>
+            <p:spPr>
+              <a:xfrm>
+                <a:off x="299222" y="1051972"/>
+                <a:ext cx="10673578" cy="4986221"/>
+              </a:xfrm>
+              <a:blipFill>
+                <a:blip r:embed="rId2"/>
+                <a:stretch>
+                  <a:fillRect l="-1028" t="-2078" r="-400"/>
+                </a:stretch>
+              </a:blipFill>
+            </p:spPr>
+            <p:txBody>
+              <a:bodyPr/>
+              <a:lstStyle/>
+              <a:p>
+                <a:r>
+                  <a:rPr lang="en-US">
+                    <a:noFill/>
+                  </a:rPr>
+                  <a:t> </a:t>
+                </a:r>
+              </a:p>
+            </p:txBody>
+          </p:sp>
+        </mc:Fallback>
+      </mc:AlternateContent>
     </p:spTree>
     <p:extLst>
       <p:ext uri="{BB962C8B-B14F-4D97-AF65-F5344CB8AC3E}">
-        <p14:creationId xmlns:p14="http://schemas.microsoft.com/office/powerpoint/2010/main" val="3889181724"/>
+        <p14:creationId xmlns:p14="http://schemas.microsoft.com/office/powerpoint/2010/main" val="3477526427"/>
       </p:ext>
     </p:extLst>
   </p:cSld>
@@ -6087,7 +7294,7 @@
           <p:cNvPr id="2" name="Text Placeholder 1">
             <a:extLst>
               <a:ext uri="{FF2B5EF4-FFF2-40B4-BE49-F238E27FC236}">
-                <a16:creationId xmlns:a16="http://schemas.microsoft.com/office/drawing/2014/main" id="{BCCE844A-2193-4DDD-BF71-931954EF917B}"/>
+                <a16:creationId xmlns:a16="http://schemas.microsoft.com/office/drawing/2014/main" id="{58CFB951-233F-4A20-AE66-EEA65F99CE5F}"/>
               </a:ext>
             </a:extLst>
           </p:cNvPr>
@@ -6111,99 +7318,508 @@
                   <a:schemeClr val="tx1"/>
                 </a:solidFill>
               </a:rPr>
-              <a:t>Future Improvements</a:t>
-            </a:r>
-          </a:p>
-        </p:txBody>
-      </p:sp>
-      <p:sp>
-        <p:nvSpPr>
-          <p:cNvPr id="3" name="Text Placeholder 2">
-            <a:extLst>
-              <a:ext uri="{FF2B5EF4-FFF2-40B4-BE49-F238E27FC236}">
-                <a16:creationId xmlns:a16="http://schemas.microsoft.com/office/drawing/2014/main" id="{C650830E-669F-42E2-86FB-99AA9BBC1880}"/>
-              </a:ext>
-            </a:extLst>
-          </p:cNvPr>
-          <p:cNvSpPr>
-            <a:spLocks noGrp="1"/>
-          </p:cNvSpPr>
-          <p:nvPr>
-            <p:ph type="body" sz="quarter" idx="17"/>
-          </p:nvPr>
-        </p:nvSpPr>
-        <p:spPr>
-          <a:xfrm>
-            <a:off x="299222" y="1051971"/>
-            <a:ext cx="10737746" cy="5092155"/>
-          </a:xfrm>
-        </p:spPr>
-        <p:txBody>
-          <a:bodyPr>
-            <a:normAutofit/>
-          </a:bodyPr>
-          <a:lstStyle/>
-          <a:p>
-            <a:pPr lvl="1"/>
-            <a:r>
-              <a:rPr lang="en-US" sz="2600" dirty="0"/>
-              <a:t>Smaller slot – if a solution is possible</a:t>
-            </a:r>
-          </a:p>
-          <a:p>
-            <a:pPr lvl="1"/>
-            <a:r>
-              <a:rPr lang="en-US" sz="2600" dirty="0"/>
-              <a:t>Research on reverse parking</a:t>
-            </a:r>
-          </a:p>
-          <a:p>
-            <a:pPr lvl="2"/>
-            <a:r>
-              <a:rPr lang="en-US" sz="2600" dirty="0"/>
-              <a:t>Different physical models and dynamics</a:t>
-            </a:r>
-          </a:p>
-          <a:p>
-            <a:pPr lvl="1"/>
-            <a:r>
-              <a:rPr lang="en-US" sz="2600" dirty="0"/>
-              <a:t>Take more complex system into consideration</a:t>
-            </a:r>
-          </a:p>
-          <a:p>
-            <a:pPr lvl="2"/>
-            <a:r>
-              <a:rPr lang="en-US" sz="2600" dirty="0"/>
-              <a:t>Parking slot located at ramps</a:t>
-            </a:r>
-          </a:p>
-          <a:p>
-            <a:pPr lvl="1"/>
-            <a:r>
-              <a:rPr lang="en-US" sz="2600" dirty="0"/>
-              <a:t>Optimization variables can be much more complex in real cases</a:t>
-            </a:r>
-          </a:p>
-          <a:p>
-            <a:pPr lvl="1"/>
-            <a:r>
-              <a:rPr lang="en-US" sz="2600" dirty="0"/>
-              <a:t>Complex feedback system for a real automobiles</a:t>
-            </a:r>
-          </a:p>
-          <a:p>
-            <a:pPr marL="0" lvl="1" indent="0">
-              <a:buNone/>
-            </a:pPr>
-            <a:endParaRPr lang="en-US" dirty="0"/>
-          </a:p>
-        </p:txBody>
-      </p:sp>
+              <a:t>Collision Avoidance</a:t>
+            </a:r>
+          </a:p>
+        </p:txBody>
+      </p:sp>
+      <mc:AlternateContent xmlns:mc="http://schemas.openxmlformats.org/markup-compatibility/2006">
+        <mc:Choice xmlns:a14="http://schemas.microsoft.com/office/drawing/2010/main" Requires="a14">
+          <p:sp>
+            <p:nvSpPr>
+              <p:cNvPr id="3" name="Text Placeholder 2">
+                <a:extLst>
+                  <a:ext uri="{FF2B5EF4-FFF2-40B4-BE49-F238E27FC236}">
+                    <a16:creationId xmlns:a16="http://schemas.microsoft.com/office/drawing/2014/main" id="{E2A8DB5D-FBDC-4B81-B099-76F8F0C123FB}"/>
+                  </a:ext>
+                </a:extLst>
+              </p:cNvPr>
+              <p:cNvSpPr>
+                <a:spLocks noGrp="1"/>
+              </p:cNvSpPr>
+              <p:nvPr>
+                <p:ph type="body" sz="quarter" idx="17"/>
+              </p:nvPr>
+            </p:nvSpPr>
+            <p:spPr>
+              <a:xfrm>
+                <a:off x="299222" y="1051972"/>
+                <a:ext cx="10673578" cy="4986221"/>
+              </a:xfrm>
+            </p:spPr>
+            <p:txBody>
+              <a:bodyPr>
+                <a:normAutofit/>
+              </a:bodyPr>
+              <a:lstStyle/>
+              <a:p>
+                <a:r>
+                  <a:rPr lang="en-US" dirty="0"/>
+                  <a:t>The same idea applies to the bottom boundary, given 3 steps to adjust the vehicle upward</a:t>
+                </a:r>
+              </a:p>
+              <a:p>
+                <a14:m>
+                  <m:oMath xmlns:m="http://schemas.openxmlformats.org/officeDocument/2006/math">
+                    <m:r>
+                      <a:rPr lang="en-US" i="1">
+                        <a:latin typeface="Cambria Math" panose="02040503050406030204" pitchFamily="18" charset="0"/>
+                      </a:rPr>
+                      <m:t>𝐽</m:t>
+                    </m:r>
+                    <m:r>
+                      <a:rPr lang="en-US" i="1">
+                        <a:latin typeface="Cambria Math" panose="02040503050406030204" pitchFamily="18" charset="0"/>
+                      </a:rPr>
+                      <m:t>=</m:t>
+                    </m:r>
+                    <m:f>
+                      <m:fPr>
+                        <m:ctrlPr>
+                          <a:rPr lang="en-US" i="1">
+                            <a:latin typeface="Cambria Math" panose="02040503050406030204" pitchFamily="18" charset="0"/>
+                          </a:rPr>
+                        </m:ctrlPr>
+                      </m:fPr>
+                      <m:num>
+                        <m:r>
+                          <a:rPr lang="en-US" i="1">
+                            <a:latin typeface="Cambria Math" panose="02040503050406030204" pitchFamily="18" charset="0"/>
+                          </a:rPr>
+                          <m:t>1</m:t>
+                        </m:r>
+                      </m:num>
+                      <m:den>
+                        <m:r>
+                          <a:rPr lang="en-US" i="1">
+                            <a:latin typeface="Cambria Math" panose="02040503050406030204" pitchFamily="18" charset="0"/>
+                          </a:rPr>
+                          <m:t>2</m:t>
+                        </m:r>
+                      </m:den>
+                    </m:f>
+                    <m:r>
+                      <a:rPr lang="en-US" i="1">
+                        <a:latin typeface="Cambria Math" panose="02040503050406030204" pitchFamily="18" charset="0"/>
+                      </a:rPr>
+                      <m:t>(</m:t>
+                    </m:r>
+                    <m:sSup>
+                      <m:sSupPr>
+                        <m:ctrlPr>
+                          <a:rPr lang="en-US" i="1">
+                            <a:latin typeface="Cambria Math" panose="02040503050406030204" pitchFamily="18" charset="0"/>
+                          </a:rPr>
+                        </m:ctrlPr>
+                      </m:sSupPr>
+                      <m:e>
+                        <m:d>
+                          <m:dPr>
+                            <m:ctrlPr>
+                              <a:rPr lang="en-US" i="1">
+                                <a:latin typeface="Cambria Math" panose="02040503050406030204" pitchFamily="18" charset="0"/>
+                              </a:rPr>
+                            </m:ctrlPr>
+                          </m:dPr>
+                          <m:e>
+                            <m:r>
+                              <a:rPr lang="en-US" i="1">
+                                <a:latin typeface="Cambria Math" panose="02040503050406030204" pitchFamily="18" charset="0"/>
+                              </a:rPr>
+                              <m:t>𝑥</m:t>
+                            </m:r>
+                            <m:d>
+                              <m:dPr>
+                                <m:ctrlPr>
+                                  <a:rPr lang="en-US" i="1">
+                                    <a:latin typeface="Cambria Math" panose="02040503050406030204" pitchFamily="18" charset="0"/>
+                                  </a:rPr>
+                                </m:ctrlPr>
+                              </m:dPr>
+                              <m:e>
+                                <m:r>
+                                  <a:rPr lang="en-US" i="1">
+                                    <a:latin typeface="Cambria Math" panose="02040503050406030204" pitchFamily="18" charset="0"/>
+                                  </a:rPr>
+                                  <m:t>𝑖</m:t>
+                                </m:r>
+                                <m:r>
+                                  <a:rPr lang="en-US" i="1">
+                                    <a:latin typeface="Cambria Math" panose="02040503050406030204" pitchFamily="18" charset="0"/>
+                                  </a:rPr>
+                                  <m:t>+3</m:t>
+                                </m:r>
+                              </m:e>
+                            </m:d>
+                            <m:r>
+                              <a:rPr lang="en-US" i="1">
+                                <a:latin typeface="Cambria Math" panose="02040503050406030204" pitchFamily="18" charset="0"/>
+                              </a:rPr>
+                              <m:t>−</m:t>
+                            </m:r>
+                            <m:sSub>
+                              <m:sSubPr>
+                                <m:ctrlPr>
+                                  <a:rPr lang="en-US" i="1">
+                                    <a:latin typeface="Cambria Math" panose="02040503050406030204" pitchFamily="18" charset="0"/>
+                                  </a:rPr>
+                                </m:ctrlPr>
+                              </m:sSubPr>
+                              <m:e>
+                                <m:r>
+                                  <a:rPr lang="en-US" i="1">
+                                    <a:latin typeface="Cambria Math" panose="02040503050406030204" pitchFamily="18" charset="0"/>
+                                  </a:rPr>
+                                  <m:t>𝑥</m:t>
+                                </m:r>
+                              </m:e>
+                              <m:sub>
+                                <m:r>
+                                  <a:rPr lang="en-US" i="1">
+                                    <a:latin typeface="Cambria Math" panose="02040503050406030204" pitchFamily="18" charset="0"/>
+                                  </a:rPr>
+                                  <m:t>𝑑</m:t>
+                                </m:r>
+                              </m:sub>
+                            </m:sSub>
+                          </m:e>
+                        </m:d>
+                      </m:e>
+                      <m:sup>
+                        <m:r>
+                          <a:rPr lang="en-US" i="1">
+                            <a:latin typeface="Cambria Math" panose="02040503050406030204" pitchFamily="18" charset="0"/>
+                          </a:rPr>
+                          <m:t>2</m:t>
+                        </m:r>
+                      </m:sup>
+                    </m:sSup>
+                    <m:r>
+                      <a:rPr lang="en-US" i="1">
+                        <a:latin typeface="Cambria Math" panose="02040503050406030204" pitchFamily="18" charset="0"/>
+                      </a:rPr>
+                      <m:t>+</m:t>
+                    </m:r>
+                    <m:sSup>
+                      <m:sSupPr>
+                        <m:ctrlPr>
+                          <a:rPr lang="en-US" i="1">
+                            <a:latin typeface="Cambria Math" panose="02040503050406030204" pitchFamily="18" charset="0"/>
+                          </a:rPr>
+                        </m:ctrlPr>
+                      </m:sSupPr>
+                      <m:e>
+                        <m:d>
+                          <m:dPr>
+                            <m:ctrlPr>
+                              <a:rPr lang="en-US" i="1" smtClean="0">
+                                <a:latin typeface="Cambria Math" panose="02040503050406030204" pitchFamily="18" charset="0"/>
+                              </a:rPr>
+                            </m:ctrlPr>
+                          </m:dPr>
+                          <m:e>
+                            <m:r>
+                              <a:rPr lang="en-US" i="1">
+                                <a:latin typeface="Cambria Math" panose="02040503050406030204" pitchFamily="18" charset="0"/>
+                              </a:rPr>
+                              <m:t>𝑦</m:t>
+                            </m:r>
+                            <m:d>
+                              <m:dPr>
+                                <m:ctrlPr>
+                                  <a:rPr lang="en-US" i="1">
+                                    <a:latin typeface="Cambria Math" panose="02040503050406030204" pitchFamily="18" charset="0"/>
+                                  </a:rPr>
+                                </m:ctrlPr>
+                              </m:dPr>
+                              <m:e>
+                                <m:r>
+                                  <a:rPr lang="en-US" i="1">
+                                    <a:latin typeface="Cambria Math" panose="02040503050406030204" pitchFamily="18" charset="0"/>
+                                  </a:rPr>
+                                  <m:t>𝑖</m:t>
+                                </m:r>
+                                <m:r>
+                                  <a:rPr lang="en-US" i="1">
+                                    <a:latin typeface="Cambria Math" panose="02040503050406030204" pitchFamily="18" charset="0"/>
+                                  </a:rPr>
+                                  <m:t>+3</m:t>
+                                </m:r>
+                              </m:e>
+                            </m:d>
+                            <m:r>
+                              <a:rPr lang="en-US" i="1">
+                                <a:latin typeface="Cambria Math" panose="02040503050406030204" pitchFamily="18" charset="0"/>
+                              </a:rPr>
+                              <m:t>−</m:t>
+                            </m:r>
+                            <m:r>
+                              <a:rPr lang="en-US" i="1">
+                                <a:latin typeface="Cambria Math" panose="02040503050406030204" pitchFamily="18" charset="0"/>
+                              </a:rPr>
+                              <m:t>(</m:t>
+                            </m:r>
+                            <m:r>
+                              <a:rPr lang="en-US" i="1">
+                                <a:latin typeface="Cambria Math" panose="02040503050406030204" pitchFamily="18" charset="0"/>
+                              </a:rPr>
+                              <m:t>𝑦</m:t>
+                            </m:r>
+                            <m:d>
+                              <m:dPr>
+                                <m:ctrlPr>
+                                  <a:rPr lang="en-US" i="1">
+                                    <a:latin typeface="Cambria Math" panose="02040503050406030204" pitchFamily="18" charset="0"/>
+                                  </a:rPr>
+                                </m:ctrlPr>
+                              </m:dPr>
+                              <m:e>
+                                <m:r>
+                                  <a:rPr lang="en-US" i="1">
+                                    <a:latin typeface="Cambria Math" panose="02040503050406030204" pitchFamily="18" charset="0"/>
+                                  </a:rPr>
+                                  <m:t>𝑖</m:t>
+                                </m:r>
+                              </m:e>
+                            </m:d>
+                            <m:r>
+                              <a:rPr lang="en-US" i="1">
+                                <a:latin typeface="Cambria Math" panose="02040503050406030204" pitchFamily="18" charset="0"/>
+                              </a:rPr>
+                              <m:t>+</m:t>
+                            </m:r>
+                            <m:sSub>
+                              <m:sSubPr>
+                                <m:ctrlPr>
+                                  <a:rPr lang="en-US" i="1">
+                                    <a:latin typeface="Cambria Math" panose="02040503050406030204" pitchFamily="18" charset="0"/>
+                                  </a:rPr>
+                                </m:ctrlPr>
+                              </m:sSubPr>
+                              <m:e>
+                                <m:r>
+                                  <a:rPr lang="en-US" b="0" i="1" smtClean="0">
+                                    <a:latin typeface="Cambria Math" panose="02040503050406030204" pitchFamily="18" charset="0"/>
+                                  </a:rPr>
+                                  <m:t>5</m:t>
+                                </m:r>
+                                <m:acc>
+                                  <m:accPr>
+                                    <m:chr m:val="⃑"/>
+                                    <m:ctrlPr>
+                                      <a:rPr lang="en-US" i="1" smtClean="0">
+                                        <a:latin typeface="Cambria Math" panose="02040503050406030204" pitchFamily="18" charset="0"/>
+                                      </a:rPr>
+                                    </m:ctrlPr>
+                                  </m:accPr>
+                                  <m:e>
+                                    <m:r>
+                                      <a:rPr lang="en-US" i="1">
+                                        <a:latin typeface="Cambria Math" panose="02040503050406030204" pitchFamily="18" charset="0"/>
+                                      </a:rPr>
+                                      <m:t>𝑛</m:t>
+                                    </m:r>
+                                  </m:e>
+                                </m:acc>
+                              </m:e>
+                              <m:sub>
+                                <m:r>
+                                  <a:rPr lang="en-US" i="1">
+                                    <a:latin typeface="Cambria Math" panose="02040503050406030204" pitchFamily="18" charset="0"/>
+                                  </a:rPr>
+                                  <m:t>𝑦</m:t>
+                                </m:r>
+                              </m:sub>
+                            </m:sSub>
+                            <m:r>
+                              <a:rPr lang="en-US" b="0" i="1" smtClean="0">
+                                <a:latin typeface="Cambria Math" panose="02040503050406030204" pitchFamily="18" charset="0"/>
+                              </a:rPr>
+                              <m:t>)</m:t>
+                            </m:r>
+                          </m:e>
+                        </m:d>
+                      </m:e>
+                      <m:sup>
+                        <m:r>
+                          <a:rPr lang="en-US" i="1">
+                            <a:latin typeface="Cambria Math" panose="02040503050406030204" pitchFamily="18" charset="0"/>
+                          </a:rPr>
+                          <m:t>2</m:t>
+                        </m:r>
+                      </m:sup>
+                    </m:sSup>
+                  </m:oMath>
+                </a14:m>
+                <a:r>
+                  <a:rPr lang="en-US" dirty="0"/>
+                  <a:t>+ </a:t>
+                </a:r>
+                <a14:m>
+                  <m:oMath xmlns:m="http://schemas.openxmlformats.org/officeDocument/2006/math">
+                    <m:r>
+                      <a:rPr lang="en-US" b="0" i="1" dirty="0" smtClean="0">
+                        <a:latin typeface="Cambria Math" panose="02040503050406030204" pitchFamily="18" charset="0"/>
+                      </a:rPr>
+                      <m:t>𝑤</m:t>
+                    </m:r>
+                    <m:r>
+                      <a:rPr lang="en-US" b="0" i="1" dirty="0" smtClean="0">
+                        <a:latin typeface="Cambria Math" panose="02040503050406030204" pitchFamily="18" charset="0"/>
+                      </a:rPr>
+                      <m:t>′</m:t>
+                    </m:r>
+                    <m:sSup>
+                      <m:sSupPr>
+                        <m:ctrlPr>
+                          <a:rPr lang="en-US" i="1">
+                            <a:latin typeface="Cambria Math" panose="02040503050406030204" pitchFamily="18" charset="0"/>
+                          </a:rPr>
+                        </m:ctrlPr>
+                      </m:sSupPr>
+                      <m:e>
+                        <m:d>
+                          <m:dPr>
+                            <m:ctrlPr>
+                              <a:rPr lang="en-US" i="1">
+                                <a:latin typeface="Cambria Math" panose="02040503050406030204" pitchFamily="18" charset="0"/>
+                              </a:rPr>
+                            </m:ctrlPr>
+                          </m:dPr>
+                          <m:e>
+                            <m:r>
+                              <m:rPr>
+                                <m:sty m:val="p"/>
+                              </m:rPr>
+                              <a:rPr lang="en-US" altLang="zh-CN" i="1">
+                                <a:latin typeface="Cambria Math" panose="02040503050406030204" pitchFamily="18" charset="0"/>
+                              </a:rPr>
+                              <m:t>θ</m:t>
+                            </m:r>
+                            <m:d>
+                              <m:dPr>
+                                <m:ctrlPr>
+                                  <a:rPr lang="en-US" i="1">
+                                    <a:latin typeface="Cambria Math" panose="02040503050406030204" pitchFamily="18" charset="0"/>
+                                  </a:rPr>
+                                </m:ctrlPr>
+                              </m:dPr>
+                              <m:e>
+                                <m:r>
+                                  <a:rPr lang="en-US" i="1">
+                                    <a:latin typeface="Cambria Math" panose="02040503050406030204" pitchFamily="18" charset="0"/>
+                                  </a:rPr>
+                                  <m:t>𝑁</m:t>
+                                </m:r>
+                              </m:e>
+                            </m:d>
+                            <m:r>
+                              <a:rPr lang="en-US" i="1">
+                                <a:latin typeface="Cambria Math" panose="02040503050406030204" pitchFamily="18" charset="0"/>
+                              </a:rPr>
+                              <m:t>−</m:t>
+                            </m:r>
+                            <m:sSub>
+                              <m:sSubPr>
+                                <m:ctrlPr>
+                                  <a:rPr lang="en-US" i="1">
+                                    <a:latin typeface="Cambria Math" panose="02040503050406030204" pitchFamily="18" charset="0"/>
+                                  </a:rPr>
+                                </m:ctrlPr>
+                              </m:sSubPr>
+                              <m:e>
+                                <m:r>
+                                  <m:rPr>
+                                    <m:sty m:val="p"/>
+                                  </m:rPr>
+                                  <a:rPr lang="en-US" altLang="zh-CN" i="1">
+                                    <a:latin typeface="Cambria Math" panose="02040503050406030204" pitchFamily="18" charset="0"/>
+                                  </a:rPr>
+                                  <m:t>θ</m:t>
+                                </m:r>
+                              </m:e>
+                              <m:sub>
+                                <m:r>
+                                  <a:rPr lang="en-US" i="1">
+                                    <a:latin typeface="Cambria Math" panose="02040503050406030204" pitchFamily="18" charset="0"/>
+                                  </a:rPr>
+                                  <m:t>𝑑</m:t>
+                                </m:r>
+                              </m:sub>
+                            </m:sSub>
+                          </m:e>
+                        </m:d>
+                      </m:e>
+                      <m:sup>
+                        <m:r>
+                          <a:rPr lang="en-US" i="1">
+                            <a:latin typeface="Cambria Math" panose="02040503050406030204" pitchFamily="18" charset="0"/>
+                          </a:rPr>
+                          <m:t>2</m:t>
+                        </m:r>
+                      </m:sup>
+                    </m:sSup>
+                  </m:oMath>
+                </a14:m>
+                <a:endParaRPr lang="en-US" dirty="0"/>
+              </a:p>
+              <a:p>
+                <a:r>
+                  <a:rPr lang="en-US" dirty="0"/>
+                  <a:t>These two avoidance function is added within the gradient descent function of the main optimization function.</a:t>
+                </a:r>
+              </a:p>
+            </p:txBody>
+          </p:sp>
+        </mc:Choice>
+        <mc:Fallback>
+          <p:sp>
+            <p:nvSpPr>
+              <p:cNvPr id="3" name="Text Placeholder 2">
+                <a:extLst>
+                  <a:ext uri="{FF2B5EF4-FFF2-40B4-BE49-F238E27FC236}">
+                    <a16:creationId xmlns:a16="http://schemas.microsoft.com/office/drawing/2014/main" id="{E2A8DB5D-FBDC-4B81-B099-76F8F0C123FB}"/>
+                  </a:ext>
+                </a:extLst>
+              </p:cNvPr>
+              <p:cNvSpPr>
+                <a:spLocks noGrp="1" noRot="1" noChangeAspect="1" noMove="1" noResize="1" noEditPoints="1" noAdjustHandles="1" noChangeArrowheads="1" noChangeShapeType="1" noTextEdit="1"/>
+              </p:cNvSpPr>
+              <p:nvPr>
+                <p:ph type="body" sz="quarter" idx="17"/>
+              </p:nvPr>
+            </p:nvSpPr>
+            <p:spPr>
+              <a:xfrm>
+                <a:off x="299222" y="1051972"/>
+                <a:ext cx="10673578" cy="4986221"/>
+              </a:xfrm>
+              <a:blipFill>
+                <a:blip r:embed="rId2"/>
+                <a:stretch>
+                  <a:fillRect l="-1028" t="-2078" r="-685"/>
+                </a:stretch>
+              </a:blipFill>
+            </p:spPr>
+            <p:txBody>
+              <a:bodyPr/>
+              <a:lstStyle/>
+              <a:p>
+                <a:r>
+                  <a:rPr lang="en-US">
+                    <a:noFill/>
+                  </a:rPr>
+                  <a:t> </a:t>
+                </a:r>
+              </a:p>
+            </p:txBody>
+          </p:sp>
+        </mc:Fallback>
+      </mc:AlternateContent>
     </p:spTree>
     <p:extLst>
       <p:ext uri="{BB962C8B-B14F-4D97-AF65-F5344CB8AC3E}">
-        <p14:creationId xmlns:p14="http://schemas.microsoft.com/office/powerpoint/2010/main" val="610522070"/>
+        <p14:creationId xmlns:p14="http://schemas.microsoft.com/office/powerpoint/2010/main" val="1465345933"/>
       </p:ext>
     </p:extLst>
   </p:cSld>
@@ -6235,7 +7851,7 @@
           <p:cNvPr id="2" name="Text Placeholder 1">
             <a:extLst>
               <a:ext uri="{FF2B5EF4-FFF2-40B4-BE49-F238E27FC236}">
-                <a16:creationId xmlns:a16="http://schemas.microsoft.com/office/drawing/2014/main" id="{5F7719BC-2E57-4382-AC4E-6FF87CE16649}"/>
+                <a16:creationId xmlns:a16="http://schemas.microsoft.com/office/drawing/2014/main" id="{3FC3EBA3-6AF3-45B0-90A7-A1FFF2422565}"/>
               </a:ext>
             </a:extLst>
           </p:cNvPr>
@@ -6259,51 +7875,51 @@
                   <a:schemeClr val="tx1"/>
                 </a:solidFill>
               </a:rPr>
-              <a:t>Q&amp;A</a:t>
-            </a:r>
-          </a:p>
-        </p:txBody>
-      </p:sp>
-      <p:sp>
-        <p:nvSpPr>
-          <p:cNvPr id="5" name="TextBox 4">
+              <a:t>Results</a:t>
+            </a:r>
+          </a:p>
+        </p:txBody>
+      </p:sp>
+      <p:pic>
+        <p:nvPicPr>
+          <p:cNvPr id="5" name="圖片 4">
             <a:extLst>
               <a:ext uri="{FF2B5EF4-FFF2-40B4-BE49-F238E27FC236}">
-                <a16:creationId xmlns:a16="http://schemas.microsoft.com/office/drawing/2014/main" id="{28BA6369-E7EF-46F1-9CC7-1B2F9074F999}"/>
+                <a16:creationId xmlns:a16="http://schemas.microsoft.com/office/drawing/2014/main" id="{3B594E44-C72E-4FAF-B6FA-EAF8D5C51477}"/>
               </a:ext>
             </a:extLst>
           </p:cNvPr>
-          <p:cNvSpPr txBox="1"/>
+          <p:cNvPicPr>
+            <a:picLocks noChangeAspect="1"/>
+          </p:cNvPicPr>
           <p:nvPr/>
-        </p:nvSpPr>
+        </p:nvPicPr>
+        <p:blipFill>
+          <a:blip r:embed="rId2">
+            <a:extLst>
+              <a:ext uri="{28A0092B-C50C-407E-A947-70E740481C1C}">
+                <a14:useLocalDpi xmlns:a14="http://schemas.microsoft.com/office/drawing/2010/main" val="0"/>
+              </a:ext>
+            </a:extLst>
+          </a:blip>
+          <a:stretch>
+            <a:fillRect/>
+          </a:stretch>
+        </p:blipFill>
         <p:spPr>
           <a:xfrm>
-            <a:off x="2800985" y="3075057"/>
-            <a:ext cx="6096000" cy="707886"/>
+            <a:off x="2345909" y="838448"/>
+            <a:ext cx="7062930" cy="5297198"/>
           </a:xfrm>
           <a:prstGeom prst="rect">
             <a:avLst/>
           </a:prstGeom>
-          <a:noFill/>
         </p:spPr>
-        <p:txBody>
-          <a:bodyPr wrap="square" rtlCol="0">
-            <a:spAutoFit/>
-          </a:bodyPr>
-          <a:lstStyle/>
-          <a:p>
-            <a:pPr algn="ctr"/>
-            <a:r>
-              <a:rPr lang="en-US" sz="4000" dirty="0"/>
-              <a:t>Any Questions?</a:t>
-            </a:r>
-          </a:p>
-        </p:txBody>
-      </p:sp>
+      </p:pic>
     </p:spTree>
     <p:extLst>
       <p:ext uri="{BB962C8B-B14F-4D97-AF65-F5344CB8AC3E}">
-        <p14:creationId xmlns:p14="http://schemas.microsoft.com/office/powerpoint/2010/main" val="1806401461"/>
+        <p14:creationId xmlns:p14="http://schemas.microsoft.com/office/powerpoint/2010/main" val="604564482"/>
       </p:ext>
     </p:extLst>
   </p:cSld>
@@ -6330,10 +7946,617 @@
           <a:chExt cx="0" cy="0"/>
         </a:xfrm>
       </p:grpSpPr>
+      <p:sp>
+        <p:nvSpPr>
+          <p:cNvPr id="2" name="Text Placeholder 1">
+            <a:extLst>
+              <a:ext uri="{FF2B5EF4-FFF2-40B4-BE49-F238E27FC236}">
+                <a16:creationId xmlns:a16="http://schemas.microsoft.com/office/drawing/2014/main" id="{58CFB951-233F-4A20-AE66-EEA65F99CE5F}"/>
+              </a:ext>
+            </a:extLst>
+          </p:cNvPr>
+          <p:cNvSpPr>
+            <a:spLocks noGrp="1"/>
+          </p:cNvSpPr>
+          <p:nvPr>
+            <p:ph type="body" sz="quarter" idx="14"/>
+          </p:nvPr>
+        </p:nvSpPr>
+        <p:spPr/>
+        <p:txBody>
+          <a:bodyPr>
+            <a:noAutofit/>
+          </a:bodyPr>
+          <a:lstStyle/>
+          <a:p>
+            <a:r>
+              <a:rPr lang="en-US" sz="4000" dirty="0">
+                <a:solidFill>
+                  <a:schemeClr val="tx1"/>
+                </a:solidFill>
+              </a:rPr>
+              <a:t>Trajectory Optimization</a:t>
+            </a:r>
+          </a:p>
+        </p:txBody>
+      </p:sp>
+      <mc:AlternateContent xmlns:mc="http://schemas.openxmlformats.org/markup-compatibility/2006">
+        <mc:Choice xmlns:a14="http://schemas.microsoft.com/office/drawing/2010/main" Requires="a14">
+          <p:sp>
+            <p:nvSpPr>
+              <p:cNvPr id="3" name="Text Placeholder 2">
+                <a:extLst>
+                  <a:ext uri="{FF2B5EF4-FFF2-40B4-BE49-F238E27FC236}">
+                    <a16:creationId xmlns:a16="http://schemas.microsoft.com/office/drawing/2014/main" id="{E2A8DB5D-FBDC-4B81-B099-76F8F0C123FB}"/>
+                  </a:ext>
+                </a:extLst>
+              </p:cNvPr>
+              <p:cNvSpPr>
+                <a:spLocks noGrp="1"/>
+              </p:cNvSpPr>
+              <p:nvPr>
+                <p:ph type="body" sz="quarter" idx="17"/>
+              </p:nvPr>
+            </p:nvSpPr>
+            <p:spPr>
+              <a:xfrm>
+                <a:off x="299222" y="1051972"/>
+                <a:ext cx="10673578" cy="4986221"/>
+              </a:xfrm>
+            </p:spPr>
+            <p:txBody>
+              <a:bodyPr>
+                <a:normAutofit/>
+              </a:bodyPr>
+              <a:lstStyle/>
+              <a:p>
+                <a:r>
+                  <a:rPr lang="en-US" dirty="0"/>
+                  <a:t>The second idea we came up with is to generate a path first, and then loop to fix the collision part until collision free. </a:t>
+                </a:r>
+              </a:p>
+              <a:p>
+                <a:endParaRPr lang="en-US" dirty="0"/>
+              </a:p>
+              <a:p>
+                <a:r>
+                  <a:rPr lang="en-US" sz="2000" dirty="0">
+                    <a:latin typeface="Courier New" panose="02070309020205020404" pitchFamily="49" charset="0"/>
+                    <a:cs typeface="Courier New" panose="02070309020205020404" pitchFamily="49" charset="0"/>
+                  </a:rPr>
+                  <a:t>Path Generated</a:t>
+                </a:r>
+              </a:p>
+              <a:p>
+                <a:r>
+                  <a:rPr lang="en-US" sz="2000" dirty="0">
+                    <a:latin typeface="Courier New" panose="02070309020205020404" pitchFamily="49" charset="0"/>
+                    <a:cs typeface="Courier New" panose="02070309020205020404" pitchFamily="49" charset="0"/>
+                  </a:rPr>
+                  <a:t>While !collision:</a:t>
+                </a:r>
+              </a:p>
+              <a:p>
+                <a:pPr lvl="2"/>
+                <a:r>
+                  <a:rPr lang="en-US" dirty="0">
+                    <a:latin typeface="Courier New" panose="02070309020205020404" pitchFamily="49" charset="0"/>
+                    <a:cs typeface="Courier New" panose="02070309020205020404" pitchFamily="49" charset="0"/>
+                  </a:rPr>
+                  <a:t>Check collision point</a:t>
+                </a:r>
+              </a:p>
+              <a:p>
+                <a:pPr lvl="2"/>
+                <a:r>
+                  <a:rPr lang="en-US" dirty="0">
+                    <a:latin typeface="Courier New" panose="02070309020205020404" pitchFamily="49" charset="0"/>
+                    <a:cs typeface="Courier New" panose="02070309020205020404" pitchFamily="49" charset="0"/>
+                  </a:rPr>
+                  <a:t>Given 3 steps around the collision point, push the vehicle away</a:t>
+                </a:r>
+              </a:p>
+              <a:p>
+                <a:pPr lvl="2"/>
+                <a:r>
+                  <a:rPr lang="en-US" dirty="0">
+                    <a:latin typeface="Courier New" panose="02070309020205020404" pitchFamily="49" charset="0"/>
+                    <a:cs typeface="Courier New" panose="02070309020205020404" pitchFamily="49" charset="0"/>
+                  </a:rPr>
+                  <a:t>Minimize the following trajectory toward (</a:t>
+                </a:r>
+                <a14:m>
+                  <m:oMath xmlns:m="http://schemas.openxmlformats.org/officeDocument/2006/math">
+                    <m:sSub>
+                      <m:sSubPr>
+                        <m:ctrlPr>
+                          <a:rPr lang="en-US" b="0" i="1" smtClean="0">
+                            <a:latin typeface="Cambria Math" panose="02040503050406030204" pitchFamily="18" charset="0"/>
+                          </a:rPr>
+                        </m:ctrlPr>
+                      </m:sSubPr>
+                      <m:e>
+                        <m:r>
+                          <a:rPr lang="en-US" b="0" i="1" smtClean="0">
+                            <a:latin typeface="Cambria Math" panose="02040503050406030204" pitchFamily="18" charset="0"/>
+                          </a:rPr>
+                          <m:t>𝑥</m:t>
+                        </m:r>
+                      </m:e>
+                      <m:sub>
+                        <m:r>
+                          <a:rPr lang="en-US" b="0" i="1" smtClean="0">
+                            <a:latin typeface="Cambria Math" panose="02040503050406030204" pitchFamily="18" charset="0"/>
+                          </a:rPr>
+                          <m:t>𝑑</m:t>
+                        </m:r>
+                      </m:sub>
+                    </m:sSub>
+                    <m:r>
+                      <a:rPr lang="en-US" b="0" i="1" smtClean="0">
+                        <a:latin typeface="Cambria Math" panose="02040503050406030204" pitchFamily="18" charset="0"/>
+                      </a:rPr>
+                      <m:t>,</m:t>
+                    </m:r>
+                    <m:sSub>
+                      <m:sSubPr>
+                        <m:ctrlPr>
+                          <a:rPr lang="en-US" b="0" i="1" smtClean="0">
+                            <a:latin typeface="Cambria Math" panose="02040503050406030204" pitchFamily="18" charset="0"/>
+                          </a:rPr>
+                        </m:ctrlPr>
+                      </m:sSubPr>
+                      <m:e>
+                        <m:r>
+                          <a:rPr lang="en-US" b="0" i="1" smtClean="0">
+                            <a:latin typeface="Cambria Math" panose="02040503050406030204" pitchFamily="18" charset="0"/>
+                          </a:rPr>
+                          <m:t>𝑦</m:t>
+                        </m:r>
+                      </m:e>
+                      <m:sub>
+                        <m:r>
+                          <a:rPr lang="en-US" b="0" i="1" smtClean="0">
+                            <a:latin typeface="Cambria Math" panose="02040503050406030204" pitchFamily="18" charset="0"/>
+                          </a:rPr>
+                          <m:t>𝑑</m:t>
+                        </m:r>
+                      </m:sub>
+                    </m:sSub>
+                    <m:r>
+                      <a:rPr lang="en-US" b="0" i="1" smtClean="0">
+                        <a:latin typeface="Cambria Math" panose="02040503050406030204" pitchFamily="18" charset="0"/>
+                      </a:rPr>
+                      <m:t>)</m:t>
+                    </m:r>
+                  </m:oMath>
+                </a14:m>
+                <a:endParaRPr lang="en-US" dirty="0">
+                  <a:latin typeface="Courier New" panose="02070309020205020404" pitchFamily="49" charset="0"/>
+                  <a:cs typeface="Courier New" panose="02070309020205020404" pitchFamily="49" charset="0"/>
+                </a:endParaRPr>
+              </a:p>
+            </p:txBody>
+          </p:sp>
+        </mc:Choice>
+        <mc:Fallback>
+          <p:sp>
+            <p:nvSpPr>
+              <p:cNvPr id="3" name="Text Placeholder 2">
+                <a:extLst>
+                  <a:ext uri="{FF2B5EF4-FFF2-40B4-BE49-F238E27FC236}">
+                    <a16:creationId xmlns:a16="http://schemas.microsoft.com/office/drawing/2014/main" id="{E2A8DB5D-FBDC-4B81-B099-76F8F0C123FB}"/>
+                  </a:ext>
+                </a:extLst>
+              </p:cNvPr>
+              <p:cNvSpPr>
+                <a:spLocks noGrp="1" noRot="1" noChangeAspect="1" noMove="1" noResize="1" noEditPoints="1" noAdjustHandles="1" noChangeArrowheads="1" noChangeShapeType="1" noTextEdit="1"/>
+              </p:cNvSpPr>
+              <p:nvPr>
+                <p:ph type="body" sz="quarter" idx="17"/>
+              </p:nvPr>
+            </p:nvSpPr>
+            <p:spPr>
+              <a:xfrm>
+                <a:off x="299222" y="1051972"/>
+                <a:ext cx="10673578" cy="4986221"/>
+              </a:xfrm>
+              <a:blipFill>
+                <a:blip r:embed="rId2"/>
+                <a:stretch>
+                  <a:fillRect l="-1028" t="-2078"/>
+                </a:stretch>
+              </a:blipFill>
+            </p:spPr>
+            <p:txBody>
+              <a:bodyPr/>
+              <a:lstStyle/>
+              <a:p>
+                <a:r>
+                  <a:rPr lang="en-US">
+                    <a:noFill/>
+                  </a:rPr>
+                  <a:t> </a:t>
+                </a:r>
+              </a:p>
+            </p:txBody>
+          </p:sp>
+        </mc:Fallback>
+      </mc:AlternateContent>
     </p:spTree>
     <p:extLst>
       <p:ext uri="{BB962C8B-B14F-4D97-AF65-F5344CB8AC3E}">
-        <p14:creationId xmlns:p14="http://schemas.microsoft.com/office/powerpoint/2010/main" val="94899325"/>
+        <p14:creationId xmlns:p14="http://schemas.microsoft.com/office/powerpoint/2010/main" val="1467922891"/>
+      </p:ext>
+    </p:extLst>
+  </p:cSld>
+  <p:clrMapOvr>
+    <a:masterClrMapping/>
+  </p:clrMapOvr>
+</p:sld>
+</file>
+
+<file path=ppt/slides/slide17.xml><?xml version="1.0" encoding="utf-8"?>
+<p:sld xmlns:a="http://schemas.openxmlformats.org/drawingml/2006/main" xmlns:r="http://schemas.openxmlformats.org/officeDocument/2006/relationships" xmlns:p="http://schemas.openxmlformats.org/presentationml/2006/main">
+  <p:cSld>
+    <p:spTree>
+      <p:nvGrpSpPr>
+        <p:cNvPr id="1" name=""/>
+        <p:cNvGrpSpPr/>
+        <p:nvPr/>
+      </p:nvGrpSpPr>
+      <p:grpSpPr>
+        <a:xfrm>
+          <a:off x="0" y="0"/>
+          <a:ext cx="0" cy="0"/>
+          <a:chOff x="0" y="0"/>
+          <a:chExt cx="0" cy="0"/>
+        </a:xfrm>
+      </p:grpSpPr>
+      <p:sp>
+        <p:nvSpPr>
+          <p:cNvPr id="2" name="Text Placeholder 1">
+            <a:extLst>
+              <a:ext uri="{FF2B5EF4-FFF2-40B4-BE49-F238E27FC236}">
+                <a16:creationId xmlns:a16="http://schemas.microsoft.com/office/drawing/2014/main" id="{3FC3EBA3-6AF3-45B0-90A7-A1FFF2422565}"/>
+              </a:ext>
+            </a:extLst>
+          </p:cNvPr>
+          <p:cNvSpPr>
+            <a:spLocks noGrp="1"/>
+          </p:cNvSpPr>
+          <p:nvPr>
+            <p:ph type="body" sz="quarter" idx="14"/>
+          </p:nvPr>
+        </p:nvSpPr>
+        <p:spPr/>
+        <p:txBody>
+          <a:bodyPr>
+            <a:noAutofit/>
+          </a:bodyPr>
+          <a:lstStyle/>
+          <a:p>
+            <a:r>
+              <a:rPr lang="en-US" sz="4000" dirty="0">
+                <a:solidFill>
+                  <a:schemeClr val="tx1"/>
+                </a:solidFill>
+              </a:rPr>
+              <a:t>Results</a:t>
+            </a:r>
+          </a:p>
+        </p:txBody>
+      </p:sp>
+      <p:pic>
+        <p:nvPicPr>
+          <p:cNvPr id="4" name="圖片 3">
+            <a:extLst>
+              <a:ext uri="{FF2B5EF4-FFF2-40B4-BE49-F238E27FC236}">
+                <a16:creationId xmlns:a16="http://schemas.microsoft.com/office/drawing/2014/main" id="{6DE113E8-25E6-4928-8C4B-CB314175AD16}"/>
+              </a:ext>
+            </a:extLst>
+          </p:cNvPr>
+          <p:cNvPicPr>
+            <a:picLocks noChangeAspect="1"/>
+          </p:cNvPicPr>
+          <p:nvPr/>
+        </p:nvPicPr>
+        <p:blipFill>
+          <a:blip r:embed="rId2">
+            <a:extLst>
+              <a:ext uri="{28A0092B-C50C-407E-A947-70E740481C1C}">
+                <a14:useLocalDpi xmlns:a14="http://schemas.microsoft.com/office/drawing/2010/main" val="0"/>
+              </a:ext>
+            </a:extLst>
+          </a:blip>
+          <a:stretch>
+            <a:fillRect/>
+          </a:stretch>
+        </p:blipFill>
+        <p:spPr>
+          <a:xfrm>
+            <a:off x="2762250" y="928687"/>
+            <a:ext cx="6667500" cy="5000625"/>
+          </a:xfrm>
+          <a:prstGeom prst="rect">
+            <a:avLst/>
+          </a:prstGeom>
+        </p:spPr>
+      </p:pic>
+    </p:spTree>
+    <p:extLst>
+      <p:ext uri="{BB962C8B-B14F-4D97-AF65-F5344CB8AC3E}">
+        <p14:creationId xmlns:p14="http://schemas.microsoft.com/office/powerpoint/2010/main" val="1734492672"/>
+      </p:ext>
+    </p:extLst>
+  </p:cSld>
+  <p:clrMapOvr>
+    <a:masterClrMapping/>
+  </p:clrMapOvr>
+</p:sld>
+</file>
+
+<file path=ppt/slides/slide18.xml><?xml version="1.0" encoding="utf-8"?>
+<p:sld xmlns:a="http://schemas.openxmlformats.org/drawingml/2006/main" xmlns:r="http://schemas.openxmlformats.org/officeDocument/2006/relationships" xmlns:p="http://schemas.openxmlformats.org/presentationml/2006/main">
+  <p:cSld>
+    <p:spTree>
+      <p:nvGrpSpPr>
+        <p:cNvPr id="1" name=""/>
+        <p:cNvGrpSpPr/>
+        <p:nvPr/>
+      </p:nvGrpSpPr>
+      <p:grpSpPr>
+        <a:xfrm>
+          <a:off x="0" y="0"/>
+          <a:ext cx="0" cy="0"/>
+          <a:chOff x="0" y="0"/>
+          <a:chExt cx="0" cy="0"/>
+        </a:xfrm>
+      </p:grpSpPr>
+      <p:sp>
+        <p:nvSpPr>
+          <p:cNvPr id="2" name="Text Placeholder 1">
+            <a:extLst>
+              <a:ext uri="{FF2B5EF4-FFF2-40B4-BE49-F238E27FC236}">
+                <a16:creationId xmlns:a16="http://schemas.microsoft.com/office/drawing/2014/main" id="{BCCE844A-2193-4DDD-BF71-931954EF917B}"/>
+              </a:ext>
+            </a:extLst>
+          </p:cNvPr>
+          <p:cNvSpPr>
+            <a:spLocks noGrp="1"/>
+          </p:cNvSpPr>
+          <p:nvPr>
+            <p:ph type="body" sz="quarter" idx="14"/>
+          </p:nvPr>
+        </p:nvSpPr>
+        <p:spPr/>
+        <p:txBody>
+          <a:bodyPr>
+            <a:noAutofit/>
+          </a:bodyPr>
+          <a:lstStyle/>
+          <a:p>
+            <a:r>
+              <a:rPr lang="en-US" sz="4000" dirty="0">
+                <a:solidFill>
+                  <a:schemeClr val="tx1"/>
+                </a:solidFill>
+              </a:rPr>
+              <a:t>Future Improvements</a:t>
+            </a:r>
+          </a:p>
+        </p:txBody>
+      </p:sp>
+      <p:sp>
+        <p:nvSpPr>
+          <p:cNvPr id="3" name="Text Placeholder 2">
+            <a:extLst>
+              <a:ext uri="{FF2B5EF4-FFF2-40B4-BE49-F238E27FC236}">
+                <a16:creationId xmlns:a16="http://schemas.microsoft.com/office/drawing/2014/main" id="{C650830E-669F-42E2-86FB-99AA9BBC1880}"/>
+              </a:ext>
+            </a:extLst>
+          </p:cNvPr>
+          <p:cNvSpPr>
+            <a:spLocks noGrp="1"/>
+          </p:cNvSpPr>
+          <p:nvPr>
+            <p:ph type="body" sz="quarter" idx="17"/>
+          </p:nvPr>
+        </p:nvSpPr>
+        <p:spPr>
+          <a:xfrm>
+            <a:off x="299222" y="1051971"/>
+            <a:ext cx="10737746" cy="5092155"/>
+          </a:xfrm>
+        </p:spPr>
+        <p:txBody>
+          <a:bodyPr>
+            <a:normAutofit/>
+          </a:bodyPr>
+          <a:lstStyle/>
+          <a:p>
+            <a:pPr lvl="1"/>
+            <a:r>
+              <a:rPr lang="en-US" sz="2600" dirty="0"/>
+              <a:t>Smaller slot – if a solution is possible</a:t>
+            </a:r>
+          </a:p>
+          <a:p>
+            <a:pPr lvl="1"/>
+            <a:r>
+              <a:rPr lang="en-US" sz="2600" dirty="0"/>
+              <a:t>Research on reverse parking</a:t>
+            </a:r>
+          </a:p>
+          <a:p>
+            <a:pPr lvl="2"/>
+            <a:r>
+              <a:rPr lang="en-US" sz="2600" dirty="0"/>
+              <a:t>Different physical models and dynamics</a:t>
+            </a:r>
+          </a:p>
+          <a:p>
+            <a:pPr lvl="1"/>
+            <a:r>
+              <a:rPr lang="en-US" sz="2600" dirty="0"/>
+              <a:t>Take more complex system into consideration</a:t>
+            </a:r>
+          </a:p>
+          <a:p>
+            <a:pPr lvl="2"/>
+            <a:r>
+              <a:rPr lang="en-US" sz="2600" dirty="0"/>
+              <a:t>Parking slot located at ramps</a:t>
+            </a:r>
+          </a:p>
+          <a:p>
+            <a:pPr lvl="1"/>
+            <a:r>
+              <a:rPr lang="en-US" sz="2600" dirty="0"/>
+              <a:t>Optimization variables can be much more complex in real cases</a:t>
+            </a:r>
+          </a:p>
+          <a:p>
+            <a:pPr lvl="1"/>
+            <a:r>
+              <a:rPr lang="en-US" sz="2600" dirty="0"/>
+              <a:t>Complex feedback system for a real automobiles</a:t>
+            </a:r>
+          </a:p>
+          <a:p>
+            <a:pPr marL="0" lvl="1" indent="0">
+              <a:buNone/>
+            </a:pPr>
+            <a:endParaRPr lang="en-US" dirty="0"/>
+          </a:p>
+        </p:txBody>
+      </p:sp>
+    </p:spTree>
+    <p:extLst>
+      <p:ext uri="{BB962C8B-B14F-4D97-AF65-F5344CB8AC3E}">
+        <p14:creationId xmlns:p14="http://schemas.microsoft.com/office/powerpoint/2010/main" val="610522070"/>
+      </p:ext>
+    </p:extLst>
+  </p:cSld>
+  <p:clrMapOvr>
+    <a:masterClrMapping/>
+  </p:clrMapOvr>
+</p:sld>
+</file>
+
+<file path=ppt/slides/slide19.xml><?xml version="1.0" encoding="utf-8"?>
+<p:sld xmlns:a="http://schemas.openxmlformats.org/drawingml/2006/main" xmlns:r="http://schemas.openxmlformats.org/officeDocument/2006/relationships" xmlns:p="http://schemas.openxmlformats.org/presentationml/2006/main">
+  <p:cSld>
+    <p:spTree>
+      <p:nvGrpSpPr>
+        <p:cNvPr id="1" name=""/>
+        <p:cNvGrpSpPr/>
+        <p:nvPr/>
+      </p:nvGrpSpPr>
+      <p:grpSpPr>
+        <a:xfrm>
+          <a:off x="0" y="0"/>
+          <a:ext cx="0" cy="0"/>
+          <a:chOff x="0" y="0"/>
+          <a:chExt cx="0" cy="0"/>
+        </a:xfrm>
+      </p:grpSpPr>
+      <p:sp>
+        <p:nvSpPr>
+          <p:cNvPr id="2" name="Text Placeholder 1">
+            <a:extLst>
+              <a:ext uri="{FF2B5EF4-FFF2-40B4-BE49-F238E27FC236}">
+                <a16:creationId xmlns:a16="http://schemas.microsoft.com/office/drawing/2014/main" id="{5F7719BC-2E57-4382-AC4E-6FF87CE16649}"/>
+              </a:ext>
+            </a:extLst>
+          </p:cNvPr>
+          <p:cNvSpPr>
+            <a:spLocks noGrp="1"/>
+          </p:cNvSpPr>
+          <p:nvPr>
+            <p:ph type="body" sz="quarter" idx="14"/>
+          </p:nvPr>
+        </p:nvSpPr>
+        <p:spPr/>
+        <p:txBody>
+          <a:bodyPr>
+            <a:noAutofit/>
+          </a:bodyPr>
+          <a:lstStyle/>
+          <a:p>
+            <a:r>
+              <a:rPr lang="en-US" sz="4000" dirty="0">
+                <a:solidFill>
+                  <a:schemeClr val="tx1"/>
+                </a:solidFill>
+              </a:rPr>
+              <a:t>Reference</a:t>
+            </a:r>
+          </a:p>
+        </p:txBody>
+      </p:sp>
+      <p:sp>
+        <p:nvSpPr>
+          <p:cNvPr id="3" name="矩形 2">
+            <a:extLst>
+              <a:ext uri="{FF2B5EF4-FFF2-40B4-BE49-F238E27FC236}">
+                <a16:creationId xmlns:a16="http://schemas.microsoft.com/office/drawing/2014/main" id="{B1F9130C-6952-4E4F-A305-78BDB72F4F55}"/>
+              </a:ext>
+            </a:extLst>
+          </p:cNvPr>
+          <p:cNvSpPr/>
+          <p:nvPr/>
+        </p:nvSpPr>
+        <p:spPr>
+          <a:xfrm>
+            <a:off x="299222" y="975047"/>
+            <a:ext cx="11892778" cy="923330"/>
+          </a:xfrm>
+          <a:prstGeom prst="rect">
+            <a:avLst/>
+          </a:prstGeom>
+        </p:spPr>
+        <p:txBody>
+          <a:bodyPr wrap="square">
+            <a:spAutoFit/>
+          </a:bodyPr>
+          <a:lstStyle/>
+          <a:p>
+            <a:r>
+              <a:rPr lang="en-US" dirty="0">
+                <a:solidFill>
+                  <a:srgbClr val="333333"/>
+                </a:solidFill>
+                <a:latin typeface="Times New Roman" panose="02020603050405020304" pitchFamily="18" charset="0"/>
+              </a:rPr>
+              <a:t>[1]	“Example: Parallel Parking,” </a:t>
+            </a:r>
+            <a:r>
+              <a:rPr lang="en-US" i="1" dirty="0">
+                <a:solidFill>
+                  <a:srgbClr val="333333"/>
+                </a:solidFill>
+                <a:latin typeface="Times New Roman" panose="02020603050405020304" pitchFamily="18" charset="0"/>
+              </a:rPr>
+              <a:t>ICLOCS2: A MATLAB Toolbox for Optimization Based Control - Example: Parallel 	Parking</a:t>
+            </a:r>
+            <a:r>
+              <a:rPr lang="en-US" dirty="0">
+                <a:solidFill>
+                  <a:srgbClr val="333333"/>
+                </a:solidFill>
+                <a:latin typeface="Times New Roman" panose="02020603050405020304" pitchFamily="18" charset="0"/>
+              </a:rPr>
+              <a:t>. [Online]. Available: http://www.ee.ic.ac.uk/ICLOCS/ExampleParallelParking.html. [Accessed: 22-Apr-	2020].</a:t>
+            </a:r>
+            <a:endParaRPr lang="en-US" dirty="0"/>
+          </a:p>
+        </p:txBody>
+      </p:sp>
+    </p:spTree>
+    <p:extLst>
+      <p:ext uri="{BB962C8B-B14F-4D97-AF65-F5344CB8AC3E}">
+        <p14:creationId xmlns:p14="http://schemas.microsoft.com/office/powerpoint/2010/main" val="1806401461"/>
       </p:ext>
     </p:extLst>
   </p:cSld>
@@ -6555,6 +8778,36 @@
   </p:cSld>
   <p:clrMapOvr>
     <a:overrideClrMapping bg1="lt1" tx1="dk1" bg2="lt2" tx2="dk2" accent1="accent1" accent2="accent2" accent3="accent3" accent4="accent4" accent5="accent5" accent6="accent6" hlink="hlink" folHlink="folHlink"/>
+  </p:clrMapOvr>
+</p:sld>
+</file>
+
+<file path=ppt/slides/slide20.xml><?xml version="1.0" encoding="utf-8"?>
+<p:sld xmlns:a="http://schemas.openxmlformats.org/drawingml/2006/main" xmlns:r="http://schemas.openxmlformats.org/officeDocument/2006/relationships" xmlns:p="http://schemas.openxmlformats.org/presentationml/2006/main">
+  <p:cSld>
+    <p:spTree>
+      <p:nvGrpSpPr>
+        <p:cNvPr id="1" name=""/>
+        <p:cNvGrpSpPr/>
+        <p:nvPr/>
+      </p:nvGrpSpPr>
+      <p:grpSpPr>
+        <a:xfrm>
+          <a:off x="0" y="0"/>
+          <a:ext cx="0" cy="0"/>
+          <a:chOff x="0" y="0"/>
+          <a:chExt cx="0" cy="0"/>
+        </a:xfrm>
+      </p:grpSpPr>
+    </p:spTree>
+    <p:extLst>
+      <p:ext uri="{BB962C8B-B14F-4D97-AF65-F5344CB8AC3E}">
+        <p14:creationId xmlns:p14="http://schemas.microsoft.com/office/powerpoint/2010/main" val="94899325"/>
+      </p:ext>
+    </p:extLst>
+  </p:cSld>
+  <p:clrMapOvr>
+    <a:masterClrMapping/>
   </p:clrMapOvr>
 </p:sld>
 </file>
@@ -7475,6 +9728,46 @@
           </p:sp>
         </mc:Fallback>
       </mc:AlternateContent>
+      <p:sp>
+        <p:nvSpPr>
+          <p:cNvPr id="4" name="矩形 3">
+            <a:extLst>
+              <a:ext uri="{FF2B5EF4-FFF2-40B4-BE49-F238E27FC236}">
+                <a16:creationId xmlns:a16="http://schemas.microsoft.com/office/drawing/2014/main" id="{D0ED58DD-7651-4E03-9C9A-874B61158A45}"/>
+              </a:ext>
+            </a:extLst>
+          </p:cNvPr>
+          <p:cNvSpPr/>
+          <p:nvPr/>
+        </p:nvSpPr>
+        <p:spPr>
+          <a:xfrm>
+            <a:off x="2124891" y="4406856"/>
+            <a:ext cx="3166251" cy="369332"/>
+          </a:xfrm>
+          <a:prstGeom prst="rect">
+            <a:avLst/>
+          </a:prstGeom>
+        </p:spPr>
+        <p:txBody>
+          <a:bodyPr wrap="none">
+            <a:spAutoFit/>
+          </a:bodyPr>
+          <a:lstStyle/>
+          <a:p>
+            <a:r>
+              <a:rPr lang="en-US" dirty="0">
+                <a:solidFill>
+                  <a:srgbClr val="333333"/>
+                </a:solidFill>
+                <a:latin typeface="Times New Roman" panose="02020603050405020304" pitchFamily="18" charset="0"/>
+              </a:rPr>
+              <a:t>Figure 1: Parking Lot Model [1]</a:t>
+            </a:r>
+            <a:endParaRPr lang="en-US" dirty="0"/>
+          </a:p>
+        </p:txBody>
+      </p:sp>
     </p:spTree>
     <p:extLst>
       <p:ext uri="{BB962C8B-B14F-4D97-AF65-F5344CB8AC3E}">
@@ -7848,6 +10141,46 @@
           </a:prstGeom>
         </p:spPr>
       </p:pic>
+      <p:sp>
+        <p:nvSpPr>
+          <p:cNvPr id="4" name="矩形 3">
+            <a:extLst>
+              <a:ext uri="{FF2B5EF4-FFF2-40B4-BE49-F238E27FC236}">
+                <a16:creationId xmlns:a16="http://schemas.microsoft.com/office/drawing/2014/main" id="{3D26A05E-EFC8-49EF-800B-1502ED6492ED}"/>
+              </a:ext>
+            </a:extLst>
+          </p:cNvPr>
+          <p:cNvSpPr/>
+          <p:nvPr/>
+        </p:nvSpPr>
+        <p:spPr>
+          <a:xfrm>
+            <a:off x="1939169" y="5028058"/>
+            <a:ext cx="2758191" cy="369332"/>
+          </a:xfrm>
+          <a:prstGeom prst="rect">
+            <a:avLst/>
+          </a:prstGeom>
+        </p:spPr>
+        <p:txBody>
+          <a:bodyPr wrap="none">
+            <a:spAutoFit/>
+          </a:bodyPr>
+          <a:lstStyle/>
+          <a:p>
+            <a:r>
+              <a:rPr lang="en-US" dirty="0">
+                <a:solidFill>
+                  <a:srgbClr val="333333"/>
+                </a:solidFill>
+                <a:latin typeface="Times New Roman" panose="02020603050405020304" pitchFamily="18" charset="0"/>
+              </a:rPr>
+              <a:t>Figure 2: Vehicle Model [1]</a:t>
+            </a:r>
+            <a:endParaRPr lang="en-US" dirty="0"/>
+          </a:p>
+        </p:txBody>
+      </p:sp>
     </p:spTree>
     <p:extLst>
       <p:ext uri="{BB962C8B-B14F-4D97-AF65-F5344CB8AC3E}">
@@ -7912,8 +10245,8 @@
           </a:p>
         </p:txBody>
       </p:sp>
-      <mc:AlternateContent xmlns:mc="http://schemas.openxmlformats.org/markup-compatibility/2006">
-        <mc:Choice xmlns:a14="http://schemas.microsoft.com/office/drawing/2010/main" Requires="a14">
+      <mc:AlternateContent xmlns:mc="http://schemas.openxmlformats.org/markup-compatibility/2006" xmlns:a14="http://schemas.microsoft.com/office/drawing/2010/main">
+        <mc:Choice Requires="a14">
           <p:sp>
             <p:nvSpPr>
               <p:cNvPr id="3" name="Text Placeholder 2">
@@ -7945,19 +10278,34 @@
                 <a:pPr lvl="1"/>
                 <a:r>
                   <a:rPr lang="en-US" sz="2600" dirty="0"/>
-                  <a:t>Cost-to-go function</a:t>
+                  <a:t>Nonholonomic system</a:t>
                 </a:r>
               </a:p>
               <a:p>
                 <a:pPr lvl="2"/>
                 <a:r>
                   <a:rPr lang="en-US" sz="2600" dirty="0"/>
-                  <a:t>Defined as quadratic function of </a:t>
+                  <a:t>3 degrees of freedom (DOF) overall</a:t>
+                </a:r>
+                <a:endParaRPr lang="en-US" dirty="0"/>
+              </a:p>
+              <a:p>
+                <a:pPr lvl="2"/>
+                <a:r>
+                  <a:rPr lang="en-US" sz="2600" dirty="0"/>
+                  <a:t>2 instant DOF (not able to slide sideway)</a:t>
+                </a:r>
+              </a:p>
+              <a:p>
+                <a:pPr lvl="2"/>
+                <a:r>
+                  <a:rPr lang="en-US" sz="2600" dirty="0"/>
+                  <a:t>Modeled by 4 variables </a:t>
                 </a:r>
                 <a14:m>
                   <m:oMath xmlns:m="http://schemas.openxmlformats.org/officeDocument/2006/math">
                     <m:r>
-                      <a:rPr lang="en-US" sz="2600" i="1" dirty="0" smtClean="0">
+                      <a:rPr lang="en-US" sz="2600" i="1" dirty="0">
                         <a:latin typeface="Cambria Math" panose="02040503050406030204" pitchFamily="18" charset="0"/>
                       </a:rPr>
                       <m:t>𝑥</m:t>
@@ -7971,7 +10319,7 @@
                 <a14:m>
                   <m:oMath xmlns:m="http://schemas.openxmlformats.org/officeDocument/2006/math">
                     <m:r>
-                      <a:rPr lang="en-US" sz="2600" b="0" i="1" smtClean="0">
+                      <a:rPr lang="en-US" sz="2600" i="1">
                         <a:latin typeface="Cambria Math" panose="02040503050406030204" pitchFamily="18" charset="0"/>
                       </a:rPr>
                       <m:t>𝑦</m:t>
@@ -7980,7 +10328,21 @@
                 </a14:m>
                 <a:r>
                   <a:rPr lang="en-US" sz="2600" dirty="0"/>
-                  <a:t>, and </a:t>
+                  <a:t>, </a:t>
+                </a:r>
+                <a14:m>
+                  <m:oMath xmlns:m="http://schemas.openxmlformats.org/officeDocument/2006/math">
+                    <m:r>
+                      <a:rPr lang="en-US" sz="2800" i="1">
+                        <a:latin typeface="Cambria Math" panose="02040503050406030204" pitchFamily="18" charset="0"/>
+                      </a:rPr>
+                      <m:t>𝜙</m:t>
+                    </m:r>
+                  </m:oMath>
+                </a14:m>
+                <a:r>
+                  <a:rPr lang="en-US" sz="2600" dirty="0"/>
+                  <a:t> and </a:t>
                 </a:r>
                 <a14:m>
                   <m:oMath xmlns:m="http://schemas.openxmlformats.org/officeDocument/2006/math">
@@ -7993,59 +10355,6 @@
                   </m:oMath>
                 </a14:m>
                 <a:endParaRPr lang="en-US" sz="2600" dirty="0"/>
-              </a:p>
-              <a:p>
-                <a:pPr lvl="2"/>
-                <a:r>
-                  <a:rPr lang="en-US" sz="2600" dirty="0"/>
-                  <a:t>Moving toward desired position (slot) center at </a:t>
-                </a:r>
-                <a14:m>
-                  <m:oMath xmlns:m="http://schemas.openxmlformats.org/officeDocument/2006/math">
-                    <m:r>
-                      <a:rPr lang="en-US" sz="2600" i="1" dirty="0" smtClean="0">
-                        <a:latin typeface="Cambria Math" panose="02040503050406030204" pitchFamily="18" charset="0"/>
-                      </a:rPr>
-                      <m:t>𝑥𝑑</m:t>
-                    </m:r>
-                  </m:oMath>
-                </a14:m>
-                <a:r>
-                  <a:rPr lang="en-US" sz="2600" dirty="0"/>
-                  <a:t> and </a:t>
-                </a:r>
-                <a14:m>
-                  <m:oMath xmlns:m="http://schemas.openxmlformats.org/officeDocument/2006/math">
-                    <m:r>
-                      <a:rPr lang="en-US" sz="2600" i="1" dirty="0" smtClean="0">
-                        <a:latin typeface="Cambria Math" panose="02040503050406030204" pitchFamily="18" charset="0"/>
-                      </a:rPr>
-                      <m:t>𝑦𝑑</m:t>
-                    </m:r>
-                  </m:oMath>
-                </a14:m>
-                <a:endParaRPr lang="en-US" sz="2600" dirty="0"/>
-              </a:p>
-              <a:p>
-                <a:pPr lvl="2"/>
-                <a:r>
-                  <a:rPr lang="en-US" sz="2600" dirty="0"/>
-                  <a:t>Weight on </a:t>
-                </a:r>
-                <a14:m>
-                  <m:oMath xmlns:m="http://schemas.openxmlformats.org/officeDocument/2006/math">
-                    <m:r>
-                      <a:rPr lang="en-US" sz="2600" i="1">
-                        <a:latin typeface="Cambria Math" panose="02040503050406030204" pitchFamily="18" charset="0"/>
-                      </a:rPr>
-                      <m:t>𝜃</m:t>
-                    </m:r>
-                  </m:oMath>
-                </a14:m>
-                <a:r>
-                  <a:rPr lang="en-US" sz="2600" dirty="0"/>
-                  <a:t> is high to highlight “parallel”</a:t>
-                </a:r>
               </a:p>
               <a:p>
                 <a:pPr lvl="1"/>
@@ -8081,7 +10390,7 @@
             </p:txBody>
           </p:sp>
         </mc:Choice>
-        <mc:Fallback>
+        <mc:Fallback xmlns="">
           <p:sp>
             <p:nvSpPr>
               <p:cNvPr id="3" name="Text Placeholder 2">
@@ -8189,31 +10498,495 @@
           </a:p>
         </p:txBody>
       </p:sp>
-      <p:sp>
-        <p:nvSpPr>
-          <p:cNvPr id="3" name="Text Placeholder 2">
+      <mc:AlternateContent xmlns:mc="http://schemas.openxmlformats.org/markup-compatibility/2006">
+        <mc:Choice xmlns:a14="http://schemas.microsoft.com/office/drawing/2010/main" Requires="a14">
+          <p:sp>
+            <p:nvSpPr>
+              <p:cNvPr id="3" name="Text Placeholder 2">
+                <a:extLst>
+                  <a:ext uri="{FF2B5EF4-FFF2-40B4-BE49-F238E27FC236}">
+                    <a16:creationId xmlns:a16="http://schemas.microsoft.com/office/drawing/2014/main" id="{F95A7129-A532-474F-A5EC-150189A30AF7}"/>
+                  </a:ext>
+                </a:extLst>
+              </p:cNvPr>
+              <p:cNvSpPr>
+                <a:spLocks noGrp="1"/>
+              </p:cNvSpPr>
+              <p:nvPr>
+                <p:ph type="body" sz="quarter" idx="17"/>
+              </p:nvPr>
+            </p:nvSpPr>
+            <p:spPr>
+              <a:xfrm>
+                <a:off x="299222" y="1051972"/>
+                <a:ext cx="9828546" cy="2438400"/>
+              </a:xfrm>
+            </p:spPr>
+            <p:txBody>
+              <a:bodyPr>
+                <a:normAutofit/>
+              </a:bodyPr>
+              <a:lstStyle/>
+              <a:p>
+                <a:r>
+                  <a:rPr lang="en-US" altLang="zh-CN" dirty="0"/>
+                  <a:t>Without any obstacle, the problem could be modeled as two point boundary value problem.</a:t>
+                </a:r>
+              </a:p>
+              <a:p>
+                <a14:m>
+                  <m:oMath xmlns:m="http://schemas.openxmlformats.org/officeDocument/2006/math">
+                    <m:r>
+                      <a:rPr lang="en-US" b="0" i="1" smtClean="0">
+                        <a:latin typeface="Cambria Math" panose="02040503050406030204" pitchFamily="18" charset="0"/>
+                      </a:rPr>
+                      <m:t>𝐽</m:t>
+                    </m:r>
+                    <m:r>
+                      <a:rPr lang="en-US" b="0" i="1" smtClean="0">
+                        <a:latin typeface="Cambria Math" panose="02040503050406030204" pitchFamily="18" charset="0"/>
+                      </a:rPr>
+                      <m:t>=</m:t>
+                    </m:r>
+                    <m:f>
+                      <m:fPr>
+                        <m:ctrlPr>
+                          <a:rPr lang="en-US" b="0" i="1" smtClean="0">
+                            <a:latin typeface="Cambria Math" panose="02040503050406030204" pitchFamily="18" charset="0"/>
+                          </a:rPr>
+                        </m:ctrlPr>
+                      </m:fPr>
+                      <m:num>
+                        <m:r>
+                          <a:rPr lang="en-US" b="0" i="1" smtClean="0">
+                            <a:latin typeface="Cambria Math" panose="02040503050406030204" pitchFamily="18" charset="0"/>
+                          </a:rPr>
+                          <m:t>1</m:t>
+                        </m:r>
+                      </m:num>
+                      <m:den>
+                        <m:r>
+                          <a:rPr lang="en-US" b="0" i="1" smtClean="0">
+                            <a:latin typeface="Cambria Math" panose="02040503050406030204" pitchFamily="18" charset="0"/>
+                          </a:rPr>
+                          <m:t>2</m:t>
+                        </m:r>
+                      </m:den>
+                    </m:f>
+                    <m:r>
+                      <a:rPr lang="en-US" b="0" i="1" smtClean="0">
+                        <a:latin typeface="Cambria Math" panose="02040503050406030204" pitchFamily="18" charset="0"/>
+                      </a:rPr>
+                      <m:t>(</m:t>
+                    </m:r>
+                    <m:sSup>
+                      <m:sSupPr>
+                        <m:ctrlPr>
+                          <a:rPr lang="en-US" b="0" i="1" smtClean="0">
+                            <a:latin typeface="Cambria Math" panose="02040503050406030204" pitchFamily="18" charset="0"/>
+                          </a:rPr>
+                        </m:ctrlPr>
+                      </m:sSupPr>
+                      <m:e>
+                        <m:d>
+                          <m:dPr>
+                            <m:ctrlPr>
+                              <a:rPr lang="en-US" b="0" i="1" smtClean="0">
+                                <a:latin typeface="Cambria Math" panose="02040503050406030204" pitchFamily="18" charset="0"/>
+                              </a:rPr>
+                            </m:ctrlPr>
+                          </m:dPr>
+                          <m:e>
+                            <m:r>
+                              <a:rPr lang="en-US" b="0" i="1" smtClean="0">
+                                <a:latin typeface="Cambria Math" panose="02040503050406030204" pitchFamily="18" charset="0"/>
+                              </a:rPr>
+                              <m:t>𝑥</m:t>
+                            </m:r>
+                            <m:d>
+                              <m:dPr>
+                                <m:ctrlPr>
+                                  <a:rPr lang="en-US" b="0" i="1" smtClean="0">
+                                    <a:latin typeface="Cambria Math" panose="02040503050406030204" pitchFamily="18" charset="0"/>
+                                  </a:rPr>
+                                </m:ctrlPr>
+                              </m:dPr>
+                              <m:e>
+                                <m:r>
+                                  <a:rPr lang="en-US" b="0" i="1" smtClean="0">
+                                    <a:latin typeface="Cambria Math" panose="02040503050406030204" pitchFamily="18" charset="0"/>
+                                  </a:rPr>
+                                  <m:t>𝑁</m:t>
+                                </m:r>
+                              </m:e>
+                            </m:d>
+                            <m:r>
+                              <a:rPr lang="en-US" b="0" i="1" smtClean="0">
+                                <a:latin typeface="Cambria Math" panose="02040503050406030204" pitchFamily="18" charset="0"/>
+                              </a:rPr>
+                              <m:t>−</m:t>
+                            </m:r>
+                            <m:sSub>
+                              <m:sSubPr>
+                                <m:ctrlPr>
+                                  <a:rPr lang="en-US" b="0" i="1" smtClean="0">
+                                    <a:latin typeface="Cambria Math" panose="02040503050406030204" pitchFamily="18" charset="0"/>
+                                  </a:rPr>
+                                </m:ctrlPr>
+                              </m:sSubPr>
+                              <m:e>
+                                <m:r>
+                                  <a:rPr lang="en-US" b="0" i="1" smtClean="0">
+                                    <a:latin typeface="Cambria Math" panose="02040503050406030204" pitchFamily="18" charset="0"/>
+                                  </a:rPr>
+                                  <m:t>𝑥</m:t>
+                                </m:r>
+                              </m:e>
+                              <m:sub>
+                                <m:r>
+                                  <a:rPr lang="en-US" b="0" i="1" smtClean="0">
+                                    <a:latin typeface="Cambria Math" panose="02040503050406030204" pitchFamily="18" charset="0"/>
+                                  </a:rPr>
+                                  <m:t>𝑑</m:t>
+                                </m:r>
+                              </m:sub>
+                            </m:sSub>
+                          </m:e>
+                        </m:d>
+                      </m:e>
+                      <m:sup>
+                        <m:r>
+                          <a:rPr lang="en-US" b="0" i="1" smtClean="0">
+                            <a:latin typeface="Cambria Math" panose="02040503050406030204" pitchFamily="18" charset="0"/>
+                          </a:rPr>
+                          <m:t>2</m:t>
+                        </m:r>
+                      </m:sup>
+                    </m:sSup>
+                    <m:r>
+                      <a:rPr lang="en-US" b="0" i="1" smtClean="0">
+                        <a:latin typeface="Cambria Math" panose="02040503050406030204" pitchFamily="18" charset="0"/>
+                      </a:rPr>
+                      <m:t>+</m:t>
+                    </m:r>
+                    <m:sSup>
+                      <m:sSupPr>
+                        <m:ctrlPr>
+                          <a:rPr lang="en-US" i="1">
+                            <a:latin typeface="Cambria Math" panose="02040503050406030204" pitchFamily="18" charset="0"/>
+                          </a:rPr>
+                        </m:ctrlPr>
+                      </m:sSupPr>
+                      <m:e>
+                        <m:d>
+                          <m:dPr>
+                            <m:ctrlPr>
+                              <a:rPr lang="en-US" i="1">
+                                <a:latin typeface="Cambria Math" panose="02040503050406030204" pitchFamily="18" charset="0"/>
+                              </a:rPr>
+                            </m:ctrlPr>
+                          </m:dPr>
+                          <m:e>
+                            <m:r>
+                              <a:rPr lang="en-US" b="0" i="1" smtClean="0">
+                                <a:latin typeface="Cambria Math" panose="02040503050406030204" pitchFamily="18" charset="0"/>
+                              </a:rPr>
+                              <m:t>𝑦</m:t>
+                            </m:r>
+                            <m:d>
+                              <m:dPr>
+                                <m:ctrlPr>
+                                  <a:rPr lang="en-US" i="1">
+                                    <a:latin typeface="Cambria Math" panose="02040503050406030204" pitchFamily="18" charset="0"/>
+                                  </a:rPr>
+                                </m:ctrlPr>
+                              </m:dPr>
+                              <m:e>
+                                <m:r>
+                                  <a:rPr lang="en-US" i="1">
+                                    <a:latin typeface="Cambria Math" panose="02040503050406030204" pitchFamily="18" charset="0"/>
+                                  </a:rPr>
+                                  <m:t>𝑁</m:t>
+                                </m:r>
+                              </m:e>
+                            </m:d>
+                            <m:r>
+                              <a:rPr lang="en-US" i="1">
+                                <a:latin typeface="Cambria Math" panose="02040503050406030204" pitchFamily="18" charset="0"/>
+                              </a:rPr>
+                              <m:t>−</m:t>
+                            </m:r>
+                            <m:sSub>
+                              <m:sSubPr>
+                                <m:ctrlPr>
+                                  <a:rPr lang="en-US" i="1">
+                                    <a:latin typeface="Cambria Math" panose="02040503050406030204" pitchFamily="18" charset="0"/>
+                                  </a:rPr>
+                                </m:ctrlPr>
+                              </m:sSubPr>
+                              <m:e>
+                                <m:r>
+                                  <a:rPr lang="en-US" b="0" i="1" smtClean="0">
+                                    <a:latin typeface="Cambria Math" panose="02040503050406030204" pitchFamily="18" charset="0"/>
+                                  </a:rPr>
+                                  <m:t>𝑦</m:t>
+                                </m:r>
+                              </m:e>
+                              <m:sub>
+                                <m:r>
+                                  <a:rPr lang="en-US" i="1">
+                                    <a:latin typeface="Cambria Math" panose="02040503050406030204" pitchFamily="18" charset="0"/>
+                                  </a:rPr>
+                                  <m:t>𝑑</m:t>
+                                </m:r>
+                              </m:sub>
+                            </m:sSub>
+                          </m:e>
+                        </m:d>
+                      </m:e>
+                      <m:sup>
+                        <m:r>
+                          <a:rPr lang="en-US" i="1">
+                            <a:latin typeface="Cambria Math" panose="02040503050406030204" pitchFamily="18" charset="0"/>
+                          </a:rPr>
+                          <m:t>2</m:t>
+                        </m:r>
+                      </m:sup>
+                    </m:sSup>
+                    <m:r>
+                      <a:rPr lang="en-US" b="0" i="1" smtClean="0">
+                        <a:latin typeface="Cambria Math" panose="02040503050406030204" pitchFamily="18" charset="0"/>
+                      </a:rPr>
+                      <m:t>+</m:t>
+                    </m:r>
+                    <m:r>
+                      <a:rPr lang="en-US" b="0" i="1" smtClean="0">
+                        <a:latin typeface="Cambria Math" panose="02040503050406030204" pitchFamily="18" charset="0"/>
+                      </a:rPr>
+                      <m:t>𝑤</m:t>
+                    </m:r>
+                    <m:sSup>
+                      <m:sSupPr>
+                        <m:ctrlPr>
+                          <a:rPr lang="en-US" i="1">
+                            <a:latin typeface="Cambria Math" panose="02040503050406030204" pitchFamily="18" charset="0"/>
+                          </a:rPr>
+                        </m:ctrlPr>
+                      </m:sSupPr>
+                      <m:e>
+                        <m:d>
+                          <m:dPr>
+                            <m:ctrlPr>
+                              <a:rPr lang="en-US" i="1">
+                                <a:latin typeface="Cambria Math" panose="02040503050406030204" pitchFamily="18" charset="0"/>
+                              </a:rPr>
+                            </m:ctrlPr>
+                          </m:dPr>
+                          <m:e>
+                            <m:r>
+                              <m:rPr>
+                                <m:sty m:val="p"/>
+                              </m:rPr>
+                              <a:rPr lang="en-US" altLang="zh-CN" i="1" smtClean="0">
+                                <a:latin typeface="Cambria Math" panose="02040503050406030204" pitchFamily="18" charset="0"/>
+                              </a:rPr>
+                              <m:t>θ</m:t>
+                            </m:r>
+                            <m:d>
+                              <m:dPr>
+                                <m:ctrlPr>
+                                  <a:rPr lang="en-US" i="1">
+                                    <a:latin typeface="Cambria Math" panose="02040503050406030204" pitchFamily="18" charset="0"/>
+                                  </a:rPr>
+                                </m:ctrlPr>
+                              </m:dPr>
+                              <m:e>
+                                <m:r>
+                                  <a:rPr lang="en-US" i="1">
+                                    <a:latin typeface="Cambria Math" panose="02040503050406030204" pitchFamily="18" charset="0"/>
+                                  </a:rPr>
+                                  <m:t>𝑁</m:t>
+                                </m:r>
+                              </m:e>
+                            </m:d>
+                            <m:r>
+                              <a:rPr lang="en-US" i="1">
+                                <a:latin typeface="Cambria Math" panose="02040503050406030204" pitchFamily="18" charset="0"/>
+                              </a:rPr>
+                              <m:t>−</m:t>
+                            </m:r>
+                            <m:sSub>
+                              <m:sSubPr>
+                                <m:ctrlPr>
+                                  <a:rPr lang="en-US" i="1">
+                                    <a:latin typeface="Cambria Math" panose="02040503050406030204" pitchFamily="18" charset="0"/>
+                                  </a:rPr>
+                                </m:ctrlPr>
+                              </m:sSubPr>
+                              <m:e>
+                                <m:r>
+                                  <m:rPr>
+                                    <m:sty m:val="p"/>
+                                  </m:rPr>
+                                  <a:rPr lang="en-US" altLang="zh-CN" i="1">
+                                    <a:latin typeface="Cambria Math" panose="02040503050406030204" pitchFamily="18" charset="0"/>
+                                  </a:rPr>
+                                  <m:t>θ</m:t>
+                                </m:r>
+                              </m:e>
+                              <m:sub>
+                                <m:r>
+                                  <a:rPr lang="en-US" i="1">
+                                    <a:latin typeface="Cambria Math" panose="02040503050406030204" pitchFamily="18" charset="0"/>
+                                  </a:rPr>
+                                  <m:t>𝑑</m:t>
+                                </m:r>
+                              </m:sub>
+                            </m:sSub>
+                          </m:e>
+                        </m:d>
+                      </m:e>
+                      <m:sup>
+                        <m:r>
+                          <a:rPr lang="en-US" i="1">
+                            <a:latin typeface="Cambria Math" panose="02040503050406030204" pitchFamily="18" charset="0"/>
+                          </a:rPr>
+                          <m:t>2</m:t>
+                        </m:r>
+                      </m:sup>
+                    </m:sSup>
+                    <m:r>
+                      <a:rPr lang="en-US" b="0" i="1" smtClean="0">
+                        <a:latin typeface="Cambria Math" panose="02040503050406030204" pitchFamily="18" charset="0"/>
+                      </a:rPr>
+                      <m:t>)</m:t>
+                    </m:r>
+                  </m:oMath>
+                </a14:m>
+                <a:r>
+                  <a:rPr lang="en-US" dirty="0"/>
+                  <a:t>, w=50</a:t>
+                </a:r>
+              </a:p>
+            </p:txBody>
+          </p:sp>
+        </mc:Choice>
+        <mc:Fallback>
+          <p:sp>
+            <p:nvSpPr>
+              <p:cNvPr id="3" name="Text Placeholder 2">
+                <a:extLst>
+                  <a:ext uri="{FF2B5EF4-FFF2-40B4-BE49-F238E27FC236}">
+                    <a16:creationId xmlns:a16="http://schemas.microsoft.com/office/drawing/2014/main" id="{F95A7129-A532-474F-A5EC-150189A30AF7}"/>
+                  </a:ext>
+                </a:extLst>
+              </p:cNvPr>
+              <p:cNvSpPr>
+                <a:spLocks noGrp="1" noRot="1" noChangeAspect="1" noMove="1" noResize="1" noEditPoints="1" noAdjustHandles="1" noChangeArrowheads="1" noChangeShapeType="1" noTextEdit="1"/>
+              </p:cNvSpPr>
+              <p:nvPr>
+                <p:ph type="body" sz="quarter" idx="17"/>
+              </p:nvPr>
+            </p:nvSpPr>
+            <p:spPr>
+              <a:xfrm>
+                <a:off x="299222" y="1051972"/>
+                <a:ext cx="9828546" cy="2438400"/>
+              </a:xfrm>
+              <a:blipFill>
+                <a:blip r:embed="rId2"/>
+                <a:stretch>
+                  <a:fillRect l="-1117" t="-4250"/>
+                </a:stretch>
+              </a:blipFill>
+            </p:spPr>
+            <p:txBody>
+              <a:bodyPr/>
+              <a:lstStyle/>
+              <a:p>
+                <a:r>
+                  <a:rPr lang="en-US">
+                    <a:noFill/>
+                  </a:rPr>
+                  <a:t> </a:t>
+                </a:r>
+              </a:p>
+            </p:txBody>
+          </p:sp>
+        </mc:Fallback>
+      </mc:AlternateContent>
+      <p:pic>
+        <p:nvPicPr>
+          <p:cNvPr id="5" name="圖片 4">
             <a:extLst>
               <a:ext uri="{FF2B5EF4-FFF2-40B4-BE49-F238E27FC236}">
-                <a16:creationId xmlns:a16="http://schemas.microsoft.com/office/drawing/2014/main" id="{F95A7129-A532-474F-A5EC-150189A30AF7}"/>
+                <a16:creationId xmlns:a16="http://schemas.microsoft.com/office/drawing/2014/main" id="{5C5D9DF3-89F8-4E54-B8AF-3BA178BD478E}"/>
               </a:ext>
             </a:extLst>
           </p:cNvPr>
-          <p:cNvSpPr>
-            <a:spLocks noGrp="1"/>
-          </p:cNvSpPr>
-          <p:nvPr>
-            <p:ph type="body" sz="quarter" idx="17"/>
-          </p:nvPr>
-        </p:nvSpPr>
-        <p:spPr/>
-        <p:txBody>
-          <a:bodyPr/>
-          <a:lstStyle/>
-          <a:p>
-            <a:endParaRPr lang="en-US" dirty="0"/>
-          </a:p>
-        </p:txBody>
-      </p:sp>
+          <p:cNvPicPr>
+            <a:picLocks noChangeAspect="1"/>
+          </p:cNvPicPr>
+          <p:nvPr/>
+        </p:nvPicPr>
+        <p:blipFill>
+          <a:blip r:embed="rId3">
+            <a:extLst>
+              <a:ext uri="{28A0092B-C50C-407E-A947-70E740481C1C}">
+                <a14:useLocalDpi xmlns:a14="http://schemas.microsoft.com/office/drawing/2010/main" val="0"/>
+              </a:ext>
+            </a:extLst>
+          </a:blip>
+          <a:stretch>
+            <a:fillRect/>
+          </a:stretch>
+        </p:blipFill>
+        <p:spPr>
+          <a:xfrm>
+            <a:off x="1186727" y="2623209"/>
+            <a:ext cx="4662258" cy="3496694"/>
+          </a:xfrm>
+          <a:prstGeom prst="rect">
+            <a:avLst/>
+          </a:prstGeom>
+        </p:spPr>
+      </p:pic>
+      <p:pic>
+        <p:nvPicPr>
+          <p:cNvPr id="6" name="圖片 5">
+            <a:extLst>
+              <a:ext uri="{FF2B5EF4-FFF2-40B4-BE49-F238E27FC236}">
+                <a16:creationId xmlns:a16="http://schemas.microsoft.com/office/drawing/2014/main" id="{7A1AA7D5-3D63-4908-98EB-41CA82760678}"/>
+              </a:ext>
+            </a:extLst>
+          </p:cNvPr>
+          <p:cNvPicPr>
+            <a:picLocks noChangeAspect="1"/>
+          </p:cNvPicPr>
+          <p:nvPr/>
+        </p:nvPicPr>
+        <p:blipFill>
+          <a:blip r:embed="rId4">
+            <a:extLst>
+              <a:ext uri="{28A0092B-C50C-407E-A947-70E740481C1C}">
+                <a14:useLocalDpi xmlns:a14="http://schemas.microsoft.com/office/drawing/2010/main" val="0"/>
+              </a:ext>
+            </a:extLst>
+          </a:blip>
+          <a:stretch>
+            <a:fillRect/>
+          </a:stretch>
+        </p:blipFill>
+        <p:spPr>
+          <a:xfrm>
+            <a:off x="6343014" y="2623209"/>
+            <a:ext cx="4662259" cy="3496694"/>
+          </a:xfrm>
+          <a:prstGeom prst="rect">
+            <a:avLst/>
+          </a:prstGeom>
+        </p:spPr>
+      </p:pic>
     </p:spTree>
     <p:extLst>
       <p:ext uri="{BB962C8B-B14F-4D97-AF65-F5344CB8AC3E}">

--- a/Optimal Control Theory.pptx
+++ b/Optimal Control Theory.pptx
@@ -5,7 +5,7 @@
     <p:sldMasterId id="2147483648" r:id="rId1"/>
   </p:sldMasterIdLst>
   <p:notesMasterIdLst>
-    <p:notesMasterId r:id="rId22"/>
+    <p:notesMasterId r:id="rId21"/>
   </p:notesMasterIdLst>
   <p:sldIdLst>
     <p:sldId id="273" r:id="rId2"/>
@@ -22,12 +22,11 @@
     <p:sldId id="298" r:id="rId13"/>
     <p:sldId id="297" r:id="rId14"/>
     <p:sldId id="299" r:id="rId15"/>
-    <p:sldId id="281" r:id="rId16"/>
-    <p:sldId id="300" r:id="rId17"/>
-    <p:sldId id="301" r:id="rId18"/>
-    <p:sldId id="295" r:id="rId19"/>
-    <p:sldId id="294" r:id="rId20"/>
-    <p:sldId id="293" r:id="rId21"/>
+    <p:sldId id="300" r:id="rId16"/>
+    <p:sldId id="281" r:id="rId17"/>
+    <p:sldId id="295" r:id="rId18"/>
+    <p:sldId id="294" r:id="rId19"/>
+    <p:sldId id="293" r:id="rId20"/>
   </p:sldIdLst>
   <p:sldSz cx="12192000" cy="6858000"/>
   <p:notesSz cx="6858000" cy="9144000"/>
@@ -820,7 +819,7 @@
           <a:p>
             <a:fld id="{EB3DA8EE-BE46-464A-B9ED-639C808FE555}" type="slidenum">
               <a:rPr lang="en-US" smtClean="0"/>
-              <a:t>20</a:t>
+              <a:t>19</a:t>
             </a:fld>
             <a:endParaRPr lang="en-US"/>
           </a:p>
@@ -5528,8 +5527,8 @@
             </p:nvSpPr>
             <p:spPr>
               <a:xfrm>
-                <a:off x="299222" y="1051972"/>
-                <a:ext cx="9828546" cy="2438400"/>
+                <a:off x="299221" y="1051972"/>
+                <a:ext cx="11680257" cy="2438400"/>
               </a:xfrm>
             </p:spPr>
             <p:txBody>
@@ -5538,22 +5537,24 @@
               </a:bodyPr>
               <a:lstStyle/>
               <a:p>
+                <a:pPr lvl="1"/>
                 <a:r>
-                  <a:rPr lang="en-US" altLang="zh-CN" dirty="0"/>
+                  <a:rPr lang="en-US" altLang="zh-CN" sz="2600" dirty="0"/>
                   <a:t>Or we can minimize the steps to get to the destination.</a:t>
                 </a:r>
               </a:p>
               <a:p>
+                <a:pPr lvl="1"/>
                 <a14:m>
                   <m:oMath xmlns:m="http://schemas.openxmlformats.org/officeDocument/2006/math">
                     <m:r>
-                      <a:rPr lang="en-US" b="0" i="1" smtClean="0">
+                      <a:rPr lang="en-US" sz="2600" b="0" i="1" smtClean="0">
                         <a:latin typeface="Cambria Math" panose="02040503050406030204" pitchFamily="18" charset="0"/>
                       </a:rPr>
                       <m:t>𝐽</m:t>
                     </m:r>
                     <m:r>
-                      <a:rPr lang="en-US" b="0" i="1" smtClean="0">
+                      <a:rPr lang="en-US" sz="2600" b="0" i="1" smtClean="0">
                         <a:latin typeface="Cambria Math" panose="02040503050406030204" pitchFamily="18" charset="0"/>
                       </a:rPr>
                       <m:t>=</m:t>
@@ -5561,14 +5562,14 @@
                     <m:f>
                       <m:fPr>
                         <m:ctrlPr>
-                          <a:rPr lang="en-US" b="0" i="1" smtClean="0">
+                          <a:rPr lang="en-US" sz="2600" b="0" i="1" smtClean="0">
                             <a:latin typeface="Cambria Math" panose="02040503050406030204" pitchFamily="18" charset="0"/>
                           </a:rPr>
                         </m:ctrlPr>
                       </m:fPr>
                       <m:num>
                         <m:r>
-                          <a:rPr lang="en-US" b="0" i="1" smtClean="0">
+                          <a:rPr lang="en-US" sz="2600" b="0" i="1" smtClean="0">
                             <a:latin typeface="Cambria Math" panose="02040503050406030204" pitchFamily="18" charset="0"/>
                           </a:rPr>
                           <m:t>1</m:t>
@@ -5576,7 +5577,7 @@
                       </m:num>
                       <m:den>
                         <m:r>
-                          <a:rPr lang="en-US" b="0" i="1" smtClean="0">
+                          <a:rPr lang="en-US" sz="2600" b="0" i="1" smtClean="0">
                             <a:latin typeface="Cambria Math" panose="02040503050406030204" pitchFamily="18" charset="0"/>
                           </a:rPr>
                           <m:t>2</m:t>
@@ -5586,7 +5587,7 @@
                     <m:sSubSup>
                       <m:sSubSupPr>
                         <m:ctrlPr>
-                          <a:rPr lang="en-US" altLang="zh-CN" b="0" i="1" smtClean="0">
+                          <a:rPr lang="en-US" altLang="zh-CN" sz="2600" b="0" i="1" smtClean="0">
                             <a:latin typeface="Cambria Math" panose="02040503050406030204" pitchFamily="18" charset="0"/>
                           </a:rPr>
                         </m:ctrlPr>
@@ -5596,7 +5597,7 @@
                           <m:rPr>
                             <m:sty m:val="p"/>
                           </m:rPr>
-                          <a:rPr lang="en-US" altLang="zh-CN" i="1">
+                          <a:rPr lang="en-US" altLang="zh-CN" sz="2600" i="1">
                             <a:latin typeface="Cambria Math" panose="02040503050406030204" pitchFamily="18" charset="0"/>
                           </a:rPr>
                           <m:t>Σ</m:t>
@@ -5604,13 +5605,13 @@
                       </m:e>
                       <m:sub>
                         <m:r>
-                          <a:rPr lang="en-US" altLang="zh-CN" b="0" i="1" smtClean="0">
+                          <a:rPr lang="en-US" altLang="zh-CN" sz="2600" b="0" i="1" smtClean="0">
                             <a:latin typeface="Cambria Math" panose="02040503050406030204" pitchFamily="18" charset="0"/>
                           </a:rPr>
                           <m:t>𝑘</m:t>
                         </m:r>
                         <m:r>
-                          <a:rPr lang="en-US" altLang="zh-CN" b="0" i="1" smtClean="0">
+                          <a:rPr lang="en-US" altLang="zh-CN" sz="2600" b="0" i="1" smtClean="0">
                             <a:latin typeface="Cambria Math" panose="02040503050406030204" pitchFamily="18" charset="0"/>
                           </a:rPr>
                           <m:t>=1</m:t>
@@ -5618,7 +5619,7 @@
                       </m:sub>
                       <m:sup>
                         <m:r>
-                          <a:rPr lang="en-US" altLang="zh-CN" b="0" i="1" smtClean="0">
+                          <a:rPr lang="en-US" altLang="zh-CN" sz="2600" b="0" i="1" smtClean="0">
                             <a:latin typeface="Cambria Math" panose="02040503050406030204" pitchFamily="18" charset="0"/>
                           </a:rPr>
                           <m:t>𝑁</m:t>
@@ -5628,7 +5629,7 @@
                     <m:sSup>
                       <m:sSupPr>
                         <m:ctrlPr>
-                          <a:rPr lang="en-US" altLang="zh-CN" b="0" i="1" smtClean="0">
+                          <a:rPr lang="en-US" altLang="zh-CN" sz="2600" b="0" i="1" smtClean="0">
                             <a:latin typeface="Cambria Math" panose="02040503050406030204" pitchFamily="18" charset="0"/>
                           </a:rPr>
                         </m:ctrlPr>
@@ -5638,7 +5639,7 @@
                           <m:rPr>
                             <m:sty m:val="p"/>
                           </m:rPr>
-                          <a:rPr lang="en-US" altLang="zh-CN" i="1">
+                          <a:rPr lang="en-US" altLang="zh-CN" sz="2600" i="1">
                             <a:latin typeface="Cambria Math" panose="02040503050406030204" pitchFamily="18" charset="0"/>
                           </a:rPr>
                           <m:t>γ</m:t>
@@ -5646,311 +5647,313 @@
                       </m:e>
                       <m:sup>
                         <m:r>
-                          <a:rPr lang="en-US" altLang="zh-CN" b="0" i="1" smtClean="0">
+                          <a:rPr lang="en-US" altLang="zh-CN" sz="2600" b="0" i="1" smtClean="0">
                             <a:latin typeface="Cambria Math" panose="02040503050406030204" pitchFamily="18" charset="0"/>
                           </a:rPr>
                           <m:t>𝑘</m:t>
                         </m:r>
                       </m:sup>
                     </m:sSup>
-                    <m:r>
-                      <a:rPr lang="en-US" b="0" i="1" smtClean="0">
-                        <a:latin typeface="Cambria Math" panose="02040503050406030204" pitchFamily="18" charset="0"/>
-                      </a:rPr>
-                      <m:t>(</m:t>
-                    </m:r>
-                    <m:sSup>
-                      <m:sSupPr>
+                    <m:d>
+                      <m:dPr>
                         <m:ctrlPr>
-                          <a:rPr lang="en-US" b="0" i="1" smtClean="0">
+                          <a:rPr lang="en-US" altLang="zh-CN" sz="2600" b="0" i="1" smtClean="0">
                             <a:latin typeface="Cambria Math" panose="02040503050406030204" pitchFamily="18" charset="0"/>
                           </a:rPr>
                         </m:ctrlPr>
-                      </m:sSupPr>
+                      </m:dPr>
                       <m:e>
-                        <m:d>
-                          <m:dPr>
+                        <m:sSup>
+                          <m:sSupPr>
                             <m:ctrlPr>
-                              <a:rPr lang="en-US" b="0" i="1" smtClean="0">
+                              <a:rPr lang="en-US" sz="2600" b="0" i="1" smtClean="0">
                                 <a:latin typeface="Cambria Math" panose="02040503050406030204" pitchFamily="18" charset="0"/>
                               </a:rPr>
                             </m:ctrlPr>
-                          </m:dPr>
+                          </m:sSupPr>
                           <m:e>
-                            <m:r>
-                              <a:rPr lang="en-US" b="0" i="1" smtClean="0">
-                                <a:latin typeface="Cambria Math" panose="02040503050406030204" pitchFamily="18" charset="0"/>
-                              </a:rPr>
-                              <m:t>𝑥</m:t>
-                            </m:r>
                             <m:d>
                               <m:dPr>
                                 <m:ctrlPr>
-                                  <a:rPr lang="en-US" b="0" i="1" smtClean="0">
+                                  <a:rPr lang="en-US" sz="2600" b="0" i="1" smtClean="0">
                                     <a:latin typeface="Cambria Math" panose="02040503050406030204" pitchFamily="18" charset="0"/>
                                   </a:rPr>
                                 </m:ctrlPr>
                               </m:dPr>
                               <m:e>
                                 <m:r>
-                                  <a:rPr lang="en-US" b="0" i="1" smtClean="0">
-                                    <a:latin typeface="Cambria Math" panose="02040503050406030204" pitchFamily="18" charset="0"/>
-                                  </a:rPr>
-                                  <m:t>𝑘</m:t>
-                                </m:r>
-                              </m:e>
-                            </m:d>
-                            <m:r>
-                              <a:rPr lang="en-US" b="0" i="1" smtClean="0">
-                                <a:latin typeface="Cambria Math" panose="02040503050406030204" pitchFamily="18" charset="0"/>
-                              </a:rPr>
-                              <m:t>−</m:t>
-                            </m:r>
-                            <m:sSub>
-                              <m:sSubPr>
-                                <m:ctrlPr>
-                                  <a:rPr lang="en-US" b="0" i="1" smtClean="0">
-                                    <a:latin typeface="Cambria Math" panose="02040503050406030204" pitchFamily="18" charset="0"/>
-                                  </a:rPr>
-                                </m:ctrlPr>
-                              </m:sSubPr>
-                              <m:e>
-                                <m:r>
-                                  <a:rPr lang="en-US" b="0" i="1" smtClean="0">
+                                  <a:rPr lang="en-US" sz="2600" b="0" i="1" smtClean="0">
                                     <a:latin typeface="Cambria Math" panose="02040503050406030204" pitchFamily="18" charset="0"/>
                                   </a:rPr>
                                   <m:t>𝑥</m:t>
                                 </m:r>
-                              </m:e>
-                              <m:sub>
+                                <m:d>
+                                  <m:dPr>
+                                    <m:ctrlPr>
+                                      <a:rPr lang="en-US" sz="2600" b="0" i="1" smtClean="0">
+                                        <a:latin typeface="Cambria Math" panose="02040503050406030204" pitchFamily="18" charset="0"/>
+                                      </a:rPr>
+                                    </m:ctrlPr>
+                                  </m:dPr>
+                                  <m:e>
+                                    <m:r>
+                                      <a:rPr lang="en-US" sz="2600" b="0" i="1" smtClean="0">
+                                        <a:latin typeface="Cambria Math" panose="02040503050406030204" pitchFamily="18" charset="0"/>
+                                      </a:rPr>
+                                      <m:t>𝑘</m:t>
+                                    </m:r>
+                                  </m:e>
+                                </m:d>
                                 <m:r>
-                                  <a:rPr lang="en-US" b="0" i="1" smtClean="0">
+                                  <a:rPr lang="en-US" sz="2600" b="0" i="1" smtClean="0">
                                     <a:latin typeface="Cambria Math" panose="02040503050406030204" pitchFamily="18" charset="0"/>
                                   </a:rPr>
-                                  <m:t>𝑑</m:t>
+                                  <m:t>−</m:t>
                                 </m:r>
-                              </m:sub>
-                            </m:sSub>
+                                <m:sSub>
+                                  <m:sSubPr>
+                                    <m:ctrlPr>
+                                      <a:rPr lang="en-US" sz="2600" b="0" i="1" smtClean="0">
+                                        <a:latin typeface="Cambria Math" panose="02040503050406030204" pitchFamily="18" charset="0"/>
+                                      </a:rPr>
+                                    </m:ctrlPr>
+                                  </m:sSubPr>
+                                  <m:e>
+                                    <m:r>
+                                      <a:rPr lang="en-US" sz="2600" b="0" i="1" smtClean="0">
+                                        <a:latin typeface="Cambria Math" panose="02040503050406030204" pitchFamily="18" charset="0"/>
+                                      </a:rPr>
+                                      <m:t>𝑥</m:t>
+                                    </m:r>
+                                  </m:e>
+                                  <m:sub>
+                                    <m:r>
+                                      <a:rPr lang="en-US" sz="2600" b="0" i="1" smtClean="0">
+                                        <a:latin typeface="Cambria Math" panose="02040503050406030204" pitchFamily="18" charset="0"/>
+                                      </a:rPr>
+                                      <m:t>𝑑</m:t>
+                                    </m:r>
+                                  </m:sub>
+                                </m:sSub>
+                              </m:e>
+                            </m:d>
                           </m:e>
-                        </m:d>
-                      </m:e>
-                      <m:sup>
+                          <m:sup>
+                            <m:r>
+                              <a:rPr lang="en-US" sz="2600" b="0" i="1" smtClean="0">
+                                <a:latin typeface="Cambria Math" panose="02040503050406030204" pitchFamily="18" charset="0"/>
+                              </a:rPr>
+                              <m:t>2</m:t>
+                            </m:r>
+                          </m:sup>
+                        </m:sSup>
                         <m:r>
-                          <a:rPr lang="en-US" b="0" i="1" smtClean="0">
+                          <a:rPr lang="en-US" sz="2600" b="0" i="1" smtClean="0">
                             <a:latin typeface="Cambria Math" panose="02040503050406030204" pitchFamily="18" charset="0"/>
                           </a:rPr>
-                          <m:t>2</m:t>
+                          <m:t>+</m:t>
                         </m:r>
-                      </m:sup>
-                    </m:sSup>
-                    <m:r>
-                      <a:rPr lang="en-US" b="0" i="1" smtClean="0">
-                        <a:latin typeface="Cambria Math" panose="02040503050406030204" pitchFamily="18" charset="0"/>
-                      </a:rPr>
-                      <m:t>+</m:t>
-                    </m:r>
-                    <m:sSup>
-                      <m:sSupPr>
-                        <m:ctrlPr>
-                          <a:rPr lang="en-US" i="1">
-                            <a:latin typeface="Cambria Math" panose="02040503050406030204" pitchFamily="18" charset="0"/>
-                          </a:rPr>
-                        </m:ctrlPr>
-                      </m:sSupPr>
-                      <m:e>
-                        <m:d>
-                          <m:dPr>
+                        <m:sSup>
+                          <m:sSupPr>
                             <m:ctrlPr>
-                              <a:rPr lang="en-US" i="1">
+                              <a:rPr lang="en-US" sz="2600" i="1">
                                 <a:latin typeface="Cambria Math" panose="02040503050406030204" pitchFamily="18" charset="0"/>
                               </a:rPr>
                             </m:ctrlPr>
-                          </m:dPr>
+                          </m:sSupPr>
                           <m:e>
-                            <m:r>
-                              <a:rPr lang="en-US" b="0" i="1" smtClean="0">
-                                <a:latin typeface="Cambria Math" panose="02040503050406030204" pitchFamily="18" charset="0"/>
-                              </a:rPr>
-                              <m:t>𝑦</m:t>
-                            </m:r>
                             <m:d>
                               <m:dPr>
                                 <m:ctrlPr>
-                                  <a:rPr lang="en-US" i="1">
+                                  <a:rPr lang="en-US" sz="2600" i="1">
                                     <a:latin typeface="Cambria Math" panose="02040503050406030204" pitchFamily="18" charset="0"/>
                                   </a:rPr>
                                 </m:ctrlPr>
                               </m:dPr>
                               <m:e>
                                 <m:r>
-                                  <a:rPr lang="en-US" b="0" i="1" smtClean="0">
-                                    <a:latin typeface="Cambria Math" panose="02040503050406030204" pitchFamily="18" charset="0"/>
-                                  </a:rPr>
-                                  <m:t>𝑘</m:t>
-                                </m:r>
-                              </m:e>
-                            </m:d>
-                            <m:r>
-                              <a:rPr lang="en-US" i="1">
-                                <a:latin typeface="Cambria Math" panose="02040503050406030204" pitchFamily="18" charset="0"/>
-                              </a:rPr>
-                              <m:t>−</m:t>
-                            </m:r>
-                            <m:sSub>
-                              <m:sSubPr>
-                                <m:ctrlPr>
-                                  <a:rPr lang="en-US" i="1">
-                                    <a:latin typeface="Cambria Math" panose="02040503050406030204" pitchFamily="18" charset="0"/>
-                                  </a:rPr>
-                                </m:ctrlPr>
-                              </m:sSubPr>
-                              <m:e>
-                                <m:r>
-                                  <a:rPr lang="en-US" b="0" i="1" smtClean="0">
+                                  <a:rPr lang="en-US" sz="2600" b="0" i="1" smtClean="0">
                                     <a:latin typeface="Cambria Math" panose="02040503050406030204" pitchFamily="18" charset="0"/>
                                   </a:rPr>
                                   <m:t>𝑦</m:t>
                                 </m:r>
-                              </m:e>
-                              <m:sub>
+                                <m:d>
+                                  <m:dPr>
+                                    <m:ctrlPr>
+                                      <a:rPr lang="en-US" sz="2600" i="1">
+                                        <a:latin typeface="Cambria Math" panose="02040503050406030204" pitchFamily="18" charset="0"/>
+                                      </a:rPr>
+                                    </m:ctrlPr>
+                                  </m:dPr>
+                                  <m:e>
+                                    <m:r>
+                                      <a:rPr lang="en-US" sz="2600" b="0" i="1" smtClean="0">
+                                        <a:latin typeface="Cambria Math" panose="02040503050406030204" pitchFamily="18" charset="0"/>
+                                      </a:rPr>
+                                      <m:t>𝑘</m:t>
+                                    </m:r>
+                                  </m:e>
+                                </m:d>
                                 <m:r>
-                                  <a:rPr lang="en-US" i="1">
+                                  <a:rPr lang="en-US" sz="2600" i="1">
                                     <a:latin typeface="Cambria Math" panose="02040503050406030204" pitchFamily="18" charset="0"/>
                                   </a:rPr>
-                                  <m:t>𝑑</m:t>
+                                  <m:t>−</m:t>
                                 </m:r>
-                              </m:sub>
-                            </m:sSub>
+                                <m:sSub>
+                                  <m:sSubPr>
+                                    <m:ctrlPr>
+                                      <a:rPr lang="en-US" sz="2600" i="1">
+                                        <a:latin typeface="Cambria Math" panose="02040503050406030204" pitchFamily="18" charset="0"/>
+                                      </a:rPr>
+                                    </m:ctrlPr>
+                                  </m:sSubPr>
+                                  <m:e>
+                                    <m:r>
+                                      <a:rPr lang="en-US" sz="2600" b="0" i="1" smtClean="0">
+                                        <a:latin typeface="Cambria Math" panose="02040503050406030204" pitchFamily="18" charset="0"/>
+                                      </a:rPr>
+                                      <m:t>𝑦</m:t>
+                                    </m:r>
+                                  </m:e>
+                                  <m:sub>
+                                    <m:r>
+                                      <a:rPr lang="en-US" sz="2600" i="1">
+                                        <a:latin typeface="Cambria Math" panose="02040503050406030204" pitchFamily="18" charset="0"/>
+                                      </a:rPr>
+                                      <m:t>𝑑</m:t>
+                                    </m:r>
+                                  </m:sub>
+                                </m:sSub>
+                              </m:e>
+                            </m:d>
                           </m:e>
-                        </m:d>
-                      </m:e>
-                      <m:sup>
+                          <m:sup>
+                            <m:r>
+                              <a:rPr lang="en-US" sz="2600" i="1">
+                                <a:latin typeface="Cambria Math" panose="02040503050406030204" pitchFamily="18" charset="0"/>
+                              </a:rPr>
+                              <m:t>2</m:t>
+                            </m:r>
+                          </m:sup>
+                        </m:sSup>
                         <m:r>
-                          <a:rPr lang="en-US" i="1">
+                          <a:rPr lang="en-US" sz="2600" b="0" i="0" smtClean="0">
                             <a:latin typeface="Cambria Math" panose="02040503050406030204" pitchFamily="18" charset="0"/>
                           </a:rPr>
-                          <m:t>2</m:t>
+                          <m:t>+</m:t>
                         </m:r>
-                      </m:sup>
-                    </m:sSup>
-                    <m:r>
-                      <a:rPr lang="en-US" b="0" i="0" smtClean="0">
-                        <a:latin typeface="Cambria Math" panose="02040503050406030204" pitchFamily="18" charset="0"/>
-                      </a:rPr>
-                      <m:t>+</m:t>
-                    </m:r>
-                    <m:r>
-                      <m:rPr>
-                        <m:sty m:val="p"/>
-                      </m:rPr>
-                      <a:rPr lang="en-US" b="0" i="0" smtClean="0">
-                        <a:latin typeface="Cambria Math" panose="02040503050406030204" pitchFamily="18" charset="0"/>
-                      </a:rPr>
-                      <m:t>w</m:t>
-                    </m:r>
-                    <m:sSup>
-                      <m:sSupPr>
-                        <m:ctrlPr>
-                          <a:rPr lang="en-US" i="1">
+                        <m:r>
+                          <m:rPr>
+                            <m:sty m:val="p"/>
+                          </m:rPr>
+                          <a:rPr lang="en-US" sz="2600" b="0" i="0" smtClean="0">
                             <a:latin typeface="Cambria Math" panose="02040503050406030204" pitchFamily="18" charset="0"/>
                           </a:rPr>
-                        </m:ctrlPr>
-                      </m:sSupPr>
-                      <m:e>
-                        <m:d>
-                          <m:dPr>
+                          <m:t>w</m:t>
+                        </m:r>
+                        <m:sSup>
+                          <m:sSupPr>
                             <m:ctrlPr>
-                              <a:rPr lang="en-US" i="1">
+                              <a:rPr lang="en-US" sz="2600" i="1">
                                 <a:latin typeface="Cambria Math" panose="02040503050406030204" pitchFamily="18" charset="0"/>
                               </a:rPr>
                             </m:ctrlPr>
-                          </m:dPr>
+                          </m:sSupPr>
                           <m:e>
-                            <m:r>
-                              <m:rPr>
-                                <m:sty m:val="p"/>
-                              </m:rPr>
-                              <a:rPr lang="en-US" altLang="zh-CN" i="1" smtClean="0">
-                                <a:latin typeface="Cambria Math" panose="02040503050406030204" pitchFamily="18" charset="0"/>
-                              </a:rPr>
-                              <m:t>θ</m:t>
-                            </m:r>
                             <m:d>
                               <m:dPr>
                                 <m:ctrlPr>
-                                  <a:rPr lang="en-US" i="1">
+                                  <a:rPr lang="en-US" sz="2600" i="1">
                                     <a:latin typeface="Cambria Math" panose="02040503050406030204" pitchFamily="18" charset="0"/>
                                   </a:rPr>
                                 </m:ctrlPr>
                               </m:dPr>
                               <m:e>
                                 <m:r>
-                                  <a:rPr lang="en-US" b="0" i="1" smtClean="0">
-                                    <a:latin typeface="Cambria Math" panose="02040503050406030204" pitchFamily="18" charset="0"/>
-                                  </a:rPr>
-                                  <m:t>𝑘</m:t>
-                                </m:r>
-                              </m:e>
-                            </m:d>
-                            <m:r>
-                              <a:rPr lang="en-US" i="1">
-                                <a:latin typeface="Cambria Math" panose="02040503050406030204" pitchFamily="18" charset="0"/>
-                              </a:rPr>
-                              <m:t>−</m:t>
-                            </m:r>
-                            <m:sSub>
-                              <m:sSubPr>
-                                <m:ctrlPr>
-                                  <a:rPr lang="en-US" i="1">
-                                    <a:latin typeface="Cambria Math" panose="02040503050406030204" pitchFamily="18" charset="0"/>
-                                  </a:rPr>
-                                </m:ctrlPr>
-                              </m:sSubPr>
-                              <m:e>
-                                <m:r>
                                   <m:rPr>
                                     <m:sty m:val="p"/>
                                   </m:rPr>
-                                  <a:rPr lang="en-US" altLang="zh-CN" i="1">
+                                  <a:rPr lang="en-US" altLang="zh-CN" sz="2600" i="1" smtClean="0">
                                     <a:latin typeface="Cambria Math" panose="02040503050406030204" pitchFamily="18" charset="0"/>
                                   </a:rPr>
                                   <m:t>θ</m:t>
                                 </m:r>
-                              </m:e>
-                              <m:sub>
+                                <m:d>
+                                  <m:dPr>
+                                    <m:ctrlPr>
+                                      <a:rPr lang="en-US" sz="2600" i="1">
+                                        <a:latin typeface="Cambria Math" panose="02040503050406030204" pitchFamily="18" charset="0"/>
+                                      </a:rPr>
+                                    </m:ctrlPr>
+                                  </m:dPr>
+                                  <m:e>
+                                    <m:r>
+                                      <a:rPr lang="en-US" sz="2600" b="0" i="1" smtClean="0">
+                                        <a:latin typeface="Cambria Math" panose="02040503050406030204" pitchFamily="18" charset="0"/>
+                                      </a:rPr>
+                                      <m:t>𝑘</m:t>
+                                    </m:r>
+                                  </m:e>
+                                </m:d>
                                 <m:r>
-                                  <a:rPr lang="en-US" i="1">
+                                  <a:rPr lang="en-US" sz="2600" i="1">
                                     <a:latin typeface="Cambria Math" panose="02040503050406030204" pitchFamily="18" charset="0"/>
                                   </a:rPr>
-                                  <m:t>𝑑</m:t>
+                                  <m:t>−</m:t>
                                 </m:r>
-                              </m:sub>
-                            </m:sSub>
+                                <m:sSub>
+                                  <m:sSubPr>
+                                    <m:ctrlPr>
+                                      <a:rPr lang="en-US" sz="2600" i="1">
+                                        <a:latin typeface="Cambria Math" panose="02040503050406030204" pitchFamily="18" charset="0"/>
+                                      </a:rPr>
+                                    </m:ctrlPr>
+                                  </m:sSubPr>
+                                  <m:e>
+                                    <m:r>
+                                      <m:rPr>
+                                        <m:sty m:val="p"/>
+                                      </m:rPr>
+                                      <a:rPr lang="en-US" altLang="zh-CN" sz="2600" i="1">
+                                        <a:latin typeface="Cambria Math" panose="02040503050406030204" pitchFamily="18" charset="0"/>
+                                      </a:rPr>
+                                      <m:t>θ</m:t>
+                                    </m:r>
+                                  </m:e>
+                                  <m:sub>
+                                    <m:r>
+                                      <a:rPr lang="en-US" sz="2600" i="1">
+                                        <a:latin typeface="Cambria Math" panose="02040503050406030204" pitchFamily="18" charset="0"/>
+                                      </a:rPr>
+                                      <m:t>𝑑</m:t>
+                                    </m:r>
+                                  </m:sub>
+                                </m:sSub>
+                              </m:e>
+                            </m:d>
                           </m:e>
-                        </m:d>
+                          <m:sup>
+                            <m:r>
+                              <a:rPr lang="en-US" sz="2600" i="1">
+                                <a:latin typeface="Cambria Math" panose="02040503050406030204" pitchFamily="18" charset="0"/>
+                              </a:rPr>
+                              <m:t>2</m:t>
+                            </m:r>
+                          </m:sup>
+                        </m:sSup>
                       </m:e>
-                      <m:sup>
-                        <m:r>
-                          <a:rPr lang="en-US" i="1">
-                            <a:latin typeface="Cambria Math" panose="02040503050406030204" pitchFamily="18" charset="0"/>
-                          </a:rPr>
-                          <m:t>2</m:t>
-                        </m:r>
-                      </m:sup>
-                    </m:sSup>
+                    </m:d>
                     <m:r>
-                      <a:rPr lang="en-US" b="0" i="1" smtClean="0">
+                      <a:rPr lang="en-US" sz="2600" b="0" i="0" smtClean="0">
                         <a:latin typeface="Cambria Math" panose="02040503050406030204" pitchFamily="18" charset="0"/>
                       </a:rPr>
-                      <m:t>)</m:t>
+                      <m:t>, </m:t>
                     </m:r>
                   </m:oMath>
                 </a14:m>
-                <a:endParaRPr lang="en-US" dirty="0"/>
-              </a:p>
-              <a:p>
                 <a:r>
-                  <a:rPr lang="en-US" dirty="0"/>
+                  <a:rPr lang="en-US" sz="2600" dirty="0"/>
                   <a:t>where </a:t>
                 </a:r>
                 <a14:m>
@@ -5959,7 +5962,7 @@
                       <m:rPr>
                         <m:sty m:val="p"/>
                       </m:rPr>
-                      <a:rPr lang="en-US" altLang="zh-CN" i="1">
+                      <a:rPr lang="en-US" altLang="zh-CN" sz="2600" i="1">
                         <a:latin typeface="Cambria Math" panose="02040503050406030204" pitchFamily="18" charset="0"/>
                       </a:rPr>
                       <m:t>γ</m:t>
@@ -5967,7 +5970,7 @@
                   </m:oMath>
                 </a14:m>
                 <a:r>
-                  <a:rPr lang="en-US" dirty="0"/>
+                  <a:rPr lang="en-US" sz="2600" dirty="0"/>
                   <a:t>=1.1</a:t>
                 </a:r>
               </a:p>
@@ -5993,13 +5996,13 @@
             </p:nvSpPr>
             <p:spPr>
               <a:xfrm>
-                <a:off x="299222" y="1051972"/>
-                <a:ext cx="9828546" cy="2438400"/>
+                <a:off x="299221" y="1051972"/>
+                <a:ext cx="11680257" cy="2438400"/>
               </a:xfrm>
               <a:blipFill>
                 <a:blip r:embed="rId2"/>
                 <a:stretch>
-                  <a:fillRect l="-1117" t="-4250"/>
+                  <a:fillRect l="-783" t="-2250"/>
                 </a:stretch>
               </a:blipFill>
             </p:spPr>
@@ -6046,7 +6049,7 @@
         </p:blipFill>
         <p:spPr>
           <a:xfrm>
-            <a:off x="2959091" y="2692750"/>
+            <a:off x="1449073" y="2495733"/>
             <a:ext cx="4508807" cy="3381605"/>
           </a:xfrm>
           <a:prstGeom prst="rect">
@@ -6054,6 +6057,46 @@
           </a:prstGeom>
         </p:spPr>
       </p:pic>
+      <p:sp>
+        <p:nvSpPr>
+          <p:cNvPr id="6" name="矩形 3">
+            <a:extLst>
+              <a:ext uri="{FF2B5EF4-FFF2-40B4-BE49-F238E27FC236}">
+                <a16:creationId xmlns:a16="http://schemas.microsoft.com/office/drawing/2014/main" id="{F37B2F9E-F272-4080-B971-FD6F7EEA53AA}"/>
+              </a:ext>
+            </a:extLst>
+          </p:cNvPr>
+          <p:cNvSpPr/>
+          <p:nvPr/>
+        </p:nvSpPr>
+        <p:spPr>
+          <a:xfrm>
+            <a:off x="5782389" y="4731696"/>
+            <a:ext cx="1941075" cy="923330"/>
+          </a:xfrm>
+          <a:prstGeom prst="rect">
+            <a:avLst/>
+          </a:prstGeom>
+        </p:spPr>
+        <p:txBody>
+          <a:bodyPr wrap="square">
+            <a:spAutoFit/>
+          </a:bodyPr>
+          <a:lstStyle/>
+          <a:p>
+            <a:r>
+              <a:rPr lang="en-US" dirty="0">
+                <a:solidFill>
+                  <a:srgbClr val="333333"/>
+                </a:solidFill>
+                <a:latin typeface="Times New Roman" panose="02020603050405020304" pitchFamily="18" charset="0"/>
+              </a:rPr>
+              <a:t>Figure 5: Results without collision avoidance [3]</a:t>
+            </a:r>
+            <a:endParaRPr lang="en-US" dirty="0"/>
+          </a:p>
+        </p:txBody>
+      </p:sp>
     </p:spTree>
     <p:extLst>
       <p:ext uri="{BB962C8B-B14F-4D97-AF65-F5344CB8AC3E}">
@@ -6146,14 +6189,16 @@
           </a:bodyPr>
           <a:lstStyle/>
           <a:p>
-            <a:r>
-              <a:rPr lang="en-US" dirty="0"/>
+            <a:pPr lvl="1"/>
+            <a:r>
+              <a:rPr lang="en-US" sz="2600" dirty="0"/>
               <a:t>From the result without “obstacles”, we can see the potential collision is at the bottom boundary and upper right corner.</a:t>
             </a:r>
           </a:p>
           <a:p>
-            <a:r>
-              <a:rPr lang="en-US" dirty="0"/>
+            <a:pPr lvl="1"/>
+            <a:r>
+              <a:rPr lang="en-US" sz="2600" dirty="0"/>
               <a:t>For the red line, we simply detect if the edge point of the vehicle falls below the line</a:t>
             </a:r>
           </a:p>
@@ -6186,14 +6231,54 @@
         </p:blipFill>
         <p:spPr>
           <a:xfrm>
-            <a:off x="3949787" y="2355368"/>
-            <a:ext cx="4666593" cy="3682825"/>
+            <a:off x="4285347" y="2766539"/>
+            <a:ext cx="4145589" cy="3271654"/>
           </a:xfrm>
           <a:prstGeom prst="rect">
             <a:avLst/>
           </a:prstGeom>
         </p:spPr>
       </p:pic>
+      <p:sp>
+        <p:nvSpPr>
+          <p:cNvPr id="6" name="矩形 3">
+            <a:extLst>
+              <a:ext uri="{FF2B5EF4-FFF2-40B4-BE49-F238E27FC236}">
+                <a16:creationId xmlns:a16="http://schemas.microsoft.com/office/drawing/2014/main" id="{1B13020F-57B1-431D-9F37-1C9EECB99D04}"/>
+              </a:ext>
+            </a:extLst>
+          </p:cNvPr>
+          <p:cNvSpPr/>
+          <p:nvPr/>
+        </p:nvSpPr>
+        <p:spPr>
+          <a:xfrm>
+            <a:off x="8430936" y="5159697"/>
+            <a:ext cx="1941075" cy="646331"/>
+          </a:xfrm>
+          <a:prstGeom prst="rect">
+            <a:avLst/>
+          </a:prstGeom>
+        </p:spPr>
+        <p:txBody>
+          <a:bodyPr wrap="square">
+            <a:spAutoFit/>
+          </a:bodyPr>
+          <a:lstStyle/>
+          <a:p>
+            <a:r>
+              <a:rPr lang="en-US" dirty="0">
+                <a:solidFill>
+                  <a:srgbClr val="333333"/>
+                </a:solidFill>
+                <a:latin typeface="Times New Roman" panose="02020603050405020304" pitchFamily="18" charset="0"/>
+              </a:rPr>
+              <a:t>Figure 6: Parking Slot Model [2]</a:t>
+            </a:r>
+            <a:endParaRPr lang="en-US" dirty="0"/>
+          </a:p>
+        </p:txBody>
+      </p:sp>
     </p:spTree>
     <p:extLst>
       <p:ext uri="{BB962C8B-B14F-4D97-AF65-F5344CB8AC3E}">
@@ -6288,9 +6373,10 @@
               </a:bodyPr>
               <a:lstStyle/>
               <a:p>
+                <a:pPr lvl="1"/>
                 <a:r>
-                  <a:rPr lang="en-US" dirty="0"/>
-                  <a:t>For the red corner, taken the fact that the vehicle is a convex object, when it doesn’t collide:</a:t>
+                  <a:rPr lang="en-US" sz="2600" dirty="0"/>
+                  <a:t>For the green corner, taken the fact that the vehicle is a convex object, when it doesn’t collide:</a:t>
                 </a:r>
               </a:p>
               <a:p>
@@ -6298,7 +6384,7 @@
                 <a14:m>
                   <m:oMath xmlns:m="http://schemas.openxmlformats.org/officeDocument/2006/math">
                     <m:r>
-                      <a:rPr lang="en-US" b="0" i="1" smtClean="0">
+                      <a:rPr lang="en-US" sz="2400" b="0" i="1" smtClean="0">
                         <a:latin typeface="Cambria Math" panose="02040503050406030204" pitchFamily="18" charset="0"/>
                       </a:rPr>
                       <m:t>𝐴𝑟𝑒𝑎</m:t>
@@ -6306,14 +6392,14 @@
                     <m:d>
                       <m:dPr>
                         <m:ctrlPr>
-                          <a:rPr lang="en-US" b="0" i="1" smtClean="0">
+                          <a:rPr lang="en-US" sz="2400" b="0" i="1" smtClean="0">
                             <a:latin typeface="Cambria Math" panose="02040503050406030204" pitchFamily="18" charset="0"/>
                           </a:rPr>
                         </m:ctrlPr>
                       </m:dPr>
                       <m:e>
                         <m:r>
-                          <a:rPr lang="en-US" b="0" i="1" smtClean="0">
+                          <a:rPr lang="en-US" sz="2400" b="0" i="1" smtClean="0">
                             <a:latin typeface="Cambria Math" panose="02040503050406030204" pitchFamily="18" charset="0"/>
                           </a:rPr>
                           <m:t>𝐴𝐸𝐵</m:t>
@@ -6321,13 +6407,13 @@
                       </m:e>
                     </m:d>
                     <m:r>
-                      <a:rPr lang="en-US" i="1">
+                      <a:rPr lang="en-US" sz="2400" i="1">
                         <a:latin typeface="Cambria Math" panose="02040503050406030204" pitchFamily="18" charset="0"/>
                       </a:rPr>
                       <m:t>+</m:t>
                     </m:r>
                     <m:r>
-                      <a:rPr lang="en-US" i="1">
+                      <a:rPr lang="en-US" sz="2400" i="1">
                         <a:latin typeface="Cambria Math" panose="02040503050406030204" pitchFamily="18" charset="0"/>
                       </a:rPr>
                       <m:t>𝐴𝑟𝑒𝑎</m:t>
@@ -6335,26 +6421,26 @@
                     <m:d>
                       <m:dPr>
                         <m:ctrlPr>
-                          <a:rPr lang="en-US" i="1">
+                          <a:rPr lang="en-US" sz="2400" i="1">
                             <a:latin typeface="Cambria Math" panose="02040503050406030204" pitchFamily="18" charset="0"/>
                           </a:rPr>
                         </m:ctrlPr>
                       </m:dPr>
                       <m:e>
                         <m:r>
-                          <a:rPr lang="en-US" b="0" i="1" smtClean="0">
+                          <a:rPr lang="en-US" sz="2400" b="0" i="1" smtClean="0">
                             <a:latin typeface="Cambria Math" panose="02040503050406030204" pitchFamily="18" charset="0"/>
                           </a:rPr>
                           <m:t>𝐵</m:t>
                         </m:r>
                         <m:r>
-                          <a:rPr lang="en-US" i="1">
+                          <a:rPr lang="en-US" sz="2400" i="1">
                             <a:latin typeface="Cambria Math" panose="02040503050406030204" pitchFamily="18" charset="0"/>
                           </a:rPr>
                           <m:t>𝐸</m:t>
                         </m:r>
                         <m:r>
-                          <a:rPr lang="en-US" b="0" i="1" smtClean="0">
+                          <a:rPr lang="en-US" sz="2400" b="0" i="1" smtClean="0">
                             <a:latin typeface="Cambria Math" panose="02040503050406030204" pitchFamily="18" charset="0"/>
                           </a:rPr>
                           <m:t>𝐶</m:t>
@@ -6364,13 +6450,13 @@
                   </m:oMath>
                 </a14:m>
                 <a:r>
-                  <a:rPr lang="en-US" dirty="0"/>
+                  <a:rPr lang="en-US" sz="2400" dirty="0"/>
                   <a:t>+ </a:t>
                 </a:r>
                 <a14:m>
                   <m:oMath xmlns:m="http://schemas.openxmlformats.org/officeDocument/2006/math">
                     <m:r>
-                      <a:rPr lang="en-US" i="1">
+                      <a:rPr lang="en-US" sz="2400" i="1">
                         <a:latin typeface="Cambria Math" panose="02040503050406030204" pitchFamily="18" charset="0"/>
                       </a:rPr>
                       <m:t>𝐴𝑟𝑒𝑎</m:t>
@@ -6378,26 +6464,26 @@
                     <m:d>
                       <m:dPr>
                         <m:ctrlPr>
-                          <a:rPr lang="en-US" i="1">
+                          <a:rPr lang="en-US" sz="2400" i="1">
                             <a:latin typeface="Cambria Math" panose="02040503050406030204" pitchFamily="18" charset="0"/>
                           </a:rPr>
                         </m:ctrlPr>
                       </m:dPr>
                       <m:e>
                         <m:r>
-                          <a:rPr lang="en-US" b="0" i="1" smtClean="0">
+                          <a:rPr lang="en-US" sz="2400" b="0" i="1" smtClean="0">
                             <a:latin typeface="Cambria Math" panose="02040503050406030204" pitchFamily="18" charset="0"/>
                           </a:rPr>
                           <m:t>𝐶</m:t>
                         </m:r>
                         <m:r>
-                          <a:rPr lang="en-US" i="1">
+                          <a:rPr lang="en-US" sz="2400" i="1">
                             <a:latin typeface="Cambria Math" panose="02040503050406030204" pitchFamily="18" charset="0"/>
                           </a:rPr>
                           <m:t>𝐸</m:t>
                         </m:r>
                         <m:r>
-                          <a:rPr lang="en-US" b="0" i="1" smtClean="0">
+                          <a:rPr lang="en-US" sz="2400" b="0" i="1" smtClean="0">
                             <a:latin typeface="Cambria Math" panose="02040503050406030204" pitchFamily="18" charset="0"/>
                           </a:rPr>
                           <m:t>𝐷</m:t>
@@ -6407,13 +6493,13 @@
                   </m:oMath>
                 </a14:m>
                 <a:r>
-                  <a:rPr lang="en-US" dirty="0"/>
+                  <a:rPr lang="en-US" sz="2400" dirty="0"/>
                   <a:t>+ </a:t>
                 </a:r>
                 <a14:m>
                   <m:oMath xmlns:m="http://schemas.openxmlformats.org/officeDocument/2006/math">
                     <m:r>
-                      <a:rPr lang="en-US" i="1">
+                      <a:rPr lang="en-US" sz="2400" i="1">
                         <a:latin typeface="Cambria Math" panose="02040503050406030204" pitchFamily="18" charset="0"/>
                       </a:rPr>
                       <m:t>𝐴𝑟𝑒𝑎</m:t>
@@ -6421,14 +6507,14 @@
                     <m:d>
                       <m:dPr>
                         <m:ctrlPr>
-                          <a:rPr lang="en-US" i="1">
+                          <a:rPr lang="en-US" sz="2400" i="1">
                             <a:latin typeface="Cambria Math" panose="02040503050406030204" pitchFamily="18" charset="0"/>
                           </a:rPr>
                         </m:ctrlPr>
                       </m:dPr>
                       <m:e>
                         <m:r>
-                          <a:rPr lang="en-US" b="0" i="1" smtClean="0">
+                          <a:rPr lang="en-US" sz="2400" b="0" i="1" smtClean="0">
                             <a:latin typeface="Cambria Math" panose="02040503050406030204" pitchFamily="18" charset="0"/>
                           </a:rPr>
                           <m:t>𝐷𝐸𝐴</m:t>
@@ -6438,13 +6524,19 @@
                   </m:oMath>
                 </a14:m>
                 <a:r>
-                  <a:rPr lang="en-US" dirty="0"/>
-                  <a:t>&gt;</a:t>
+                  <a:rPr lang="en-US" sz="2400" dirty="0"/>
+                  <a:t> &gt;</a:t>
                 </a:r>
                 <a14:m>
                   <m:oMath xmlns:m="http://schemas.openxmlformats.org/officeDocument/2006/math">
                     <m:r>
-                      <a:rPr lang="en-US" i="1">
+                      <a:rPr lang="en-US" sz="2400" b="0" i="0" smtClean="0">
+                        <a:latin typeface="Cambria Math" panose="02040503050406030204" pitchFamily="18" charset="0"/>
+                      </a:rPr>
+                      <m:t> </m:t>
+                    </m:r>
+                    <m:r>
+                      <a:rPr lang="en-US" sz="2400" i="1">
                         <a:latin typeface="Cambria Math" panose="02040503050406030204" pitchFamily="18" charset="0"/>
                       </a:rPr>
                       <m:t>𝐴𝑟𝑒𝑎</m:t>
@@ -6452,20 +6544,20 @@
                     <m:d>
                       <m:dPr>
                         <m:ctrlPr>
-                          <a:rPr lang="en-US" i="1">
+                          <a:rPr lang="en-US" sz="2400" i="1">
                             <a:latin typeface="Cambria Math" panose="02040503050406030204" pitchFamily="18" charset="0"/>
                           </a:rPr>
                         </m:ctrlPr>
                       </m:dPr>
                       <m:e>
                         <m:r>
-                          <a:rPr lang="en-US" i="1">
+                          <a:rPr lang="en-US" sz="2400" i="1">
                             <a:latin typeface="Cambria Math" panose="02040503050406030204" pitchFamily="18" charset="0"/>
                           </a:rPr>
                           <m:t>𝐴𝐵</m:t>
                         </m:r>
                         <m:r>
-                          <a:rPr lang="en-US" b="0" i="1" smtClean="0">
+                          <a:rPr lang="en-US" sz="2400" b="0" i="1" smtClean="0">
                             <a:latin typeface="Cambria Math" panose="02040503050406030204" pitchFamily="18" charset="0"/>
                           </a:rPr>
                           <m:t>𝐶𝐷</m:t>
@@ -6474,109 +6566,7 @@
                     </m:d>
                   </m:oMath>
                 </a14:m>
-                <a:endParaRPr lang="en-US" dirty="0"/>
-              </a:p>
-              <a:p>
-                <a:r>
-                  <a:rPr lang="en-US" sz="2000" dirty="0"/>
-                  <a:t>Visualization of a vehicle and surrounding:</a:t>
-                </a:r>
-              </a:p>
-              <a:p>
-                <a:pPr marL="342900" indent="-342900"/>
-                <a14:m>
-                  <m:oMath xmlns:m="http://schemas.openxmlformats.org/officeDocument/2006/math">
-                    <m:r>
-                      <a:rPr lang="en-US" sz="2000" i="1" dirty="0">
-                        <a:latin typeface="Cambria Math" panose="02040503050406030204" pitchFamily="18" charset="0"/>
-                      </a:rPr>
-                      <m:t>𝐺</m:t>
-                    </m:r>
-                    <m:r>
-                      <a:rPr lang="en-US" sz="2000" i="1" dirty="0">
-                        <a:latin typeface="Cambria Math" panose="02040503050406030204" pitchFamily="18" charset="0"/>
-                      </a:rPr>
-                      <m:t>:</m:t>
-                    </m:r>
-                    <m:r>
-                      <a:rPr lang="en-US" sz="2000" i="1" dirty="0">
-                        <a:latin typeface="Cambria Math" panose="02040503050406030204" pitchFamily="18" charset="0"/>
-                      </a:rPr>
-                      <m:t>𝑔𝑒𝑜𝑚𝑒𝑡𝑟𝑖𝑐</m:t>
-                    </m:r>
-                    <m:r>
-                      <a:rPr lang="en-US" sz="2000" i="1" dirty="0">
-                        <a:latin typeface="Cambria Math" panose="02040503050406030204" pitchFamily="18" charset="0"/>
-                      </a:rPr>
-                      <m:t> </m:t>
-                    </m:r>
-                    <m:r>
-                      <a:rPr lang="en-US" sz="2000" i="1" dirty="0">
-                        <a:latin typeface="Cambria Math" panose="02040503050406030204" pitchFamily="18" charset="0"/>
-                      </a:rPr>
-                      <m:t>𝑐𝑒𝑛𝑡𝑒𝑟</m:t>
-                    </m:r>
-                    <m:r>
-                      <a:rPr lang="en-US" sz="2000" i="1" dirty="0">
-                        <a:latin typeface="Cambria Math" panose="02040503050406030204" pitchFamily="18" charset="0"/>
-                      </a:rPr>
-                      <m:t> </m:t>
-                    </m:r>
-                  </m:oMath>
-                </a14:m>
-                <a:endParaRPr lang="en-US" sz="2000" i="1" dirty="0">
-                  <a:latin typeface="Cambria Math" panose="02040503050406030204" pitchFamily="18" charset="0"/>
-                </a:endParaRPr>
-              </a:p>
-              <a:p>
-                <a:pPr marL="342900" indent="-342900"/>
-                <a14:m>
-                  <m:oMath xmlns:m="http://schemas.openxmlformats.org/officeDocument/2006/math">
-                    <m:r>
-                      <a:rPr lang="en-US" sz="2000" i="1">
-                        <a:latin typeface="Cambria Math" panose="02040503050406030204" pitchFamily="18" charset="0"/>
-                      </a:rPr>
-                      <m:t>𝐸</m:t>
-                    </m:r>
-                    <m:r>
-                      <a:rPr lang="en-US" sz="2000" i="1">
-                        <a:latin typeface="Cambria Math" panose="02040503050406030204" pitchFamily="18" charset="0"/>
-                      </a:rPr>
-                      <m:t>:</m:t>
-                    </m:r>
-                    <m:r>
-                      <a:rPr lang="en-US" sz="2000" i="1">
-                        <a:latin typeface="Cambria Math" panose="02040503050406030204" pitchFamily="18" charset="0"/>
-                      </a:rPr>
-                      <m:t>𝑐𝑜𝑟𝑛𝑒𝑟</m:t>
-                    </m:r>
-                    <m:r>
-                      <a:rPr lang="en-US" sz="2000" i="1">
-                        <a:latin typeface="Cambria Math" panose="02040503050406030204" pitchFamily="18" charset="0"/>
-                      </a:rPr>
-                      <m:t> </m:t>
-                    </m:r>
-                    <m:r>
-                      <a:rPr lang="en-US" sz="2000" i="1">
-                        <a:latin typeface="Cambria Math" panose="02040503050406030204" pitchFamily="18" charset="0"/>
-                      </a:rPr>
-                      <m:t>𝑜𝑓</m:t>
-                    </m:r>
-                    <m:r>
-                      <a:rPr lang="en-US" sz="2000" i="1">
-                        <a:latin typeface="Cambria Math" panose="02040503050406030204" pitchFamily="18" charset="0"/>
-                      </a:rPr>
-                      <m:t> </m:t>
-                    </m:r>
-                    <m:r>
-                      <a:rPr lang="en-US" sz="2000" i="1">
-                        <a:latin typeface="Cambria Math" panose="02040503050406030204" pitchFamily="18" charset="0"/>
-                      </a:rPr>
-                      <m:t>𝑜𝑏𝑠𝑡𝑎𝑐𝑙𝑒</m:t>
-                    </m:r>
-                  </m:oMath>
-                </a14:m>
-                <a:endParaRPr lang="en-US" sz="2000" dirty="0"/>
+                <a:endParaRPr lang="en-US" sz="2400" dirty="0"/>
               </a:p>
               <a:p>
                 <a:pPr marL="300559" lvl="2" indent="0">
@@ -6612,7 +6602,7 @@
               <a:blipFill>
                 <a:blip r:embed="rId2"/>
                 <a:stretch>
-                  <a:fillRect l="-1028" t="-2078"/>
+                  <a:fillRect l="-857" t="-1100"/>
                 </a:stretch>
               </a:blipFill>
             </p:spPr>
@@ -6658,8 +6648,8 @@
         </p:blipFill>
         <p:spPr bwMode="auto">
           <a:xfrm>
-            <a:off x="8027801" y="2257622"/>
-            <a:ext cx="4164199" cy="3610303"/>
+            <a:off x="1106884" y="2358158"/>
+            <a:ext cx="3976845" cy="3447870"/>
           </a:xfrm>
           <a:prstGeom prst="rect">
             <a:avLst/>
@@ -6690,7 +6680,7 @@
         </p:nvSpPr>
         <p:spPr>
           <a:xfrm>
-            <a:off x="8726527" y="5806028"/>
+            <a:off x="1637214" y="5815263"/>
             <a:ext cx="2916183" cy="369332"/>
           </a:xfrm>
           <a:prstGeom prst="rect">
@@ -6716,6 +6706,191 @@
           </a:p>
         </p:txBody>
       </p:sp>
+      <mc:AlternateContent xmlns:mc="http://schemas.openxmlformats.org/markup-compatibility/2006">
+        <mc:Choice xmlns:a14="http://schemas.microsoft.com/office/drawing/2010/main" Requires="a14">
+          <p:sp>
+            <p:nvSpPr>
+              <p:cNvPr id="5" name="TextBox 4">
+                <a:extLst>
+                  <a:ext uri="{FF2B5EF4-FFF2-40B4-BE49-F238E27FC236}">
+                    <a16:creationId xmlns:a16="http://schemas.microsoft.com/office/drawing/2014/main" id="{E5A698A0-BC9C-4AD2-B201-0E5BADE66397}"/>
+                  </a:ext>
+                </a:extLst>
+              </p:cNvPr>
+              <p:cNvSpPr txBox="1"/>
+              <p:nvPr/>
+            </p:nvSpPr>
+            <p:spPr>
+              <a:xfrm>
+                <a:off x="5268750" y="4891933"/>
+                <a:ext cx="4252755" cy="923330"/>
+              </a:xfrm>
+              <a:prstGeom prst="rect">
+                <a:avLst/>
+              </a:prstGeom>
+              <a:noFill/>
+            </p:spPr>
+            <p:txBody>
+              <a:bodyPr wrap="square" rtlCol="0">
+                <a:spAutoFit/>
+              </a:bodyPr>
+              <a:lstStyle/>
+              <a:p>
+                <a:r>
+                  <a:rPr lang="en-US" dirty="0"/>
+                  <a:t>Visualization of a vehicle and surrounding:</a:t>
+                </a:r>
+              </a:p>
+              <a:p>
+                <a:pPr marL="342900" indent="-342900">
+                  <a:buFont typeface="Arial" panose="020B0604020202020204" pitchFamily="34" charset="0"/>
+                  <a:buChar char="•"/>
+                </a:pPr>
+                <a14:m>
+                  <m:oMath xmlns:m="http://schemas.openxmlformats.org/officeDocument/2006/math">
+                    <m:r>
+                      <a:rPr lang="en-US" i="1" dirty="0">
+                        <a:latin typeface="Cambria Math" panose="02040503050406030204" pitchFamily="18" charset="0"/>
+                      </a:rPr>
+                      <m:t>𝐺</m:t>
+                    </m:r>
+                    <m:r>
+                      <a:rPr lang="en-US" i="1" dirty="0">
+                        <a:latin typeface="Cambria Math" panose="02040503050406030204" pitchFamily="18" charset="0"/>
+                      </a:rPr>
+                      <m:t>:</m:t>
+                    </m:r>
+                    <m:r>
+                      <a:rPr lang="en-US" i="1" dirty="0">
+                        <a:latin typeface="Cambria Math" panose="02040503050406030204" pitchFamily="18" charset="0"/>
+                      </a:rPr>
+                      <m:t>𝑔𝑒𝑜𝑚𝑒𝑡𝑟𝑖𝑐</m:t>
+                    </m:r>
+                    <m:r>
+                      <a:rPr lang="en-US" i="1" dirty="0">
+                        <a:latin typeface="Cambria Math" panose="02040503050406030204" pitchFamily="18" charset="0"/>
+                      </a:rPr>
+                      <m:t> </m:t>
+                    </m:r>
+                    <m:r>
+                      <a:rPr lang="en-US" i="1" dirty="0">
+                        <a:latin typeface="Cambria Math" panose="02040503050406030204" pitchFamily="18" charset="0"/>
+                      </a:rPr>
+                      <m:t>𝑐𝑒𝑛𝑡𝑒𝑟</m:t>
+                    </m:r>
+                    <m:r>
+                      <a:rPr lang="en-US" i="1" dirty="0">
+                        <a:latin typeface="Cambria Math" panose="02040503050406030204" pitchFamily="18" charset="0"/>
+                      </a:rPr>
+                      <m:t> </m:t>
+                    </m:r>
+                  </m:oMath>
+                </a14:m>
+                <a:endParaRPr lang="en-US" i="1" dirty="0">
+                  <a:latin typeface="Cambria Math" panose="02040503050406030204" pitchFamily="18" charset="0"/>
+                </a:endParaRPr>
+              </a:p>
+              <a:p>
+                <a:pPr marL="342900" indent="-342900">
+                  <a:buFont typeface="Arial" panose="020B0604020202020204" pitchFamily="34" charset="0"/>
+                  <a:buChar char="•"/>
+                </a:pPr>
+                <a14:m>
+                  <m:oMath xmlns:m="http://schemas.openxmlformats.org/officeDocument/2006/math">
+                    <m:r>
+                      <a:rPr lang="en-US" i="1">
+                        <a:latin typeface="Cambria Math" panose="02040503050406030204" pitchFamily="18" charset="0"/>
+                      </a:rPr>
+                      <m:t>𝐸</m:t>
+                    </m:r>
+                    <m:r>
+                      <a:rPr lang="en-US" i="1">
+                        <a:latin typeface="Cambria Math" panose="02040503050406030204" pitchFamily="18" charset="0"/>
+                      </a:rPr>
+                      <m:t>:</m:t>
+                    </m:r>
+                    <m:r>
+                      <a:rPr lang="en-US" i="1">
+                        <a:latin typeface="Cambria Math" panose="02040503050406030204" pitchFamily="18" charset="0"/>
+                      </a:rPr>
+                      <m:t>𝑐𝑜𝑟𝑛𝑒𝑟</m:t>
+                    </m:r>
+                    <m:r>
+                      <a:rPr lang="en-US" i="1">
+                        <a:latin typeface="Cambria Math" panose="02040503050406030204" pitchFamily="18" charset="0"/>
+                      </a:rPr>
+                      <m:t> </m:t>
+                    </m:r>
+                    <m:r>
+                      <a:rPr lang="en-US" i="1">
+                        <a:latin typeface="Cambria Math" panose="02040503050406030204" pitchFamily="18" charset="0"/>
+                      </a:rPr>
+                      <m:t>𝑜𝑓</m:t>
+                    </m:r>
+                    <m:r>
+                      <a:rPr lang="en-US" i="1">
+                        <a:latin typeface="Cambria Math" panose="02040503050406030204" pitchFamily="18" charset="0"/>
+                      </a:rPr>
+                      <m:t> </m:t>
+                    </m:r>
+                    <m:r>
+                      <a:rPr lang="en-US" i="1">
+                        <a:latin typeface="Cambria Math" panose="02040503050406030204" pitchFamily="18" charset="0"/>
+                      </a:rPr>
+                      <m:t>𝑜𝑏𝑠𝑡𝑎𝑐𝑙𝑒</m:t>
+                    </m:r>
+                  </m:oMath>
+                </a14:m>
+                <a:endParaRPr lang="en-US" dirty="0"/>
+              </a:p>
+            </p:txBody>
+          </p:sp>
+        </mc:Choice>
+        <mc:Fallback>
+          <p:sp>
+            <p:nvSpPr>
+              <p:cNvPr id="5" name="TextBox 4">
+                <a:extLst>
+                  <a:ext uri="{FF2B5EF4-FFF2-40B4-BE49-F238E27FC236}">
+                    <a16:creationId xmlns:a16="http://schemas.microsoft.com/office/drawing/2014/main" id="{E5A698A0-BC9C-4AD2-B201-0E5BADE66397}"/>
+                  </a:ext>
+                </a:extLst>
+              </p:cNvPr>
+              <p:cNvSpPr txBox="1">
+                <a:spLocks noRot="1" noChangeAspect="1" noMove="1" noResize="1" noEditPoints="1" noAdjustHandles="1" noChangeArrowheads="1" noChangeShapeType="1" noTextEdit="1"/>
+              </p:cNvSpPr>
+              <p:nvPr/>
+            </p:nvSpPr>
+            <p:spPr>
+              <a:xfrm>
+                <a:off x="5268750" y="4891933"/>
+                <a:ext cx="4252755" cy="923330"/>
+              </a:xfrm>
+              <a:prstGeom prst="rect">
+                <a:avLst/>
+              </a:prstGeom>
+              <a:blipFill>
+                <a:blip r:embed="rId4"/>
+                <a:stretch>
+                  <a:fillRect l="-1146" t="-3289" b="-6579"/>
+                </a:stretch>
+              </a:blipFill>
+            </p:spPr>
+            <p:txBody>
+              <a:bodyPr/>
+              <a:lstStyle/>
+              <a:p>
+                <a:r>
+                  <a:rPr lang="en-US">
+                    <a:noFill/>
+                  </a:rPr>
+                  <a:t> </a:t>
+                </a:r>
+              </a:p>
+            </p:txBody>
+          </p:sp>
+        </mc:Fallback>
+      </mc:AlternateContent>
     </p:spTree>
     <p:extLst>
       <p:ext uri="{BB962C8B-B14F-4D97-AF65-F5344CB8AC3E}">
@@ -6800,8 +6975,8 @@
             </p:nvSpPr>
             <p:spPr>
               <a:xfrm>
-                <a:off x="299222" y="1051972"/>
-                <a:ext cx="10673578" cy="4986221"/>
+                <a:off x="299221" y="1051972"/>
+                <a:ext cx="10916859" cy="4986221"/>
               </a:xfrm>
             </p:spPr>
             <p:txBody>
@@ -6810,28 +6985,31 @@
               </a:bodyPr>
               <a:lstStyle/>
               <a:p>
+                <a:pPr lvl="1"/>
                 <a:r>
-                  <a:rPr lang="en-US" dirty="0"/>
+                  <a:rPr lang="en-US" sz="2600" dirty="0"/>
                   <a:t>The first idea is to push the vehicle toward the normal direction of the collision configuration. </a:t>
                 </a:r>
               </a:p>
               <a:p>
+                <a:pPr lvl="1"/>
                 <a:r>
-                  <a:rPr lang="en-US" dirty="0"/>
-                  <a:t>Taking the step before collision as starting point, and the desired final location is 10 units away  in the normal direction, this is again a Two Point Boundary Value problem:</a:t>
+                  <a:rPr lang="en-US" sz="2600" dirty="0"/>
+                  <a:t>Taking the step before collision as starting point, and the desired final location is 10 units away in the normal direction, this is again a Two Point Boundary Value problem:</a:t>
                 </a:r>
               </a:p>
               <a:p>
+                <a:pPr lvl="1"/>
                 <a14:m>
                   <m:oMath xmlns:m="http://schemas.openxmlformats.org/officeDocument/2006/math">
                     <m:r>
-                      <a:rPr lang="en-US" i="1">
+                      <a:rPr lang="en-US" sz="2600" i="1">
                         <a:latin typeface="Cambria Math" panose="02040503050406030204" pitchFamily="18" charset="0"/>
                       </a:rPr>
                       <m:t>𝐽</m:t>
                     </m:r>
                     <m:r>
-                      <a:rPr lang="en-US" i="1">
+                      <a:rPr lang="en-US" sz="2600" i="1">
                         <a:latin typeface="Cambria Math" panose="02040503050406030204" pitchFamily="18" charset="0"/>
                       </a:rPr>
                       <m:t>=</m:t>
@@ -6839,14 +7017,14 @@
                     <m:f>
                       <m:fPr>
                         <m:ctrlPr>
-                          <a:rPr lang="en-US" i="1">
+                          <a:rPr lang="en-US" sz="2600" i="1">
                             <a:latin typeface="Cambria Math" panose="02040503050406030204" pitchFamily="18" charset="0"/>
                           </a:rPr>
                         </m:ctrlPr>
                       </m:fPr>
                       <m:num>
                         <m:r>
-                          <a:rPr lang="en-US" i="1">
+                          <a:rPr lang="en-US" sz="2600" i="1">
                             <a:latin typeface="Cambria Math" panose="02040503050406030204" pitchFamily="18" charset="0"/>
                           </a:rPr>
                           <m:t>1</m:t>
@@ -6854,7 +7032,7 @@
                       </m:num>
                       <m:den>
                         <m:r>
-                          <a:rPr lang="en-US" i="1">
+                          <a:rPr lang="en-US" sz="2600" i="1">
                             <a:latin typeface="Cambria Math" panose="02040503050406030204" pitchFamily="18" charset="0"/>
                           </a:rPr>
                           <m:t>2</m:t>
@@ -6862,7 +7040,7 @@
                       </m:den>
                     </m:f>
                     <m:r>
-                      <a:rPr lang="en-US" i="1">
+                      <a:rPr lang="en-US" sz="2600" i="1">
                         <a:latin typeface="Cambria Math" panose="02040503050406030204" pitchFamily="18" charset="0"/>
                       </a:rPr>
                       <m:t>(</m:t>
@@ -6870,7 +7048,7 @@
                     <m:sSup>
                       <m:sSupPr>
                         <m:ctrlPr>
-                          <a:rPr lang="en-US" i="1">
+                          <a:rPr lang="en-US" sz="2600" i="1">
                             <a:latin typeface="Cambria Math" panose="02040503050406030204" pitchFamily="18" charset="0"/>
                           </a:rPr>
                         </m:ctrlPr>
@@ -6879,14 +7057,14 @@
                         <m:d>
                           <m:dPr>
                             <m:ctrlPr>
-                              <a:rPr lang="en-US" i="1">
+                              <a:rPr lang="en-US" sz="2600" i="1">
                                 <a:latin typeface="Cambria Math" panose="02040503050406030204" pitchFamily="18" charset="0"/>
                               </a:rPr>
                             </m:ctrlPr>
                           </m:dPr>
                           <m:e>
                             <m:r>
-                              <a:rPr lang="en-US" i="1">
+                              <a:rPr lang="en-US" sz="2600" i="1">
                                 <a:latin typeface="Cambria Math" panose="02040503050406030204" pitchFamily="18" charset="0"/>
                               </a:rPr>
                               <m:t>𝑥</m:t>
@@ -6894,20 +7072,20 @@
                             <m:d>
                               <m:dPr>
                                 <m:ctrlPr>
-                                  <a:rPr lang="en-US" i="1">
+                                  <a:rPr lang="en-US" sz="2600" i="1">
                                     <a:latin typeface="Cambria Math" panose="02040503050406030204" pitchFamily="18" charset="0"/>
                                   </a:rPr>
                                 </m:ctrlPr>
                               </m:dPr>
                               <m:e>
                                 <m:r>
-                                  <a:rPr lang="en-US" b="0" i="1" smtClean="0">
+                                  <a:rPr lang="en-US" sz="2600" b="0" i="1" smtClean="0">
                                     <a:latin typeface="Cambria Math" panose="02040503050406030204" pitchFamily="18" charset="0"/>
                                   </a:rPr>
                                   <m:t>𝑖</m:t>
                                 </m:r>
                                 <m:r>
-                                  <a:rPr lang="en-US" b="0" i="1" smtClean="0">
+                                  <a:rPr lang="en-US" sz="2600" b="0" i="1" smtClean="0">
                                     <a:latin typeface="Cambria Math" panose="02040503050406030204" pitchFamily="18" charset="0"/>
                                   </a:rPr>
                                   <m:t>+3</m:t>
@@ -6915,19 +7093,19 @@
                               </m:e>
                             </m:d>
                             <m:r>
-                              <a:rPr lang="en-US" i="1">
+                              <a:rPr lang="en-US" sz="2600" i="1">
                                 <a:latin typeface="Cambria Math" panose="02040503050406030204" pitchFamily="18" charset="0"/>
                               </a:rPr>
                               <m:t>−</m:t>
                             </m:r>
                             <m:r>
-                              <a:rPr lang="en-US" b="0" i="1" smtClean="0">
+                              <a:rPr lang="en-US" sz="2600" b="0" i="1" smtClean="0">
                                 <a:latin typeface="Cambria Math" panose="02040503050406030204" pitchFamily="18" charset="0"/>
                               </a:rPr>
                               <m:t>(</m:t>
                             </m:r>
                             <m:r>
-                              <a:rPr lang="en-US" i="1">
+                              <a:rPr lang="en-US" sz="2600" i="1">
                                 <a:latin typeface="Cambria Math" panose="02040503050406030204" pitchFamily="18" charset="0"/>
                               </a:rPr>
                               <m:t>𝑥</m:t>
@@ -6935,14 +7113,14 @@
                             <m:d>
                               <m:dPr>
                                 <m:ctrlPr>
-                                  <a:rPr lang="en-US" i="1">
+                                  <a:rPr lang="en-US" sz="2600" i="1">
                                     <a:latin typeface="Cambria Math" panose="02040503050406030204" pitchFamily="18" charset="0"/>
                                   </a:rPr>
                                 </m:ctrlPr>
                               </m:dPr>
                               <m:e>
                                 <m:r>
-                                  <a:rPr lang="en-US" i="1">
+                                  <a:rPr lang="en-US" sz="2600" i="1">
                                     <a:latin typeface="Cambria Math" panose="02040503050406030204" pitchFamily="18" charset="0"/>
                                   </a:rPr>
                                   <m:t>𝑖</m:t>
@@ -6950,7 +7128,7 @@
                               </m:e>
                             </m:d>
                             <m:r>
-                              <a:rPr lang="en-US" b="0" i="1" smtClean="0">
+                              <a:rPr lang="en-US" sz="2600" b="0" i="1" smtClean="0">
                                 <a:latin typeface="Cambria Math" panose="02040503050406030204" pitchFamily="18" charset="0"/>
                               </a:rPr>
                               <m:t>+</m:t>
@@ -6958,14 +7136,14 @@
                             <m:sSub>
                               <m:sSubPr>
                                 <m:ctrlPr>
-                                  <a:rPr lang="en-US" b="0" i="1" smtClean="0">
+                                  <a:rPr lang="en-US" sz="2600" b="0" i="1" smtClean="0">
                                     <a:latin typeface="Cambria Math" panose="02040503050406030204" pitchFamily="18" charset="0"/>
                                   </a:rPr>
                                 </m:ctrlPr>
                               </m:sSubPr>
                               <m:e>
                                 <m:r>
-                                  <a:rPr lang="en-US" b="0" i="1" smtClean="0">
+                                  <a:rPr lang="en-US" sz="2600" b="0" i="1" smtClean="0">
                                     <a:latin typeface="Cambria Math" panose="02040503050406030204" pitchFamily="18" charset="0"/>
                                   </a:rPr>
                                   <m:t>10</m:t>
@@ -6974,14 +7152,14 @@
                                   <m:accPr>
                                     <m:chr m:val="⃑"/>
                                     <m:ctrlPr>
-                                      <a:rPr lang="en-US" b="0" i="1" smtClean="0">
+                                      <a:rPr lang="en-US" sz="2600" b="0" i="1" smtClean="0">
                                         <a:latin typeface="Cambria Math" panose="02040503050406030204" pitchFamily="18" charset="0"/>
                                       </a:rPr>
                                     </m:ctrlPr>
                                   </m:accPr>
                                   <m:e>
                                     <m:r>
-                                      <a:rPr lang="en-US" b="0" i="1" smtClean="0">
+                                      <a:rPr lang="en-US" sz="2600" b="0" i="1" smtClean="0">
                                         <a:latin typeface="Cambria Math" panose="02040503050406030204" pitchFamily="18" charset="0"/>
                                       </a:rPr>
                                       <m:t>𝑛</m:t>
@@ -6991,7 +7169,7 @@
                               </m:e>
                               <m:sub>
                                 <m:r>
-                                  <a:rPr lang="en-US" b="0" i="1" smtClean="0">
+                                  <a:rPr lang="en-US" sz="2600" b="0" i="1" smtClean="0">
                                     <a:latin typeface="Cambria Math" panose="02040503050406030204" pitchFamily="18" charset="0"/>
                                   </a:rPr>
                                   <m:t>𝑥</m:t>
@@ -7003,7 +7181,7 @@
                       </m:e>
                       <m:sup>
                         <m:r>
-                          <a:rPr lang="en-US" i="1">
+                          <a:rPr lang="en-US" sz="2600" i="1">
                             <a:latin typeface="Cambria Math" panose="02040503050406030204" pitchFamily="18" charset="0"/>
                           </a:rPr>
                           <m:t>2</m:t>
@@ -7011,7 +7189,7 @@
                       </m:sup>
                     </m:sSup>
                     <m:r>
-                      <a:rPr lang="en-US" i="1">
+                      <a:rPr lang="en-US" sz="2600" i="1">
                         <a:latin typeface="Cambria Math" panose="02040503050406030204" pitchFamily="18" charset="0"/>
                       </a:rPr>
                       <m:t>+</m:t>
@@ -7019,7 +7197,7 @@
                     <m:sSup>
                       <m:sSupPr>
                         <m:ctrlPr>
-                          <a:rPr lang="en-US" i="1">
+                          <a:rPr lang="en-US" sz="2600" i="1">
                             <a:latin typeface="Cambria Math" panose="02040503050406030204" pitchFamily="18" charset="0"/>
                           </a:rPr>
                         </m:ctrlPr>
@@ -7028,14 +7206,14 @@
                         <m:d>
                           <m:dPr>
                             <m:ctrlPr>
-                              <a:rPr lang="en-US" i="1">
+                              <a:rPr lang="en-US" sz="2600" i="1">
                                 <a:latin typeface="Cambria Math" panose="02040503050406030204" pitchFamily="18" charset="0"/>
                               </a:rPr>
                             </m:ctrlPr>
                           </m:dPr>
                           <m:e>
                             <m:r>
-                              <a:rPr lang="en-US" i="1">
+                              <a:rPr lang="en-US" sz="2600" i="1">
                                 <a:latin typeface="Cambria Math" panose="02040503050406030204" pitchFamily="18" charset="0"/>
                               </a:rPr>
                               <m:t>𝑦</m:t>
@@ -7043,20 +7221,20 @@
                             <m:d>
                               <m:dPr>
                                 <m:ctrlPr>
-                                  <a:rPr lang="en-US" i="1">
+                                  <a:rPr lang="en-US" sz="2600" i="1">
                                     <a:latin typeface="Cambria Math" panose="02040503050406030204" pitchFamily="18" charset="0"/>
                                   </a:rPr>
                                 </m:ctrlPr>
                               </m:dPr>
                               <m:e>
                                 <m:r>
-                                  <a:rPr lang="en-US" b="0" i="1" smtClean="0">
+                                  <a:rPr lang="en-US" sz="2600" b="0" i="1" smtClean="0">
                                     <a:latin typeface="Cambria Math" panose="02040503050406030204" pitchFamily="18" charset="0"/>
                                   </a:rPr>
                                   <m:t>𝑖</m:t>
                                 </m:r>
                                 <m:r>
-                                  <a:rPr lang="en-US" b="0" i="1" smtClean="0">
+                                  <a:rPr lang="en-US" sz="2600" b="0" i="1" smtClean="0">
                                     <a:latin typeface="Cambria Math" panose="02040503050406030204" pitchFamily="18" charset="0"/>
                                   </a:rPr>
                                   <m:t>+3</m:t>
@@ -7064,19 +7242,13 @@
                               </m:e>
                             </m:d>
                             <m:r>
-                              <a:rPr lang="en-US" i="1">
+                              <a:rPr lang="en-US" sz="2600" i="1">
                                 <a:latin typeface="Cambria Math" panose="02040503050406030204" pitchFamily="18" charset="0"/>
                               </a:rPr>
-                              <m:t>−</m:t>
+                              <m:t>−(</m:t>
                             </m:r>
                             <m:r>
-                              <a:rPr lang="en-US" i="1">
-                                <a:latin typeface="Cambria Math" panose="02040503050406030204" pitchFamily="18" charset="0"/>
-                              </a:rPr>
-                              <m:t>(</m:t>
-                            </m:r>
-                            <m:r>
-                              <a:rPr lang="en-US" b="0" i="1" smtClean="0">
+                              <a:rPr lang="en-US" sz="2600" b="0" i="1" smtClean="0">
                                 <a:latin typeface="Cambria Math" panose="02040503050406030204" pitchFamily="18" charset="0"/>
                               </a:rPr>
                               <m:t>𝑦</m:t>
@@ -7084,14 +7256,14 @@
                             <m:d>
                               <m:dPr>
                                 <m:ctrlPr>
-                                  <a:rPr lang="en-US" i="1">
+                                  <a:rPr lang="en-US" sz="2600" i="1">
                                     <a:latin typeface="Cambria Math" panose="02040503050406030204" pitchFamily="18" charset="0"/>
                                   </a:rPr>
                                 </m:ctrlPr>
                               </m:dPr>
                               <m:e>
                                 <m:r>
-                                  <a:rPr lang="en-US" i="1">
+                                  <a:rPr lang="en-US" sz="2600" i="1">
                                     <a:latin typeface="Cambria Math" panose="02040503050406030204" pitchFamily="18" charset="0"/>
                                   </a:rPr>
                                   <m:t>𝑖</m:t>
@@ -7099,7 +7271,7 @@
                               </m:e>
                             </m:d>
                             <m:r>
-                              <a:rPr lang="en-US" i="1">
+                              <a:rPr lang="en-US" sz="2600" i="1">
                                 <a:latin typeface="Cambria Math" panose="02040503050406030204" pitchFamily="18" charset="0"/>
                               </a:rPr>
                               <m:t>+</m:t>
@@ -7107,14 +7279,14 @@
                             <m:sSub>
                               <m:sSubPr>
                                 <m:ctrlPr>
-                                  <a:rPr lang="en-US" i="1">
+                                  <a:rPr lang="en-US" sz="2600" i="1">
                                     <a:latin typeface="Cambria Math" panose="02040503050406030204" pitchFamily="18" charset="0"/>
                                   </a:rPr>
                                 </m:ctrlPr>
                               </m:sSubPr>
                               <m:e>
                                 <m:r>
-                                  <a:rPr lang="en-US" b="0" i="1" smtClean="0">
+                                  <a:rPr lang="en-US" sz="2600" b="0" i="1" smtClean="0">
                                     <a:latin typeface="Cambria Math" panose="02040503050406030204" pitchFamily="18" charset="0"/>
                                   </a:rPr>
                                   <m:t>10</m:t>
@@ -7123,14 +7295,14 @@
                                   <m:accPr>
                                     <m:chr m:val="⃑"/>
                                     <m:ctrlPr>
-                                      <a:rPr lang="en-US" i="1">
+                                      <a:rPr lang="en-US" sz="2600" i="1">
                                         <a:latin typeface="Cambria Math" panose="02040503050406030204" pitchFamily="18" charset="0"/>
                                       </a:rPr>
                                     </m:ctrlPr>
                                   </m:accPr>
                                   <m:e>
                                     <m:r>
-                                      <a:rPr lang="en-US" i="1">
+                                      <a:rPr lang="en-US" sz="2600" i="1">
                                         <a:latin typeface="Cambria Math" panose="02040503050406030204" pitchFamily="18" charset="0"/>
                                       </a:rPr>
                                       <m:t>𝑛</m:t>
@@ -7140,7 +7312,7 @@
                               </m:e>
                               <m:sub>
                                 <m:r>
-                                  <a:rPr lang="en-US" b="0" i="1" smtClean="0">
+                                  <a:rPr lang="en-US" sz="2600" b="0" i="1" smtClean="0">
                                     <a:latin typeface="Cambria Math" panose="02040503050406030204" pitchFamily="18" charset="0"/>
                                   </a:rPr>
                                   <m:t>𝑦</m:t>
@@ -7148,7 +7320,7 @@
                               </m:sub>
                             </m:sSub>
                             <m:r>
-                              <a:rPr lang="en-US" b="0" i="1" smtClean="0">
+                              <a:rPr lang="en-US" sz="2600" b="0" i="1" smtClean="0">
                                 <a:latin typeface="Cambria Math" panose="02040503050406030204" pitchFamily="18" charset="0"/>
                               </a:rPr>
                               <m:t>)</m:t>
@@ -7158,7 +7330,7 @@
                       </m:e>
                       <m:sup>
                         <m:r>
-                          <a:rPr lang="en-US" i="1">
+                          <a:rPr lang="en-US" sz="2600" i="1">
                             <a:latin typeface="Cambria Math" panose="02040503050406030204" pitchFamily="18" charset="0"/>
                           </a:rPr>
                           <m:t>2</m:t>
@@ -7167,17 +7339,18 @@
                     </m:sSup>
                   </m:oMath>
                 </a14:m>
-                <a:endParaRPr lang="en-US" dirty="0"/>
+                <a:endParaRPr lang="en-US" sz="2600" dirty="0"/>
               </a:p>
               <a:p>
+                <a:pPr lvl="1"/>
                 <a:r>
-                  <a:rPr lang="en-US" dirty="0"/>
+                  <a:rPr lang="en-US" sz="2600" dirty="0"/>
                   <a:t>Where </a:t>
                 </a:r>
                 <a14:m>
                   <m:oMath xmlns:m="http://schemas.openxmlformats.org/officeDocument/2006/math">
                     <m:r>
-                      <a:rPr lang="en-US" b="0" i="1" smtClean="0">
+                      <a:rPr lang="en-US" sz="2600" b="0" i="1" smtClean="0">
                         <a:latin typeface="Cambria Math" panose="02040503050406030204" pitchFamily="18" charset="0"/>
                       </a:rPr>
                       <m:t>𝑖</m:t>
@@ -7185,7 +7358,7 @@
                   </m:oMath>
                 </a14:m>
                 <a:r>
-                  <a:rPr lang="en-US" dirty="0"/>
+                  <a:rPr lang="en-US" sz="2600" dirty="0"/>
                   <a:t> is current step, with 3 more steps to push the vehicle further from the collision point in direction </a:t>
                 </a:r>
                 <a14:m>
@@ -7194,14 +7367,14 @@
                       <m:accPr>
                         <m:chr m:val="⃑"/>
                         <m:ctrlPr>
-                          <a:rPr lang="en-US" i="1">
+                          <a:rPr lang="en-US" sz="2600" i="1">
                             <a:latin typeface="Cambria Math" panose="02040503050406030204" pitchFamily="18" charset="0"/>
                           </a:rPr>
                         </m:ctrlPr>
                       </m:accPr>
                       <m:e>
                         <m:r>
-                          <a:rPr lang="en-US" i="1">
+                          <a:rPr lang="en-US" sz="2600" i="1">
                             <a:latin typeface="Cambria Math" panose="02040503050406030204" pitchFamily="18" charset="0"/>
                           </a:rPr>
                           <m:t>𝑛</m:t>
@@ -7210,7 +7383,7 @@
                     </m:acc>
                   </m:oMath>
                 </a14:m>
-                <a:endParaRPr lang="en-US" dirty="0"/>
+                <a:endParaRPr lang="en-US" sz="2600" dirty="0"/>
               </a:p>
             </p:txBody>
           </p:sp>
@@ -7234,13 +7407,13 @@
             </p:nvSpPr>
             <p:spPr>
               <a:xfrm>
-                <a:off x="299222" y="1051972"/>
-                <a:ext cx="10673578" cy="4986221"/>
+                <a:off x="299221" y="1051972"/>
+                <a:ext cx="10916859" cy="4986221"/>
               </a:xfrm>
               <a:blipFill>
                 <a:blip r:embed="rId2"/>
                 <a:stretch>
-                  <a:fillRect l="-1028" t="-2078" r="-400"/>
+                  <a:fillRect l="-838" t="-1100" r="-1675"/>
                 </a:stretch>
               </a:blipFill>
             </p:spPr>
@@ -7353,22 +7526,24 @@
               </a:bodyPr>
               <a:lstStyle/>
               <a:p>
+                <a:pPr lvl="1"/>
                 <a:r>
-                  <a:rPr lang="en-US" dirty="0"/>
+                  <a:rPr lang="en-US" sz="2600" dirty="0"/>
                   <a:t>The same idea applies to the bottom boundary, given 3 steps to adjust the vehicle upward</a:t>
                 </a:r>
               </a:p>
               <a:p>
+                <a:pPr lvl="1"/>
                 <a14:m>
                   <m:oMath xmlns:m="http://schemas.openxmlformats.org/officeDocument/2006/math">
                     <m:r>
-                      <a:rPr lang="en-US" i="1">
+                      <a:rPr lang="en-US" sz="2600" i="1">
                         <a:latin typeface="Cambria Math" panose="02040503050406030204" pitchFamily="18" charset="0"/>
                       </a:rPr>
                       <m:t>𝐽</m:t>
                     </m:r>
                     <m:r>
-                      <a:rPr lang="en-US" i="1">
+                      <a:rPr lang="en-US" sz="2600" i="1">
                         <a:latin typeface="Cambria Math" panose="02040503050406030204" pitchFamily="18" charset="0"/>
                       </a:rPr>
                       <m:t>=</m:t>
@@ -7376,14 +7551,14 @@
                     <m:f>
                       <m:fPr>
                         <m:ctrlPr>
-                          <a:rPr lang="en-US" i="1">
+                          <a:rPr lang="en-US" sz="2600" i="1">
                             <a:latin typeface="Cambria Math" panose="02040503050406030204" pitchFamily="18" charset="0"/>
                           </a:rPr>
                         </m:ctrlPr>
                       </m:fPr>
                       <m:num>
                         <m:r>
-                          <a:rPr lang="en-US" i="1">
+                          <a:rPr lang="en-US" sz="2600" i="1">
                             <a:latin typeface="Cambria Math" panose="02040503050406030204" pitchFamily="18" charset="0"/>
                           </a:rPr>
                           <m:t>1</m:t>
@@ -7391,7 +7566,7 @@
                       </m:num>
                       <m:den>
                         <m:r>
-                          <a:rPr lang="en-US" i="1">
+                          <a:rPr lang="en-US" sz="2600" i="1">
                             <a:latin typeface="Cambria Math" panose="02040503050406030204" pitchFamily="18" charset="0"/>
                           </a:rPr>
                           <m:t>2</m:t>
@@ -7399,7 +7574,7 @@
                       </m:den>
                     </m:f>
                     <m:r>
-                      <a:rPr lang="en-US" i="1">
+                      <a:rPr lang="en-US" sz="2600" i="1">
                         <a:latin typeface="Cambria Math" panose="02040503050406030204" pitchFamily="18" charset="0"/>
                       </a:rPr>
                       <m:t>(</m:t>
@@ -7407,7 +7582,7 @@
                     <m:sSup>
                       <m:sSupPr>
                         <m:ctrlPr>
-                          <a:rPr lang="en-US" i="1">
+                          <a:rPr lang="en-US" sz="2600" i="1">
                             <a:latin typeface="Cambria Math" panose="02040503050406030204" pitchFamily="18" charset="0"/>
                           </a:rPr>
                         </m:ctrlPr>
@@ -7416,14 +7591,14 @@
                         <m:d>
                           <m:dPr>
                             <m:ctrlPr>
-                              <a:rPr lang="en-US" i="1">
+                              <a:rPr lang="en-US" sz="2600" i="1">
                                 <a:latin typeface="Cambria Math" panose="02040503050406030204" pitchFamily="18" charset="0"/>
                               </a:rPr>
                             </m:ctrlPr>
                           </m:dPr>
                           <m:e>
                             <m:r>
-                              <a:rPr lang="en-US" i="1">
+                              <a:rPr lang="en-US" sz="2600" i="1">
                                 <a:latin typeface="Cambria Math" panose="02040503050406030204" pitchFamily="18" charset="0"/>
                               </a:rPr>
                               <m:t>𝑥</m:t>
@@ -7431,20 +7606,20 @@
                             <m:d>
                               <m:dPr>
                                 <m:ctrlPr>
-                                  <a:rPr lang="en-US" i="1">
+                                  <a:rPr lang="en-US" sz="2600" i="1">
                                     <a:latin typeface="Cambria Math" panose="02040503050406030204" pitchFamily="18" charset="0"/>
                                   </a:rPr>
                                 </m:ctrlPr>
                               </m:dPr>
                               <m:e>
                                 <m:r>
-                                  <a:rPr lang="en-US" i="1">
+                                  <a:rPr lang="en-US" sz="2600" i="1">
                                     <a:latin typeface="Cambria Math" panose="02040503050406030204" pitchFamily="18" charset="0"/>
                                   </a:rPr>
                                   <m:t>𝑖</m:t>
                                 </m:r>
                                 <m:r>
-                                  <a:rPr lang="en-US" i="1">
+                                  <a:rPr lang="en-US" sz="2600" i="1">
                                     <a:latin typeface="Cambria Math" panose="02040503050406030204" pitchFamily="18" charset="0"/>
                                   </a:rPr>
                                   <m:t>+3</m:t>
@@ -7452,7 +7627,7 @@
                               </m:e>
                             </m:d>
                             <m:r>
-                              <a:rPr lang="en-US" i="1">
+                              <a:rPr lang="en-US" sz="2600" i="1">
                                 <a:latin typeface="Cambria Math" panose="02040503050406030204" pitchFamily="18" charset="0"/>
                               </a:rPr>
                               <m:t>−</m:t>
@@ -7460,14 +7635,14 @@
                             <m:sSub>
                               <m:sSubPr>
                                 <m:ctrlPr>
-                                  <a:rPr lang="en-US" i="1">
+                                  <a:rPr lang="en-US" sz="2600" i="1">
                                     <a:latin typeface="Cambria Math" panose="02040503050406030204" pitchFamily="18" charset="0"/>
                                   </a:rPr>
                                 </m:ctrlPr>
                               </m:sSubPr>
                               <m:e>
                                 <m:r>
-                                  <a:rPr lang="en-US" i="1">
+                                  <a:rPr lang="en-US" sz="2600" i="1">
                                     <a:latin typeface="Cambria Math" panose="02040503050406030204" pitchFamily="18" charset="0"/>
                                   </a:rPr>
                                   <m:t>𝑥</m:t>
@@ -7475,7 +7650,7 @@
                               </m:e>
                               <m:sub>
                                 <m:r>
-                                  <a:rPr lang="en-US" i="1">
+                                  <a:rPr lang="en-US" sz="2600" i="1">
                                     <a:latin typeface="Cambria Math" panose="02040503050406030204" pitchFamily="18" charset="0"/>
                                   </a:rPr>
                                   <m:t>𝑑</m:t>
@@ -7487,7 +7662,7 @@
                       </m:e>
                       <m:sup>
                         <m:r>
-                          <a:rPr lang="en-US" i="1">
+                          <a:rPr lang="en-US" sz="2600" i="1">
                             <a:latin typeface="Cambria Math" panose="02040503050406030204" pitchFamily="18" charset="0"/>
                           </a:rPr>
                           <m:t>2</m:t>
@@ -7495,7 +7670,7 @@
                       </m:sup>
                     </m:sSup>
                     <m:r>
-                      <a:rPr lang="en-US" i="1">
+                      <a:rPr lang="en-US" sz="2600" i="1">
                         <a:latin typeface="Cambria Math" panose="02040503050406030204" pitchFamily="18" charset="0"/>
                       </a:rPr>
                       <m:t>+</m:t>
@@ -7503,7 +7678,7 @@
                     <m:sSup>
                       <m:sSupPr>
                         <m:ctrlPr>
-                          <a:rPr lang="en-US" i="1">
+                          <a:rPr lang="en-US" sz="2600" i="1">
                             <a:latin typeface="Cambria Math" panose="02040503050406030204" pitchFamily="18" charset="0"/>
                           </a:rPr>
                         </m:ctrlPr>
@@ -7512,14 +7687,14 @@
                         <m:d>
                           <m:dPr>
                             <m:ctrlPr>
-                              <a:rPr lang="en-US" i="1" smtClean="0">
+                              <a:rPr lang="en-US" sz="2600" i="1" smtClean="0">
                                 <a:latin typeface="Cambria Math" panose="02040503050406030204" pitchFamily="18" charset="0"/>
                               </a:rPr>
                             </m:ctrlPr>
                           </m:dPr>
                           <m:e>
                             <m:r>
-                              <a:rPr lang="en-US" i="1">
+                              <a:rPr lang="en-US" sz="2600" i="1">
                                 <a:latin typeface="Cambria Math" panose="02040503050406030204" pitchFamily="18" charset="0"/>
                               </a:rPr>
                               <m:t>𝑦</m:t>
@@ -7527,20 +7702,20 @@
                             <m:d>
                               <m:dPr>
                                 <m:ctrlPr>
-                                  <a:rPr lang="en-US" i="1">
+                                  <a:rPr lang="en-US" sz="2600" i="1">
                                     <a:latin typeface="Cambria Math" panose="02040503050406030204" pitchFamily="18" charset="0"/>
                                   </a:rPr>
                                 </m:ctrlPr>
                               </m:dPr>
                               <m:e>
                                 <m:r>
-                                  <a:rPr lang="en-US" i="1">
+                                  <a:rPr lang="en-US" sz="2600" i="1">
                                     <a:latin typeface="Cambria Math" panose="02040503050406030204" pitchFamily="18" charset="0"/>
                                   </a:rPr>
                                   <m:t>𝑖</m:t>
                                 </m:r>
                                 <m:r>
-                                  <a:rPr lang="en-US" i="1">
+                                  <a:rPr lang="en-US" sz="2600" i="1">
                                     <a:latin typeface="Cambria Math" panose="02040503050406030204" pitchFamily="18" charset="0"/>
                                   </a:rPr>
                                   <m:t>+3</m:t>
@@ -7548,19 +7723,13 @@
                               </m:e>
                             </m:d>
                             <m:r>
-                              <a:rPr lang="en-US" i="1">
+                              <a:rPr lang="en-US" sz="2600" i="1">
                                 <a:latin typeface="Cambria Math" panose="02040503050406030204" pitchFamily="18" charset="0"/>
                               </a:rPr>
-                              <m:t>−</m:t>
+                              <m:t>−(</m:t>
                             </m:r>
                             <m:r>
-                              <a:rPr lang="en-US" i="1">
-                                <a:latin typeface="Cambria Math" panose="02040503050406030204" pitchFamily="18" charset="0"/>
-                              </a:rPr>
-                              <m:t>(</m:t>
-                            </m:r>
-                            <m:r>
-                              <a:rPr lang="en-US" i="1">
+                              <a:rPr lang="en-US" sz="2600" i="1">
                                 <a:latin typeface="Cambria Math" panose="02040503050406030204" pitchFamily="18" charset="0"/>
                               </a:rPr>
                               <m:t>𝑦</m:t>
@@ -7568,14 +7737,14 @@
                             <m:d>
                               <m:dPr>
                                 <m:ctrlPr>
-                                  <a:rPr lang="en-US" i="1">
+                                  <a:rPr lang="en-US" sz="2600" i="1">
                                     <a:latin typeface="Cambria Math" panose="02040503050406030204" pitchFamily="18" charset="0"/>
                                   </a:rPr>
                                 </m:ctrlPr>
                               </m:dPr>
                               <m:e>
                                 <m:r>
-                                  <a:rPr lang="en-US" i="1">
+                                  <a:rPr lang="en-US" sz="2600" i="1">
                                     <a:latin typeface="Cambria Math" panose="02040503050406030204" pitchFamily="18" charset="0"/>
                                   </a:rPr>
                                   <m:t>𝑖</m:t>
@@ -7583,7 +7752,7 @@
                               </m:e>
                             </m:d>
                             <m:r>
-                              <a:rPr lang="en-US" i="1">
+                              <a:rPr lang="en-US" sz="2600" i="1">
                                 <a:latin typeface="Cambria Math" panose="02040503050406030204" pitchFamily="18" charset="0"/>
                               </a:rPr>
                               <m:t>+</m:t>
@@ -7591,14 +7760,14 @@
                             <m:sSub>
                               <m:sSubPr>
                                 <m:ctrlPr>
-                                  <a:rPr lang="en-US" i="1">
+                                  <a:rPr lang="en-US" sz="2600" i="1">
                                     <a:latin typeface="Cambria Math" panose="02040503050406030204" pitchFamily="18" charset="0"/>
                                   </a:rPr>
                                 </m:ctrlPr>
                               </m:sSubPr>
                               <m:e>
                                 <m:r>
-                                  <a:rPr lang="en-US" b="0" i="1" smtClean="0">
+                                  <a:rPr lang="en-US" sz="2600" b="0" i="1" smtClean="0">
                                     <a:latin typeface="Cambria Math" panose="02040503050406030204" pitchFamily="18" charset="0"/>
                                   </a:rPr>
                                   <m:t>5</m:t>
@@ -7607,14 +7776,14 @@
                                   <m:accPr>
                                     <m:chr m:val="⃑"/>
                                     <m:ctrlPr>
-                                      <a:rPr lang="en-US" i="1" smtClean="0">
+                                      <a:rPr lang="en-US" sz="2600" i="1" smtClean="0">
                                         <a:latin typeface="Cambria Math" panose="02040503050406030204" pitchFamily="18" charset="0"/>
                                       </a:rPr>
                                     </m:ctrlPr>
                                   </m:accPr>
                                   <m:e>
                                     <m:r>
-                                      <a:rPr lang="en-US" i="1">
+                                      <a:rPr lang="en-US" sz="2600" i="1">
                                         <a:latin typeface="Cambria Math" panose="02040503050406030204" pitchFamily="18" charset="0"/>
                                       </a:rPr>
                                       <m:t>𝑛</m:t>
@@ -7624,7 +7793,7 @@
                               </m:e>
                               <m:sub>
                                 <m:r>
-                                  <a:rPr lang="en-US" i="1">
+                                  <a:rPr lang="en-US" sz="2600" i="1">
                                     <a:latin typeface="Cambria Math" panose="02040503050406030204" pitchFamily="18" charset="0"/>
                                   </a:rPr>
                                   <m:t>𝑦</m:t>
@@ -7632,7 +7801,7 @@
                               </m:sub>
                             </m:sSub>
                             <m:r>
-                              <a:rPr lang="en-US" b="0" i="1" smtClean="0">
+                              <a:rPr lang="en-US" sz="2600" b="0" i="1" smtClean="0">
                                 <a:latin typeface="Cambria Math" panose="02040503050406030204" pitchFamily="18" charset="0"/>
                               </a:rPr>
                               <m:t>)</m:t>
@@ -7642,7 +7811,7 @@
                       </m:e>
                       <m:sup>
                         <m:r>
-                          <a:rPr lang="en-US" i="1">
+                          <a:rPr lang="en-US" sz="2600" i="1">
                             <a:latin typeface="Cambria Math" panose="02040503050406030204" pitchFamily="18" charset="0"/>
                           </a:rPr>
                           <m:t>2</m:t>
@@ -7652,19 +7821,19 @@
                   </m:oMath>
                 </a14:m>
                 <a:r>
-                  <a:rPr lang="en-US" dirty="0"/>
+                  <a:rPr lang="en-US" sz="2600" dirty="0"/>
                   <a:t>+ </a:t>
                 </a:r>
                 <a14:m>
                   <m:oMath xmlns:m="http://schemas.openxmlformats.org/officeDocument/2006/math">
                     <m:r>
-                      <a:rPr lang="en-US" b="0" i="1" dirty="0" smtClean="0">
+                      <a:rPr lang="en-US" sz="2600" b="0" i="1" dirty="0" smtClean="0">
                         <a:latin typeface="Cambria Math" panose="02040503050406030204" pitchFamily="18" charset="0"/>
                       </a:rPr>
                       <m:t>𝑤</m:t>
                     </m:r>
                     <m:r>
-                      <a:rPr lang="en-US" b="0" i="1" dirty="0" smtClean="0">
+                      <a:rPr lang="en-US" sz="2600" b="0" i="1" dirty="0" smtClean="0">
                         <a:latin typeface="Cambria Math" panose="02040503050406030204" pitchFamily="18" charset="0"/>
                       </a:rPr>
                       <m:t>′</m:t>
@@ -7672,7 +7841,7 @@
                     <m:sSup>
                       <m:sSupPr>
                         <m:ctrlPr>
-                          <a:rPr lang="en-US" i="1">
+                          <a:rPr lang="en-US" sz="2600" i="1">
                             <a:latin typeface="Cambria Math" panose="02040503050406030204" pitchFamily="18" charset="0"/>
                           </a:rPr>
                         </m:ctrlPr>
@@ -7681,7 +7850,7 @@
                         <m:d>
                           <m:dPr>
                             <m:ctrlPr>
-                              <a:rPr lang="en-US" i="1">
+                              <a:rPr lang="en-US" sz="2600" i="1">
                                 <a:latin typeface="Cambria Math" panose="02040503050406030204" pitchFamily="18" charset="0"/>
                               </a:rPr>
                             </m:ctrlPr>
@@ -7691,7 +7860,7 @@
                               <m:rPr>
                                 <m:sty m:val="p"/>
                               </m:rPr>
-                              <a:rPr lang="en-US" altLang="zh-CN" i="1">
+                              <a:rPr lang="en-US" altLang="zh-CN" sz="2600" i="1">
                                 <a:latin typeface="Cambria Math" panose="02040503050406030204" pitchFamily="18" charset="0"/>
                               </a:rPr>
                               <m:t>θ</m:t>
@@ -7699,14 +7868,14 @@
                             <m:d>
                               <m:dPr>
                                 <m:ctrlPr>
-                                  <a:rPr lang="en-US" i="1">
+                                  <a:rPr lang="en-US" sz="2600" i="1">
                                     <a:latin typeface="Cambria Math" panose="02040503050406030204" pitchFamily="18" charset="0"/>
                                   </a:rPr>
                                 </m:ctrlPr>
                               </m:dPr>
                               <m:e>
                                 <m:r>
-                                  <a:rPr lang="en-US" i="1">
+                                  <a:rPr lang="en-US" sz="2600" i="1">
                                     <a:latin typeface="Cambria Math" panose="02040503050406030204" pitchFamily="18" charset="0"/>
                                   </a:rPr>
                                   <m:t>𝑁</m:t>
@@ -7714,7 +7883,7 @@
                               </m:e>
                             </m:d>
                             <m:r>
-                              <a:rPr lang="en-US" i="1">
+                              <a:rPr lang="en-US" sz="2600" i="1">
                                 <a:latin typeface="Cambria Math" panose="02040503050406030204" pitchFamily="18" charset="0"/>
                               </a:rPr>
                               <m:t>−</m:t>
@@ -7722,7 +7891,7 @@
                             <m:sSub>
                               <m:sSubPr>
                                 <m:ctrlPr>
-                                  <a:rPr lang="en-US" i="1">
+                                  <a:rPr lang="en-US" sz="2600" i="1">
                                     <a:latin typeface="Cambria Math" panose="02040503050406030204" pitchFamily="18" charset="0"/>
                                   </a:rPr>
                                 </m:ctrlPr>
@@ -7732,7 +7901,7 @@
                                   <m:rPr>
                                     <m:sty m:val="p"/>
                                   </m:rPr>
-                                  <a:rPr lang="en-US" altLang="zh-CN" i="1">
+                                  <a:rPr lang="en-US" altLang="zh-CN" sz="2600" i="1">
                                     <a:latin typeface="Cambria Math" panose="02040503050406030204" pitchFamily="18" charset="0"/>
                                   </a:rPr>
                                   <m:t>θ</m:t>
@@ -7740,7 +7909,7 @@
                               </m:e>
                               <m:sub>
                                 <m:r>
-                                  <a:rPr lang="en-US" i="1">
+                                  <a:rPr lang="en-US" sz="2600" i="1">
                                     <a:latin typeface="Cambria Math" panose="02040503050406030204" pitchFamily="18" charset="0"/>
                                   </a:rPr>
                                   <m:t>𝑑</m:t>
@@ -7752,7 +7921,7 @@
                       </m:e>
                       <m:sup>
                         <m:r>
-                          <a:rPr lang="en-US" i="1">
+                          <a:rPr lang="en-US" sz="2600" i="1">
                             <a:latin typeface="Cambria Math" panose="02040503050406030204" pitchFamily="18" charset="0"/>
                           </a:rPr>
                           <m:t>2</m:t>
@@ -7761,12 +7930,13 @@
                     </m:sSup>
                   </m:oMath>
                 </a14:m>
-                <a:endParaRPr lang="en-US" dirty="0"/>
+                <a:endParaRPr lang="en-US" sz="2600" dirty="0"/>
               </a:p>
               <a:p>
+                <a:pPr lvl="1"/>
                 <a:r>
-                  <a:rPr lang="en-US" dirty="0"/>
-                  <a:t>These two avoidance function is added within the gradient descent function of the main optimization function.</a:t>
+                  <a:rPr lang="en-US" sz="2600" dirty="0"/>
+                  <a:t>These two avoidance function are added within the gradient descent function of the main optimization function.</a:t>
                 </a:r>
               </a:p>
             </p:txBody>
@@ -7797,7 +7967,7 @@
               <a:blipFill>
                 <a:blip r:embed="rId2"/>
                 <a:stretch>
-                  <a:fillRect l="-1028" t="-2078" r="-685"/>
+                  <a:fillRect l="-857" t="-1100"/>
                 </a:stretch>
               </a:blipFill>
             </p:spPr>
@@ -7851,106 +8021,6 @@
           <p:cNvPr id="2" name="Text Placeholder 1">
             <a:extLst>
               <a:ext uri="{FF2B5EF4-FFF2-40B4-BE49-F238E27FC236}">
-                <a16:creationId xmlns:a16="http://schemas.microsoft.com/office/drawing/2014/main" id="{3FC3EBA3-6AF3-45B0-90A7-A1FFF2422565}"/>
-              </a:ext>
-            </a:extLst>
-          </p:cNvPr>
-          <p:cNvSpPr>
-            <a:spLocks noGrp="1"/>
-          </p:cNvSpPr>
-          <p:nvPr>
-            <p:ph type="body" sz="quarter" idx="14"/>
-          </p:nvPr>
-        </p:nvSpPr>
-        <p:spPr/>
-        <p:txBody>
-          <a:bodyPr>
-            <a:noAutofit/>
-          </a:bodyPr>
-          <a:lstStyle/>
-          <a:p>
-            <a:r>
-              <a:rPr lang="en-US" sz="4000" dirty="0">
-                <a:solidFill>
-                  <a:schemeClr val="tx1"/>
-                </a:solidFill>
-              </a:rPr>
-              <a:t>Results</a:t>
-            </a:r>
-          </a:p>
-        </p:txBody>
-      </p:sp>
-      <p:pic>
-        <p:nvPicPr>
-          <p:cNvPr id="5" name="圖片 4">
-            <a:extLst>
-              <a:ext uri="{FF2B5EF4-FFF2-40B4-BE49-F238E27FC236}">
-                <a16:creationId xmlns:a16="http://schemas.microsoft.com/office/drawing/2014/main" id="{3B594E44-C72E-4FAF-B6FA-EAF8D5C51477}"/>
-              </a:ext>
-            </a:extLst>
-          </p:cNvPr>
-          <p:cNvPicPr>
-            <a:picLocks noChangeAspect="1"/>
-          </p:cNvPicPr>
-          <p:nvPr/>
-        </p:nvPicPr>
-        <p:blipFill>
-          <a:blip r:embed="rId2">
-            <a:extLst>
-              <a:ext uri="{28A0092B-C50C-407E-A947-70E740481C1C}">
-                <a14:useLocalDpi xmlns:a14="http://schemas.microsoft.com/office/drawing/2010/main" val="0"/>
-              </a:ext>
-            </a:extLst>
-          </a:blip>
-          <a:stretch>
-            <a:fillRect/>
-          </a:stretch>
-        </p:blipFill>
-        <p:spPr>
-          <a:xfrm>
-            <a:off x="2345909" y="838448"/>
-            <a:ext cx="7062930" cy="5297198"/>
-          </a:xfrm>
-          <a:prstGeom prst="rect">
-            <a:avLst/>
-          </a:prstGeom>
-        </p:spPr>
-      </p:pic>
-    </p:spTree>
-    <p:extLst>
-      <p:ext uri="{BB962C8B-B14F-4D97-AF65-F5344CB8AC3E}">
-        <p14:creationId xmlns:p14="http://schemas.microsoft.com/office/powerpoint/2010/main" val="604564482"/>
-      </p:ext>
-    </p:extLst>
-  </p:cSld>
-  <p:clrMapOvr>
-    <a:masterClrMapping/>
-  </p:clrMapOvr>
-</p:sld>
-</file>
-
-<file path=ppt/slides/slide16.xml><?xml version="1.0" encoding="utf-8"?>
-<p:sld xmlns:a="http://schemas.openxmlformats.org/drawingml/2006/main" xmlns:r="http://schemas.openxmlformats.org/officeDocument/2006/relationships" xmlns:p="http://schemas.openxmlformats.org/presentationml/2006/main">
-  <p:cSld>
-    <p:spTree>
-      <p:nvGrpSpPr>
-        <p:cNvPr id="1" name=""/>
-        <p:cNvGrpSpPr/>
-        <p:nvPr/>
-      </p:nvGrpSpPr>
-      <p:grpSpPr>
-        <a:xfrm>
-          <a:off x="0" y="0"/>
-          <a:ext cx="0" cy="0"/>
-          <a:chOff x="0" y="0"/>
-          <a:chExt cx="0" cy="0"/>
-        </a:xfrm>
-      </p:grpSpPr>
-      <p:sp>
-        <p:nvSpPr>
-          <p:cNvPr id="2" name="Text Placeholder 1">
-            <a:extLst>
-              <a:ext uri="{FF2B5EF4-FFF2-40B4-BE49-F238E27FC236}">
                 <a16:creationId xmlns:a16="http://schemas.microsoft.com/office/drawing/2014/main" id="{58CFB951-233F-4A20-AE66-EEA65F99CE5F}"/>
               </a:ext>
             </a:extLst>
@@ -8000,8 +8070,8 @@
             </p:nvSpPr>
             <p:spPr>
               <a:xfrm>
-                <a:off x="299222" y="1051972"/>
-                <a:ext cx="10673578" cy="4986221"/>
+                <a:off x="299221" y="1051972"/>
+                <a:ext cx="11193695" cy="4986221"/>
               </a:xfrm>
             </p:spPr>
             <p:txBody>
@@ -8010,60 +8080,77 @@
               </a:bodyPr>
               <a:lstStyle/>
               <a:p>
+                <a:pPr lvl="1"/>
                 <a:r>
-                  <a:rPr lang="en-US" dirty="0"/>
-                  <a:t>The second idea we came up with is to generate a path first, and then loop to fix the collision part until collision free. </a:t>
+                  <a:rPr lang="en-US" sz="2600" dirty="0"/>
+                  <a:t>The second idea we came up with is to generate a path first, and then loop to fix the collision part until a collision free system is reached. </a:t>
                 </a:r>
               </a:p>
               <a:p>
-                <a:endParaRPr lang="en-US" dirty="0"/>
+                <a:pPr lvl="1"/>
+                <a:r>
+                  <a:rPr lang="en-US" dirty="0"/>
+                  <a:t>The basic idea can be demonstrated by the following Pseudo code</a:t>
+                </a:r>
               </a:p>
               <a:p>
+                <a:pPr marL="0" indent="0">
+                  <a:buNone/>
+                </a:pPr>
                 <a:r>
                   <a:rPr lang="en-US" sz="2000" dirty="0">
                     <a:latin typeface="Courier New" panose="02070309020205020404" pitchFamily="49" charset="0"/>
                     <a:cs typeface="Courier New" panose="02070309020205020404" pitchFamily="49" charset="0"/>
                   </a:rPr>
-                  <a:t>Path Generated</a:t>
+                  <a:t>	Path Generated</a:t>
                 </a:r>
               </a:p>
               <a:p>
+                <a:pPr marL="0" indent="0">
+                  <a:buNone/>
+                </a:pPr>
                 <a:r>
                   <a:rPr lang="en-US" sz="2000" dirty="0">
                     <a:latin typeface="Courier New" panose="02070309020205020404" pitchFamily="49" charset="0"/>
                     <a:cs typeface="Courier New" panose="02070309020205020404" pitchFamily="49" charset="0"/>
                   </a:rPr>
-                  <a:t>While !collision:</a:t>
+                  <a:t>	While !collision:</a:t>
                 </a:r>
               </a:p>
               <a:p>
-                <a:pPr lvl="2"/>
+                <a:pPr marL="300559" lvl="2" indent="0">
+                  <a:buNone/>
+                </a:pPr>
                 <a:r>
                   <a:rPr lang="en-US" dirty="0">
                     <a:latin typeface="Courier New" panose="02070309020205020404" pitchFamily="49" charset="0"/>
                     <a:cs typeface="Courier New" panose="02070309020205020404" pitchFamily="49" charset="0"/>
                   </a:rPr>
-                  <a:t>Check collision point</a:t>
+                  <a:t>		Check collision point</a:t>
                 </a:r>
               </a:p>
               <a:p>
-                <a:pPr lvl="2"/>
+                <a:pPr marL="300559" lvl="2" indent="0">
+                  <a:buNone/>
+                </a:pPr>
                 <a:r>
                   <a:rPr lang="en-US" dirty="0">
                     <a:latin typeface="Courier New" panose="02070309020205020404" pitchFamily="49" charset="0"/>
                     <a:cs typeface="Courier New" panose="02070309020205020404" pitchFamily="49" charset="0"/>
                   </a:rPr>
-                  <a:t>Given 3 steps around the collision point, push the vehicle away</a:t>
+                  <a:t>		Given 3 steps around the collision point, push the vehicle away</a:t>
                 </a:r>
               </a:p>
               <a:p>
-                <a:pPr lvl="2"/>
+                <a:pPr marL="300559" lvl="2" indent="0">
+                  <a:buNone/>
+                </a:pPr>
                 <a:r>
                   <a:rPr lang="en-US" dirty="0">
                     <a:latin typeface="Courier New" panose="02070309020205020404" pitchFamily="49" charset="0"/>
                     <a:cs typeface="Courier New" panose="02070309020205020404" pitchFamily="49" charset="0"/>
                   </a:rPr>
-                  <a:t>Minimize the following trajectory toward (</a:t>
+                  <a:t>		Minimize the following trajectory toward (</a:t>
                 </a:r>
                 <a14:m>
                   <m:oMath xmlns:m="http://schemas.openxmlformats.org/officeDocument/2006/math">
@@ -8158,13 +8245,13 @@
             </p:nvSpPr>
             <p:spPr>
               <a:xfrm>
-                <a:off x="299222" y="1051972"/>
-                <a:ext cx="10673578" cy="4986221"/>
+                <a:off x="299221" y="1051972"/>
+                <a:ext cx="11193695" cy="4986221"/>
               </a:xfrm>
               <a:blipFill>
                 <a:blip r:embed="rId2"/>
                 <a:stretch>
-                  <a:fillRect l="-1028" t="-2078"/>
+                  <a:fillRect l="-817" t="-1100"/>
                 </a:stretch>
               </a:blipFill>
             </p:spPr>
@@ -8196,7 +8283,7 @@
 </p:sld>
 </file>
 
-<file path=ppt/slides/slide17.xml><?xml version="1.0" encoding="utf-8"?>
+<file path=ppt/slides/slide16.xml><?xml version="1.0" encoding="utf-8"?>
 <p:sld xmlns:a="http://schemas.openxmlformats.org/drawingml/2006/main" xmlns:r="http://schemas.openxmlformats.org/officeDocument/2006/relationships" xmlns:p="http://schemas.openxmlformats.org/presentationml/2006/main">
   <p:cSld>
     <p:spTree>
@@ -8249,10 +8336,10 @@
       </p:sp>
       <p:pic>
         <p:nvPicPr>
-          <p:cNvPr id="4" name="圖片 3">
+          <p:cNvPr id="5" name="圖片 4">
             <a:extLst>
               <a:ext uri="{FF2B5EF4-FFF2-40B4-BE49-F238E27FC236}">
-                <a16:creationId xmlns:a16="http://schemas.microsoft.com/office/drawing/2014/main" id="{6DE113E8-25E6-4928-8C4B-CB314175AD16}"/>
+                <a16:creationId xmlns:a16="http://schemas.microsoft.com/office/drawing/2014/main" id="{3B594E44-C72E-4FAF-B6FA-EAF8D5C51477}"/>
               </a:ext>
             </a:extLst>
           </p:cNvPr>
@@ -8275,18 +8362,206 @@
         </p:blipFill>
         <p:spPr>
           <a:xfrm>
-            <a:off x="2762250" y="928687"/>
-            <a:ext cx="6667500" cy="5000625"/>
+            <a:off x="1423120" y="922789"/>
+            <a:ext cx="6950475" cy="5212856"/>
           </a:xfrm>
           <a:prstGeom prst="rect">
             <a:avLst/>
           </a:prstGeom>
         </p:spPr>
       </p:pic>
+      <p:sp>
+        <p:nvSpPr>
+          <p:cNvPr id="4" name="矩形 3">
+            <a:extLst>
+              <a:ext uri="{FF2B5EF4-FFF2-40B4-BE49-F238E27FC236}">
+                <a16:creationId xmlns:a16="http://schemas.microsoft.com/office/drawing/2014/main" id="{96893AFF-1CDD-4D1D-8527-783BB12BD25E}"/>
+              </a:ext>
+            </a:extLst>
+          </p:cNvPr>
+          <p:cNvSpPr/>
+          <p:nvPr/>
+        </p:nvSpPr>
+        <p:spPr>
+          <a:xfrm>
+            <a:off x="8028264" y="4706692"/>
+            <a:ext cx="2206305" cy="923330"/>
+          </a:xfrm>
+          <a:prstGeom prst="rect">
+            <a:avLst/>
+          </a:prstGeom>
+        </p:spPr>
+        <p:txBody>
+          <a:bodyPr wrap="square">
+            <a:spAutoFit/>
+          </a:bodyPr>
+          <a:lstStyle/>
+          <a:p>
+            <a:r>
+              <a:rPr lang="en-US" dirty="0">
+                <a:solidFill>
+                  <a:srgbClr val="333333"/>
+                </a:solidFill>
+                <a:latin typeface="Times New Roman" panose="02020603050405020304" pitchFamily="18" charset="0"/>
+              </a:rPr>
+              <a:t>Figure 6: Optimized results with collision avoidance. [1]</a:t>
+            </a:r>
+            <a:endParaRPr lang="en-US" dirty="0"/>
+          </a:p>
+        </p:txBody>
+      </p:sp>
     </p:spTree>
     <p:extLst>
       <p:ext uri="{BB962C8B-B14F-4D97-AF65-F5344CB8AC3E}">
-        <p14:creationId xmlns:p14="http://schemas.microsoft.com/office/powerpoint/2010/main" val="1734492672"/>
+        <p14:creationId xmlns:p14="http://schemas.microsoft.com/office/powerpoint/2010/main" val="604564482"/>
+      </p:ext>
+    </p:extLst>
+  </p:cSld>
+  <p:clrMapOvr>
+    <a:masterClrMapping/>
+  </p:clrMapOvr>
+</p:sld>
+</file>
+
+<file path=ppt/slides/slide17.xml><?xml version="1.0" encoding="utf-8"?>
+<p:sld xmlns:a="http://schemas.openxmlformats.org/drawingml/2006/main" xmlns:r="http://schemas.openxmlformats.org/officeDocument/2006/relationships" xmlns:p="http://schemas.openxmlformats.org/presentationml/2006/main">
+  <p:cSld>
+    <p:spTree>
+      <p:nvGrpSpPr>
+        <p:cNvPr id="1" name=""/>
+        <p:cNvGrpSpPr/>
+        <p:nvPr/>
+      </p:nvGrpSpPr>
+      <p:grpSpPr>
+        <a:xfrm>
+          <a:off x="0" y="0"/>
+          <a:ext cx="0" cy="0"/>
+          <a:chOff x="0" y="0"/>
+          <a:chExt cx="0" cy="0"/>
+        </a:xfrm>
+      </p:grpSpPr>
+      <p:sp>
+        <p:nvSpPr>
+          <p:cNvPr id="2" name="Text Placeholder 1">
+            <a:extLst>
+              <a:ext uri="{FF2B5EF4-FFF2-40B4-BE49-F238E27FC236}">
+                <a16:creationId xmlns:a16="http://schemas.microsoft.com/office/drawing/2014/main" id="{BCCE844A-2193-4DDD-BF71-931954EF917B}"/>
+              </a:ext>
+            </a:extLst>
+          </p:cNvPr>
+          <p:cNvSpPr>
+            <a:spLocks noGrp="1"/>
+          </p:cNvSpPr>
+          <p:nvPr>
+            <p:ph type="body" sz="quarter" idx="14"/>
+          </p:nvPr>
+        </p:nvSpPr>
+        <p:spPr/>
+        <p:txBody>
+          <a:bodyPr>
+            <a:noAutofit/>
+          </a:bodyPr>
+          <a:lstStyle/>
+          <a:p>
+            <a:r>
+              <a:rPr lang="en-US" sz="4000" dirty="0">
+                <a:solidFill>
+                  <a:schemeClr val="tx1"/>
+                </a:solidFill>
+              </a:rPr>
+              <a:t>Future Improvements</a:t>
+            </a:r>
+          </a:p>
+        </p:txBody>
+      </p:sp>
+      <p:sp>
+        <p:nvSpPr>
+          <p:cNvPr id="3" name="Text Placeholder 2">
+            <a:extLst>
+              <a:ext uri="{FF2B5EF4-FFF2-40B4-BE49-F238E27FC236}">
+                <a16:creationId xmlns:a16="http://schemas.microsoft.com/office/drawing/2014/main" id="{C650830E-669F-42E2-86FB-99AA9BBC1880}"/>
+              </a:ext>
+            </a:extLst>
+          </p:cNvPr>
+          <p:cNvSpPr>
+            <a:spLocks noGrp="1"/>
+          </p:cNvSpPr>
+          <p:nvPr>
+            <p:ph type="body" sz="quarter" idx="17"/>
+          </p:nvPr>
+        </p:nvSpPr>
+        <p:spPr>
+          <a:xfrm>
+            <a:off x="299222" y="1051971"/>
+            <a:ext cx="10737746" cy="5092155"/>
+          </a:xfrm>
+        </p:spPr>
+        <p:txBody>
+          <a:bodyPr>
+            <a:normAutofit/>
+          </a:bodyPr>
+          <a:lstStyle/>
+          <a:p>
+            <a:pPr lvl="1"/>
+            <a:r>
+              <a:rPr lang="en-US" sz="2600" dirty="0"/>
+              <a:t>Smaller slot – if a solution is possible</a:t>
+            </a:r>
+          </a:p>
+          <a:p>
+            <a:pPr lvl="1"/>
+            <a:r>
+              <a:rPr lang="en-US" sz="2600" dirty="0"/>
+              <a:t>Research on reverse parking</a:t>
+            </a:r>
+          </a:p>
+          <a:p>
+            <a:pPr lvl="2"/>
+            <a:r>
+              <a:rPr lang="en-US" sz="2600" dirty="0"/>
+              <a:t>Different physical models and dynamics</a:t>
+            </a:r>
+          </a:p>
+          <a:p>
+            <a:pPr lvl="1"/>
+            <a:r>
+              <a:rPr lang="en-US" sz="2600" dirty="0"/>
+              <a:t>Take more complex system into consideration</a:t>
+            </a:r>
+          </a:p>
+          <a:p>
+            <a:pPr lvl="2"/>
+            <a:r>
+              <a:rPr lang="en-US" sz="2600" dirty="0"/>
+              <a:t>Parking slot located at ramps</a:t>
+            </a:r>
+          </a:p>
+          <a:p>
+            <a:pPr lvl="1"/>
+            <a:r>
+              <a:rPr lang="en-US" sz="2600" dirty="0"/>
+              <a:t>Optimization variables can be much more complex in real cases</a:t>
+            </a:r>
+          </a:p>
+          <a:p>
+            <a:pPr lvl="1"/>
+            <a:r>
+              <a:rPr lang="en-US" sz="2600" dirty="0"/>
+              <a:t>Complex feedback system for a real automobiles</a:t>
+            </a:r>
+          </a:p>
+          <a:p>
+            <a:pPr marL="0" lvl="1" indent="0">
+              <a:buNone/>
+            </a:pPr>
+            <a:endParaRPr lang="en-US" dirty="0"/>
+          </a:p>
+        </p:txBody>
+      </p:sp>
+    </p:spTree>
+    <p:extLst>
+      <p:ext uri="{BB962C8B-B14F-4D97-AF65-F5344CB8AC3E}">
+        <p14:creationId xmlns:p14="http://schemas.microsoft.com/office/powerpoint/2010/main" val="610522070"/>
       </p:ext>
     </p:extLst>
   </p:cSld>
@@ -8318,7 +8593,7 @@
           <p:cNvPr id="2" name="Text Placeholder 1">
             <a:extLst>
               <a:ext uri="{FF2B5EF4-FFF2-40B4-BE49-F238E27FC236}">
-                <a16:creationId xmlns:a16="http://schemas.microsoft.com/office/drawing/2014/main" id="{BCCE844A-2193-4DDD-BF71-931954EF917B}"/>
+                <a16:creationId xmlns:a16="http://schemas.microsoft.com/office/drawing/2014/main" id="{5F7719BC-2E57-4382-AC4E-6FF87CE16649}"/>
               </a:ext>
             </a:extLst>
           </p:cNvPr>
@@ -8342,91 +8617,65 @@
                   <a:schemeClr val="tx1"/>
                 </a:solidFill>
               </a:rPr>
-              <a:t>Future Improvements</a:t>
-            </a:r>
-          </a:p>
-        </p:txBody>
-      </p:sp>
-      <p:sp>
-        <p:nvSpPr>
-          <p:cNvPr id="3" name="Text Placeholder 2">
+              <a:t>Reference</a:t>
+            </a:r>
+          </a:p>
+        </p:txBody>
+      </p:sp>
+      <p:sp>
+        <p:nvSpPr>
+          <p:cNvPr id="3" name="矩形 2">
             <a:extLst>
               <a:ext uri="{FF2B5EF4-FFF2-40B4-BE49-F238E27FC236}">
-                <a16:creationId xmlns:a16="http://schemas.microsoft.com/office/drawing/2014/main" id="{C650830E-669F-42E2-86FB-99AA9BBC1880}"/>
+                <a16:creationId xmlns:a16="http://schemas.microsoft.com/office/drawing/2014/main" id="{B1F9130C-6952-4E4F-A305-78BDB72F4F55}"/>
               </a:ext>
             </a:extLst>
           </p:cNvPr>
-          <p:cNvSpPr>
-            <a:spLocks noGrp="1"/>
-          </p:cNvSpPr>
-          <p:nvPr>
-            <p:ph type="body" sz="quarter" idx="17"/>
-          </p:nvPr>
+          <p:cNvSpPr/>
+          <p:nvPr/>
         </p:nvSpPr>
         <p:spPr>
           <a:xfrm>
-            <a:off x="299222" y="1051971"/>
-            <a:ext cx="10737746" cy="5092155"/>
+            <a:off x="299222" y="975047"/>
+            <a:ext cx="11892778" cy="923330"/>
           </a:xfrm>
+          <a:prstGeom prst="rect">
+            <a:avLst/>
+          </a:prstGeom>
         </p:spPr>
         <p:txBody>
-          <a:bodyPr>
-            <a:normAutofit/>
+          <a:bodyPr wrap="square">
+            <a:spAutoFit/>
           </a:bodyPr>
           <a:lstStyle/>
           <a:p>
-            <a:pPr lvl="1"/>
-            <a:r>
-              <a:rPr lang="en-US" sz="2600" dirty="0"/>
-              <a:t>Smaller slot – if a solution is possible</a:t>
-            </a:r>
-          </a:p>
-          <a:p>
-            <a:pPr lvl="1"/>
-            <a:r>
-              <a:rPr lang="en-US" sz="2600" dirty="0"/>
-              <a:t>Research on reverse parking</a:t>
-            </a:r>
-          </a:p>
-          <a:p>
-            <a:pPr lvl="2"/>
-            <a:r>
-              <a:rPr lang="en-US" sz="2600" dirty="0"/>
-              <a:t>Different physical models and dynamics</a:t>
-            </a:r>
-          </a:p>
-          <a:p>
-            <a:pPr lvl="1"/>
-            <a:r>
-              <a:rPr lang="en-US" sz="2600" dirty="0"/>
-              <a:t>Take more complex system into consideration</a:t>
-            </a:r>
-          </a:p>
-          <a:p>
-            <a:pPr lvl="2"/>
-            <a:r>
-              <a:rPr lang="en-US" sz="2600" dirty="0"/>
-              <a:t>Parking slot located at ramps</a:t>
-            </a:r>
-          </a:p>
-          <a:p>
-            <a:pPr lvl="1"/>
-            <a:r>
-              <a:rPr lang="en-US" sz="2600" dirty="0"/>
-              <a:t>Optimization variables can be much more complex in real cases</a:t>
-            </a:r>
-          </a:p>
-          <a:p>
-            <a:pPr lvl="1"/>
-            <a:r>
-              <a:rPr lang="en-US" sz="2600" dirty="0"/>
-              <a:t>Complex feedback system for a real automobiles</a:t>
-            </a:r>
-          </a:p>
-          <a:p>
-            <a:pPr marL="0" lvl="1" indent="0">
-              <a:buNone/>
-            </a:pPr>
+            <a:r>
+              <a:rPr lang="en-US" dirty="0">
+                <a:solidFill>
+                  <a:srgbClr val="333333"/>
+                </a:solidFill>
+                <a:latin typeface="Times New Roman" panose="02020603050405020304" pitchFamily="18" charset="0"/>
+              </a:rPr>
+              <a:t>[1]	“Example: Parallel Parking,” </a:t>
+            </a:r>
+            <a:r>
+              <a:rPr lang="en-US" i="1" dirty="0">
+                <a:solidFill>
+                  <a:srgbClr val="333333"/>
+                </a:solidFill>
+                <a:latin typeface="Times New Roman" panose="02020603050405020304" pitchFamily="18" charset="0"/>
+              </a:rPr>
+              <a:t>ICLOCS2: A MATLAB Toolbox for Optimization Based Control - Example: Parallel 	Parking</a:t>
+            </a:r>
+            <a:r>
+              <a:rPr lang="en-US" dirty="0">
+                <a:solidFill>
+                  <a:srgbClr val="333333"/>
+                </a:solidFill>
+                <a:latin typeface="Times New Roman" panose="02020603050405020304" pitchFamily="18" charset="0"/>
+              </a:rPr>
+              <a:t>. [Online]. Available: http://www.ee.ic.ac.uk/ICLOCS/ExampleParallelParking.html. [Accessed: 22-Apr-	2020].</a:t>
+            </a:r>
             <a:endParaRPr lang="en-US" dirty="0"/>
           </a:p>
         </p:txBody>
@@ -8434,7 +8683,7 @@
     </p:spTree>
     <p:extLst>
       <p:ext uri="{BB962C8B-B14F-4D97-AF65-F5344CB8AC3E}">
-        <p14:creationId xmlns:p14="http://schemas.microsoft.com/office/powerpoint/2010/main" val="610522070"/>
+        <p14:creationId xmlns:p14="http://schemas.microsoft.com/office/powerpoint/2010/main" val="1806401461"/>
       </p:ext>
     </p:extLst>
   </p:cSld>
@@ -8461,102 +8710,10 @@
           <a:chExt cx="0" cy="0"/>
         </a:xfrm>
       </p:grpSpPr>
-      <p:sp>
-        <p:nvSpPr>
-          <p:cNvPr id="2" name="Text Placeholder 1">
-            <a:extLst>
-              <a:ext uri="{FF2B5EF4-FFF2-40B4-BE49-F238E27FC236}">
-                <a16:creationId xmlns:a16="http://schemas.microsoft.com/office/drawing/2014/main" id="{5F7719BC-2E57-4382-AC4E-6FF87CE16649}"/>
-              </a:ext>
-            </a:extLst>
-          </p:cNvPr>
-          <p:cNvSpPr>
-            <a:spLocks noGrp="1"/>
-          </p:cNvSpPr>
-          <p:nvPr>
-            <p:ph type="body" sz="quarter" idx="14"/>
-          </p:nvPr>
-        </p:nvSpPr>
-        <p:spPr/>
-        <p:txBody>
-          <a:bodyPr>
-            <a:noAutofit/>
-          </a:bodyPr>
-          <a:lstStyle/>
-          <a:p>
-            <a:r>
-              <a:rPr lang="en-US" sz="4000" dirty="0">
-                <a:solidFill>
-                  <a:schemeClr val="tx1"/>
-                </a:solidFill>
-              </a:rPr>
-              <a:t>Reference</a:t>
-            </a:r>
-          </a:p>
-        </p:txBody>
-      </p:sp>
-      <p:sp>
-        <p:nvSpPr>
-          <p:cNvPr id="3" name="矩形 2">
-            <a:extLst>
-              <a:ext uri="{FF2B5EF4-FFF2-40B4-BE49-F238E27FC236}">
-                <a16:creationId xmlns:a16="http://schemas.microsoft.com/office/drawing/2014/main" id="{B1F9130C-6952-4E4F-A305-78BDB72F4F55}"/>
-              </a:ext>
-            </a:extLst>
-          </p:cNvPr>
-          <p:cNvSpPr/>
-          <p:nvPr/>
-        </p:nvSpPr>
-        <p:spPr>
-          <a:xfrm>
-            <a:off x="299222" y="975047"/>
-            <a:ext cx="11892778" cy="923330"/>
-          </a:xfrm>
-          <a:prstGeom prst="rect">
-            <a:avLst/>
-          </a:prstGeom>
-        </p:spPr>
-        <p:txBody>
-          <a:bodyPr wrap="square">
-            <a:spAutoFit/>
-          </a:bodyPr>
-          <a:lstStyle/>
-          <a:p>
-            <a:r>
-              <a:rPr lang="en-US" dirty="0">
-                <a:solidFill>
-                  <a:srgbClr val="333333"/>
-                </a:solidFill>
-                <a:latin typeface="Times New Roman" panose="02020603050405020304" pitchFamily="18" charset="0"/>
-              </a:rPr>
-              <a:t>[1]	“Example: Parallel Parking,” </a:t>
-            </a:r>
-            <a:r>
-              <a:rPr lang="en-US" i="1" dirty="0">
-                <a:solidFill>
-                  <a:srgbClr val="333333"/>
-                </a:solidFill>
-                <a:latin typeface="Times New Roman" panose="02020603050405020304" pitchFamily="18" charset="0"/>
-              </a:rPr>
-              <a:t>ICLOCS2: A MATLAB Toolbox for Optimization Based Control - Example: Parallel 	Parking</a:t>
-            </a:r>
-            <a:r>
-              <a:rPr lang="en-US" dirty="0">
-                <a:solidFill>
-                  <a:srgbClr val="333333"/>
-                </a:solidFill>
-                <a:latin typeface="Times New Roman" panose="02020603050405020304" pitchFamily="18" charset="0"/>
-              </a:rPr>
-              <a:t>. [Online]. Available: http://www.ee.ic.ac.uk/ICLOCS/ExampleParallelParking.html. [Accessed: 22-Apr-	2020].</a:t>
-            </a:r>
-            <a:endParaRPr lang="en-US" dirty="0"/>
-          </a:p>
-        </p:txBody>
-      </p:sp>
     </p:spTree>
     <p:extLst>
       <p:ext uri="{BB962C8B-B14F-4D97-AF65-F5344CB8AC3E}">
-        <p14:creationId xmlns:p14="http://schemas.microsoft.com/office/powerpoint/2010/main" val="1806401461"/>
+        <p14:creationId xmlns:p14="http://schemas.microsoft.com/office/powerpoint/2010/main" val="94899325"/>
       </p:ext>
     </p:extLst>
   </p:cSld>
@@ -8641,7 +8798,7 @@
         </p:spPr>
         <p:txBody>
           <a:bodyPr>
-            <a:normAutofit fontScale="85000" lnSpcReduction="20000"/>
+            <a:normAutofit fontScale="92500" lnSpcReduction="10000"/>
           </a:bodyPr>
           <a:lstStyle>
             <a:lvl2pPr marL="225425" marR="0" indent="-225425" algn="l" defTabSz="457200" rtl="0" eaLnBrk="1" fontAlgn="auto" latinLnBrk="0" hangingPunct="1">
@@ -8686,70 +8843,63 @@
           <a:p>
             <a:pPr lvl="1"/>
             <a:r>
-              <a:rPr lang="en-US" sz="3000" dirty="0"/>
+              <a:rPr lang="en-US" sz="2800" dirty="0"/>
               <a:t>Introduction</a:t>
             </a:r>
           </a:p>
           <a:p>
             <a:pPr lvl="1"/>
             <a:r>
-              <a:rPr lang="en-US" sz="3000" dirty="0"/>
+              <a:rPr lang="en-US" sz="2800" dirty="0"/>
               <a:t>Technical Background</a:t>
             </a:r>
           </a:p>
           <a:p>
             <a:pPr lvl="1"/>
             <a:r>
-              <a:rPr lang="en-US" sz="3000" dirty="0"/>
+              <a:rPr lang="en-US" sz="2800" dirty="0"/>
               <a:t>Optimization Problem</a:t>
             </a:r>
           </a:p>
           <a:p>
             <a:pPr lvl="2"/>
             <a:r>
-              <a:rPr lang="en-US" sz="3000" dirty="0"/>
+              <a:rPr lang="en-US" sz="2800" dirty="0"/>
               <a:t>Model &amp; Focus</a:t>
             </a:r>
           </a:p>
           <a:p>
             <a:pPr lvl="2"/>
             <a:r>
-              <a:rPr lang="en-US" sz="3000" dirty="0"/>
+              <a:rPr lang="en-US" sz="2800" dirty="0"/>
               <a:t>Dynamics</a:t>
             </a:r>
           </a:p>
           <a:p>
             <a:pPr lvl="2"/>
             <a:r>
-              <a:rPr lang="en-US" sz="3000" dirty="0"/>
+              <a:rPr lang="en-US" sz="2800" dirty="0"/>
               <a:t>Approach</a:t>
             </a:r>
           </a:p>
           <a:p>
             <a:pPr lvl="1"/>
             <a:r>
-              <a:rPr lang="en-US" sz="3000" dirty="0"/>
-              <a:t>Collision Avoidance</a:t>
+              <a:rPr lang="en-US" sz="2800" dirty="0"/>
+              <a:t>Collision Detection &amp; Avoidance</a:t>
             </a:r>
           </a:p>
           <a:p>
             <a:pPr lvl="1"/>
             <a:r>
-              <a:rPr lang="en-US" sz="3000" dirty="0"/>
+              <a:rPr lang="en-US" sz="2800" dirty="0"/>
               <a:t>Results</a:t>
             </a:r>
           </a:p>
           <a:p>
             <a:pPr lvl="1"/>
             <a:r>
-              <a:rPr lang="en-US" sz="3000" dirty="0"/>
-              <a:t>Conclusions</a:t>
-            </a:r>
-          </a:p>
-          <a:p>
-            <a:pPr lvl="1"/>
-            <a:r>
-              <a:rPr lang="en-US" sz="3000" dirty="0"/>
+              <a:rPr lang="en-US" sz="2800" dirty="0"/>
               <a:t>Future Improvements</a:t>
             </a:r>
           </a:p>
@@ -8778,36 +8928,6 @@
   </p:cSld>
   <p:clrMapOvr>
     <a:overrideClrMapping bg1="lt1" tx1="dk1" bg2="lt2" tx2="dk2" accent1="accent1" accent2="accent2" accent3="accent3" accent4="accent4" accent5="accent5" accent6="accent6" hlink="hlink" folHlink="folHlink"/>
-  </p:clrMapOvr>
-</p:sld>
-</file>
-
-<file path=ppt/slides/slide20.xml><?xml version="1.0" encoding="utf-8"?>
-<p:sld xmlns:a="http://schemas.openxmlformats.org/drawingml/2006/main" xmlns:r="http://schemas.openxmlformats.org/officeDocument/2006/relationships" xmlns:p="http://schemas.openxmlformats.org/presentationml/2006/main">
-  <p:cSld>
-    <p:spTree>
-      <p:nvGrpSpPr>
-        <p:cNvPr id="1" name=""/>
-        <p:cNvGrpSpPr/>
-        <p:nvPr/>
-      </p:nvGrpSpPr>
-      <p:grpSpPr>
-        <a:xfrm>
-          <a:off x="0" y="0"/>
-          <a:ext cx="0" cy="0"/>
-          <a:chOff x="0" y="0"/>
-          <a:chExt cx="0" cy="0"/>
-        </a:xfrm>
-      </p:grpSpPr>
-    </p:spTree>
-    <p:extLst>
-      <p:ext uri="{BB962C8B-B14F-4D97-AF65-F5344CB8AC3E}">
-        <p14:creationId xmlns:p14="http://schemas.microsoft.com/office/powerpoint/2010/main" val="94899325"/>
-      </p:ext>
-    </p:extLst>
-  </p:cSld>
-  <p:clrMapOvr>
-    <a:masterClrMapping/>
   </p:clrMapOvr>
 </p:sld>
 </file>
@@ -9084,42 +9204,42 @@
             <a:pPr lvl="1"/>
             <a:r>
               <a:rPr lang="en-US" sz="2600" dirty="0"/>
-              <a:t>Existing technologies for the parallel parking is limited. </a:t>
+              <a:t>Existing technologies for the parallel parking is limited</a:t>
             </a:r>
           </a:p>
           <a:p>
             <a:pPr lvl="2"/>
             <a:r>
               <a:rPr lang="en-US" sz="2600" dirty="0"/>
-              <a:t>Codes and programs are mostly simple simulation. </a:t>
+              <a:t>Codes and programs are mostly simple simulation</a:t>
             </a:r>
           </a:p>
           <a:p>
             <a:pPr lvl="2"/>
             <a:r>
               <a:rPr lang="en-US" sz="2600" dirty="0"/>
-              <a:t>The main body of the vehicle collides into walls and objects.</a:t>
+              <a:t>The main body of the vehicle collides into walls and objects</a:t>
             </a:r>
           </a:p>
           <a:p>
             <a:pPr lvl="1"/>
             <a:r>
               <a:rPr lang="en-US" sz="2600" dirty="0"/>
-              <a:t>Parallel parking is not an optimal problem.</a:t>
+              <a:t>Parallel parking is not an optimal problem</a:t>
             </a:r>
           </a:p>
           <a:p>
             <a:pPr lvl="2"/>
             <a:r>
               <a:rPr lang="en-US" sz="2600" dirty="0"/>
-              <a:t>Limited involvement in optimizing cost.</a:t>
+              <a:t>Limited involvement in optimizing cost</a:t>
             </a:r>
           </a:p>
           <a:p>
             <a:pPr lvl="2"/>
             <a:r>
               <a:rPr lang="en-US" sz="2600" dirty="0"/>
-              <a:t>More involvement in trajectory planning.</a:t>
+              <a:t>More involvement in trajectory planning</a:t>
             </a:r>
           </a:p>
           <a:p>
@@ -9743,7 +9863,7 @@
         <p:spPr>
           <a:xfrm>
             <a:off x="2124891" y="4406856"/>
-            <a:ext cx="3166251" cy="369332"/>
+            <a:ext cx="3217547" cy="369332"/>
           </a:xfrm>
           <a:prstGeom prst="rect">
             <a:avLst/>
@@ -9762,7 +9882,7 @@
                 </a:solidFill>
                 <a:latin typeface="Times New Roman" panose="02020603050405020304" pitchFamily="18" charset="0"/>
               </a:rPr>
-              <a:t>Figure 1: Parking Lot Model [1]</a:t>
+              <a:t>Figure 1: Parking Slot Model [1]</a:t>
             </a:r>
             <a:endParaRPr lang="en-US" dirty="0"/>
           </a:p>
@@ -9868,8 +9988,8 @@
           </a:p>
         </p:txBody>
       </p:sp>
-      <mc:AlternateContent xmlns:mc="http://schemas.openxmlformats.org/markup-compatibility/2006" xmlns:a14="http://schemas.microsoft.com/office/drawing/2010/main">
-        <mc:Choice Requires="a14">
+      <mc:AlternateContent xmlns:mc="http://schemas.openxmlformats.org/markup-compatibility/2006">
+        <mc:Choice xmlns:a14="http://schemas.microsoft.com/office/drawing/2010/main" Requires="a14">
           <p:sp>
             <p:nvSpPr>
               <p:cNvPr id="6" name="TextBox 5">
@@ -9884,7 +10004,7 @@
             </p:nvSpPr>
             <p:spPr>
               <a:xfrm>
-                <a:off x="6808879" y="1924752"/>
+                <a:off x="6808879" y="1585655"/>
                 <a:ext cx="4078241" cy="1015663"/>
               </a:xfrm>
               <a:prstGeom prst="rect">
@@ -10060,7 +10180,7 @@
             </p:txBody>
           </p:sp>
         </mc:Choice>
-        <mc:Fallback xmlns="">
+        <mc:Fallback>
           <p:sp>
             <p:nvSpPr>
               <p:cNvPr id="6" name="TextBox 5">
@@ -10077,7 +10197,7 @@
             </p:nvSpPr>
             <p:spPr>
               <a:xfrm>
-                <a:off x="6808879" y="1924752"/>
+                <a:off x="6808879" y="1585655"/>
                 <a:ext cx="4078241" cy="1015663"/>
               </a:xfrm>
               <a:prstGeom prst="rect">
@@ -10086,7 +10206,7 @@
               <a:blipFill>
                 <a:blip r:embed="rId2"/>
                 <a:stretch>
-                  <a:fillRect l="-1644" t="-3614" r="-3288" b="-7831"/>
+                  <a:fillRect l="-1644" t="-2994" r="-3288" b="-7784"/>
                 </a:stretch>
               </a:blipFill>
             </p:spPr>
@@ -10245,8 +10365,8 @@
           </a:p>
         </p:txBody>
       </p:sp>
-      <mc:AlternateContent xmlns:mc="http://schemas.openxmlformats.org/markup-compatibility/2006" xmlns:a14="http://schemas.microsoft.com/office/drawing/2010/main">
-        <mc:Choice Requires="a14">
+      <mc:AlternateContent xmlns:mc="http://schemas.openxmlformats.org/markup-compatibility/2006">
+        <mc:Choice xmlns:a14="http://schemas.microsoft.com/office/drawing/2010/main" Requires="a14">
           <p:sp>
             <p:nvSpPr>
               <p:cNvPr id="3" name="Text Placeholder 2">
@@ -10367,7 +10487,7 @@
                 <a:pPr lvl="2"/>
                 <a:r>
                   <a:rPr lang="en-US" sz="2600" dirty="0"/>
-                  <a:t>Calculating net position given current position and inputs</a:t>
+                  <a:t>Calculating next position given current position and inputs</a:t>
                 </a:r>
               </a:p>
               <a:p>
@@ -10390,7 +10510,7 @@
             </p:txBody>
           </p:sp>
         </mc:Choice>
-        <mc:Fallback xmlns="">
+        <mc:Fallback>
           <p:sp>
             <p:nvSpPr>
               <p:cNvPr id="3" name="Text Placeholder 2">
@@ -10519,7 +10639,7 @@
             <p:spPr>
               <a:xfrm>
                 <a:off x="299222" y="1051972"/>
-                <a:ext cx="9828546" cy="2438400"/>
+                <a:ext cx="11252418" cy="2438400"/>
               </a:xfrm>
             </p:spPr>
             <p:txBody>
@@ -10528,22 +10648,24 @@
               </a:bodyPr>
               <a:lstStyle/>
               <a:p>
+                <a:pPr lvl="1"/>
                 <a:r>
-                  <a:rPr lang="en-US" altLang="zh-CN" dirty="0"/>
-                  <a:t>Without any obstacle, the problem could be modeled as two point boundary value problem.</a:t>
+                  <a:rPr lang="en-US" altLang="zh-CN" sz="2600" dirty="0"/>
+                  <a:t>Without any obstacle, the problem could be modeled as a Two Point Boundary Value Problem.</a:t>
                 </a:r>
               </a:p>
               <a:p>
+                <a:pPr lvl="1"/>
                 <a14:m>
                   <m:oMath xmlns:m="http://schemas.openxmlformats.org/officeDocument/2006/math">
                     <m:r>
-                      <a:rPr lang="en-US" b="0" i="1" smtClean="0">
+                      <a:rPr lang="en-US" sz="2600" b="0" i="1" smtClean="0">
                         <a:latin typeface="Cambria Math" panose="02040503050406030204" pitchFamily="18" charset="0"/>
                       </a:rPr>
                       <m:t>𝐽</m:t>
                     </m:r>
                     <m:r>
-                      <a:rPr lang="en-US" b="0" i="1" smtClean="0">
+                      <a:rPr lang="en-US" sz="2600" b="0" i="1" smtClean="0">
                         <a:latin typeface="Cambria Math" panose="02040503050406030204" pitchFamily="18" charset="0"/>
                       </a:rPr>
                       <m:t>=</m:t>
@@ -10551,14 +10673,14 @@
                     <m:f>
                       <m:fPr>
                         <m:ctrlPr>
-                          <a:rPr lang="en-US" b="0" i="1" smtClean="0">
+                          <a:rPr lang="en-US" sz="2600" b="0" i="1" smtClean="0">
                             <a:latin typeface="Cambria Math" panose="02040503050406030204" pitchFamily="18" charset="0"/>
                           </a:rPr>
                         </m:ctrlPr>
                       </m:fPr>
                       <m:num>
                         <m:r>
-                          <a:rPr lang="en-US" b="0" i="1" smtClean="0">
+                          <a:rPr lang="en-US" sz="2600" b="0" i="1" smtClean="0">
                             <a:latin typeface="Cambria Math" panose="02040503050406030204" pitchFamily="18" charset="0"/>
                           </a:rPr>
                           <m:t>1</m:t>
@@ -10566,7 +10688,7 @@
                       </m:num>
                       <m:den>
                         <m:r>
-                          <a:rPr lang="en-US" b="0" i="1" smtClean="0">
+                          <a:rPr lang="en-US" sz="2600" b="0" i="1" smtClean="0">
                             <a:latin typeface="Cambria Math" panose="02040503050406030204" pitchFamily="18" charset="0"/>
                           </a:rPr>
                           <m:t>2</m:t>
@@ -10574,7 +10696,7 @@
                       </m:den>
                     </m:f>
                     <m:r>
-                      <a:rPr lang="en-US" b="0" i="1" smtClean="0">
+                      <a:rPr lang="en-US" sz="2600" b="0" i="1" smtClean="0">
                         <a:latin typeface="Cambria Math" panose="02040503050406030204" pitchFamily="18" charset="0"/>
                       </a:rPr>
                       <m:t>(</m:t>
@@ -10582,7 +10704,7 @@
                     <m:sSup>
                       <m:sSupPr>
                         <m:ctrlPr>
-                          <a:rPr lang="en-US" b="0" i="1" smtClean="0">
+                          <a:rPr lang="en-US" sz="2600" b="0" i="1" smtClean="0">
                             <a:latin typeface="Cambria Math" panose="02040503050406030204" pitchFamily="18" charset="0"/>
                           </a:rPr>
                         </m:ctrlPr>
@@ -10591,14 +10713,14 @@
                         <m:d>
                           <m:dPr>
                             <m:ctrlPr>
-                              <a:rPr lang="en-US" b="0" i="1" smtClean="0">
+                              <a:rPr lang="en-US" sz="2600" b="0" i="1" smtClean="0">
                                 <a:latin typeface="Cambria Math" panose="02040503050406030204" pitchFamily="18" charset="0"/>
                               </a:rPr>
                             </m:ctrlPr>
                           </m:dPr>
                           <m:e>
                             <m:r>
-                              <a:rPr lang="en-US" b="0" i="1" smtClean="0">
+                              <a:rPr lang="en-US" sz="2600" b="0" i="1" smtClean="0">
                                 <a:latin typeface="Cambria Math" panose="02040503050406030204" pitchFamily="18" charset="0"/>
                               </a:rPr>
                               <m:t>𝑥</m:t>
@@ -10606,14 +10728,14 @@
                             <m:d>
                               <m:dPr>
                                 <m:ctrlPr>
-                                  <a:rPr lang="en-US" b="0" i="1" smtClean="0">
+                                  <a:rPr lang="en-US" sz="2600" b="0" i="1" smtClean="0">
                                     <a:latin typeface="Cambria Math" panose="02040503050406030204" pitchFamily="18" charset="0"/>
                                   </a:rPr>
                                 </m:ctrlPr>
                               </m:dPr>
                               <m:e>
                                 <m:r>
-                                  <a:rPr lang="en-US" b="0" i="1" smtClean="0">
+                                  <a:rPr lang="en-US" sz="2600" b="0" i="1" smtClean="0">
                                     <a:latin typeface="Cambria Math" panose="02040503050406030204" pitchFamily="18" charset="0"/>
                                   </a:rPr>
                                   <m:t>𝑁</m:t>
@@ -10621,7 +10743,7 @@
                               </m:e>
                             </m:d>
                             <m:r>
-                              <a:rPr lang="en-US" b="0" i="1" smtClean="0">
+                              <a:rPr lang="en-US" sz="2600" b="0" i="1" smtClean="0">
                                 <a:latin typeface="Cambria Math" panose="02040503050406030204" pitchFamily="18" charset="0"/>
                               </a:rPr>
                               <m:t>−</m:t>
@@ -10629,14 +10751,14 @@
                             <m:sSub>
                               <m:sSubPr>
                                 <m:ctrlPr>
-                                  <a:rPr lang="en-US" b="0" i="1" smtClean="0">
+                                  <a:rPr lang="en-US" sz="2600" b="0" i="1" smtClean="0">
                                     <a:latin typeface="Cambria Math" panose="02040503050406030204" pitchFamily="18" charset="0"/>
                                   </a:rPr>
                                 </m:ctrlPr>
                               </m:sSubPr>
                               <m:e>
                                 <m:r>
-                                  <a:rPr lang="en-US" b="0" i="1" smtClean="0">
+                                  <a:rPr lang="en-US" sz="2600" b="0" i="1" smtClean="0">
                                     <a:latin typeface="Cambria Math" panose="02040503050406030204" pitchFamily="18" charset="0"/>
                                   </a:rPr>
                                   <m:t>𝑥</m:t>
@@ -10644,7 +10766,7 @@
                               </m:e>
                               <m:sub>
                                 <m:r>
-                                  <a:rPr lang="en-US" b="0" i="1" smtClean="0">
+                                  <a:rPr lang="en-US" sz="2600" b="0" i="1" smtClean="0">
                                     <a:latin typeface="Cambria Math" panose="02040503050406030204" pitchFamily="18" charset="0"/>
                                   </a:rPr>
                                   <m:t>𝑑</m:t>
@@ -10656,7 +10778,7 @@
                       </m:e>
                       <m:sup>
                         <m:r>
-                          <a:rPr lang="en-US" b="0" i="1" smtClean="0">
+                          <a:rPr lang="en-US" sz="2600" b="0" i="1" smtClean="0">
                             <a:latin typeface="Cambria Math" panose="02040503050406030204" pitchFamily="18" charset="0"/>
                           </a:rPr>
                           <m:t>2</m:t>
@@ -10664,7 +10786,7 @@
                       </m:sup>
                     </m:sSup>
                     <m:r>
-                      <a:rPr lang="en-US" b="0" i="1" smtClean="0">
+                      <a:rPr lang="en-US" sz="2600" b="0" i="1" smtClean="0">
                         <a:latin typeface="Cambria Math" panose="02040503050406030204" pitchFamily="18" charset="0"/>
                       </a:rPr>
                       <m:t>+</m:t>
@@ -10672,7 +10794,7 @@
                     <m:sSup>
                       <m:sSupPr>
                         <m:ctrlPr>
-                          <a:rPr lang="en-US" i="1">
+                          <a:rPr lang="en-US" sz="2600" i="1">
                             <a:latin typeface="Cambria Math" panose="02040503050406030204" pitchFamily="18" charset="0"/>
                           </a:rPr>
                         </m:ctrlPr>
@@ -10681,14 +10803,14 @@
                         <m:d>
                           <m:dPr>
                             <m:ctrlPr>
-                              <a:rPr lang="en-US" i="1">
+                              <a:rPr lang="en-US" sz="2600" i="1">
                                 <a:latin typeface="Cambria Math" panose="02040503050406030204" pitchFamily="18" charset="0"/>
                               </a:rPr>
                             </m:ctrlPr>
                           </m:dPr>
                           <m:e>
                             <m:r>
-                              <a:rPr lang="en-US" b="0" i="1" smtClean="0">
+                              <a:rPr lang="en-US" sz="2600" b="0" i="1" smtClean="0">
                                 <a:latin typeface="Cambria Math" panose="02040503050406030204" pitchFamily="18" charset="0"/>
                               </a:rPr>
                               <m:t>𝑦</m:t>
@@ -10696,14 +10818,14 @@
                             <m:d>
                               <m:dPr>
                                 <m:ctrlPr>
-                                  <a:rPr lang="en-US" i="1">
+                                  <a:rPr lang="en-US" sz="2600" i="1">
                                     <a:latin typeface="Cambria Math" panose="02040503050406030204" pitchFamily="18" charset="0"/>
                                   </a:rPr>
                                 </m:ctrlPr>
                               </m:dPr>
                               <m:e>
                                 <m:r>
-                                  <a:rPr lang="en-US" i="1">
+                                  <a:rPr lang="en-US" sz="2600" i="1">
                                     <a:latin typeface="Cambria Math" panose="02040503050406030204" pitchFamily="18" charset="0"/>
                                   </a:rPr>
                                   <m:t>𝑁</m:t>
@@ -10711,7 +10833,7 @@
                               </m:e>
                             </m:d>
                             <m:r>
-                              <a:rPr lang="en-US" i="1">
+                              <a:rPr lang="en-US" sz="2600" i="1">
                                 <a:latin typeface="Cambria Math" panose="02040503050406030204" pitchFamily="18" charset="0"/>
                               </a:rPr>
                               <m:t>−</m:t>
@@ -10719,14 +10841,14 @@
                             <m:sSub>
                               <m:sSubPr>
                                 <m:ctrlPr>
-                                  <a:rPr lang="en-US" i="1">
+                                  <a:rPr lang="en-US" sz="2600" i="1">
                                     <a:latin typeface="Cambria Math" panose="02040503050406030204" pitchFamily="18" charset="0"/>
                                   </a:rPr>
                                 </m:ctrlPr>
                               </m:sSubPr>
                               <m:e>
                                 <m:r>
-                                  <a:rPr lang="en-US" b="0" i="1" smtClean="0">
+                                  <a:rPr lang="en-US" sz="2600" b="0" i="1" smtClean="0">
                                     <a:latin typeface="Cambria Math" panose="02040503050406030204" pitchFamily="18" charset="0"/>
                                   </a:rPr>
                                   <m:t>𝑦</m:t>
@@ -10734,7 +10856,7 @@
                               </m:e>
                               <m:sub>
                                 <m:r>
-                                  <a:rPr lang="en-US" i="1">
+                                  <a:rPr lang="en-US" sz="2600" i="1">
                                     <a:latin typeface="Cambria Math" panose="02040503050406030204" pitchFamily="18" charset="0"/>
                                   </a:rPr>
                                   <m:t>𝑑</m:t>
@@ -10746,7 +10868,7 @@
                       </m:e>
                       <m:sup>
                         <m:r>
-                          <a:rPr lang="en-US" i="1">
+                          <a:rPr lang="en-US" sz="2600" i="1">
                             <a:latin typeface="Cambria Math" panose="02040503050406030204" pitchFamily="18" charset="0"/>
                           </a:rPr>
                           <m:t>2</m:t>
@@ -10754,13 +10876,13 @@
                       </m:sup>
                     </m:sSup>
                     <m:r>
-                      <a:rPr lang="en-US" b="0" i="1" smtClean="0">
+                      <a:rPr lang="en-US" sz="2600" b="0" i="1" smtClean="0">
                         <a:latin typeface="Cambria Math" panose="02040503050406030204" pitchFamily="18" charset="0"/>
                       </a:rPr>
                       <m:t>+</m:t>
                     </m:r>
                     <m:r>
-                      <a:rPr lang="en-US" b="0" i="1" smtClean="0">
+                      <a:rPr lang="en-US" sz="2600" b="0" i="1" smtClean="0">
                         <a:latin typeface="Cambria Math" panose="02040503050406030204" pitchFamily="18" charset="0"/>
                       </a:rPr>
                       <m:t>𝑤</m:t>
@@ -10768,7 +10890,7 @@
                     <m:sSup>
                       <m:sSupPr>
                         <m:ctrlPr>
-                          <a:rPr lang="en-US" i="1">
+                          <a:rPr lang="en-US" sz="2600" i="1">
                             <a:latin typeface="Cambria Math" panose="02040503050406030204" pitchFamily="18" charset="0"/>
                           </a:rPr>
                         </m:ctrlPr>
@@ -10777,7 +10899,7 @@
                         <m:d>
                           <m:dPr>
                             <m:ctrlPr>
-                              <a:rPr lang="en-US" i="1">
+                              <a:rPr lang="en-US" sz="2600" i="1">
                                 <a:latin typeface="Cambria Math" panose="02040503050406030204" pitchFamily="18" charset="0"/>
                               </a:rPr>
                             </m:ctrlPr>
@@ -10787,7 +10909,7 @@
                               <m:rPr>
                                 <m:sty m:val="p"/>
                               </m:rPr>
-                              <a:rPr lang="en-US" altLang="zh-CN" i="1" smtClean="0">
+                              <a:rPr lang="en-US" altLang="zh-CN" sz="2600" i="1" smtClean="0">
                                 <a:latin typeface="Cambria Math" panose="02040503050406030204" pitchFamily="18" charset="0"/>
                               </a:rPr>
                               <m:t>θ</m:t>
@@ -10795,14 +10917,14 @@
                             <m:d>
                               <m:dPr>
                                 <m:ctrlPr>
-                                  <a:rPr lang="en-US" i="1">
+                                  <a:rPr lang="en-US" sz="2600" i="1">
                                     <a:latin typeface="Cambria Math" panose="02040503050406030204" pitchFamily="18" charset="0"/>
                                   </a:rPr>
                                 </m:ctrlPr>
                               </m:dPr>
                               <m:e>
                                 <m:r>
-                                  <a:rPr lang="en-US" i="1">
+                                  <a:rPr lang="en-US" sz="2600" i="1">
                                     <a:latin typeface="Cambria Math" panose="02040503050406030204" pitchFamily="18" charset="0"/>
                                   </a:rPr>
                                   <m:t>𝑁</m:t>
@@ -10810,7 +10932,7 @@
                               </m:e>
                             </m:d>
                             <m:r>
-                              <a:rPr lang="en-US" i="1">
+                              <a:rPr lang="en-US" sz="2600" i="1">
                                 <a:latin typeface="Cambria Math" panose="02040503050406030204" pitchFamily="18" charset="0"/>
                               </a:rPr>
                               <m:t>−</m:t>
@@ -10818,7 +10940,7 @@
                             <m:sSub>
                               <m:sSubPr>
                                 <m:ctrlPr>
-                                  <a:rPr lang="en-US" i="1">
+                                  <a:rPr lang="en-US" sz="2600" i="1">
                                     <a:latin typeface="Cambria Math" panose="02040503050406030204" pitchFamily="18" charset="0"/>
                                   </a:rPr>
                                 </m:ctrlPr>
@@ -10828,7 +10950,7 @@
                                   <m:rPr>
                                     <m:sty m:val="p"/>
                                   </m:rPr>
-                                  <a:rPr lang="en-US" altLang="zh-CN" i="1">
+                                  <a:rPr lang="en-US" altLang="zh-CN" sz="2600" i="1">
                                     <a:latin typeface="Cambria Math" panose="02040503050406030204" pitchFamily="18" charset="0"/>
                                   </a:rPr>
                                   <m:t>θ</m:t>
@@ -10836,7 +10958,7 @@
                               </m:e>
                               <m:sub>
                                 <m:r>
-                                  <a:rPr lang="en-US" i="1">
+                                  <a:rPr lang="en-US" sz="2600" i="1">
                                     <a:latin typeface="Cambria Math" panose="02040503050406030204" pitchFamily="18" charset="0"/>
                                   </a:rPr>
                                   <m:t>𝑑</m:t>
@@ -10848,7 +10970,7 @@
                       </m:e>
                       <m:sup>
                         <m:r>
-                          <a:rPr lang="en-US" i="1">
+                          <a:rPr lang="en-US" sz="2600" i="1">
                             <a:latin typeface="Cambria Math" panose="02040503050406030204" pitchFamily="18" charset="0"/>
                           </a:rPr>
                           <m:t>2</m:t>
@@ -10856,7 +10978,7 @@
                       </m:sup>
                     </m:sSup>
                     <m:r>
-                      <a:rPr lang="en-US" b="0" i="1" smtClean="0">
+                      <a:rPr lang="en-US" sz="2600" b="0" i="1" smtClean="0">
                         <a:latin typeface="Cambria Math" panose="02040503050406030204" pitchFamily="18" charset="0"/>
                       </a:rPr>
                       <m:t>)</m:t>
@@ -10864,7 +10986,7 @@
                   </m:oMath>
                 </a14:m>
                 <a:r>
-                  <a:rPr lang="en-US" dirty="0"/>
+                  <a:rPr lang="en-US" sz="2600" dirty="0"/>
                   <a:t>, w=50</a:t>
                 </a:r>
               </a:p>
@@ -10891,12 +11013,12 @@
             <p:spPr>
               <a:xfrm>
                 <a:off x="299222" y="1051972"/>
-                <a:ext cx="9828546" cy="2438400"/>
+                <a:ext cx="11252418" cy="2438400"/>
               </a:xfrm>
               <a:blipFill>
                 <a:blip r:embed="rId2"/>
                 <a:stretch>
-                  <a:fillRect l="-1117" t="-4250"/>
+                  <a:fillRect l="-813" t="-2250"/>
                 </a:stretch>
               </a:blipFill>
             </p:spPr>
@@ -10943,8 +11065,8 @@
         </p:blipFill>
         <p:spPr>
           <a:xfrm>
-            <a:off x="1186727" y="2623209"/>
-            <a:ext cx="4662258" cy="3496694"/>
+            <a:off x="299222" y="2863689"/>
+            <a:ext cx="4272778" cy="3204584"/>
           </a:xfrm>
           <a:prstGeom prst="rect">
             <a:avLst/>
@@ -10979,14 +11101,94 @@
         </p:blipFill>
         <p:spPr>
           <a:xfrm>
-            <a:off x="6343014" y="2623209"/>
-            <a:ext cx="4662259" cy="3496694"/>
+            <a:off x="5514827" y="2863689"/>
+            <a:ext cx="4272779" cy="3204584"/>
           </a:xfrm>
           <a:prstGeom prst="rect">
             <a:avLst/>
           </a:prstGeom>
         </p:spPr>
       </p:pic>
+      <p:sp>
+        <p:nvSpPr>
+          <p:cNvPr id="7" name="矩形 3">
+            <a:extLst>
+              <a:ext uri="{FF2B5EF4-FFF2-40B4-BE49-F238E27FC236}">
+                <a16:creationId xmlns:a16="http://schemas.microsoft.com/office/drawing/2014/main" id="{25307B01-F105-4602-A01F-A8B60413C42F}"/>
+              </a:ext>
+            </a:extLst>
+          </p:cNvPr>
+          <p:cNvSpPr/>
+          <p:nvPr/>
+        </p:nvSpPr>
+        <p:spPr>
+          <a:xfrm>
+            <a:off x="4154925" y="4882698"/>
+            <a:ext cx="1941075" cy="923330"/>
+          </a:xfrm>
+          <a:prstGeom prst="rect">
+            <a:avLst/>
+          </a:prstGeom>
+        </p:spPr>
+        <p:txBody>
+          <a:bodyPr wrap="square">
+            <a:spAutoFit/>
+          </a:bodyPr>
+          <a:lstStyle/>
+          <a:p>
+            <a:r>
+              <a:rPr lang="en-US" dirty="0">
+                <a:solidFill>
+                  <a:srgbClr val="333333"/>
+                </a:solidFill>
+                <a:latin typeface="Times New Roman" panose="02020603050405020304" pitchFamily="18" charset="0"/>
+              </a:rPr>
+              <a:t>Figure 3: Results without collision avoidance [1]</a:t>
+            </a:r>
+            <a:endParaRPr lang="en-US" dirty="0"/>
+          </a:p>
+        </p:txBody>
+      </p:sp>
+      <p:sp>
+        <p:nvSpPr>
+          <p:cNvPr id="9" name="矩形 3">
+            <a:extLst>
+              <a:ext uri="{FF2B5EF4-FFF2-40B4-BE49-F238E27FC236}">
+                <a16:creationId xmlns:a16="http://schemas.microsoft.com/office/drawing/2014/main" id="{77E5E26C-474E-4572-B32D-E5A9B6E9F618}"/>
+              </a:ext>
+            </a:extLst>
+          </p:cNvPr>
+          <p:cNvSpPr/>
+          <p:nvPr/>
+        </p:nvSpPr>
+        <p:spPr>
+          <a:xfrm>
+            <a:off x="9345821" y="4882698"/>
+            <a:ext cx="1941075" cy="923330"/>
+          </a:xfrm>
+          <a:prstGeom prst="rect">
+            <a:avLst/>
+          </a:prstGeom>
+        </p:spPr>
+        <p:txBody>
+          <a:bodyPr wrap="square">
+            <a:spAutoFit/>
+          </a:bodyPr>
+          <a:lstStyle/>
+          <a:p>
+            <a:r>
+              <a:rPr lang="en-US" dirty="0">
+                <a:solidFill>
+                  <a:srgbClr val="333333"/>
+                </a:solidFill>
+                <a:latin typeface="Times New Roman" panose="02020603050405020304" pitchFamily="18" charset="0"/>
+              </a:rPr>
+              <a:t>Figure 4: Results without collision avoidance [2]</a:t>
+            </a:r>
+            <a:endParaRPr lang="en-US" dirty="0"/>
+          </a:p>
+        </p:txBody>
+      </p:sp>
     </p:spTree>
     <p:extLst>
       <p:ext uri="{BB962C8B-B14F-4D97-AF65-F5344CB8AC3E}">

--- a/Optimal Control Theory.pptx
+++ b/Optimal Control Theory.pptx
@@ -5,7 +5,7 @@
     <p:sldMasterId id="2147483648" r:id="rId1"/>
   </p:sldMasterIdLst>
   <p:notesMasterIdLst>
-    <p:notesMasterId r:id="rId21"/>
+    <p:notesMasterId r:id="rId22"/>
   </p:notesMasterIdLst>
   <p:sldIdLst>
     <p:sldId id="273" r:id="rId2"/>
@@ -22,11 +22,12 @@
     <p:sldId id="298" r:id="rId13"/>
     <p:sldId id="297" r:id="rId14"/>
     <p:sldId id="299" r:id="rId15"/>
-    <p:sldId id="300" r:id="rId16"/>
-    <p:sldId id="281" r:id="rId17"/>
-    <p:sldId id="295" r:id="rId18"/>
-    <p:sldId id="294" r:id="rId19"/>
-    <p:sldId id="293" r:id="rId20"/>
+    <p:sldId id="281" r:id="rId16"/>
+    <p:sldId id="300" r:id="rId17"/>
+    <p:sldId id="302" r:id="rId18"/>
+    <p:sldId id="295" r:id="rId19"/>
+    <p:sldId id="294" r:id="rId20"/>
+    <p:sldId id="293" r:id="rId21"/>
   </p:sldIdLst>
   <p:sldSz cx="12192000" cy="6858000"/>
   <p:notesSz cx="6858000" cy="9144000"/>
@@ -819,7 +820,7 @@
           <a:p>
             <a:fld id="{EB3DA8EE-BE46-464A-B9ED-639C808FE555}" type="slidenum">
               <a:rPr lang="en-US" smtClean="0"/>
-              <a:t>19</a:t>
+              <a:t>20</a:t>
             </a:fld>
             <a:endParaRPr lang="en-US"/>
           </a:p>
@@ -5507,8 +5508,8 @@
           </a:p>
         </p:txBody>
       </p:sp>
-      <mc:AlternateContent xmlns:mc="http://schemas.openxmlformats.org/markup-compatibility/2006">
-        <mc:Choice xmlns:a14="http://schemas.microsoft.com/office/drawing/2010/main" Requires="a14">
+      <mc:AlternateContent xmlns:mc="http://schemas.openxmlformats.org/markup-compatibility/2006" xmlns:a14="http://schemas.microsoft.com/office/drawing/2010/main">
+        <mc:Choice Requires="a14">
           <p:sp>
             <p:nvSpPr>
               <p:cNvPr id="3" name="Text Placeholder 2">
@@ -5977,7 +5978,7 @@
             </p:txBody>
           </p:sp>
         </mc:Choice>
-        <mc:Fallback>
+        <mc:Fallback xmlns="">
           <p:sp>
             <p:nvSpPr>
               <p:cNvPr id="3" name="Text Placeholder 2">
@@ -6071,8 +6072,8 @@
         </p:nvSpPr>
         <p:spPr>
           <a:xfrm>
-            <a:off x="5782389" y="4731696"/>
-            <a:ext cx="1941075" cy="923330"/>
+            <a:off x="1518290" y="5692672"/>
+            <a:ext cx="4508806" cy="369332"/>
           </a:xfrm>
           <a:prstGeom prst="rect">
             <a:avLst/>
@@ -6091,7 +6092,7 @@
                 </a:solidFill>
                 <a:latin typeface="Times New Roman" panose="02020603050405020304" pitchFamily="18" charset="0"/>
               </a:rPr>
-              <a:t>Figure 5: Results without collision avoidance [3]</a:t>
+              <a:t>Figure 5: Results without collision avoidance</a:t>
             </a:r>
             <a:endParaRPr lang="en-US" dirty="0"/>
           </a:p>
@@ -6231,7 +6232,7 @@
         </p:blipFill>
         <p:spPr>
           <a:xfrm>
-            <a:off x="4285347" y="2766539"/>
+            <a:off x="4023205" y="2640415"/>
             <a:ext cx="4145589" cy="3271654"/>
           </a:xfrm>
           <a:prstGeom prst="rect">
@@ -6253,8 +6254,8 @@
         </p:nvSpPr>
         <p:spPr>
           <a:xfrm>
-            <a:off x="8430936" y="5159697"/>
-            <a:ext cx="1941075" cy="646331"/>
+            <a:off x="4867929" y="5853527"/>
+            <a:ext cx="2967813" cy="369332"/>
           </a:xfrm>
           <a:prstGeom prst="rect">
             <a:avLst/>
@@ -6273,7 +6274,7 @@
                 </a:solidFill>
                 <a:latin typeface="Times New Roman" panose="02020603050405020304" pitchFamily="18" charset="0"/>
               </a:rPr>
-              <a:t>Figure 6: Parking Slot Model [2]</a:t>
+              <a:t>Figure 6: Parking Slot Model</a:t>
             </a:r>
             <a:endParaRPr lang="en-US" dirty="0"/>
           </a:p>
@@ -6343,8 +6344,8 @@
           </a:p>
         </p:txBody>
       </p:sp>
-      <mc:AlternateContent xmlns:mc="http://schemas.openxmlformats.org/markup-compatibility/2006">
-        <mc:Choice xmlns:a14="http://schemas.microsoft.com/office/drawing/2010/main" Requires="a14">
+      <mc:AlternateContent xmlns:mc="http://schemas.openxmlformats.org/markup-compatibility/2006" xmlns:a14="http://schemas.microsoft.com/office/drawing/2010/main">
+        <mc:Choice Requires="a14">
           <p:sp>
             <p:nvSpPr>
               <p:cNvPr id="3" name="Text Placeholder 2">
@@ -6577,7 +6578,7 @@
             </p:txBody>
           </p:sp>
         </mc:Choice>
-        <mc:Fallback>
+        <mc:Fallback xmlns="">
           <p:sp>
             <p:nvSpPr>
               <p:cNvPr id="3" name="Text Placeholder 2">
@@ -6700,14 +6701,14 @@
                 </a:solidFill>
                 <a:latin typeface="Times New Roman" panose="02020603050405020304" pitchFamily="18" charset="0"/>
               </a:rPr>
-              <a:t>Figure 3: Collision Model [1]</a:t>
+              <a:t>Figure 7: Collision Model [1]</a:t>
             </a:r>
             <a:endParaRPr lang="en-US" dirty="0"/>
           </a:p>
         </p:txBody>
       </p:sp>
-      <mc:AlternateContent xmlns:mc="http://schemas.openxmlformats.org/markup-compatibility/2006">
-        <mc:Choice xmlns:a14="http://schemas.microsoft.com/office/drawing/2010/main" Requires="a14">
+      <mc:AlternateContent xmlns:mc="http://schemas.openxmlformats.org/markup-compatibility/2006" xmlns:a14="http://schemas.microsoft.com/office/drawing/2010/main">
+        <mc:Choice Requires="a14">
           <p:sp>
             <p:nvSpPr>
               <p:cNvPr id="5" name="TextBox 4">
@@ -6846,7 +6847,7 @@
             </p:txBody>
           </p:sp>
         </mc:Choice>
-        <mc:Fallback>
+        <mc:Fallback xmlns="">
           <p:sp>
             <p:nvSpPr>
               <p:cNvPr id="5" name="TextBox 4">
@@ -6955,8 +6956,8 @@
           </a:p>
         </p:txBody>
       </p:sp>
-      <mc:AlternateContent xmlns:mc="http://schemas.openxmlformats.org/markup-compatibility/2006">
-        <mc:Choice xmlns:a14="http://schemas.microsoft.com/office/drawing/2010/main" Requires="a14">
+      <mc:AlternateContent xmlns:mc="http://schemas.openxmlformats.org/markup-compatibility/2006" xmlns:a14="http://schemas.microsoft.com/office/drawing/2010/main">
+        <mc:Choice Requires="a14">
           <p:sp>
             <p:nvSpPr>
               <p:cNvPr id="3" name="Text Placeholder 2">
@@ -7388,7 +7389,7 @@
             </p:txBody>
           </p:sp>
         </mc:Choice>
-        <mc:Fallback>
+        <mc:Fallback xmlns="">
           <p:sp>
             <p:nvSpPr>
               <p:cNvPr id="3" name="Text Placeholder 2">
@@ -7496,8 +7497,8 @@
           </a:p>
         </p:txBody>
       </p:sp>
-      <mc:AlternateContent xmlns:mc="http://schemas.openxmlformats.org/markup-compatibility/2006">
-        <mc:Choice xmlns:a14="http://schemas.microsoft.com/office/drawing/2010/main" Requires="a14">
+      <mc:AlternateContent xmlns:mc="http://schemas.openxmlformats.org/markup-compatibility/2006" xmlns:a14="http://schemas.microsoft.com/office/drawing/2010/main">
+        <mc:Choice Requires="a14">
           <p:sp>
             <p:nvSpPr>
               <p:cNvPr id="3" name="Text Placeholder 2">
@@ -7942,7 +7943,7 @@
             </p:txBody>
           </p:sp>
         </mc:Choice>
-        <mc:Fallback>
+        <mc:Fallback xmlns="">
           <p:sp>
             <p:nvSpPr>
               <p:cNvPr id="3" name="Text Placeholder 2">
@@ -8021,6 +8022,146 @@
           <p:cNvPr id="2" name="Text Placeholder 1">
             <a:extLst>
               <a:ext uri="{FF2B5EF4-FFF2-40B4-BE49-F238E27FC236}">
+                <a16:creationId xmlns:a16="http://schemas.microsoft.com/office/drawing/2014/main" id="{3FC3EBA3-6AF3-45B0-90A7-A1FFF2422565}"/>
+              </a:ext>
+            </a:extLst>
+          </p:cNvPr>
+          <p:cNvSpPr>
+            <a:spLocks noGrp="1"/>
+          </p:cNvSpPr>
+          <p:nvPr>
+            <p:ph type="body" sz="quarter" idx="14"/>
+          </p:nvPr>
+        </p:nvSpPr>
+        <p:spPr/>
+        <p:txBody>
+          <a:bodyPr>
+            <a:noAutofit/>
+          </a:bodyPr>
+          <a:lstStyle/>
+          <a:p>
+            <a:r>
+              <a:rPr lang="en-US" sz="4000" dirty="0">
+                <a:solidFill>
+                  <a:schemeClr val="tx1"/>
+                </a:solidFill>
+              </a:rPr>
+              <a:t>Results</a:t>
+            </a:r>
+          </a:p>
+        </p:txBody>
+      </p:sp>
+      <p:pic>
+        <p:nvPicPr>
+          <p:cNvPr id="5" name="圖片 4">
+            <a:extLst>
+              <a:ext uri="{FF2B5EF4-FFF2-40B4-BE49-F238E27FC236}">
+                <a16:creationId xmlns:a16="http://schemas.microsoft.com/office/drawing/2014/main" id="{3B594E44-C72E-4FAF-B6FA-EAF8D5C51477}"/>
+              </a:ext>
+            </a:extLst>
+          </p:cNvPr>
+          <p:cNvPicPr>
+            <a:picLocks noChangeAspect="1"/>
+          </p:cNvPicPr>
+          <p:nvPr/>
+        </p:nvPicPr>
+        <p:blipFill>
+          <a:blip r:embed="rId2">
+            <a:extLst>
+              <a:ext uri="{28A0092B-C50C-407E-A947-70E740481C1C}">
+                <a14:useLocalDpi xmlns:a14="http://schemas.microsoft.com/office/drawing/2010/main" val="0"/>
+              </a:ext>
+            </a:extLst>
+          </a:blip>
+          <a:stretch>
+            <a:fillRect/>
+          </a:stretch>
+        </p:blipFill>
+        <p:spPr>
+          <a:xfrm>
+            <a:off x="1435732" y="822572"/>
+            <a:ext cx="6950475" cy="5212856"/>
+          </a:xfrm>
+          <a:prstGeom prst="rect">
+            <a:avLst/>
+          </a:prstGeom>
+        </p:spPr>
+      </p:pic>
+      <p:sp>
+        <p:nvSpPr>
+          <p:cNvPr id="4" name="矩形 3">
+            <a:extLst>
+              <a:ext uri="{FF2B5EF4-FFF2-40B4-BE49-F238E27FC236}">
+                <a16:creationId xmlns:a16="http://schemas.microsoft.com/office/drawing/2014/main" id="{96893AFF-1CDD-4D1D-8527-783BB12BD25E}"/>
+              </a:ext>
+            </a:extLst>
+          </p:cNvPr>
+          <p:cNvSpPr/>
+          <p:nvPr/>
+        </p:nvSpPr>
+        <p:spPr>
+          <a:xfrm>
+            <a:off x="2970223" y="5666096"/>
+            <a:ext cx="5164379" cy="369332"/>
+          </a:xfrm>
+          <a:prstGeom prst="rect">
+            <a:avLst/>
+          </a:prstGeom>
+        </p:spPr>
+        <p:txBody>
+          <a:bodyPr wrap="square">
+            <a:spAutoFit/>
+          </a:bodyPr>
+          <a:lstStyle/>
+          <a:p>
+            <a:r>
+              <a:rPr lang="en-US" dirty="0">
+                <a:solidFill>
+                  <a:srgbClr val="333333"/>
+                </a:solidFill>
+                <a:latin typeface="Times New Roman" panose="02020603050405020304" pitchFamily="18" charset="0"/>
+              </a:rPr>
+              <a:t>Figure 8: Optimized results with collision avoidance.</a:t>
+            </a:r>
+            <a:endParaRPr lang="en-US" dirty="0"/>
+          </a:p>
+        </p:txBody>
+      </p:sp>
+    </p:spTree>
+    <p:extLst>
+      <p:ext uri="{BB962C8B-B14F-4D97-AF65-F5344CB8AC3E}">
+        <p14:creationId xmlns:p14="http://schemas.microsoft.com/office/powerpoint/2010/main" val="604564482"/>
+      </p:ext>
+    </p:extLst>
+  </p:cSld>
+  <p:clrMapOvr>
+    <a:masterClrMapping/>
+  </p:clrMapOvr>
+</p:sld>
+</file>
+
+<file path=ppt/slides/slide16.xml><?xml version="1.0" encoding="utf-8"?>
+<p:sld xmlns:a="http://schemas.openxmlformats.org/drawingml/2006/main" xmlns:r="http://schemas.openxmlformats.org/officeDocument/2006/relationships" xmlns:p="http://schemas.openxmlformats.org/presentationml/2006/main">
+  <p:cSld>
+    <p:spTree>
+      <p:nvGrpSpPr>
+        <p:cNvPr id="1" name=""/>
+        <p:cNvGrpSpPr/>
+        <p:nvPr/>
+      </p:nvGrpSpPr>
+      <p:grpSpPr>
+        <a:xfrm>
+          <a:off x="0" y="0"/>
+          <a:ext cx="0" cy="0"/>
+          <a:chOff x="0" y="0"/>
+          <a:chExt cx="0" cy="0"/>
+        </a:xfrm>
+      </p:grpSpPr>
+      <p:sp>
+        <p:nvSpPr>
+          <p:cNvPr id="2" name="Text Placeholder 1">
+            <a:extLst>
+              <a:ext uri="{FF2B5EF4-FFF2-40B4-BE49-F238E27FC236}">
                 <a16:creationId xmlns:a16="http://schemas.microsoft.com/office/drawing/2014/main" id="{58CFB951-233F-4A20-AE66-EEA65F99CE5F}"/>
               </a:ext>
             </a:extLst>
@@ -8050,8 +8191,8 @@
           </a:p>
         </p:txBody>
       </p:sp>
-      <mc:AlternateContent xmlns:mc="http://schemas.openxmlformats.org/markup-compatibility/2006">
-        <mc:Choice xmlns:a14="http://schemas.microsoft.com/office/drawing/2010/main" Requires="a14">
+      <mc:AlternateContent xmlns:mc="http://schemas.openxmlformats.org/markup-compatibility/2006" xmlns:a14="http://schemas.microsoft.com/office/drawing/2010/main">
+        <mc:Choice Requires="a14">
           <p:sp>
             <p:nvSpPr>
               <p:cNvPr id="3" name="Text Placeholder 2">
@@ -8226,7 +8367,7 @@
             </p:txBody>
           </p:sp>
         </mc:Choice>
-        <mc:Fallback>
+        <mc:Fallback xmlns="">
           <p:sp>
             <p:nvSpPr>
               <p:cNvPr id="3" name="Text Placeholder 2">
@@ -8283,7 +8424,7 @@
 </p:sld>
 </file>
 
-<file path=ppt/slides/slide16.xml><?xml version="1.0" encoding="utf-8"?>
+<file path=ppt/slides/slide17.xml><?xml version="1.0" encoding="utf-8"?>
 <p:sld xmlns:a="http://schemas.openxmlformats.org/drawingml/2006/main" xmlns:r="http://schemas.openxmlformats.org/officeDocument/2006/relationships" xmlns:p="http://schemas.openxmlformats.org/presentationml/2006/main">
   <p:cSld>
     <p:spTree>
@@ -8336,10 +8477,10 @@
       </p:sp>
       <p:pic>
         <p:nvPicPr>
-          <p:cNvPr id="5" name="圖片 4">
+          <p:cNvPr id="4" name="圖片 3">
             <a:extLst>
               <a:ext uri="{FF2B5EF4-FFF2-40B4-BE49-F238E27FC236}">
-                <a16:creationId xmlns:a16="http://schemas.microsoft.com/office/drawing/2014/main" id="{3B594E44-C72E-4FAF-B6FA-EAF8D5C51477}"/>
+                <a16:creationId xmlns:a16="http://schemas.microsoft.com/office/drawing/2014/main" id="{6DE113E8-25E6-4928-8C4B-CB314175AD16}"/>
               </a:ext>
             </a:extLst>
           </p:cNvPr>
@@ -8362,8 +8503,8 @@
         </p:blipFill>
         <p:spPr>
           <a:xfrm>
-            <a:off x="1423120" y="922789"/>
-            <a:ext cx="6950475" cy="5212856"/>
+            <a:off x="2320816" y="850137"/>
+            <a:ext cx="6667500" cy="5000625"/>
           </a:xfrm>
           <a:prstGeom prst="rect">
             <a:avLst/>
@@ -8372,10 +8513,10 @@
       </p:pic>
       <p:sp>
         <p:nvSpPr>
-          <p:cNvPr id="4" name="矩形 3">
+          <p:cNvPr id="5" name="矩形 4">
             <a:extLst>
               <a:ext uri="{FF2B5EF4-FFF2-40B4-BE49-F238E27FC236}">
-                <a16:creationId xmlns:a16="http://schemas.microsoft.com/office/drawing/2014/main" id="{96893AFF-1CDD-4D1D-8527-783BB12BD25E}"/>
+                <a16:creationId xmlns:a16="http://schemas.microsoft.com/office/drawing/2014/main" id="{8C606F74-35EF-4E1E-8558-77BFA79BEF80}"/>
               </a:ext>
             </a:extLst>
           </p:cNvPr>
@@ -8384,8 +8525,8 @@
         </p:nvSpPr>
         <p:spPr>
           <a:xfrm>
-            <a:off x="8028264" y="4706692"/>
-            <a:ext cx="2206305" cy="923330"/>
+            <a:off x="2970223" y="5666096"/>
+            <a:ext cx="5164379" cy="369332"/>
           </a:xfrm>
           <a:prstGeom prst="rect">
             <a:avLst/>
@@ -8397,6 +8538,15 @@
           </a:bodyPr>
           <a:lstStyle/>
           <a:p>
+            <a:r>
+              <a:rPr lang="en-US">
+                <a:solidFill>
+                  <a:srgbClr val="333333"/>
+                </a:solidFill>
+                <a:latin typeface="Times New Roman" panose="02020603050405020304" pitchFamily="18" charset="0"/>
+              </a:rPr>
+              <a:t>Figure 9: </a:t>
+            </a:r>
             <a:r>
               <a:rPr lang="en-US" dirty="0">
                 <a:solidFill>
@@ -8404,7 +8554,7 @@
                 </a:solidFill>
                 <a:latin typeface="Times New Roman" panose="02020603050405020304" pitchFamily="18" charset="0"/>
               </a:rPr>
-              <a:t>Figure 6: Optimized results with collision avoidance. [1]</a:t>
+              <a:t>Optimized results with collision avoidance.</a:t>
             </a:r>
             <a:endParaRPr lang="en-US" dirty="0"/>
           </a:p>
@@ -8413,155 +8563,7 @@
     </p:spTree>
     <p:extLst>
       <p:ext uri="{BB962C8B-B14F-4D97-AF65-F5344CB8AC3E}">
-        <p14:creationId xmlns:p14="http://schemas.microsoft.com/office/powerpoint/2010/main" val="604564482"/>
-      </p:ext>
-    </p:extLst>
-  </p:cSld>
-  <p:clrMapOvr>
-    <a:masterClrMapping/>
-  </p:clrMapOvr>
-</p:sld>
-</file>
-
-<file path=ppt/slides/slide17.xml><?xml version="1.0" encoding="utf-8"?>
-<p:sld xmlns:a="http://schemas.openxmlformats.org/drawingml/2006/main" xmlns:r="http://schemas.openxmlformats.org/officeDocument/2006/relationships" xmlns:p="http://schemas.openxmlformats.org/presentationml/2006/main">
-  <p:cSld>
-    <p:spTree>
-      <p:nvGrpSpPr>
-        <p:cNvPr id="1" name=""/>
-        <p:cNvGrpSpPr/>
-        <p:nvPr/>
-      </p:nvGrpSpPr>
-      <p:grpSpPr>
-        <a:xfrm>
-          <a:off x="0" y="0"/>
-          <a:ext cx="0" cy="0"/>
-          <a:chOff x="0" y="0"/>
-          <a:chExt cx="0" cy="0"/>
-        </a:xfrm>
-      </p:grpSpPr>
-      <p:sp>
-        <p:nvSpPr>
-          <p:cNvPr id="2" name="Text Placeholder 1">
-            <a:extLst>
-              <a:ext uri="{FF2B5EF4-FFF2-40B4-BE49-F238E27FC236}">
-                <a16:creationId xmlns:a16="http://schemas.microsoft.com/office/drawing/2014/main" id="{BCCE844A-2193-4DDD-BF71-931954EF917B}"/>
-              </a:ext>
-            </a:extLst>
-          </p:cNvPr>
-          <p:cNvSpPr>
-            <a:spLocks noGrp="1"/>
-          </p:cNvSpPr>
-          <p:nvPr>
-            <p:ph type="body" sz="quarter" idx="14"/>
-          </p:nvPr>
-        </p:nvSpPr>
-        <p:spPr/>
-        <p:txBody>
-          <a:bodyPr>
-            <a:noAutofit/>
-          </a:bodyPr>
-          <a:lstStyle/>
-          <a:p>
-            <a:r>
-              <a:rPr lang="en-US" sz="4000" dirty="0">
-                <a:solidFill>
-                  <a:schemeClr val="tx1"/>
-                </a:solidFill>
-              </a:rPr>
-              <a:t>Future Improvements</a:t>
-            </a:r>
-          </a:p>
-        </p:txBody>
-      </p:sp>
-      <p:sp>
-        <p:nvSpPr>
-          <p:cNvPr id="3" name="Text Placeholder 2">
-            <a:extLst>
-              <a:ext uri="{FF2B5EF4-FFF2-40B4-BE49-F238E27FC236}">
-                <a16:creationId xmlns:a16="http://schemas.microsoft.com/office/drawing/2014/main" id="{C650830E-669F-42E2-86FB-99AA9BBC1880}"/>
-              </a:ext>
-            </a:extLst>
-          </p:cNvPr>
-          <p:cNvSpPr>
-            <a:spLocks noGrp="1"/>
-          </p:cNvSpPr>
-          <p:nvPr>
-            <p:ph type="body" sz="quarter" idx="17"/>
-          </p:nvPr>
-        </p:nvSpPr>
-        <p:spPr>
-          <a:xfrm>
-            <a:off x="299222" y="1051971"/>
-            <a:ext cx="10737746" cy="5092155"/>
-          </a:xfrm>
-        </p:spPr>
-        <p:txBody>
-          <a:bodyPr>
-            <a:normAutofit/>
-          </a:bodyPr>
-          <a:lstStyle/>
-          <a:p>
-            <a:pPr lvl="1"/>
-            <a:r>
-              <a:rPr lang="en-US" sz="2600" dirty="0"/>
-              <a:t>Smaller slot – if a solution is possible</a:t>
-            </a:r>
-          </a:p>
-          <a:p>
-            <a:pPr lvl="1"/>
-            <a:r>
-              <a:rPr lang="en-US" sz="2600" dirty="0"/>
-              <a:t>Research on reverse parking</a:t>
-            </a:r>
-          </a:p>
-          <a:p>
-            <a:pPr lvl="2"/>
-            <a:r>
-              <a:rPr lang="en-US" sz="2600" dirty="0"/>
-              <a:t>Different physical models and dynamics</a:t>
-            </a:r>
-          </a:p>
-          <a:p>
-            <a:pPr lvl="1"/>
-            <a:r>
-              <a:rPr lang="en-US" sz="2600" dirty="0"/>
-              <a:t>Take more complex system into consideration</a:t>
-            </a:r>
-          </a:p>
-          <a:p>
-            <a:pPr lvl="2"/>
-            <a:r>
-              <a:rPr lang="en-US" sz="2600" dirty="0"/>
-              <a:t>Parking slot located at ramps</a:t>
-            </a:r>
-          </a:p>
-          <a:p>
-            <a:pPr lvl="1"/>
-            <a:r>
-              <a:rPr lang="en-US" sz="2600" dirty="0"/>
-              <a:t>Optimization variables can be much more complex in real cases</a:t>
-            </a:r>
-          </a:p>
-          <a:p>
-            <a:pPr lvl="1"/>
-            <a:r>
-              <a:rPr lang="en-US" sz="2600" dirty="0"/>
-              <a:t>Complex feedback system for a real automobiles</a:t>
-            </a:r>
-          </a:p>
-          <a:p>
-            <a:pPr marL="0" lvl="1" indent="0">
-              <a:buNone/>
-            </a:pPr>
-            <a:endParaRPr lang="en-US" dirty="0"/>
-          </a:p>
-        </p:txBody>
-      </p:sp>
-    </p:spTree>
-    <p:extLst>
-      <p:ext uri="{BB962C8B-B14F-4D97-AF65-F5344CB8AC3E}">
-        <p14:creationId xmlns:p14="http://schemas.microsoft.com/office/powerpoint/2010/main" val="610522070"/>
+        <p14:creationId xmlns:p14="http://schemas.microsoft.com/office/powerpoint/2010/main" val="1734492672"/>
       </p:ext>
     </p:extLst>
   </p:cSld>
@@ -8593,7 +8595,7 @@
           <p:cNvPr id="2" name="Text Placeholder 1">
             <a:extLst>
               <a:ext uri="{FF2B5EF4-FFF2-40B4-BE49-F238E27FC236}">
-                <a16:creationId xmlns:a16="http://schemas.microsoft.com/office/drawing/2014/main" id="{5F7719BC-2E57-4382-AC4E-6FF87CE16649}"/>
+                <a16:creationId xmlns:a16="http://schemas.microsoft.com/office/drawing/2014/main" id="{BCCE844A-2193-4DDD-BF71-931954EF917B}"/>
               </a:ext>
             </a:extLst>
           </p:cNvPr>
@@ -8617,65 +8619,91 @@
                   <a:schemeClr val="tx1"/>
                 </a:solidFill>
               </a:rPr>
-              <a:t>Reference</a:t>
-            </a:r>
-          </a:p>
-        </p:txBody>
-      </p:sp>
-      <p:sp>
-        <p:nvSpPr>
-          <p:cNvPr id="3" name="矩形 2">
+              <a:t>Future Improvements</a:t>
+            </a:r>
+          </a:p>
+        </p:txBody>
+      </p:sp>
+      <p:sp>
+        <p:nvSpPr>
+          <p:cNvPr id="3" name="Text Placeholder 2">
             <a:extLst>
               <a:ext uri="{FF2B5EF4-FFF2-40B4-BE49-F238E27FC236}">
-                <a16:creationId xmlns:a16="http://schemas.microsoft.com/office/drawing/2014/main" id="{B1F9130C-6952-4E4F-A305-78BDB72F4F55}"/>
+                <a16:creationId xmlns:a16="http://schemas.microsoft.com/office/drawing/2014/main" id="{C650830E-669F-42E2-86FB-99AA9BBC1880}"/>
               </a:ext>
             </a:extLst>
           </p:cNvPr>
-          <p:cNvSpPr/>
-          <p:nvPr/>
+          <p:cNvSpPr>
+            <a:spLocks noGrp="1"/>
+          </p:cNvSpPr>
+          <p:nvPr>
+            <p:ph type="body" sz="quarter" idx="17"/>
+          </p:nvPr>
         </p:nvSpPr>
         <p:spPr>
           <a:xfrm>
-            <a:off x="299222" y="975047"/>
-            <a:ext cx="11892778" cy="923330"/>
+            <a:off x="299222" y="1051971"/>
+            <a:ext cx="10737746" cy="5092155"/>
           </a:xfrm>
-          <a:prstGeom prst="rect">
-            <a:avLst/>
-          </a:prstGeom>
         </p:spPr>
         <p:txBody>
-          <a:bodyPr wrap="square">
-            <a:spAutoFit/>
+          <a:bodyPr>
+            <a:normAutofit/>
           </a:bodyPr>
           <a:lstStyle/>
           <a:p>
-            <a:r>
-              <a:rPr lang="en-US" dirty="0">
-                <a:solidFill>
-                  <a:srgbClr val="333333"/>
-                </a:solidFill>
-                <a:latin typeface="Times New Roman" panose="02020603050405020304" pitchFamily="18" charset="0"/>
-              </a:rPr>
-              <a:t>[1]	“Example: Parallel Parking,” </a:t>
-            </a:r>
-            <a:r>
-              <a:rPr lang="en-US" i="1" dirty="0">
-                <a:solidFill>
-                  <a:srgbClr val="333333"/>
-                </a:solidFill>
-                <a:latin typeface="Times New Roman" panose="02020603050405020304" pitchFamily="18" charset="0"/>
-              </a:rPr>
-              <a:t>ICLOCS2: A MATLAB Toolbox for Optimization Based Control - Example: Parallel 	Parking</a:t>
-            </a:r>
-            <a:r>
-              <a:rPr lang="en-US" dirty="0">
-                <a:solidFill>
-                  <a:srgbClr val="333333"/>
-                </a:solidFill>
-                <a:latin typeface="Times New Roman" panose="02020603050405020304" pitchFamily="18" charset="0"/>
-              </a:rPr>
-              <a:t>. [Online]. Available: http://www.ee.ic.ac.uk/ICLOCS/ExampleParallelParking.html. [Accessed: 22-Apr-	2020].</a:t>
-            </a:r>
+            <a:pPr lvl="1"/>
+            <a:r>
+              <a:rPr lang="en-US" sz="2600" dirty="0"/>
+              <a:t>Smaller slot – if a solution is possible</a:t>
+            </a:r>
+          </a:p>
+          <a:p>
+            <a:pPr lvl="1"/>
+            <a:r>
+              <a:rPr lang="en-US" sz="2600" dirty="0"/>
+              <a:t>Research on reverse parking</a:t>
+            </a:r>
+          </a:p>
+          <a:p>
+            <a:pPr lvl="2"/>
+            <a:r>
+              <a:rPr lang="en-US" sz="2600" dirty="0"/>
+              <a:t>Different physical models and dynamics</a:t>
+            </a:r>
+          </a:p>
+          <a:p>
+            <a:pPr lvl="1"/>
+            <a:r>
+              <a:rPr lang="en-US" sz="2600" dirty="0"/>
+              <a:t>Take more complex system into consideration</a:t>
+            </a:r>
+          </a:p>
+          <a:p>
+            <a:pPr lvl="2"/>
+            <a:r>
+              <a:rPr lang="en-US" sz="2600" dirty="0"/>
+              <a:t>Parking slot located at ramps</a:t>
+            </a:r>
+          </a:p>
+          <a:p>
+            <a:pPr lvl="1"/>
+            <a:r>
+              <a:rPr lang="en-US" sz="2600" dirty="0"/>
+              <a:t>Optimization variables can be much more complex in real cases</a:t>
+            </a:r>
+          </a:p>
+          <a:p>
+            <a:pPr lvl="1"/>
+            <a:r>
+              <a:rPr lang="en-US" sz="2600" dirty="0"/>
+              <a:t>Complex feedback system for a real automobiles</a:t>
+            </a:r>
+          </a:p>
+          <a:p>
+            <a:pPr marL="0" lvl="1" indent="0">
+              <a:buNone/>
+            </a:pPr>
             <a:endParaRPr lang="en-US" dirty="0"/>
           </a:p>
         </p:txBody>
@@ -8683,7 +8711,7 @@
     </p:spTree>
     <p:extLst>
       <p:ext uri="{BB962C8B-B14F-4D97-AF65-F5344CB8AC3E}">
-        <p14:creationId xmlns:p14="http://schemas.microsoft.com/office/powerpoint/2010/main" val="1806401461"/>
+        <p14:creationId xmlns:p14="http://schemas.microsoft.com/office/powerpoint/2010/main" val="610522070"/>
       </p:ext>
     </p:extLst>
   </p:cSld>
@@ -8710,10 +8738,102 @@
           <a:chExt cx="0" cy="0"/>
         </a:xfrm>
       </p:grpSpPr>
+      <p:sp>
+        <p:nvSpPr>
+          <p:cNvPr id="2" name="Text Placeholder 1">
+            <a:extLst>
+              <a:ext uri="{FF2B5EF4-FFF2-40B4-BE49-F238E27FC236}">
+                <a16:creationId xmlns:a16="http://schemas.microsoft.com/office/drawing/2014/main" id="{5F7719BC-2E57-4382-AC4E-6FF87CE16649}"/>
+              </a:ext>
+            </a:extLst>
+          </p:cNvPr>
+          <p:cNvSpPr>
+            <a:spLocks noGrp="1"/>
+          </p:cNvSpPr>
+          <p:nvPr>
+            <p:ph type="body" sz="quarter" idx="14"/>
+          </p:nvPr>
+        </p:nvSpPr>
+        <p:spPr/>
+        <p:txBody>
+          <a:bodyPr>
+            <a:noAutofit/>
+          </a:bodyPr>
+          <a:lstStyle/>
+          <a:p>
+            <a:r>
+              <a:rPr lang="en-US" sz="4000" dirty="0">
+                <a:solidFill>
+                  <a:schemeClr val="tx1"/>
+                </a:solidFill>
+              </a:rPr>
+              <a:t>Reference</a:t>
+            </a:r>
+          </a:p>
+        </p:txBody>
+      </p:sp>
+      <p:sp>
+        <p:nvSpPr>
+          <p:cNvPr id="3" name="矩形 2">
+            <a:extLst>
+              <a:ext uri="{FF2B5EF4-FFF2-40B4-BE49-F238E27FC236}">
+                <a16:creationId xmlns:a16="http://schemas.microsoft.com/office/drawing/2014/main" id="{B1F9130C-6952-4E4F-A305-78BDB72F4F55}"/>
+              </a:ext>
+            </a:extLst>
+          </p:cNvPr>
+          <p:cNvSpPr/>
+          <p:nvPr/>
+        </p:nvSpPr>
+        <p:spPr>
+          <a:xfrm>
+            <a:off x="299222" y="975047"/>
+            <a:ext cx="11892778" cy="923330"/>
+          </a:xfrm>
+          <a:prstGeom prst="rect">
+            <a:avLst/>
+          </a:prstGeom>
+        </p:spPr>
+        <p:txBody>
+          <a:bodyPr wrap="square">
+            <a:spAutoFit/>
+          </a:bodyPr>
+          <a:lstStyle/>
+          <a:p>
+            <a:r>
+              <a:rPr lang="en-US" dirty="0">
+                <a:solidFill>
+                  <a:srgbClr val="333333"/>
+                </a:solidFill>
+                <a:latin typeface="Times New Roman" panose="02020603050405020304" pitchFamily="18" charset="0"/>
+              </a:rPr>
+              <a:t>[1]	“Example: Parallel Parking,” </a:t>
+            </a:r>
+            <a:r>
+              <a:rPr lang="en-US" i="1" dirty="0">
+                <a:solidFill>
+                  <a:srgbClr val="333333"/>
+                </a:solidFill>
+                <a:latin typeface="Times New Roman" panose="02020603050405020304" pitchFamily="18" charset="0"/>
+              </a:rPr>
+              <a:t>ICLOCS2: A MATLAB Toolbox for Optimization Based Control - Example: Parallel 	Parking</a:t>
+            </a:r>
+            <a:r>
+              <a:rPr lang="en-US" dirty="0">
+                <a:solidFill>
+                  <a:srgbClr val="333333"/>
+                </a:solidFill>
+                <a:latin typeface="Times New Roman" panose="02020603050405020304" pitchFamily="18" charset="0"/>
+              </a:rPr>
+              <a:t>. [Online]. Available: http://www.ee.ic.ac.uk/ICLOCS/ExampleParallelParking.html. [Accessed: 22-Apr-	2020].</a:t>
+            </a:r>
+            <a:endParaRPr lang="en-US" dirty="0"/>
+          </a:p>
+        </p:txBody>
+      </p:sp>
     </p:spTree>
     <p:extLst>
       <p:ext uri="{BB962C8B-B14F-4D97-AF65-F5344CB8AC3E}">
-        <p14:creationId xmlns:p14="http://schemas.microsoft.com/office/powerpoint/2010/main" val="94899325"/>
+        <p14:creationId xmlns:p14="http://schemas.microsoft.com/office/powerpoint/2010/main" val="1806401461"/>
       </p:ext>
     </p:extLst>
   </p:cSld>
@@ -8928,6 +9048,36 @@
   </p:cSld>
   <p:clrMapOvr>
     <a:overrideClrMapping bg1="lt1" tx1="dk1" bg2="lt2" tx2="dk2" accent1="accent1" accent2="accent2" accent3="accent3" accent4="accent4" accent5="accent5" accent6="accent6" hlink="hlink" folHlink="folHlink"/>
+  </p:clrMapOvr>
+</p:sld>
+</file>
+
+<file path=ppt/slides/slide20.xml><?xml version="1.0" encoding="utf-8"?>
+<p:sld xmlns:a="http://schemas.openxmlformats.org/drawingml/2006/main" xmlns:r="http://schemas.openxmlformats.org/officeDocument/2006/relationships" xmlns:p="http://schemas.openxmlformats.org/presentationml/2006/main">
+  <p:cSld>
+    <p:spTree>
+      <p:nvGrpSpPr>
+        <p:cNvPr id="1" name=""/>
+        <p:cNvGrpSpPr/>
+        <p:nvPr/>
+      </p:nvGrpSpPr>
+      <p:grpSpPr>
+        <a:xfrm>
+          <a:off x="0" y="0"/>
+          <a:ext cx="0" cy="0"/>
+          <a:chOff x="0" y="0"/>
+          <a:chExt cx="0" cy="0"/>
+        </a:xfrm>
+      </p:grpSpPr>
+    </p:spTree>
+    <p:extLst>
+      <p:ext uri="{BB962C8B-B14F-4D97-AF65-F5344CB8AC3E}">
+        <p14:creationId xmlns:p14="http://schemas.microsoft.com/office/powerpoint/2010/main" val="94899325"/>
+      </p:ext>
+    </p:extLst>
+  </p:cSld>
+  <p:clrMapOvr>
+    <a:masterClrMapping/>
   </p:clrMapOvr>
 </p:sld>
 </file>
@@ -9988,8 +10138,8 @@
           </a:p>
         </p:txBody>
       </p:sp>
-      <mc:AlternateContent xmlns:mc="http://schemas.openxmlformats.org/markup-compatibility/2006">
-        <mc:Choice xmlns:a14="http://schemas.microsoft.com/office/drawing/2010/main" Requires="a14">
+      <mc:AlternateContent xmlns:mc="http://schemas.openxmlformats.org/markup-compatibility/2006" xmlns:a14="http://schemas.microsoft.com/office/drawing/2010/main">
+        <mc:Choice Requires="a14">
           <p:sp>
             <p:nvSpPr>
               <p:cNvPr id="6" name="TextBox 5">
@@ -10180,7 +10330,7 @@
             </p:txBody>
           </p:sp>
         </mc:Choice>
-        <mc:Fallback>
+        <mc:Fallback xmlns="">
           <p:sp>
             <p:nvSpPr>
               <p:cNvPr id="6" name="TextBox 5">
@@ -10365,8 +10515,8 @@
           </a:p>
         </p:txBody>
       </p:sp>
-      <mc:AlternateContent xmlns:mc="http://schemas.openxmlformats.org/markup-compatibility/2006">
-        <mc:Choice xmlns:a14="http://schemas.microsoft.com/office/drawing/2010/main" Requires="a14">
+      <mc:AlternateContent xmlns:mc="http://schemas.openxmlformats.org/markup-compatibility/2006" xmlns:a14="http://schemas.microsoft.com/office/drawing/2010/main">
+        <mc:Choice Requires="a14">
           <p:sp>
             <p:nvSpPr>
               <p:cNvPr id="3" name="Text Placeholder 2">
@@ -10510,7 +10660,7 @@
             </p:txBody>
           </p:sp>
         </mc:Choice>
-        <mc:Fallback>
+        <mc:Fallback xmlns="">
           <p:sp>
             <p:nvSpPr>
               <p:cNvPr id="3" name="Text Placeholder 2">
@@ -10618,8 +10768,8 @@
           </a:p>
         </p:txBody>
       </p:sp>
-      <mc:AlternateContent xmlns:mc="http://schemas.openxmlformats.org/markup-compatibility/2006">
-        <mc:Choice xmlns:a14="http://schemas.microsoft.com/office/drawing/2010/main" Requires="a14">
+      <mc:AlternateContent xmlns:mc="http://schemas.openxmlformats.org/markup-compatibility/2006" xmlns:a14="http://schemas.microsoft.com/office/drawing/2010/main">
+        <mc:Choice Requires="a14">
           <p:sp>
             <p:nvSpPr>
               <p:cNvPr id="3" name="Text Placeholder 2">
@@ -10993,7 +11143,7 @@
             </p:txBody>
           </p:sp>
         </mc:Choice>
-        <mc:Fallback>
+        <mc:Fallback xmlns="">
           <p:sp>
             <p:nvSpPr>
               <p:cNvPr id="3" name="Text Placeholder 2">
@@ -11051,7 +11201,7 @@
           </p:cNvPicPr>
           <p:nvPr/>
         </p:nvPicPr>
-        <p:blipFill>
+        <p:blipFill rotWithShape="1">
           <a:blip r:embed="rId3">
             <a:extLst>
               <a:ext uri="{28A0092B-C50C-407E-A947-70E740481C1C}">
@@ -11059,14 +11209,13 @@
               </a:ext>
             </a:extLst>
           </a:blip>
-          <a:stretch>
-            <a:fillRect/>
-          </a:stretch>
+          <a:srcRect t="6276" b="5169"/>
+          <a:stretch/>
         </p:blipFill>
         <p:spPr>
           <a:xfrm>
-            <a:off x="299222" y="2863689"/>
-            <a:ext cx="4272778" cy="3204584"/>
+            <a:off x="299222" y="2812569"/>
+            <a:ext cx="4272778" cy="2837793"/>
           </a:xfrm>
           <a:prstGeom prst="rect">
             <a:avLst/>
@@ -11087,7 +11236,7 @@
           </p:cNvPicPr>
           <p:nvPr/>
         </p:nvPicPr>
-        <p:blipFill>
+        <p:blipFill rotWithShape="1">
           <a:blip r:embed="rId4">
             <a:extLst>
               <a:ext uri="{28A0092B-C50C-407E-A947-70E740481C1C}">
@@ -11095,14 +11244,13 @@
               </a:ext>
             </a:extLst>
           </a:blip>
-          <a:stretch>
-            <a:fillRect/>
-          </a:stretch>
+          <a:srcRect t="4899" b="5169"/>
+          <a:stretch/>
         </p:blipFill>
         <p:spPr>
           <a:xfrm>
-            <a:off x="5514827" y="2863689"/>
-            <a:ext cx="4272779" cy="3204584"/>
+            <a:off x="5678924" y="2812569"/>
+            <a:ext cx="4272779" cy="2881937"/>
           </a:xfrm>
           <a:prstGeom prst="rect">
             <a:avLst/>
@@ -11123,8 +11271,8 @@
         </p:nvSpPr>
         <p:spPr>
           <a:xfrm>
-            <a:off x="4154925" y="4882698"/>
-            <a:ext cx="1941075" cy="923330"/>
+            <a:off x="440569" y="5658362"/>
+            <a:ext cx="4755745" cy="369332"/>
           </a:xfrm>
           <a:prstGeom prst="rect">
             <a:avLst/>
@@ -11143,7 +11291,7 @@
                 </a:solidFill>
                 <a:latin typeface="Times New Roman" panose="02020603050405020304" pitchFamily="18" charset="0"/>
               </a:rPr>
-              <a:t>Figure 3: Results without collision avoidance [1]</a:t>
+              <a:t>Figure 3: Results without collision avoidance</a:t>
             </a:r>
             <a:endParaRPr lang="en-US" dirty="0"/>
           </a:p>
@@ -11163,8 +11311,8 @@
         </p:nvSpPr>
         <p:spPr>
           <a:xfrm>
-            <a:off x="9345821" y="4882698"/>
-            <a:ext cx="1941075" cy="923330"/>
+            <a:off x="5678924" y="5694506"/>
+            <a:ext cx="4404701" cy="369332"/>
           </a:xfrm>
           <a:prstGeom prst="rect">
             <a:avLst/>
@@ -11183,7 +11331,7 @@
                 </a:solidFill>
                 <a:latin typeface="Times New Roman" panose="02020603050405020304" pitchFamily="18" charset="0"/>
               </a:rPr>
-              <a:t>Figure 4: Results without collision avoidance [2]</a:t>
+              <a:t>Figure 4: Results without collision avoidance</a:t>
             </a:r>
             <a:endParaRPr lang="en-US" dirty="0"/>
           </a:p>

--- a/Optimal Control Theory.pptx
+++ b/Optimal Control Theory.pptx
@@ -5,7 +5,7 @@
     <p:sldMasterId id="2147483648" r:id="rId1"/>
   </p:sldMasterIdLst>
   <p:notesMasterIdLst>
-    <p:notesMasterId r:id="rId22"/>
+    <p:notesMasterId r:id="rId23"/>
   </p:notesMasterIdLst>
   <p:sldIdLst>
     <p:sldId id="273" r:id="rId2"/>
@@ -16,18 +16,19 @@
     <p:sldId id="277" r:id="rId7"/>
     <p:sldId id="278" r:id="rId8"/>
     <p:sldId id="279" r:id="rId9"/>
-    <p:sldId id="283" r:id="rId10"/>
-    <p:sldId id="296" r:id="rId11"/>
-    <p:sldId id="280" r:id="rId12"/>
-    <p:sldId id="298" r:id="rId13"/>
-    <p:sldId id="297" r:id="rId14"/>
-    <p:sldId id="299" r:id="rId15"/>
-    <p:sldId id="281" r:id="rId16"/>
-    <p:sldId id="300" r:id="rId17"/>
-    <p:sldId id="302" r:id="rId18"/>
-    <p:sldId id="295" r:id="rId19"/>
-    <p:sldId id="294" r:id="rId20"/>
-    <p:sldId id="293" r:id="rId21"/>
+    <p:sldId id="303" r:id="rId10"/>
+    <p:sldId id="283" r:id="rId11"/>
+    <p:sldId id="296" r:id="rId12"/>
+    <p:sldId id="280" r:id="rId13"/>
+    <p:sldId id="298" r:id="rId14"/>
+    <p:sldId id="297" r:id="rId15"/>
+    <p:sldId id="299" r:id="rId16"/>
+    <p:sldId id="281" r:id="rId17"/>
+    <p:sldId id="300" r:id="rId18"/>
+    <p:sldId id="302" r:id="rId19"/>
+    <p:sldId id="295" r:id="rId20"/>
+    <p:sldId id="294" r:id="rId21"/>
+    <p:sldId id="293" r:id="rId22"/>
   </p:sldIdLst>
   <p:sldSz cx="12192000" cy="6858000"/>
   <p:notesSz cx="6858000" cy="9144000"/>
@@ -820,7 +821,7 @@
           <a:p>
             <a:fld id="{EB3DA8EE-BE46-464A-B9ED-639C808FE555}" type="slidenum">
               <a:rPr lang="en-US" smtClean="0"/>
-              <a:t>20</a:t>
+              <a:t>21</a:t>
             </a:fld>
             <a:endParaRPr lang="en-US"/>
           </a:p>
@@ -5458,6 +5459,639 @@
 </file>
 
 <file path=ppt/slides/slide10.xml><?xml version="1.0" encoding="utf-8"?>
+<p:sld xmlns:a="http://schemas.openxmlformats.org/drawingml/2006/main" xmlns:r="http://schemas.openxmlformats.org/officeDocument/2006/relationships" xmlns:p="http://schemas.openxmlformats.org/presentationml/2006/main">
+  <p:cSld>
+    <p:spTree>
+      <p:nvGrpSpPr>
+        <p:cNvPr id="1" name=""/>
+        <p:cNvGrpSpPr/>
+        <p:nvPr/>
+      </p:nvGrpSpPr>
+      <p:grpSpPr>
+        <a:xfrm>
+          <a:off x="0" y="0"/>
+          <a:ext cx="0" cy="0"/>
+          <a:chOff x="0" y="0"/>
+          <a:chExt cx="0" cy="0"/>
+        </a:xfrm>
+      </p:grpSpPr>
+      <p:sp>
+        <p:nvSpPr>
+          <p:cNvPr id="2" name="Text Placeholder 1">
+            <a:extLst>
+              <a:ext uri="{FF2B5EF4-FFF2-40B4-BE49-F238E27FC236}">
+                <a16:creationId xmlns:a16="http://schemas.microsoft.com/office/drawing/2014/main" id="{2CE4D028-889A-4E0D-A2B3-729F25C4A914}"/>
+              </a:ext>
+            </a:extLst>
+          </p:cNvPr>
+          <p:cNvSpPr>
+            <a:spLocks noGrp="1"/>
+          </p:cNvSpPr>
+          <p:nvPr>
+            <p:ph type="body" sz="quarter" idx="14"/>
+          </p:nvPr>
+        </p:nvSpPr>
+        <p:spPr/>
+        <p:txBody>
+          <a:bodyPr>
+            <a:noAutofit/>
+          </a:bodyPr>
+          <a:lstStyle/>
+          <a:p>
+            <a:r>
+              <a:rPr lang="en-US" sz="4000" dirty="0">
+                <a:solidFill>
+                  <a:schemeClr val="tx1"/>
+                </a:solidFill>
+              </a:rPr>
+              <a:t>Approach</a:t>
+            </a:r>
+          </a:p>
+        </p:txBody>
+      </p:sp>
+      <mc:AlternateContent xmlns:mc="http://schemas.openxmlformats.org/markup-compatibility/2006" xmlns:a14="http://schemas.microsoft.com/office/drawing/2010/main">
+        <mc:Choice Requires="a14">
+          <p:sp>
+            <p:nvSpPr>
+              <p:cNvPr id="3" name="Text Placeholder 2">
+                <a:extLst>
+                  <a:ext uri="{FF2B5EF4-FFF2-40B4-BE49-F238E27FC236}">
+                    <a16:creationId xmlns:a16="http://schemas.microsoft.com/office/drawing/2014/main" id="{F95A7129-A532-474F-A5EC-150189A30AF7}"/>
+                  </a:ext>
+                </a:extLst>
+              </p:cNvPr>
+              <p:cNvSpPr>
+                <a:spLocks noGrp="1"/>
+              </p:cNvSpPr>
+              <p:nvPr>
+                <p:ph type="body" sz="quarter" idx="17"/>
+              </p:nvPr>
+            </p:nvSpPr>
+            <p:spPr>
+              <a:xfrm>
+                <a:off x="299222" y="1051972"/>
+                <a:ext cx="11252418" cy="2438400"/>
+              </a:xfrm>
+            </p:spPr>
+            <p:txBody>
+              <a:bodyPr>
+                <a:normAutofit/>
+              </a:bodyPr>
+              <a:lstStyle/>
+              <a:p>
+                <a:pPr lvl="1"/>
+                <a:r>
+                  <a:rPr lang="en-US" altLang="zh-CN" sz="2600" dirty="0"/>
+                  <a:t>Without any obstacle, the problem could be modeled as a Two Point Boundary Value Problem.</a:t>
+                </a:r>
+              </a:p>
+              <a:p>
+                <a:pPr lvl="1"/>
+                <a14:m>
+                  <m:oMath xmlns:m="http://schemas.openxmlformats.org/officeDocument/2006/math">
+                    <m:r>
+                      <a:rPr lang="en-US" sz="2600" b="0" i="1" smtClean="0">
+                        <a:latin typeface="Cambria Math" panose="02040503050406030204" pitchFamily="18" charset="0"/>
+                      </a:rPr>
+                      <m:t>𝐽</m:t>
+                    </m:r>
+                    <m:r>
+                      <a:rPr lang="en-US" sz="2600" b="0" i="1" smtClean="0">
+                        <a:latin typeface="Cambria Math" panose="02040503050406030204" pitchFamily="18" charset="0"/>
+                      </a:rPr>
+                      <m:t>=</m:t>
+                    </m:r>
+                    <m:f>
+                      <m:fPr>
+                        <m:ctrlPr>
+                          <a:rPr lang="en-US" sz="2600" b="0" i="1" smtClean="0">
+                            <a:latin typeface="Cambria Math" panose="02040503050406030204" pitchFamily="18" charset="0"/>
+                          </a:rPr>
+                        </m:ctrlPr>
+                      </m:fPr>
+                      <m:num>
+                        <m:r>
+                          <a:rPr lang="en-US" sz="2600" b="0" i="1" smtClean="0">
+                            <a:latin typeface="Cambria Math" panose="02040503050406030204" pitchFamily="18" charset="0"/>
+                          </a:rPr>
+                          <m:t>1</m:t>
+                        </m:r>
+                      </m:num>
+                      <m:den>
+                        <m:r>
+                          <a:rPr lang="en-US" sz="2600" b="0" i="1" smtClean="0">
+                            <a:latin typeface="Cambria Math" panose="02040503050406030204" pitchFamily="18" charset="0"/>
+                          </a:rPr>
+                          <m:t>2</m:t>
+                        </m:r>
+                      </m:den>
+                    </m:f>
+                    <m:r>
+                      <a:rPr lang="en-US" sz="2600" b="0" i="1" smtClean="0">
+                        <a:latin typeface="Cambria Math" panose="02040503050406030204" pitchFamily="18" charset="0"/>
+                      </a:rPr>
+                      <m:t>(</m:t>
+                    </m:r>
+                    <m:sSup>
+                      <m:sSupPr>
+                        <m:ctrlPr>
+                          <a:rPr lang="en-US" sz="2600" b="0" i="1" smtClean="0">
+                            <a:latin typeface="Cambria Math" panose="02040503050406030204" pitchFamily="18" charset="0"/>
+                          </a:rPr>
+                        </m:ctrlPr>
+                      </m:sSupPr>
+                      <m:e>
+                        <m:d>
+                          <m:dPr>
+                            <m:ctrlPr>
+                              <a:rPr lang="en-US" sz="2600" b="0" i="1" smtClean="0">
+                                <a:latin typeface="Cambria Math" panose="02040503050406030204" pitchFamily="18" charset="0"/>
+                              </a:rPr>
+                            </m:ctrlPr>
+                          </m:dPr>
+                          <m:e>
+                            <m:r>
+                              <a:rPr lang="en-US" sz="2600" b="0" i="1" smtClean="0">
+                                <a:latin typeface="Cambria Math" panose="02040503050406030204" pitchFamily="18" charset="0"/>
+                              </a:rPr>
+                              <m:t>𝑥</m:t>
+                            </m:r>
+                            <m:d>
+                              <m:dPr>
+                                <m:ctrlPr>
+                                  <a:rPr lang="en-US" sz="2600" b="0" i="1" smtClean="0">
+                                    <a:latin typeface="Cambria Math" panose="02040503050406030204" pitchFamily="18" charset="0"/>
+                                  </a:rPr>
+                                </m:ctrlPr>
+                              </m:dPr>
+                              <m:e>
+                                <m:r>
+                                  <a:rPr lang="en-US" sz="2600" b="0" i="1" smtClean="0">
+                                    <a:latin typeface="Cambria Math" panose="02040503050406030204" pitchFamily="18" charset="0"/>
+                                  </a:rPr>
+                                  <m:t>𝑁</m:t>
+                                </m:r>
+                              </m:e>
+                            </m:d>
+                            <m:r>
+                              <a:rPr lang="en-US" sz="2600" b="0" i="1" smtClean="0">
+                                <a:latin typeface="Cambria Math" panose="02040503050406030204" pitchFamily="18" charset="0"/>
+                              </a:rPr>
+                              <m:t>−</m:t>
+                            </m:r>
+                            <m:sSub>
+                              <m:sSubPr>
+                                <m:ctrlPr>
+                                  <a:rPr lang="en-US" sz="2600" b="0" i="1" smtClean="0">
+                                    <a:latin typeface="Cambria Math" panose="02040503050406030204" pitchFamily="18" charset="0"/>
+                                  </a:rPr>
+                                </m:ctrlPr>
+                              </m:sSubPr>
+                              <m:e>
+                                <m:r>
+                                  <a:rPr lang="en-US" sz="2600" b="0" i="1" smtClean="0">
+                                    <a:latin typeface="Cambria Math" panose="02040503050406030204" pitchFamily="18" charset="0"/>
+                                  </a:rPr>
+                                  <m:t>𝑥</m:t>
+                                </m:r>
+                              </m:e>
+                              <m:sub>
+                                <m:r>
+                                  <a:rPr lang="en-US" sz="2600" b="0" i="1" smtClean="0">
+                                    <a:latin typeface="Cambria Math" panose="02040503050406030204" pitchFamily="18" charset="0"/>
+                                  </a:rPr>
+                                  <m:t>𝑑</m:t>
+                                </m:r>
+                              </m:sub>
+                            </m:sSub>
+                          </m:e>
+                        </m:d>
+                      </m:e>
+                      <m:sup>
+                        <m:r>
+                          <a:rPr lang="en-US" sz="2600" b="0" i="1" smtClean="0">
+                            <a:latin typeface="Cambria Math" panose="02040503050406030204" pitchFamily="18" charset="0"/>
+                          </a:rPr>
+                          <m:t>2</m:t>
+                        </m:r>
+                      </m:sup>
+                    </m:sSup>
+                    <m:r>
+                      <a:rPr lang="en-US" sz="2600" b="0" i="1" smtClean="0">
+                        <a:latin typeface="Cambria Math" panose="02040503050406030204" pitchFamily="18" charset="0"/>
+                      </a:rPr>
+                      <m:t>+</m:t>
+                    </m:r>
+                    <m:sSup>
+                      <m:sSupPr>
+                        <m:ctrlPr>
+                          <a:rPr lang="en-US" sz="2600" i="1">
+                            <a:latin typeface="Cambria Math" panose="02040503050406030204" pitchFamily="18" charset="0"/>
+                          </a:rPr>
+                        </m:ctrlPr>
+                      </m:sSupPr>
+                      <m:e>
+                        <m:d>
+                          <m:dPr>
+                            <m:ctrlPr>
+                              <a:rPr lang="en-US" sz="2600" i="1">
+                                <a:latin typeface="Cambria Math" panose="02040503050406030204" pitchFamily="18" charset="0"/>
+                              </a:rPr>
+                            </m:ctrlPr>
+                          </m:dPr>
+                          <m:e>
+                            <m:r>
+                              <a:rPr lang="en-US" sz="2600" b="0" i="1" smtClean="0">
+                                <a:latin typeface="Cambria Math" panose="02040503050406030204" pitchFamily="18" charset="0"/>
+                              </a:rPr>
+                              <m:t>𝑦</m:t>
+                            </m:r>
+                            <m:d>
+                              <m:dPr>
+                                <m:ctrlPr>
+                                  <a:rPr lang="en-US" sz="2600" i="1">
+                                    <a:latin typeface="Cambria Math" panose="02040503050406030204" pitchFamily="18" charset="0"/>
+                                  </a:rPr>
+                                </m:ctrlPr>
+                              </m:dPr>
+                              <m:e>
+                                <m:r>
+                                  <a:rPr lang="en-US" sz="2600" i="1">
+                                    <a:latin typeface="Cambria Math" panose="02040503050406030204" pitchFamily="18" charset="0"/>
+                                  </a:rPr>
+                                  <m:t>𝑁</m:t>
+                                </m:r>
+                              </m:e>
+                            </m:d>
+                            <m:r>
+                              <a:rPr lang="en-US" sz="2600" i="1">
+                                <a:latin typeface="Cambria Math" panose="02040503050406030204" pitchFamily="18" charset="0"/>
+                              </a:rPr>
+                              <m:t>−</m:t>
+                            </m:r>
+                            <m:sSub>
+                              <m:sSubPr>
+                                <m:ctrlPr>
+                                  <a:rPr lang="en-US" sz="2600" i="1">
+                                    <a:latin typeface="Cambria Math" panose="02040503050406030204" pitchFamily="18" charset="0"/>
+                                  </a:rPr>
+                                </m:ctrlPr>
+                              </m:sSubPr>
+                              <m:e>
+                                <m:r>
+                                  <a:rPr lang="en-US" sz="2600" b="0" i="1" smtClean="0">
+                                    <a:latin typeface="Cambria Math" panose="02040503050406030204" pitchFamily="18" charset="0"/>
+                                  </a:rPr>
+                                  <m:t>𝑦</m:t>
+                                </m:r>
+                              </m:e>
+                              <m:sub>
+                                <m:r>
+                                  <a:rPr lang="en-US" sz="2600" i="1">
+                                    <a:latin typeface="Cambria Math" panose="02040503050406030204" pitchFamily="18" charset="0"/>
+                                  </a:rPr>
+                                  <m:t>𝑑</m:t>
+                                </m:r>
+                              </m:sub>
+                            </m:sSub>
+                          </m:e>
+                        </m:d>
+                      </m:e>
+                      <m:sup>
+                        <m:r>
+                          <a:rPr lang="en-US" sz="2600" i="1">
+                            <a:latin typeface="Cambria Math" panose="02040503050406030204" pitchFamily="18" charset="0"/>
+                          </a:rPr>
+                          <m:t>2</m:t>
+                        </m:r>
+                      </m:sup>
+                    </m:sSup>
+                    <m:r>
+                      <a:rPr lang="en-US" sz="2600" b="0" i="1" smtClean="0">
+                        <a:latin typeface="Cambria Math" panose="02040503050406030204" pitchFamily="18" charset="0"/>
+                      </a:rPr>
+                      <m:t>+</m:t>
+                    </m:r>
+                    <m:r>
+                      <a:rPr lang="en-US" sz="2600" b="0" i="1" smtClean="0">
+                        <a:latin typeface="Cambria Math" panose="02040503050406030204" pitchFamily="18" charset="0"/>
+                      </a:rPr>
+                      <m:t>𝑤</m:t>
+                    </m:r>
+                    <m:sSup>
+                      <m:sSupPr>
+                        <m:ctrlPr>
+                          <a:rPr lang="en-US" sz="2600" i="1">
+                            <a:latin typeface="Cambria Math" panose="02040503050406030204" pitchFamily="18" charset="0"/>
+                          </a:rPr>
+                        </m:ctrlPr>
+                      </m:sSupPr>
+                      <m:e>
+                        <m:d>
+                          <m:dPr>
+                            <m:ctrlPr>
+                              <a:rPr lang="en-US" sz="2600" i="1">
+                                <a:latin typeface="Cambria Math" panose="02040503050406030204" pitchFamily="18" charset="0"/>
+                              </a:rPr>
+                            </m:ctrlPr>
+                          </m:dPr>
+                          <m:e>
+                            <m:r>
+                              <m:rPr>
+                                <m:sty m:val="p"/>
+                              </m:rPr>
+                              <a:rPr lang="en-US" altLang="zh-CN" sz="2600" i="1" smtClean="0">
+                                <a:latin typeface="Cambria Math" panose="02040503050406030204" pitchFamily="18" charset="0"/>
+                              </a:rPr>
+                              <m:t>θ</m:t>
+                            </m:r>
+                            <m:d>
+                              <m:dPr>
+                                <m:ctrlPr>
+                                  <a:rPr lang="en-US" sz="2600" i="1">
+                                    <a:latin typeface="Cambria Math" panose="02040503050406030204" pitchFamily="18" charset="0"/>
+                                  </a:rPr>
+                                </m:ctrlPr>
+                              </m:dPr>
+                              <m:e>
+                                <m:r>
+                                  <a:rPr lang="en-US" sz="2600" i="1">
+                                    <a:latin typeface="Cambria Math" panose="02040503050406030204" pitchFamily="18" charset="0"/>
+                                  </a:rPr>
+                                  <m:t>𝑁</m:t>
+                                </m:r>
+                              </m:e>
+                            </m:d>
+                            <m:r>
+                              <a:rPr lang="en-US" sz="2600" i="1">
+                                <a:latin typeface="Cambria Math" panose="02040503050406030204" pitchFamily="18" charset="0"/>
+                              </a:rPr>
+                              <m:t>−</m:t>
+                            </m:r>
+                            <m:sSub>
+                              <m:sSubPr>
+                                <m:ctrlPr>
+                                  <a:rPr lang="en-US" sz="2600" i="1">
+                                    <a:latin typeface="Cambria Math" panose="02040503050406030204" pitchFamily="18" charset="0"/>
+                                  </a:rPr>
+                                </m:ctrlPr>
+                              </m:sSubPr>
+                              <m:e>
+                                <m:r>
+                                  <m:rPr>
+                                    <m:sty m:val="p"/>
+                                  </m:rPr>
+                                  <a:rPr lang="en-US" altLang="zh-CN" sz="2600" i="1">
+                                    <a:latin typeface="Cambria Math" panose="02040503050406030204" pitchFamily="18" charset="0"/>
+                                  </a:rPr>
+                                  <m:t>θ</m:t>
+                                </m:r>
+                              </m:e>
+                              <m:sub>
+                                <m:r>
+                                  <a:rPr lang="en-US" sz="2600" i="1">
+                                    <a:latin typeface="Cambria Math" panose="02040503050406030204" pitchFamily="18" charset="0"/>
+                                  </a:rPr>
+                                  <m:t>𝑑</m:t>
+                                </m:r>
+                              </m:sub>
+                            </m:sSub>
+                          </m:e>
+                        </m:d>
+                      </m:e>
+                      <m:sup>
+                        <m:r>
+                          <a:rPr lang="en-US" sz="2600" i="1">
+                            <a:latin typeface="Cambria Math" panose="02040503050406030204" pitchFamily="18" charset="0"/>
+                          </a:rPr>
+                          <m:t>2</m:t>
+                        </m:r>
+                      </m:sup>
+                    </m:sSup>
+                    <m:r>
+                      <a:rPr lang="en-US" sz="2600" b="0" i="1" smtClean="0">
+                        <a:latin typeface="Cambria Math" panose="02040503050406030204" pitchFamily="18" charset="0"/>
+                      </a:rPr>
+                      <m:t>)</m:t>
+                    </m:r>
+                  </m:oMath>
+                </a14:m>
+                <a:r>
+                  <a:rPr lang="en-US" sz="2600" dirty="0"/>
+                  <a:t>, w=50</a:t>
+                </a:r>
+              </a:p>
+            </p:txBody>
+          </p:sp>
+        </mc:Choice>
+        <mc:Fallback xmlns="">
+          <p:sp>
+            <p:nvSpPr>
+              <p:cNvPr id="3" name="Text Placeholder 2">
+                <a:extLst>
+                  <a:ext uri="{FF2B5EF4-FFF2-40B4-BE49-F238E27FC236}">
+                    <a16:creationId xmlns:a16="http://schemas.microsoft.com/office/drawing/2014/main" id="{F95A7129-A532-474F-A5EC-150189A30AF7}"/>
+                  </a:ext>
+                </a:extLst>
+              </p:cNvPr>
+              <p:cNvSpPr>
+                <a:spLocks noGrp="1" noRot="1" noChangeAspect="1" noMove="1" noResize="1" noEditPoints="1" noAdjustHandles="1" noChangeArrowheads="1" noChangeShapeType="1" noTextEdit="1"/>
+              </p:cNvSpPr>
+              <p:nvPr>
+                <p:ph type="body" sz="quarter" idx="17"/>
+              </p:nvPr>
+            </p:nvSpPr>
+            <p:spPr>
+              <a:xfrm>
+                <a:off x="299222" y="1051972"/>
+                <a:ext cx="11252418" cy="2438400"/>
+              </a:xfrm>
+              <a:blipFill>
+                <a:blip r:embed="rId2"/>
+                <a:stretch>
+                  <a:fillRect l="-813" t="-2250"/>
+                </a:stretch>
+              </a:blipFill>
+            </p:spPr>
+            <p:txBody>
+              <a:bodyPr/>
+              <a:lstStyle/>
+              <a:p>
+                <a:r>
+                  <a:rPr lang="en-US">
+                    <a:noFill/>
+                  </a:rPr>
+                  <a:t> </a:t>
+                </a:r>
+              </a:p>
+            </p:txBody>
+          </p:sp>
+        </mc:Fallback>
+      </mc:AlternateContent>
+      <p:pic>
+        <p:nvPicPr>
+          <p:cNvPr id="5" name="圖片 4">
+            <a:extLst>
+              <a:ext uri="{FF2B5EF4-FFF2-40B4-BE49-F238E27FC236}">
+                <a16:creationId xmlns:a16="http://schemas.microsoft.com/office/drawing/2014/main" id="{5C5D9DF3-89F8-4E54-B8AF-3BA178BD478E}"/>
+              </a:ext>
+            </a:extLst>
+          </p:cNvPr>
+          <p:cNvPicPr>
+            <a:picLocks noChangeAspect="1"/>
+          </p:cNvPicPr>
+          <p:nvPr/>
+        </p:nvPicPr>
+        <p:blipFill rotWithShape="1">
+          <a:blip r:embed="rId3">
+            <a:extLst>
+              <a:ext uri="{28A0092B-C50C-407E-A947-70E740481C1C}">
+                <a14:useLocalDpi xmlns:a14="http://schemas.microsoft.com/office/drawing/2010/main" val="0"/>
+              </a:ext>
+            </a:extLst>
+          </a:blip>
+          <a:srcRect t="6276" b="5169"/>
+          <a:stretch/>
+        </p:blipFill>
+        <p:spPr>
+          <a:xfrm>
+            <a:off x="299222" y="2812569"/>
+            <a:ext cx="4272778" cy="2837793"/>
+          </a:xfrm>
+          <a:prstGeom prst="rect">
+            <a:avLst/>
+          </a:prstGeom>
+        </p:spPr>
+      </p:pic>
+      <p:pic>
+        <p:nvPicPr>
+          <p:cNvPr id="6" name="圖片 5">
+            <a:extLst>
+              <a:ext uri="{FF2B5EF4-FFF2-40B4-BE49-F238E27FC236}">
+                <a16:creationId xmlns:a16="http://schemas.microsoft.com/office/drawing/2014/main" id="{7A1AA7D5-3D63-4908-98EB-41CA82760678}"/>
+              </a:ext>
+            </a:extLst>
+          </p:cNvPr>
+          <p:cNvPicPr>
+            <a:picLocks noChangeAspect="1"/>
+          </p:cNvPicPr>
+          <p:nvPr/>
+        </p:nvPicPr>
+        <p:blipFill rotWithShape="1">
+          <a:blip r:embed="rId4">
+            <a:extLst>
+              <a:ext uri="{28A0092B-C50C-407E-A947-70E740481C1C}">
+                <a14:useLocalDpi xmlns:a14="http://schemas.microsoft.com/office/drawing/2010/main" val="0"/>
+              </a:ext>
+            </a:extLst>
+          </a:blip>
+          <a:srcRect t="4899" b="5169"/>
+          <a:stretch/>
+        </p:blipFill>
+        <p:spPr>
+          <a:xfrm>
+            <a:off x="5678924" y="2812569"/>
+            <a:ext cx="4272779" cy="2881937"/>
+          </a:xfrm>
+          <a:prstGeom prst="rect">
+            <a:avLst/>
+          </a:prstGeom>
+        </p:spPr>
+      </p:pic>
+      <p:sp>
+        <p:nvSpPr>
+          <p:cNvPr id="7" name="矩形 3">
+            <a:extLst>
+              <a:ext uri="{FF2B5EF4-FFF2-40B4-BE49-F238E27FC236}">
+                <a16:creationId xmlns:a16="http://schemas.microsoft.com/office/drawing/2014/main" id="{25307B01-F105-4602-A01F-A8B60413C42F}"/>
+              </a:ext>
+            </a:extLst>
+          </p:cNvPr>
+          <p:cNvSpPr/>
+          <p:nvPr/>
+        </p:nvSpPr>
+        <p:spPr>
+          <a:xfrm>
+            <a:off x="440569" y="5658362"/>
+            <a:ext cx="4755745" cy="369332"/>
+          </a:xfrm>
+          <a:prstGeom prst="rect">
+            <a:avLst/>
+          </a:prstGeom>
+        </p:spPr>
+        <p:txBody>
+          <a:bodyPr wrap="square">
+            <a:spAutoFit/>
+          </a:bodyPr>
+          <a:lstStyle/>
+          <a:p>
+            <a:r>
+              <a:rPr lang="en-US" dirty="0">
+                <a:solidFill>
+                  <a:srgbClr val="333333"/>
+                </a:solidFill>
+                <a:latin typeface="Times New Roman" panose="02020603050405020304" pitchFamily="18" charset="0"/>
+              </a:rPr>
+              <a:t>Figure 3: Results without collision avoidance</a:t>
+            </a:r>
+            <a:endParaRPr lang="en-US" dirty="0"/>
+          </a:p>
+        </p:txBody>
+      </p:sp>
+      <p:sp>
+        <p:nvSpPr>
+          <p:cNvPr id="9" name="矩形 3">
+            <a:extLst>
+              <a:ext uri="{FF2B5EF4-FFF2-40B4-BE49-F238E27FC236}">
+                <a16:creationId xmlns:a16="http://schemas.microsoft.com/office/drawing/2014/main" id="{77E5E26C-474E-4572-B32D-E5A9B6E9F618}"/>
+              </a:ext>
+            </a:extLst>
+          </p:cNvPr>
+          <p:cNvSpPr/>
+          <p:nvPr/>
+        </p:nvSpPr>
+        <p:spPr>
+          <a:xfrm>
+            <a:off x="5678924" y="5694506"/>
+            <a:ext cx="4404701" cy="369332"/>
+          </a:xfrm>
+          <a:prstGeom prst="rect">
+            <a:avLst/>
+          </a:prstGeom>
+        </p:spPr>
+        <p:txBody>
+          <a:bodyPr wrap="square">
+            <a:spAutoFit/>
+          </a:bodyPr>
+          <a:lstStyle/>
+          <a:p>
+            <a:r>
+              <a:rPr lang="en-US" dirty="0">
+                <a:solidFill>
+                  <a:srgbClr val="333333"/>
+                </a:solidFill>
+                <a:latin typeface="Times New Roman" panose="02020603050405020304" pitchFamily="18" charset="0"/>
+              </a:rPr>
+              <a:t>Figure 4: Results without collision avoidance</a:t>
+            </a:r>
+            <a:endParaRPr lang="en-US" dirty="0"/>
+          </a:p>
+        </p:txBody>
+      </p:sp>
+    </p:spTree>
+    <p:extLst>
+      <p:ext uri="{BB962C8B-B14F-4D97-AF65-F5344CB8AC3E}">
+        <p14:creationId xmlns:p14="http://schemas.microsoft.com/office/powerpoint/2010/main" val="352727967"/>
+      </p:ext>
+    </p:extLst>
+  </p:cSld>
+  <p:clrMapOvr>
+    <a:masterClrMapping/>
+  </p:clrMapOvr>
+</p:sld>
+</file>
+
+<file path=ppt/slides/slide11.xml><?xml version="1.0" encoding="utf-8"?>
 <p:sld xmlns:a="http://schemas.openxmlformats.org/drawingml/2006/main" xmlns:r="http://schemas.openxmlformats.org/officeDocument/2006/relationships" xmlns:p="http://schemas.openxmlformats.org/presentationml/2006/main">
   <p:cSld>
     <p:spTree>
@@ -6111,7 +6745,7 @@
 </p:sld>
 </file>
 
-<file path=ppt/slides/slide11.xml><?xml version="1.0" encoding="utf-8"?>
+<file path=ppt/slides/slide12.xml><?xml version="1.0" encoding="utf-8"?>
 <p:sld xmlns:a="http://schemas.openxmlformats.org/drawingml/2006/main" xmlns:r="http://schemas.openxmlformats.org/officeDocument/2006/relationships" xmlns:p="http://schemas.openxmlformats.org/presentationml/2006/main">
   <p:cSld>
     <p:spTree>
@@ -6293,7 +6927,7 @@
 </p:sld>
 </file>
 
-<file path=ppt/slides/slide12.xml><?xml version="1.0" encoding="utf-8"?>
+<file path=ppt/slides/slide13.xml><?xml version="1.0" encoding="utf-8"?>
 <p:sld xmlns:a="http://schemas.openxmlformats.org/drawingml/2006/main" xmlns:r="http://schemas.openxmlformats.org/officeDocument/2006/relationships" xmlns:p="http://schemas.openxmlformats.org/presentationml/2006/main">
   <p:cSld>
     <p:spTree>
@@ -6905,7 +7539,7 @@
 </p:sld>
 </file>
 
-<file path=ppt/slides/slide13.xml><?xml version="1.0" encoding="utf-8"?>
+<file path=ppt/slides/slide14.xml><?xml version="1.0" encoding="utf-8"?>
 <p:sld xmlns:a="http://schemas.openxmlformats.org/drawingml/2006/main" xmlns:r="http://schemas.openxmlformats.org/officeDocument/2006/relationships" xmlns:p="http://schemas.openxmlformats.org/presentationml/2006/main">
   <p:cSld>
     <p:spTree>
@@ -7446,7 +8080,7 @@
 </p:sld>
 </file>
 
-<file path=ppt/slides/slide14.xml><?xml version="1.0" encoding="utf-8"?>
+<file path=ppt/slides/slide15.xml><?xml version="1.0" encoding="utf-8"?>
 <p:sld xmlns:a="http://schemas.openxmlformats.org/drawingml/2006/main" xmlns:r="http://schemas.openxmlformats.org/officeDocument/2006/relationships" xmlns:p="http://schemas.openxmlformats.org/presentationml/2006/main">
   <p:cSld>
     <p:spTree>
@@ -8000,7 +8634,7 @@
 </p:sld>
 </file>
 
-<file path=ppt/slides/slide15.xml><?xml version="1.0" encoding="utf-8"?>
+<file path=ppt/slides/slide16.xml><?xml version="1.0" encoding="utf-8"?>
 <p:sld xmlns:a="http://schemas.openxmlformats.org/drawingml/2006/main" xmlns:r="http://schemas.openxmlformats.org/officeDocument/2006/relationships" xmlns:p="http://schemas.openxmlformats.org/presentationml/2006/main">
   <p:cSld>
     <p:spTree>
@@ -8140,7 +8774,7 @@
 </p:sld>
 </file>
 
-<file path=ppt/slides/slide16.xml><?xml version="1.0" encoding="utf-8"?>
+<file path=ppt/slides/slide17.xml><?xml version="1.0" encoding="utf-8"?>
 <p:sld xmlns:a="http://schemas.openxmlformats.org/drawingml/2006/main" xmlns:r="http://schemas.openxmlformats.org/officeDocument/2006/relationships" xmlns:p="http://schemas.openxmlformats.org/presentationml/2006/main">
   <p:cSld>
     <p:spTree>
@@ -8424,7 +9058,7 @@
 </p:sld>
 </file>
 
-<file path=ppt/slides/slide17.xml><?xml version="1.0" encoding="utf-8"?>
+<file path=ppt/slides/slide18.xml><?xml version="1.0" encoding="utf-8"?>
 <p:sld xmlns:a="http://schemas.openxmlformats.org/drawingml/2006/main" xmlns:r="http://schemas.openxmlformats.org/officeDocument/2006/relationships" xmlns:p="http://schemas.openxmlformats.org/presentationml/2006/main">
   <p:cSld>
     <p:spTree>
@@ -8539,22 +9173,13 @@
           <a:lstStyle/>
           <a:p>
             <a:r>
-              <a:rPr lang="en-US">
-                <a:solidFill>
-                  <a:srgbClr val="333333"/>
-                </a:solidFill>
-                <a:latin typeface="Times New Roman" panose="02020603050405020304" pitchFamily="18" charset="0"/>
-              </a:rPr>
-              <a:t>Figure 9: </a:t>
-            </a:r>
-            <a:r>
               <a:rPr lang="en-US" dirty="0">
                 <a:solidFill>
                   <a:srgbClr val="333333"/>
                 </a:solidFill>
                 <a:latin typeface="Times New Roman" panose="02020603050405020304" pitchFamily="18" charset="0"/>
               </a:rPr>
-              <a:t>Optimized results with collision avoidance.</a:t>
+              <a:t>Figure 9: Optimized results with collision avoidance.</a:t>
             </a:r>
             <a:endParaRPr lang="en-US" dirty="0"/>
           </a:p>
@@ -8564,154 +9189,6 @@
     <p:extLst>
       <p:ext uri="{BB962C8B-B14F-4D97-AF65-F5344CB8AC3E}">
         <p14:creationId xmlns:p14="http://schemas.microsoft.com/office/powerpoint/2010/main" val="1734492672"/>
-      </p:ext>
-    </p:extLst>
-  </p:cSld>
-  <p:clrMapOvr>
-    <a:masterClrMapping/>
-  </p:clrMapOvr>
-</p:sld>
-</file>
-
-<file path=ppt/slides/slide18.xml><?xml version="1.0" encoding="utf-8"?>
-<p:sld xmlns:a="http://schemas.openxmlformats.org/drawingml/2006/main" xmlns:r="http://schemas.openxmlformats.org/officeDocument/2006/relationships" xmlns:p="http://schemas.openxmlformats.org/presentationml/2006/main">
-  <p:cSld>
-    <p:spTree>
-      <p:nvGrpSpPr>
-        <p:cNvPr id="1" name=""/>
-        <p:cNvGrpSpPr/>
-        <p:nvPr/>
-      </p:nvGrpSpPr>
-      <p:grpSpPr>
-        <a:xfrm>
-          <a:off x="0" y="0"/>
-          <a:ext cx="0" cy="0"/>
-          <a:chOff x="0" y="0"/>
-          <a:chExt cx="0" cy="0"/>
-        </a:xfrm>
-      </p:grpSpPr>
-      <p:sp>
-        <p:nvSpPr>
-          <p:cNvPr id="2" name="Text Placeholder 1">
-            <a:extLst>
-              <a:ext uri="{FF2B5EF4-FFF2-40B4-BE49-F238E27FC236}">
-                <a16:creationId xmlns:a16="http://schemas.microsoft.com/office/drawing/2014/main" id="{BCCE844A-2193-4DDD-BF71-931954EF917B}"/>
-              </a:ext>
-            </a:extLst>
-          </p:cNvPr>
-          <p:cNvSpPr>
-            <a:spLocks noGrp="1"/>
-          </p:cNvSpPr>
-          <p:nvPr>
-            <p:ph type="body" sz="quarter" idx="14"/>
-          </p:nvPr>
-        </p:nvSpPr>
-        <p:spPr/>
-        <p:txBody>
-          <a:bodyPr>
-            <a:noAutofit/>
-          </a:bodyPr>
-          <a:lstStyle/>
-          <a:p>
-            <a:r>
-              <a:rPr lang="en-US" sz="4000" dirty="0">
-                <a:solidFill>
-                  <a:schemeClr val="tx1"/>
-                </a:solidFill>
-              </a:rPr>
-              <a:t>Future Improvements</a:t>
-            </a:r>
-          </a:p>
-        </p:txBody>
-      </p:sp>
-      <p:sp>
-        <p:nvSpPr>
-          <p:cNvPr id="3" name="Text Placeholder 2">
-            <a:extLst>
-              <a:ext uri="{FF2B5EF4-FFF2-40B4-BE49-F238E27FC236}">
-                <a16:creationId xmlns:a16="http://schemas.microsoft.com/office/drawing/2014/main" id="{C650830E-669F-42E2-86FB-99AA9BBC1880}"/>
-              </a:ext>
-            </a:extLst>
-          </p:cNvPr>
-          <p:cNvSpPr>
-            <a:spLocks noGrp="1"/>
-          </p:cNvSpPr>
-          <p:nvPr>
-            <p:ph type="body" sz="quarter" idx="17"/>
-          </p:nvPr>
-        </p:nvSpPr>
-        <p:spPr>
-          <a:xfrm>
-            <a:off x="299222" y="1051971"/>
-            <a:ext cx="10737746" cy="5092155"/>
-          </a:xfrm>
-        </p:spPr>
-        <p:txBody>
-          <a:bodyPr>
-            <a:normAutofit/>
-          </a:bodyPr>
-          <a:lstStyle/>
-          <a:p>
-            <a:pPr lvl="1"/>
-            <a:r>
-              <a:rPr lang="en-US" sz="2600" dirty="0"/>
-              <a:t>Smaller slot – if a solution is possible</a:t>
-            </a:r>
-          </a:p>
-          <a:p>
-            <a:pPr lvl="1"/>
-            <a:r>
-              <a:rPr lang="en-US" sz="2600" dirty="0"/>
-              <a:t>Research on reverse parking</a:t>
-            </a:r>
-          </a:p>
-          <a:p>
-            <a:pPr lvl="2"/>
-            <a:r>
-              <a:rPr lang="en-US" sz="2600" dirty="0"/>
-              <a:t>Different physical models and dynamics</a:t>
-            </a:r>
-          </a:p>
-          <a:p>
-            <a:pPr lvl="1"/>
-            <a:r>
-              <a:rPr lang="en-US" sz="2600" dirty="0"/>
-              <a:t>Take more complex system into consideration</a:t>
-            </a:r>
-          </a:p>
-          <a:p>
-            <a:pPr lvl="2"/>
-            <a:r>
-              <a:rPr lang="en-US" sz="2600" dirty="0"/>
-              <a:t>Parking slot located at ramps</a:t>
-            </a:r>
-          </a:p>
-          <a:p>
-            <a:pPr lvl="1"/>
-            <a:r>
-              <a:rPr lang="en-US" sz="2600" dirty="0"/>
-              <a:t>Optimization variables can be much more complex in real cases</a:t>
-            </a:r>
-          </a:p>
-          <a:p>
-            <a:pPr lvl="1"/>
-            <a:r>
-              <a:rPr lang="en-US" sz="2600" dirty="0"/>
-              <a:t>Complex feedback system for a real automobiles</a:t>
-            </a:r>
-          </a:p>
-          <a:p>
-            <a:pPr marL="0" lvl="1" indent="0">
-              <a:buNone/>
-            </a:pPr>
-            <a:endParaRPr lang="en-US" dirty="0"/>
-          </a:p>
-        </p:txBody>
-      </p:sp>
-    </p:spTree>
-    <p:extLst>
-      <p:ext uri="{BB962C8B-B14F-4D97-AF65-F5344CB8AC3E}">
-        <p14:creationId xmlns:p14="http://schemas.microsoft.com/office/powerpoint/2010/main" val="610522070"/>
       </p:ext>
     </p:extLst>
   </p:cSld>
@@ -8743,7 +9220,7 @@
           <p:cNvPr id="2" name="Text Placeholder 1">
             <a:extLst>
               <a:ext uri="{FF2B5EF4-FFF2-40B4-BE49-F238E27FC236}">
-                <a16:creationId xmlns:a16="http://schemas.microsoft.com/office/drawing/2014/main" id="{5F7719BC-2E57-4382-AC4E-6FF87CE16649}"/>
+                <a16:creationId xmlns:a16="http://schemas.microsoft.com/office/drawing/2014/main" id="{BCCE844A-2193-4DDD-BF71-931954EF917B}"/>
               </a:ext>
             </a:extLst>
           </p:cNvPr>
@@ -8767,65 +9244,91 @@
                   <a:schemeClr val="tx1"/>
                 </a:solidFill>
               </a:rPr>
-              <a:t>Reference</a:t>
+              <a:t>Future Improvements</a:t>
             </a:r>
           </a:p>
         </p:txBody>
       </p:sp>
       <p:sp>
         <p:nvSpPr>
-          <p:cNvPr id="3" name="矩形 2">
+          <p:cNvPr id="3" name="Text Placeholder 2">
             <a:extLst>
               <a:ext uri="{FF2B5EF4-FFF2-40B4-BE49-F238E27FC236}">
-                <a16:creationId xmlns:a16="http://schemas.microsoft.com/office/drawing/2014/main" id="{B1F9130C-6952-4E4F-A305-78BDB72F4F55}"/>
+                <a16:creationId xmlns:a16="http://schemas.microsoft.com/office/drawing/2014/main" id="{C650830E-669F-42E2-86FB-99AA9BBC1880}"/>
               </a:ext>
             </a:extLst>
           </p:cNvPr>
-          <p:cNvSpPr/>
-          <p:nvPr/>
+          <p:cNvSpPr>
+            <a:spLocks noGrp="1"/>
+          </p:cNvSpPr>
+          <p:nvPr>
+            <p:ph type="body" sz="quarter" idx="17"/>
+          </p:nvPr>
         </p:nvSpPr>
         <p:spPr>
           <a:xfrm>
-            <a:off x="299222" y="975047"/>
-            <a:ext cx="11892778" cy="923330"/>
+            <a:off x="299222" y="1051971"/>
+            <a:ext cx="10737746" cy="5092155"/>
           </a:xfrm>
-          <a:prstGeom prst="rect">
-            <a:avLst/>
-          </a:prstGeom>
         </p:spPr>
         <p:txBody>
-          <a:bodyPr wrap="square">
-            <a:spAutoFit/>
+          <a:bodyPr>
+            <a:normAutofit/>
           </a:bodyPr>
           <a:lstStyle/>
           <a:p>
-            <a:r>
-              <a:rPr lang="en-US" dirty="0">
-                <a:solidFill>
-                  <a:srgbClr val="333333"/>
-                </a:solidFill>
-                <a:latin typeface="Times New Roman" panose="02020603050405020304" pitchFamily="18" charset="0"/>
-              </a:rPr>
-              <a:t>[1]	“Example: Parallel Parking,” </a:t>
-            </a:r>
-            <a:r>
-              <a:rPr lang="en-US" i="1" dirty="0">
-                <a:solidFill>
-                  <a:srgbClr val="333333"/>
-                </a:solidFill>
-                <a:latin typeface="Times New Roman" panose="02020603050405020304" pitchFamily="18" charset="0"/>
-              </a:rPr>
-              <a:t>ICLOCS2: A MATLAB Toolbox for Optimization Based Control - Example: Parallel 	Parking</a:t>
-            </a:r>
-            <a:r>
-              <a:rPr lang="en-US" dirty="0">
-                <a:solidFill>
-                  <a:srgbClr val="333333"/>
-                </a:solidFill>
-                <a:latin typeface="Times New Roman" panose="02020603050405020304" pitchFamily="18" charset="0"/>
-              </a:rPr>
-              <a:t>. [Online]. Available: http://www.ee.ic.ac.uk/ICLOCS/ExampleParallelParking.html. [Accessed: 22-Apr-	2020].</a:t>
-            </a:r>
+            <a:pPr lvl="1"/>
+            <a:r>
+              <a:rPr lang="en-US" sz="2600" dirty="0"/>
+              <a:t>Smaller slot – if a solution is possible</a:t>
+            </a:r>
+          </a:p>
+          <a:p>
+            <a:pPr lvl="1"/>
+            <a:r>
+              <a:rPr lang="en-US" sz="2600" dirty="0"/>
+              <a:t>Research on reverse parking</a:t>
+            </a:r>
+          </a:p>
+          <a:p>
+            <a:pPr lvl="2"/>
+            <a:r>
+              <a:rPr lang="en-US" sz="2600" dirty="0"/>
+              <a:t>Different physical models and dynamics</a:t>
+            </a:r>
+          </a:p>
+          <a:p>
+            <a:pPr lvl="1"/>
+            <a:r>
+              <a:rPr lang="en-US" sz="2600" dirty="0"/>
+              <a:t>Take more complex system into consideration</a:t>
+            </a:r>
+          </a:p>
+          <a:p>
+            <a:pPr lvl="2"/>
+            <a:r>
+              <a:rPr lang="en-US" sz="2600" dirty="0"/>
+              <a:t>Parking slot located at ramps</a:t>
+            </a:r>
+          </a:p>
+          <a:p>
+            <a:pPr lvl="1"/>
+            <a:r>
+              <a:rPr lang="en-US" sz="2600" dirty="0"/>
+              <a:t>Optimization variables can be much more complex in real cases</a:t>
+            </a:r>
+          </a:p>
+          <a:p>
+            <a:pPr lvl="1"/>
+            <a:r>
+              <a:rPr lang="en-US" sz="2600" dirty="0"/>
+              <a:t>Complex feedback system for a real automobiles</a:t>
+            </a:r>
+          </a:p>
+          <a:p>
+            <a:pPr marL="0" lvl="1" indent="0">
+              <a:buNone/>
+            </a:pPr>
             <a:endParaRPr lang="en-US" dirty="0"/>
           </a:p>
         </p:txBody>
@@ -8833,7 +9336,7 @@
     </p:spTree>
     <p:extLst>
       <p:ext uri="{BB962C8B-B14F-4D97-AF65-F5344CB8AC3E}">
-        <p14:creationId xmlns:p14="http://schemas.microsoft.com/office/powerpoint/2010/main" val="1806401461"/>
+        <p14:creationId xmlns:p14="http://schemas.microsoft.com/office/powerpoint/2010/main" val="610522070"/>
       </p:ext>
     </p:extLst>
   </p:cSld>
@@ -9053,6 +9556,128 @@
 </file>
 
 <file path=ppt/slides/slide20.xml><?xml version="1.0" encoding="utf-8"?>
+<p:sld xmlns:a="http://schemas.openxmlformats.org/drawingml/2006/main" xmlns:r="http://schemas.openxmlformats.org/officeDocument/2006/relationships" xmlns:p="http://schemas.openxmlformats.org/presentationml/2006/main">
+  <p:cSld>
+    <p:spTree>
+      <p:nvGrpSpPr>
+        <p:cNvPr id="1" name=""/>
+        <p:cNvGrpSpPr/>
+        <p:nvPr/>
+      </p:nvGrpSpPr>
+      <p:grpSpPr>
+        <a:xfrm>
+          <a:off x="0" y="0"/>
+          <a:ext cx="0" cy="0"/>
+          <a:chOff x="0" y="0"/>
+          <a:chExt cx="0" cy="0"/>
+        </a:xfrm>
+      </p:grpSpPr>
+      <p:sp>
+        <p:nvSpPr>
+          <p:cNvPr id="2" name="Text Placeholder 1">
+            <a:extLst>
+              <a:ext uri="{FF2B5EF4-FFF2-40B4-BE49-F238E27FC236}">
+                <a16:creationId xmlns:a16="http://schemas.microsoft.com/office/drawing/2014/main" id="{5F7719BC-2E57-4382-AC4E-6FF87CE16649}"/>
+              </a:ext>
+            </a:extLst>
+          </p:cNvPr>
+          <p:cNvSpPr>
+            <a:spLocks noGrp="1"/>
+          </p:cNvSpPr>
+          <p:nvPr>
+            <p:ph type="body" sz="quarter" idx="14"/>
+          </p:nvPr>
+        </p:nvSpPr>
+        <p:spPr/>
+        <p:txBody>
+          <a:bodyPr>
+            <a:noAutofit/>
+          </a:bodyPr>
+          <a:lstStyle/>
+          <a:p>
+            <a:r>
+              <a:rPr lang="en-US" sz="4000" dirty="0">
+                <a:solidFill>
+                  <a:schemeClr val="tx1"/>
+                </a:solidFill>
+              </a:rPr>
+              <a:t>Reference</a:t>
+            </a:r>
+          </a:p>
+        </p:txBody>
+      </p:sp>
+      <p:sp>
+        <p:nvSpPr>
+          <p:cNvPr id="3" name="矩形 2">
+            <a:extLst>
+              <a:ext uri="{FF2B5EF4-FFF2-40B4-BE49-F238E27FC236}">
+                <a16:creationId xmlns:a16="http://schemas.microsoft.com/office/drawing/2014/main" id="{B1F9130C-6952-4E4F-A305-78BDB72F4F55}"/>
+              </a:ext>
+            </a:extLst>
+          </p:cNvPr>
+          <p:cNvSpPr/>
+          <p:nvPr/>
+        </p:nvSpPr>
+        <p:spPr>
+          <a:xfrm>
+            <a:off x="299222" y="975047"/>
+            <a:ext cx="11892778" cy="923330"/>
+          </a:xfrm>
+          <a:prstGeom prst="rect">
+            <a:avLst/>
+          </a:prstGeom>
+        </p:spPr>
+        <p:txBody>
+          <a:bodyPr wrap="square">
+            <a:spAutoFit/>
+          </a:bodyPr>
+          <a:lstStyle/>
+          <a:p>
+            <a:r>
+              <a:rPr lang="en-US" dirty="0">
+                <a:solidFill>
+                  <a:srgbClr val="333333"/>
+                </a:solidFill>
+                <a:latin typeface="Times New Roman" panose="02020603050405020304" pitchFamily="18" charset="0"/>
+              </a:rPr>
+              <a:t>[1]	“Example: Parallel Parking,” </a:t>
+            </a:r>
+            <a:r>
+              <a:rPr lang="en-US" i="1" dirty="0">
+                <a:solidFill>
+                  <a:srgbClr val="333333"/>
+                </a:solidFill>
+                <a:latin typeface="Times New Roman" panose="02020603050405020304" pitchFamily="18" charset="0"/>
+              </a:rPr>
+              <a:t>ICLOCS2: A MATLAB Toolbox for Optimization Based Control - Example: Parallel 	Parking</a:t>
+            </a:r>
+            <a:r>
+              <a:rPr lang="en-US" dirty="0">
+                <a:solidFill>
+                  <a:srgbClr val="333333"/>
+                </a:solidFill>
+                <a:latin typeface="Times New Roman" panose="02020603050405020304" pitchFamily="18" charset="0"/>
+              </a:rPr>
+              <a:t>. [Online]. Available: http://www.ee.ic.ac.uk/ICLOCS/ExampleParallelParking.html. [Accessed: 22-Apr-	2020].</a:t>
+            </a:r>
+            <a:endParaRPr lang="en-US" dirty="0"/>
+          </a:p>
+        </p:txBody>
+      </p:sp>
+    </p:spTree>
+    <p:extLst>
+      <p:ext uri="{BB962C8B-B14F-4D97-AF65-F5344CB8AC3E}">
+        <p14:creationId xmlns:p14="http://schemas.microsoft.com/office/powerpoint/2010/main" val="1806401461"/>
+      </p:ext>
+    </p:extLst>
+  </p:cSld>
+  <p:clrMapOvr>
+    <a:masterClrMapping/>
+  </p:clrMapOvr>
+</p:sld>
+</file>
+
+<file path=ppt/slides/slide21.xml><?xml version="1.0" encoding="utf-8"?>
 <p:sld xmlns:a="http://schemas.openxmlformats.org/drawingml/2006/main" xmlns:r="http://schemas.openxmlformats.org/officeDocument/2006/relationships" xmlns:p="http://schemas.openxmlformats.org/presentationml/2006/main">
   <p:cSld>
     <p:spTree>
@@ -10739,7 +11364,7 @@
           <p:cNvPr id="2" name="Text Placeholder 1">
             <a:extLst>
               <a:ext uri="{FF2B5EF4-FFF2-40B4-BE49-F238E27FC236}">
-                <a16:creationId xmlns:a16="http://schemas.microsoft.com/office/drawing/2014/main" id="{2CE4D028-889A-4E0D-A2B3-729F25C4A914}"/>
+                <a16:creationId xmlns:a16="http://schemas.microsoft.com/office/drawing/2014/main" id="{58CFB951-233F-4A20-AE66-EEA65F99CE5F}"/>
               </a:ext>
             </a:extLst>
           </p:cNvPr>
@@ -10763,19 +11388,19 @@
                   <a:schemeClr val="tx1"/>
                 </a:solidFill>
               </a:rPr>
-              <a:t>Approach</a:t>
+              <a:t>Dynamics</a:t>
             </a:r>
           </a:p>
         </p:txBody>
       </p:sp>
-      <mc:AlternateContent xmlns:mc="http://schemas.openxmlformats.org/markup-compatibility/2006" xmlns:a14="http://schemas.microsoft.com/office/drawing/2010/main">
-        <mc:Choice Requires="a14">
+      <mc:AlternateContent xmlns:mc="http://schemas.openxmlformats.org/markup-compatibility/2006">
+        <mc:Choice xmlns:a14="http://schemas.microsoft.com/office/drawing/2010/main" Requires="a14">
           <p:sp>
             <p:nvSpPr>
               <p:cNvPr id="3" name="Text Placeholder 2">
                 <a:extLst>
                   <a:ext uri="{FF2B5EF4-FFF2-40B4-BE49-F238E27FC236}">
-                    <a16:creationId xmlns:a16="http://schemas.microsoft.com/office/drawing/2014/main" id="{F95A7129-A532-474F-A5EC-150189A30AF7}"/>
+                    <a16:creationId xmlns:a16="http://schemas.microsoft.com/office/drawing/2014/main" id="{E2A8DB5D-FBDC-4B81-B099-76F8F0C123FB}"/>
                   </a:ext>
                 </a:extLst>
               </p:cNvPr>
@@ -10789,7 +11414,7 @@
             <p:spPr>
               <a:xfrm>
                 <a:off x="299222" y="1051972"/>
-                <a:ext cx="11252418" cy="2438400"/>
+                <a:ext cx="10673578" cy="4986221"/>
               </a:xfrm>
             </p:spPr>
             <p:txBody>
@@ -10798,258 +11423,87 @@
               </a:bodyPr>
               <a:lstStyle/>
               <a:p>
-                <a:pPr lvl="1"/>
-                <a:r>
-                  <a:rPr lang="en-US" altLang="zh-CN" sz="2600" dirty="0"/>
-                  <a:t>Without any obstacle, the problem could be modeled as a Two Point Boundary Value Problem.</a:t>
-                </a:r>
-              </a:p>
-              <a:p>
-                <a:pPr lvl="1"/>
                 <a14:m>
                   <m:oMath xmlns:m="http://schemas.openxmlformats.org/officeDocument/2006/math">
+                    <m:sSub>
+                      <m:sSubPr>
+                        <m:ctrlPr>
+                          <a:rPr lang="en-US" b="0" i="1" smtClean="0">
+                            <a:latin typeface="Cambria Math" panose="02040503050406030204" pitchFamily="18" charset="0"/>
+                          </a:rPr>
+                        </m:ctrlPr>
+                      </m:sSubPr>
+                      <m:e>
+                        <m:r>
+                          <a:rPr lang="en-US" b="0" i="1" smtClean="0">
+                            <a:latin typeface="Cambria Math" panose="02040503050406030204" pitchFamily="18" charset="0"/>
+                          </a:rPr>
+                          <m:t>𝑥</m:t>
+                        </m:r>
+                      </m:e>
+                      <m:sub>
+                        <m:r>
+                          <a:rPr lang="en-US" b="0" i="1" smtClean="0">
+                            <a:latin typeface="Cambria Math" panose="02040503050406030204" pitchFamily="18" charset="0"/>
+                          </a:rPr>
+                          <m:t>𝑛𝑒𝑥𝑡</m:t>
+                        </m:r>
+                      </m:sub>
+                    </m:sSub>
                     <m:r>
-                      <a:rPr lang="en-US" sz="2600" b="0" i="1" smtClean="0">
-                        <a:latin typeface="Cambria Math" panose="02040503050406030204" pitchFamily="18" charset="0"/>
-                      </a:rPr>
-                      <m:t>𝐽</m:t>
-                    </m:r>
-                    <m:r>
-                      <a:rPr lang="en-US" sz="2600" b="0" i="1" smtClean="0">
+                      <a:rPr lang="en-US" b="0" i="1" smtClean="0">
                         <a:latin typeface="Cambria Math" panose="02040503050406030204" pitchFamily="18" charset="0"/>
                       </a:rPr>
                       <m:t>=</m:t>
                     </m:r>
-                    <m:f>
-                      <m:fPr>
-                        <m:ctrlPr>
-                          <a:rPr lang="en-US" sz="2600" b="0" i="1" smtClean="0">
-                            <a:latin typeface="Cambria Math" panose="02040503050406030204" pitchFamily="18" charset="0"/>
-                          </a:rPr>
-                        </m:ctrlPr>
-                      </m:fPr>
-                      <m:num>
-                        <m:r>
-                          <a:rPr lang="en-US" sz="2600" b="0" i="1" smtClean="0">
-                            <a:latin typeface="Cambria Math" panose="02040503050406030204" pitchFamily="18" charset="0"/>
-                          </a:rPr>
-                          <m:t>1</m:t>
-                        </m:r>
-                      </m:num>
-                      <m:den>
-                        <m:r>
-                          <a:rPr lang="en-US" sz="2600" b="0" i="1" smtClean="0">
-                            <a:latin typeface="Cambria Math" panose="02040503050406030204" pitchFamily="18" charset="0"/>
-                          </a:rPr>
-                          <m:t>2</m:t>
-                        </m:r>
-                      </m:den>
-                    </m:f>
                     <m:r>
-                      <a:rPr lang="en-US" sz="2600" b="0" i="1" smtClean="0">
+                      <a:rPr lang="en-US" b="0" i="1" smtClean="0">
                         <a:latin typeface="Cambria Math" panose="02040503050406030204" pitchFamily="18" charset="0"/>
                       </a:rPr>
-                      <m:t>(</m:t>
+                      <m:t>𝑥</m:t>
                     </m:r>
-                    <m:sSup>
-                      <m:sSupPr>
-                        <m:ctrlPr>
-                          <a:rPr lang="en-US" sz="2600" b="0" i="1" smtClean="0">
-                            <a:latin typeface="Cambria Math" panose="02040503050406030204" pitchFamily="18" charset="0"/>
-                          </a:rPr>
-                        </m:ctrlPr>
-                      </m:sSupPr>
-                      <m:e>
-                        <m:d>
-                          <m:dPr>
-                            <m:ctrlPr>
-                              <a:rPr lang="en-US" sz="2600" b="0" i="1" smtClean="0">
-                                <a:latin typeface="Cambria Math" panose="02040503050406030204" pitchFamily="18" charset="0"/>
-                              </a:rPr>
-                            </m:ctrlPr>
-                          </m:dPr>
-                          <m:e>
-                            <m:r>
-                              <a:rPr lang="en-US" sz="2600" b="0" i="1" smtClean="0">
-                                <a:latin typeface="Cambria Math" panose="02040503050406030204" pitchFamily="18" charset="0"/>
-                              </a:rPr>
-                              <m:t>𝑥</m:t>
-                            </m:r>
-                            <m:d>
-                              <m:dPr>
-                                <m:ctrlPr>
-                                  <a:rPr lang="en-US" sz="2600" b="0" i="1" smtClean="0">
-                                    <a:latin typeface="Cambria Math" panose="02040503050406030204" pitchFamily="18" charset="0"/>
-                                  </a:rPr>
-                                </m:ctrlPr>
-                              </m:dPr>
-                              <m:e>
-                                <m:r>
-                                  <a:rPr lang="en-US" sz="2600" b="0" i="1" smtClean="0">
-                                    <a:latin typeface="Cambria Math" panose="02040503050406030204" pitchFamily="18" charset="0"/>
-                                  </a:rPr>
-                                  <m:t>𝑁</m:t>
-                                </m:r>
-                              </m:e>
-                            </m:d>
-                            <m:r>
-                              <a:rPr lang="en-US" sz="2600" b="0" i="1" smtClean="0">
-                                <a:latin typeface="Cambria Math" panose="02040503050406030204" pitchFamily="18" charset="0"/>
-                              </a:rPr>
-                              <m:t>−</m:t>
-                            </m:r>
-                            <m:sSub>
-                              <m:sSubPr>
-                                <m:ctrlPr>
-                                  <a:rPr lang="en-US" sz="2600" b="0" i="1" smtClean="0">
-                                    <a:latin typeface="Cambria Math" panose="02040503050406030204" pitchFamily="18" charset="0"/>
-                                  </a:rPr>
-                                </m:ctrlPr>
-                              </m:sSubPr>
-                              <m:e>
-                                <m:r>
-                                  <a:rPr lang="en-US" sz="2600" b="0" i="1" smtClean="0">
-                                    <a:latin typeface="Cambria Math" panose="02040503050406030204" pitchFamily="18" charset="0"/>
-                                  </a:rPr>
-                                  <m:t>𝑥</m:t>
-                                </m:r>
-                              </m:e>
-                              <m:sub>
-                                <m:r>
-                                  <a:rPr lang="en-US" sz="2600" b="0" i="1" smtClean="0">
-                                    <a:latin typeface="Cambria Math" panose="02040503050406030204" pitchFamily="18" charset="0"/>
-                                  </a:rPr>
-                                  <m:t>𝑑</m:t>
-                                </m:r>
-                              </m:sub>
-                            </m:sSub>
-                          </m:e>
-                        </m:d>
-                      </m:e>
-                      <m:sup>
-                        <m:r>
-                          <a:rPr lang="en-US" sz="2600" b="0" i="1" smtClean="0">
-                            <a:latin typeface="Cambria Math" panose="02040503050406030204" pitchFamily="18" charset="0"/>
-                          </a:rPr>
-                          <m:t>2</m:t>
-                        </m:r>
-                      </m:sup>
-                    </m:sSup>
                     <m:r>
-                      <a:rPr lang="en-US" sz="2600" b="0" i="1" smtClean="0">
-                        <a:latin typeface="Cambria Math" panose="02040503050406030204" pitchFamily="18" charset="0"/>
-                      </a:rPr>
-                      <m:t>+</m:t>
-                    </m:r>
-                    <m:sSup>
-                      <m:sSupPr>
-                        <m:ctrlPr>
-                          <a:rPr lang="en-US" sz="2600" i="1">
-                            <a:latin typeface="Cambria Math" panose="02040503050406030204" pitchFamily="18" charset="0"/>
-                          </a:rPr>
-                        </m:ctrlPr>
-                      </m:sSupPr>
-                      <m:e>
-                        <m:d>
-                          <m:dPr>
-                            <m:ctrlPr>
-                              <a:rPr lang="en-US" sz="2600" i="1">
-                                <a:latin typeface="Cambria Math" panose="02040503050406030204" pitchFamily="18" charset="0"/>
-                              </a:rPr>
-                            </m:ctrlPr>
-                          </m:dPr>
-                          <m:e>
-                            <m:r>
-                              <a:rPr lang="en-US" sz="2600" b="0" i="1" smtClean="0">
-                                <a:latin typeface="Cambria Math" panose="02040503050406030204" pitchFamily="18" charset="0"/>
-                              </a:rPr>
-                              <m:t>𝑦</m:t>
-                            </m:r>
-                            <m:d>
-                              <m:dPr>
-                                <m:ctrlPr>
-                                  <a:rPr lang="en-US" sz="2600" i="1">
-                                    <a:latin typeface="Cambria Math" panose="02040503050406030204" pitchFamily="18" charset="0"/>
-                                  </a:rPr>
-                                </m:ctrlPr>
-                              </m:dPr>
-                              <m:e>
-                                <m:r>
-                                  <a:rPr lang="en-US" sz="2600" i="1">
-                                    <a:latin typeface="Cambria Math" panose="02040503050406030204" pitchFamily="18" charset="0"/>
-                                  </a:rPr>
-                                  <m:t>𝑁</m:t>
-                                </m:r>
-                              </m:e>
-                            </m:d>
-                            <m:r>
-                              <a:rPr lang="en-US" sz="2600" i="1">
-                                <a:latin typeface="Cambria Math" panose="02040503050406030204" pitchFamily="18" charset="0"/>
-                              </a:rPr>
-                              <m:t>−</m:t>
-                            </m:r>
-                            <m:sSub>
-                              <m:sSubPr>
-                                <m:ctrlPr>
-                                  <a:rPr lang="en-US" sz="2600" i="1">
-                                    <a:latin typeface="Cambria Math" panose="02040503050406030204" pitchFamily="18" charset="0"/>
-                                  </a:rPr>
-                                </m:ctrlPr>
-                              </m:sSubPr>
-                              <m:e>
-                                <m:r>
-                                  <a:rPr lang="en-US" sz="2600" b="0" i="1" smtClean="0">
-                                    <a:latin typeface="Cambria Math" panose="02040503050406030204" pitchFamily="18" charset="0"/>
-                                  </a:rPr>
-                                  <m:t>𝑦</m:t>
-                                </m:r>
-                              </m:e>
-                              <m:sub>
-                                <m:r>
-                                  <a:rPr lang="en-US" sz="2600" i="1">
-                                    <a:latin typeface="Cambria Math" panose="02040503050406030204" pitchFamily="18" charset="0"/>
-                                  </a:rPr>
-                                  <m:t>𝑑</m:t>
-                                </m:r>
-                              </m:sub>
-                            </m:sSub>
-                          </m:e>
-                        </m:d>
-                      </m:e>
-                      <m:sup>
-                        <m:r>
-                          <a:rPr lang="en-US" sz="2600" i="1">
-                            <a:latin typeface="Cambria Math" panose="02040503050406030204" pitchFamily="18" charset="0"/>
-                          </a:rPr>
-                          <m:t>2</m:t>
-                        </m:r>
-                      </m:sup>
-                    </m:sSup>
-                    <m:r>
-                      <a:rPr lang="en-US" sz="2600" b="0" i="1" smtClean="0">
+                      <a:rPr lang="en-US" b="0" i="1" smtClean="0">
                         <a:latin typeface="Cambria Math" panose="02040503050406030204" pitchFamily="18" charset="0"/>
                       </a:rPr>
                       <m:t>+</m:t>
                     </m:r>
                     <m:r>
-                      <a:rPr lang="en-US" sz="2600" b="0" i="1" smtClean="0">
+                      <a:rPr lang="en-US" b="0" i="1" smtClean="0">
                         <a:latin typeface="Cambria Math" panose="02040503050406030204" pitchFamily="18" charset="0"/>
                       </a:rPr>
-                      <m:t>𝑤</m:t>
+                      <m:t>𝑣</m:t>
                     </m:r>
-                    <m:sSup>
-                      <m:sSupPr>
+                    <m:r>
+                      <a:rPr lang="en-US" b="0" i="1" smtClean="0">
+                        <a:latin typeface="Cambria Math" panose="02040503050406030204" pitchFamily="18" charset="0"/>
+                      </a:rPr>
+                      <m:t>∗</m:t>
+                    </m:r>
+                    <m:func>
+                      <m:funcPr>
                         <m:ctrlPr>
-                          <a:rPr lang="en-US" sz="2600" i="1">
+                          <a:rPr lang="en-US" b="0" i="1" smtClean="0">
                             <a:latin typeface="Cambria Math" panose="02040503050406030204" pitchFamily="18" charset="0"/>
                           </a:rPr>
                         </m:ctrlPr>
-                      </m:sSupPr>
+                      </m:funcPr>
+                      <m:fName>
+                        <m:r>
+                          <m:rPr>
+                            <m:sty m:val="p"/>
+                          </m:rPr>
+                          <a:rPr lang="en-US" b="0" i="0" smtClean="0">
+                            <a:latin typeface="Cambria Math" panose="02040503050406030204" pitchFamily="18" charset="0"/>
+                          </a:rPr>
+                          <m:t>cos</m:t>
+                        </m:r>
+                      </m:fName>
                       <m:e>
                         <m:d>
                           <m:dPr>
                             <m:ctrlPr>
-                              <a:rPr lang="en-US" sz="2600" i="1">
+                              <a:rPr lang="en-US" b="0" i="1" smtClean="0">
                                 <a:latin typeface="Cambria Math" panose="02040503050406030204" pitchFamily="18" charset="0"/>
                               </a:rPr>
                             </m:ctrlPr>
@@ -11059,97 +11513,343 @@
                               <m:rPr>
                                 <m:sty m:val="p"/>
                               </m:rPr>
-                              <a:rPr lang="en-US" altLang="zh-CN" sz="2600" i="1" smtClean="0">
+                              <a:rPr lang="en-US" altLang="zh-CN" i="1">
                                 <a:latin typeface="Cambria Math" panose="02040503050406030204" pitchFamily="18" charset="0"/>
                               </a:rPr>
                               <m:t>θ</m:t>
                             </m:r>
+                          </m:e>
+                        </m:d>
+                      </m:e>
+                    </m:func>
+                    <m:r>
+                      <a:rPr lang="en-US" altLang="zh-CN" b="0" i="1" smtClean="0">
+                        <a:latin typeface="Cambria Math" panose="02040503050406030204" pitchFamily="18" charset="0"/>
+                      </a:rPr>
+                      <m:t>,</m:t>
+                    </m:r>
+                  </m:oMath>
+                </a14:m>
+                <a:endParaRPr lang="en-US" altLang="zh-CN" b="0" dirty="0"/>
+              </a:p>
+              <a:p>
+                <a14:m>
+                  <m:oMath xmlns:m="http://schemas.openxmlformats.org/officeDocument/2006/math">
+                    <m:sSub>
+                      <m:sSubPr>
+                        <m:ctrlPr>
+                          <a:rPr lang="en-US" b="0" i="1" smtClean="0">
+                            <a:latin typeface="Cambria Math" panose="02040503050406030204" pitchFamily="18" charset="0"/>
+                          </a:rPr>
+                        </m:ctrlPr>
+                      </m:sSubPr>
+                      <m:e>
+                        <m:r>
+                          <a:rPr lang="en-US" b="0" i="1" smtClean="0">
+                            <a:latin typeface="Cambria Math" panose="02040503050406030204" pitchFamily="18" charset="0"/>
+                          </a:rPr>
+                          <m:t>𝑦</m:t>
+                        </m:r>
+                      </m:e>
+                      <m:sub>
+                        <m:r>
+                          <a:rPr lang="en-US" b="0" i="1" smtClean="0">
+                            <a:latin typeface="Cambria Math" panose="02040503050406030204" pitchFamily="18" charset="0"/>
+                          </a:rPr>
+                          <m:t>𝑛𝑒𝑥𝑡</m:t>
+                        </m:r>
+                      </m:sub>
+                    </m:sSub>
+                    <m:r>
+                      <a:rPr lang="en-US" b="0" i="1" smtClean="0">
+                        <a:latin typeface="Cambria Math" panose="02040503050406030204" pitchFamily="18" charset="0"/>
+                      </a:rPr>
+                      <m:t>=</m:t>
+                    </m:r>
+                    <m:r>
+                      <a:rPr lang="en-US" b="0" i="1" smtClean="0">
+                        <a:latin typeface="Cambria Math" panose="02040503050406030204" pitchFamily="18" charset="0"/>
+                      </a:rPr>
+                      <m:t>𝑦</m:t>
+                    </m:r>
+                    <m:r>
+                      <a:rPr lang="en-US" b="0" i="1" smtClean="0">
+                        <a:latin typeface="Cambria Math" panose="02040503050406030204" pitchFamily="18" charset="0"/>
+                      </a:rPr>
+                      <m:t>+</m:t>
+                    </m:r>
+                    <m:r>
+                      <a:rPr lang="en-US" b="0" i="1" smtClean="0">
+                        <a:latin typeface="Cambria Math" panose="02040503050406030204" pitchFamily="18" charset="0"/>
+                      </a:rPr>
+                      <m:t>𝑣</m:t>
+                    </m:r>
+                    <m:r>
+                      <a:rPr lang="en-US" b="0" i="1" smtClean="0">
+                        <a:latin typeface="Cambria Math" panose="02040503050406030204" pitchFamily="18" charset="0"/>
+                      </a:rPr>
+                      <m:t>∗</m:t>
+                    </m:r>
+                    <m:r>
+                      <m:rPr>
+                        <m:sty m:val="p"/>
+                      </m:rPr>
+                      <a:rPr lang="en-US" b="0" i="0" smtClean="0">
+                        <a:latin typeface="Cambria Math" panose="02040503050406030204" pitchFamily="18" charset="0"/>
+                      </a:rPr>
+                      <m:t>sin</m:t>
+                    </m:r>
+                    <m:r>
+                      <a:rPr lang="en-US" b="0" i="1" smtClean="0">
+                        <a:latin typeface="Cambria Math" panose="02040503050406030204" pitchFamily="18" charset="0"/>
+                      </a:rPr>
+                      <m:t>⁡(</m:t>
+                    </m:r>
+                    <m:r>
+                      <m:rPr>
+                        <m:sty m:val="p"/>
+                      </m:rPr>
+                      <a:rPr lang="en-US" altLang="zh-CN" i="1">
+                        <a:latin typeface="Cambria Math" panose="02040503050406030204" pitchFamily="18" charset="0"/>
+                      </a:rPr>
+                      <m:t>θ</m:t>
+                    </m:r>
+                  </m:oMath>
+                </a14:m>
+                <a:r>
+                  <a:rPr lang="en-US" dirty="0"/>
+                  <a:t>),</a:t>
+                </a:r>
+              </a:p>
+              <a:p>
+                <a14:m>
+                  <m:oMath xmlns:m="http://schemas.openxmlformats.org/officeDocument/2006/math">
+                    <m:sSub>
+                      <m:sSubPr>
+                        <m:ctrlPr>
+                          <a:rPr lang="en-US" altLang="zh-CN" b="0" i="1" smtClean="0">
+                            <a:latin typeface="Cambria Math" panose="02040503050406030204" pitchFamily="18" charset="0"/>
+                          </a:rPr>
+                        </m:ctrlPr>
+                      </m:sSubPr>
+                      <m:e>
+                        <m:r>
+                          <m:rPr>
+                            <m:sty m:val="p"/>
+                          </m:rPr>
+                          <a:rPr lang="en-US" altLang="zh-CN" i="1">
+                            <a:latin typeface="Cambria Math" panose="02040503050406030204" pitchFamily="18" charset="0"/>
+                          </a:rPr>
+                          <m:t>θ</m:t>
+                        </m:r>
+                      </m:e>
+                      <m:sub>
+                        <m:r>
+                          <a:rPr lang="en-US" altLang="zh-CN" b="0" i="1" smtClean="0">
+                            <a:latin typeface="Cambria Math" panose="02040503050406030204" pitchFamily="18" charset="0"/>
+                          </a:rPr>
+                          <m:t>𝑛𝑒𝑥𝑡</m:t>
+                        </m:r>
+                      </m:sub>
+                    </m:sSub>
+                    <m:r>
+                      <a:rPr lang="en-US" altLang="zh-CN" b="0" i="1" smtClean="0">
+                        <a:latin typeface="Cambria Math" panose="02040503050406030204" pitchFamily="18" charset="0"/>
+                      </a:rPr>
+                      <m:t>=</m:t>
+                    </m:r>
+                    <m:r>
+                      <m:rPr>
+                        <m:sty m:val="p"/>
+                      </m:rPr>
+                      <a:rPr lang="en-US" altLang="zh-CN" i="1">
+                        <a:latin typeface="Cambria Math" panose="02040503050406030204" pitchFamily="18" charset="0"/>
+                      </a:rPr>
+                      <m:t>θ</m:t>
+                    </m:r>
+                    <m:r>
+                      <a:rPr lang="en-US" altLang="zh-CN" b="0" i="1" smtClean="0">
+                        <a:latin typeface="Cambria Math" panose="02040503050406030204" pitchFamily="18" charset="0"/>
+                      </a:rPr>
+                      <m:t>+</m:t>
+                    </m:r>
+                    <m:r>
+                      <a:rPr lang="en-US" altLang="zh-CN" b="0" i="1" smtClean="0">
+                        <a:latin typeface="Cambria Math" panose="02040503050406030204" pitchFamily="18" charset="0"/>
+                      </a:rPr>
+                      <m:t>𝑣</m:t>
+                    </m:r>
+                    <m:r>
+                      <a:rPr lang="en-US" altLang="zh-CN" b="0" i="1" smtClean="0">
+                        <a:latin typeface="Cambria Math" panose="02040503050406030204" pitchFamily="18" charset="0"/>
+                      </a:rPr>
+                      <m:t>∗</m:t>
+                    </m:r>
+                    <m:f>
+                      <m:fPr>
+                        <m:ctrlPr>
+                          <a:rPr lang="en-US" altLang="zh-CN" b="0" i="0" smtClean="0">
+                            <a:latin typeface="Cambria Math" panose="02040503050406030204" pitchFamily="18" charset="0"/>
+                          </a:rPr>
+                        </m:ctrlPr>
+                      </m:fPr>
+                      <m:num>
+                        <m:func>
+                          <m:funcPr>
+                            <m:ctrlPr>
+                              <a:rPr lang="en-US" altLang="zh-CN" b="0" i="1" smtClean="0">
+                                <a:latin typeface="Cambria Math" panose="02040503050406030204" pitchFamily="18" charset="0"/>
+                              </a:rPr>
+                            </m:ctrlPr>
+                          </m:funcPr>
+                          <m:fName>
+                            <m:r>
+                              <m:rPr>
+                                <m:sty m:val="p"/>
+                              </m:rPr>
+                              <a:rPr lang="en-US" altLang="zh-CN" b="0" i="0" smtClean="0">
+                                <a:latin typeface="Cambria Math" panose="02040503050406030204" pitchFamily="18" charset="0"/>
+                              </a:rPr>
+                              <m:t>tan</m:t>
+                            </m:r>
+                          </m:fName>
+                          <m:e>
                             <m:d>
                               <m:dPr>
                                 <m:ctrlPr>
-                                  <a:rPr lang="en-US" sz="2600" i="1">
+                                  <a:rPr lang="en-US" altLang="zh-CN" b="0" i="1" smtClean="0">
                                     <a:latin typeface="Cambria Math" panose="02040503050406030204" pitchFamily="18" charset="0"/>
                                   </a:rPr>
                                 </m:ctrlPr>
                               </m:dPr>
                               <m:e>
                                 <m:r>
-                                  <a:rPr lang="en-US" sz="2600" i="1">
+                                  <a:rPr lang="en-US" i="1">
                                     <a:latin typeface="Cambria Math" panose="02040503050406030204" pitchFamily="18" charset="0"/>
                                   </a:rPr>
-                                  <m:t>𝑁</m:t>
+                                  <m:t>𝜙</m:t>
                                 </m:r>
                               </m:e>
                             </m:d>
-                            <m:r>
-                              <a:rPr lang="en-US" sz="2600" i="1">
-                                <a:latin typeface="Cambria Math" panose="02040503050406030204" pitchFamily="18" charset="0"/>
-                              </a:rPr>
-                              <m:t>−</m:t>
-                            </m:r>
-                            <m:sSub>
-                              <m:sSubPr>
-                                <m:ctrlPr>
-                                  <a:rPr lang="en-US" sz="2600" i="1">
-                                    <a:latin typeface="Cambria Math" panose="02040503050406030204" pitchFamily="18" charset="0"/>
-                                  </a:rPr>
-                                </m:ctrlPr>
-                              </m:sSubPr>
-                              <m:e>
-                                <m:r>
-                                  <m:rPr>
-                                    <m:sty m:val="p"/>
-                                  </m:rPr>
-                                  <a:rPr lang="en-US" altLang="zh-CN" sz="2600" i="1">
-                                    <a:latin typeface="Cambria Math" panose="02040503050406030204" pitchFamily="18" charset="0"/>
-                                  </a:rPr>
-                                  <m:t>θ</m:t>
-                                </m:r>
-                              </m:e>
-                              <m:sub>
-                                <m:r>
-                                  <a:rPr lang="en-US" sz="2600" i="1">
-                                    <a:latin typeface="Cambria Math" panose="02040503050406030204" pitchFamily="18" charset="0"/>
-                                  </a:rPr>
-                                  <m:t>𝑑</m:t>
-                                </m:r>
-                              </m:sub>
-                            </m:sSub>
                           </m:e>
-                        </m:d>
-                      </m:e>
-                      <m:sup>
+                        </m:func>
+                      </m:num>
+                      <m:den>
                         <m:r>
-                          <a:rPr lang="en-US" sz="2600" i="1">
+                          <m:rPr>
+                            <m:sty m:val="p"/>
+                          </m:rPr>
+                          <a:rPr lang="en-US" altLang="zh-CN" b="0" i="0" smtClean="0">
                             <a:latin typeface="Cambria Math" panose="02040503050406030204" pitchFamily="18" charset="0"/>
                           </a:rPr>
-                          <m:t>2</m:t>
+                          <m:t>l</m:t>
                         </m:r>
-                      </m:sup>
-                    </m:sSup>
+                      </m:den>
+                    </m:f>
                     <m:r>
-                      <a:rPr lang="en-US" sz="2600" b="0" i="1" smtClean="0">
+                      <a:rPr lang="en-US" altLang="zh-CN" b="0" i="0" smtClean="0">
                         <a:latin typeface="Cambria Math" panose="02040503050406030204" pitchFamily="18" charset="0"/>
                       </a:rPr>
-                      <m:t>)</m:t>
+                      <m:t>,</m:t>
+                    </m:r>
+                  </m:oMath>
+                </a14:m>
+                <a:endParaRPr lang="en-US" dirty="0"/>
+              </a:p>
+              <a:p>
+                <a:r>
+                  <a:rPr lang="en-US" dirty="0"/>
+                  <a:t>Control Input:</a:t>
+                </a:r>
+              </a:p>
+              <a:p>
+                <a14:m>
+                  <m:oMath xmlns:m="http://schemas.openxmlformats.org/officeDocument/2006/math">
+                    <m:r>
+                      <a:rPr lang="en-US" b="0" i="1" smtClean="0">
+                        <a:latin typeface="Cambria Math" panose="02040503050406030204" pitchFamily="18" charset="0"/>
+                      </a:rPr>
+                      <m:t>𝑢</m:t>
+                    </m:r>
+                    <m:r>
+                      <a:rPr lang="en-US" b="0" i="1" smtClean="0">
+                        <a:latin typeface="Cambria Math" panose="02040503050406030204" pitchFamily="18" charset="0"/>
+                      </a:rPr>
+                      <m:t>1=</m:t>
+                    </m:r>
+                    <m:r>
+                      <a:rPr lang="en-US" b="0" i="1" smtClean="0">
+                        <a:latin typeface="Cambria Math" panose="02040503050406030204" pitchFamily="18" charset="0"/>
+                      </a:rPr>
+                      <m:t>𝑣</m:t>
+                    </m:r>
+                    <m:r>
+                      <a:rPr lang="en-US" b="0" i="1" smtClean="0">
+                        <a:latin typeface="Cambria Math" panose="02040503050406030204" pitchFamily="18" charset="0"/>
+                      </a:rPr>
+                      <m:t>, </m:t>
                     </m:r>
                   </m:oMath>
                 </a14:m>
                 <a:r>
-                  <a:rPr lang="en-US" sz="2600" dirty="0"/>
-                  <a:t>, w=50</a:t>
+                  <a:rPr lang="en-US" b="0" i="1" dirty="0">
+                    <a:latin typeface="Cambria Math" panose="02040503050406030204" pitchFamily="18" charset="0"/>
+                  </a:rPr>
+                  <a:t> </a:t>
+                </a:r>
+                <a:r>
+                  <a:rPr lang="en-US" b="0" dirty="0">
+                    <a:latin typeface="Cambria Math" panose="02040503050406030204" pitchFamily="18" charset="0"/>
+                  </a:rPr>
+                  <a:t>velocity of the vehicle</a:t>
+                </a:r>
+              </a:p>
+              <a:p>
+                <a14:m>
+                  <m:oMath xmlns:m="http://schemas.openxmlformats.org/officeDocument/2006/math">
+                    <m:r>
+                      <a:rPr lang="en-US" b="0" i="1" smtClean="0">
+                        <a:latin typeface="Cambria Math" panose="02040503050406030204" pitchFamily="18" charset="0"/>
+                      </a:rPr>
+                      <m:t>𝑢</m:t>
+                    </m:r>
+                    <m:r>
+                      <a:rPr lang="en-US" b="0" i="1" smtClean="0">
+                        <a:latin typeface="Cambria Math" panose="02040503050406030204" pitchFamily="18" charset="0"/>
+                      </a:rPr>
+                      <m:t>2=</m:t>
+                    </m:r>
+                  </m:oMath>
+                </a14:m>
+                <a:r>
+                  <a:rPr lang="en-US" dirty="0"/>
+                  <a:t> </a:t>
+                </a:r>
+                <a14:m>
+                  <m:oMath xmlns:m="http://schemas.openxmlformats.org/officeDocument/2006/math">
+                    <m:r>
+                      <a:rPr lang="en-US" i="1">
+                        <a:latin typeface="Cambria Math" panose="02040503050406030204" pitchFamily="18" charset="0"/>
+                      </a:rPr>
+                      <m:t>𝜙</m:t>
+                    </m:r>
+                  </m:oMath>
+                </a14:m>
+                <a:r>
+                  <a:rPr lang="en-US" dirty="0"/>
+                  <a:t>, steering angle of the vehicle</a:t>
                 </a:r>
               </a:p>
             </p:txBody>
           </p:sp>
         </mc:Choice>
-        <mc:Fallback xmlns="">
+        <mc:Fallback>
           <p:sp>
             <p:nvSpPr>
               <p:cNvPr id="3" name="Text Placeholder 2">
                 <a:extLst>
                   <a:ext uri="{FF2B5EF4-FFF2-40B4-BE49-F238E27FC236}">
-                    <a16:creationId xmlns:a16="http://schemas.microsoft.com/office/drawing/2014/main" id="{F95A7129-A532-474F-A5EC-150189A30AF7}"/>
+                    <a16:creationId xmlns:a16="http://schemas.microsoft.com/office/drawing/2014/main" id="{E2A8DB5D-FBDC-4B81-B099-76F8F0C123FB}"/>
                   </a:ext>
                 </a:extLst>
               </p:cNvPr>
@@ -11163,12 +11863,12 @@
             <p:spPr>
               <a:xfrm>
                 <a:off x="299222" y="1051972"/>
-                <a:ext cx="11252418" cy="2438400"/>
+                <a:ext cx="10673578" cy="4986221"/>
               </a:xfrm>
               <a:blipFill>
                 <a:blip r:embed="rId2"/>
                 <a:stretch>
-                  <a:fillRect l="-813" t="-2250"/>
+                  <a:fillRect l="-1028"/>
                 </a:stretch>
               </a:blipFill>
             </p:spPr>
@@ -11187,160 +11887,10 @@
           </p:sp>
         </mc:Fallback>
       </mc:AlternateContent>
-      <p:pic>
-        <p:nvPicPr>
-          <p:cNvPr id="5" name="圖片 4">
-            <a:extLst>
-              <a:ext uri="{FF2B5EF4-FFF2-40B4-BE49-F238E27FC236}">
-                <a16:creationId xmlns:a16="http://schemas.microsoft.com/office/drawing/2014/main" id="{5C5D9DF3-89F8-4E54-B8AF-3BA178BD478E}"/>
-              </a:ext>
-            </a:extLst>
-          </p:cNvPr>
-          <p:cNvPicPr>
-            <a:picLocks noChangeAspect="1"/>
-          </p:cNvPicPr>
-          <p:nvPr/>
-        </p:nvPicPr>
-        <p:blipFill rotWithShape="1">
-          <a:blip r:embed="rId3">
-            <a:extLst>
-              <a:ext uri="{28A0092B-C50C-407E-A947-70E740481C1C}">
-                <a14:useLocalDpi xmlns:a14="http://schemas.microsoft.com/office/drawing/2010/main" val="0"/>
-              </a:ext>
-            </a:extLst>
-          </a:blip>
-          <a:srcRect t="6276" b="5169"/>
-          <a:stretch/>
-        </p:blipFill>
-        <p:spPr>
-          <a:xfrm>
-            <a:off x="299222" y="2812569"/>
-            <a:ext cx="4272778" cy="2837793"/>
-          </a:xfrm>
-          <a:prstGeom prst="rect">
-            <a:avLst/>
-          </a:prstGeom>
-        </p:spPr>
-      </p:pic>
-      <p:pic>
-        <p:nvPicPr>
-          <p:cNvPr id="6" name="圖片 5">
-            <a:extLst>
-              <a:ext uri="{FF2B5EF4-FFF2-40B4-BE49-F238E27FC236}">
-                <a16:creationId xmlns:a16="http://schemas.microsoft.com/office/drawing/2014/main" id="{7A1AA7D5-3D63-4908-98EB-41CA82760678}"/>
-              </a:ext>
-            </a:extLst>
-          </p:cNvPr>
-          <p:cNvPicPr>
-            <a:picLocks noChangeAspect="1"/>
-          </p:cNvPicPr>
-          <p:nvPr/>
-        </p:nvPicPr>
-        <p:blipFill rotWithShape="1">
-          <a:blip r:embed="rId4">
-            <a:extLst>
-              <a:ext uri="{28A0092B-C50C-407E-A947-70E740481C1C}">
-                <a14:useLocalDpi xmlns:a14="http://schemas.microsoft.com/office/drawing/2010/main" val="0"/>
-              </a:ext>
-            </a:extLst>
-          </a:blip>
-          <a:srcRect t="4899" b="5169"/>
-          <a:stretch/>
-        </p:blipFill>
-        <p:spPr>
-          <a:xfrm>
-            <a:off x="5678924" y="2812569"/>
-            <a:ext cx="4272779" cy="2881937"/>
-          </a:xfrm>
-          <a:prstGeom prst="rect">
-            <a:avLst/>
-          </a:prstGeom>
-        </p:spPr>
-      </p:pic>
-      <p:sp>
-        <p:nvSpPr>
-          <p:cNvPr id="7" name="矩形 3">
-            <a:extLst>
-              <a:ext uri="{FF2B5EF4-FFF2-40B4-BE49-F238E27FC236}">
-                <a16:creationId xmlns:a16="http://schemas.microsoft.com/office/drawing/2014/main" id="{25307B01-F105-4602-A01F-A8B60413C42F}"/>
-              </a:ext>
-            </a:extLst>
-          </p:cNvPr>
-          <p:cNvSpPr/>
-          <p:nvPr/>
-        </p:nvSpPr>
-        <p:spPr>
-          <a:xfrm>
-            <a:off x="440569" y="5658362"/>
-            <a:ext cx="4755745" cy="369332"/>
-          </a:xfrm>
-          <a:prstGeom prst="rect">
-            <a:avLst/>
-          </a:prstGeom>
-        </p:spPr>
-        <p:txBody>
-          <a:bodyPr wrap="square">
-            <a:spAutoFit/>
-          </a:bodyPr>
-          <a:lstStyle/>
-          <a:p>
-            <a:r>
-              <a:rPr lang="en-US" dirty="0">
-                <a:solidFill>
-                  <a:srgbClr val="333333"/>
-                </a:solidFill>
-                <a:latin typeface="Times New Roman" panose="02020603050405020304" pitchFamily="18" charset="0"/>
-              </a:rPr>
-              <a:t>Figure 3: Results without collision avoidance</a:t>
-            </a:r>
-            <a:endParaRPr lang="en-US" dirty="0"/>
-          </a:p>
-        </p:txBody>
-      </p:sp>
-      <p:sp>
-        <p:nvSpPr>
-          <p:cNvPr id="9" name="矩形 3">
-            <a:extLst>
-              <a:ext uri="{FF2B5EF4-FFF2-40B4-BE49-F238E27FC236}">
-                <a16:creationId xmlns:a16="http://schemas.microsoft.com/office/drawing/2014/main" id="{77E5E26C-474E-4572-B32D-E5A9B6E9F618}"/>
-              </a:ext>
-            </a:extLst>
-          </p:cNvPr>
-          <p:cNvSpPr/>
-          <p:nvPr/>
-        </p:nvSpPr>
-        <p:spPr>
-          <a:xfrm>
-            <a:off x="5678924" y="5694506"/>
-            <a:ext cx="4404701" cy="369332"/>
-          </a:xfrm>
-          <a:prstGeom prst="rect">
-            <a:avLst/>
-          </a:prstGeom>
-        </p:spPr>
-        <p:txBody>
-          <a:bodyPr wrap="square">
-            <a:spAutoFit/>
-          </a:bodyPr>
-          <a:lstStyle/>
-          <a:p>
-            <a:r>
-              <a:rPr lang="en-US" dirty="0">
-                <a:solidFill>
-                  <a:srgbClr val="333333"/>
-                </a:solidFill>
-                <a:latin typeface="Times New Roman" panose="02020603050405020304" pitchFamily="18" charset="0"/>
-              </a:rPr>
-              <a:t>Figure 4: Results without collision avoidance</a:t>
-            </a:r>
-            <a:endParaRPr lang="en-US" dirty="0"/>
-          </a:p>
-        </p:txBody>
-      </p:sp>
     </p:spTree>
     <p:extLst>
       <p:ext uri="{BB962C8B-B14F-4D97-AF65-F5344CB8AC3E}">
-        <p14:creationId xmlns:p14="http://schemas.microsoft.com/office/powerpoint/2010/main" val="352727967"/>
+        <p14:creationId xmlns:p14="http://schemas.microsoft.com/office/powerpoint/2010/main" val="1044806887"/>
       </p:ext>
     </p:extLst>
   </p:cSld>

--- a/Optimal Control Theory.pptx
+++ b/Optimal Control Theory.pptx
@@ -8825,8 +8825,8 @@
           </a:p>
         </p:txBody>
       </p:sp>
-      <mc:AlternateContent xmlns:mc="http://schemas.openxmlformats.org/markup-compatibility/2006" xmlns:a14="http://schemas.microsoft.com/office/drawing/2010/main">
-        <mc:Choice Requires="a14">
+      <mc:AlternateContent xmlns:mc="http://schemas.openxmlformats.org/markup-compatibility/2006">
+        <mc:Choice xmlns:a14="http://schemas.microsoft.com/office/drawing/2010/main" Requires="a14">
           <p:sp>
             <p:nvSpPr>
               <p:cNvPr id="3" name="Text Placeholder 2">
@@ -8889,7 +8889,7 @@
                     <a:latin typeface="Courier New" panose="02070309020205020404" pitchFamily="49" charset="0"/>
                     <a:cs typeface="Courier New" panose="02070309020205020404" pitchFamily="49" charset="0"/>
                   </a:rPr>
-                  <a:t>	While !collision:</a:t>
+                  <a:t>	While collision:</a:t>
                 </a:r>
               </a:p>
               <a:p>
@@ -9001,7 +9001,7 @@
             </p:txBody>
           </p:sp>
         </mc:Choice>
-        <mc:Fallback xmlns="">
+        <mc:Fallback>
           <p:sp>
             <p:nvSpPr>
               <p:cNvPr id="3" name="Text Placeholder 2">
@@ -11838,6 +11838,62 @@
                 <a:r>
                   <a:rPr lang="en-US" dirty="0"/>
                   <a:t>, steering angle of the vehicle</a:t>
+                </a:r>
+              </a:p>
+              <a:p>
+                <a:r>
+                  <a:rPr lang="en-US" dirty="0"/>
+                  <a:t>where </a:t>
+                </a:r>
+                <a14:m>
+                  <m:oMath xmlns:m="http://schemas.openxmlformats.org/officeDocument/2006/math">
+                    <m:r>
+                      <a:rPr lang="en-US" b="0" i="1" smtClean="0">
+                        <a:latin typeface="Cambria Math" panose="02040503050406030204" pitchFamily="18" charset="0"/>
+                      </a:rPr>
+                      <m:t>−10&lt;</m:t>
+                    </m:r>
+                    <m:r>
+                      <a:rPr lang="en-US" b="0" i="1" smtClean="0">
+                        <a:latin typeface="Cambria Math" panose="02040503050406030204" pitchFamily="18" charset="0"/>
+                      </a:rPr>
+                      <m:t>𝑢</m:t>
+                    </m:r>
+                    <m:r>
+                      <a:rPr lang="en-US" b="0" i="1" smtClean="0">
+                        <a:latin typeface="Cambria Math" panose="02040503050406030204" pitchFamily="18" charset="0"/>
+                      </a:rPr>
+                      <m:t>1&lt;10, </m:t>
+                    </m:r>
+                    <m:r>
+                      <a:rPr lang="en-US" b="0" i="1" smtClean="0">
+                        <a:latin typeface="Cambria Math" panose="02040503050406030204" pitchFamily="18" charset="0"/>
+                      </a:rPr>
+                      <m:t>𝑎𝑛𝑑</m:t>
+                    </m:r>
+                    <m:r>
+                      <a:rPr lang="en-US" b="0" i="1" smtClean="0">
+                        <a:latin typeface="Cambria Math" panose="02040503050406030204" pitchFamily="18" charset="0"/>
+                      </a:rPr>
+                      <m:t> −0.8&lt;</m:t>
+                    </m:r>
+                    <m:r>
+                      <a:rPr lang="en-US" b="0" i="1" smtClean="0">
+                        <a:latin typeface="Cambria Math" panose="02040503050406030204" pitchFamily="18" charset="0"/>
+                      </a:rPr>
+                      <m:t>𝑢</m:t>
+                    </m:r>
+                    <m:r>
+                      <a:rPr lang="en-US" b="0" i="1" smtClean="0">
+                        <a:latin typeface="Cambria Math" panose="02040503050406030204" pitchFamily="18" charset="0"/>
+                      </a:rPr>
+                      <m:t>2&lt;0.8</m:t>
+                    </m:r>
+                  </m:oMath>
+                </a14:m>
+                <a:r>
+                  <a:rPr lang="en-US" dirty="0"/>
+                  <a:t> </a:t>
                 </a:r>
               </a:p>
             </p:txBody>

--- a/Optimal Control Theory.pptx
+++ b/Optimal Control Theory.pptx
@@ -8825,8 +8825,8 @@
           </a:p>
         </p:txBody>
       </p:sp>
-      <mc:AlternateContent xmlns:mc="http://schemas.openxmlformats.org/markup-compatibility/2006">
-        <mc:Choice xmlns:a14="http://schemas.microsoft.com/office/drawing/2010/main" Requires="a14">
+      <mc:AlternateContent xmlns:mc="http://schemas.openxmlformats.org/markup-compatibility/2006" xmlns:a14="http://schemas.microsoft.com/office/drawing/2010/main">
+        <mc:Choice Requires="a14">
           <p:sp>
             <p:nvSpPr>
               <p:cNvPr id="3" name="Text Placeholder 2">
@@ -9001,7 +9001,7 @@
             </p:txBody>
           </p:sp>
         </mc:Choice>
-        <mc:Fallback>
+        <mc:Fallback xmlns="">
           <p:sp>
             <p:nvSpPr>
               <p:cNvPr id="3" name="Text Placeholder 2">
@@ -11419,23 +11419,33 @@
             </p:spPr>
             <p:txBody>
               <a:bodyPr>
-                <a:normAutofit/>
+                <a:noAutofit/>
               </a:bodyPr>
               <a:lstStyle/>
               <a:p>
+                <a:pPr lvl="1"/>
+                <a:r>
+                  <a:rPr lang="en-US" sz="2600" b="0" dirty="0">
+                    <a:latin typeface="Cambria Math" panose="02040503050406030204" pitchFamily="18" charset="0"/>
+                  </a:rPr>
+                  <a:t>States:</a:t>
+                </a:r>
+              </a:p>
+              <a:p>
+                <a:pPr lvl="2"/>
                 <a14:m>
                   <m:oMath xmlns:m="http://schemas.openxmlformats.org/officeDocument/2006/math">
                     <m:sSub>
                       <m:sSubPr>
                         <m:ctrlPr>
-                          <a:rPr lang="en-US" b="0" i="1" smtClean="0">
+                          <a:rPr lang="en-US" sz="2600" b="0" i="1" smtClean="0">
                             <a:latin typeface="Cambria Math" panose="02040503050406030204" pitchFamily="18" charset="0"/>
                           </a:rPr>
                         </m:ctrlPr>
                       </m:sSubPr>
                       <m:e>
                         <m:r>
-                          <a:rPr lang="en-US" b="0" i="1" smtClean="0">
+                          <a:rPr lang="en-US" sz="2600" b="0" i="1" smtClean="0">
                             <a:latin typeface="Cambria Math" panose="02040503050406030204" pitchFamily="18" charset="0"/>
                           </a:rPr>
                           <m:t>𝑥</m:t>
@@ -11443,7 +11453,7 @@
                       </m:e>
                       <m:sub>
                         <m:r>
-                          <a:rPr lang="en-US" b="0" i="1" smtClean="0">
+                          <a:rPr lang="en-US" sz="2600" b="0" i="1" smtClean="0">
                             <a:latin typeface="Cambria Math" panose="02040503050406030204" pitchFamily="18" charset="0"/>
                           </a:rPr>
                           <m:t>𝑛𝑒𝑥𝑡</m:t>
@@ -11451,31 +11461,31 @@
                       </m:sub>
                     </m:sSub>
                     <m:r>
-                      <a:rPr lang="en-US" b="0" i="1" smtClean="0">
+                      <a:rPr lang="en-US" sz="2600" b="0" i="1" smtClean="0">
                         <a:latin typeface="Cambria Math" panose="02040503050406030204" pitchFamily="18" charset="0"/>
                       </a:rPr>
                       <m:t>=</m:t>
                     </m:r>
                     <m:r>
-                      <a:rPr lang="en-US" b="0" i="1" smtClean="0">
+                      <a:rPr lang="en-US" sz="2600" b="0" i="1" smtClean="0">
                         <a:latin typeface="Cambria Math" panose="02040503050406030204" pitchFamily="18" charset="0"/>
                       </a:rPr>
                       <m:t>𝑥</m:t>
                     </m:r>
                     <m:r>
-                      <a:rPr lang="en-US" b="0" i="1" smtClean="0">
+                      <a:rPr lang="en-US" sz="2600" b="0" i="1" smtClean="0">
                         <a:latin typeface="Cambria Math" panose="02040503050406030204" pitchFamily="18" charset="0"/>
                       </a:rPr>
                       <m:t>+</m:t>
                     </m:r>
                     <m:r>
-                      <a:rPr lang="en-US" b="0" i="1" smtClean="0">
+                      <a:rPr lang="en-US" sz="2600" b="0" i="1" smtClean="0">
                         <a:latin typeface="Cambria Math" panose="02040503050406030204" pitchFamily="18" charset="0"/>
                       </a:rPr>
                       <m:t>𝑣</m:t>
                     </m:r>
                     <m:r>
-                      <a:rPr lang="en-US" b="0" i="1" smtClean="0">
+                      <a:rPr lang="en-US" sz="2600" b="0" i="1" smtClean="0">
                         <a:latin typeface="Cambria Math" panose="02040503050406030204" pitchFamily="18" charset="0"/>
                       </a:rPr>
                       <m:t>∗</m:t>
@@ -11483,7 +11493,7 @@
                     <m:func>
                       <m:funcPr>
                         <m:ctrlPr>
-                          <a:rPr lang="en-US" b="0" i="1" smtClean="0">
+                          <a:rPr lang="en-US" sz="2600" b="0" i="1" smtClean="0">
                             <a:latin typeface="Cambria Math" panose="02040503050406030204" pitchFamily="18" charset="0"/>
                           </a:rPr>
                         </m:ctrlPr>
@@ -11493,7 +11503,7 @@
                           <m:rPr>
                             <m:sty m:val="p"/>
                           </m:rPr>
-                          <a:rPr lang="en-US" b="0" i="0" smtClean="0">
+                          <a:rPr lang="en-US" sz="2600" b="0" i="0" smtClean="0">
                             <a:latin typeface="Cambria Math" panose="02040503050406030204" pitchFamily="18" charset="0"/>
                           </a:rPr>
                           <m:t>cos</m:t>
@@ -11503,7 +11513,7 @@
                         <m:d>
                           <m:dPr>
                             <m:ctrlPr>
-                              <a:rPr lang="en-US" b="0" i="1" smtClean="0">
+                              <a:rPr lang="en-US" sz="2600" b="0" i="1" smtClean="0">
                                 <a:latin typeface="Cambria Math" panose="02040503050406030204" pitchFamily="18" charset="0"/>
                               </a:rPr>
                             </m:ctrlPr>
@@ -11513,7 +11523,7 @@
                               <m:rPr>
                                 <m:sty m:val="p"/>
                               </m:rPr>
-                              <a:rPr lang="en-US" altLang="zh-CN" i="1">
+                              <a:rPr lang="en-US" altLang="zh-CN" sz="2600" i="1">
                                 <a:latin typeface="Cambria Math" panose="02040503050406030204" pitchFamily="18" charset="0"/>
                               </a:rPr>
                               <m:t>θ</m:t>
@@ -11523,29 +11533,30 @@
                       </m:e>
                     </m:func>
                     <m:r>
-                      <a:rPr lang="en-US" altLang="zh-CN" b="0" i="1" smtClean="0">
+                      <a:rPr lang="en-US" altLang="zh-CN" sz="2600" b="0" i="1" smtClean="0">
                         <a:latin typeface="Cambria Math" panose="02040503050406030204" pitchFamily="18" charset="0"/>
                       </a:rPr>
                       <m:t>,</m:t>
                     </m:r>
                   </m:oMath>
                 </a14:m>
-                <a:endParaRPr lang="en-US" altLang="zh-CN" b="0" dirty="0"/>
+                <a:endParaRPr lang="en-US" altLang="zh-CN" sz="2600" b="0" dirty="0"/>
               </a:p>
               <a:p>
+                <a:pPr lvl="2"/>
                 <a14:m>
                   <m:oMath xmlns:m="http://schemas.openxmlformats.org/officeDocument/2006/math">
                     <m:sSub>
                       <m:sSubPr>
                         <m:ctrlPr>
-                          <a:rPr lang="en-US" b="0" i="1" smtClean="0">
+                          <a:rPr lang="en-US" sz="2600" b="0" i="1" smtClean="0">
                             <a:latin typeface="Cambria Math" panose="02040503050406030204" pitchFamily="18" charset="0"/>
                           </a:rPr>
                         </m:ctrlPr>
                       </m:sSubPr>
                       <m:e>
                         <m:r>
-                          <a:rPr lang="en-US" b="0" i="1" smtClean="0">
+                          <a:rPr lang="en-US" sz="2600" b="0" i="1" smtClean="0">
                             <a:latin typeface="Cambria Math" panose="02040503050406030204" pitchFamily="18" charset="0"/>
                           </a:rPr>
                           <m:t>𝑦</m:t>
@@ -11553,7 +11564,7 @@
                       </m:e>
                       <m:sub>
                         <m:r>
-                          <a:rPr lang="en-US" b="0" i="1" smtClean="0">
+                          <a:rPr lang="en-US" sz="2600" b="0" i="1" smtClean="0">
                             <a:latin typeface="Cambria Math" panose="02040503050406030204" pitchFamily="18" charset="0"/>
                           </a:rPr>
                           <m:t>𝑛𝑒𝑥𝑡</m:t>
@@ -11561,31 +11572,31 @@
                       </m:sub>
                     </m:sSub>
                     <m:r>
-                      <a:rPr lang="en-US" b="0" i="1" smtClean="0">
+                      <a:rPr lang="en-US" sz="2600" b="0" i="1" smtClean="0">
                         <a:latin typeface="Cambria Math" panose="02040503050406030204" pitchFamily="18" charset="0"/>
                       </a:rPr>
                       <m:t>=</m:t>
                     </m:r>
                     <m:r>
-                      <a:rPr lang="en-US" b="0" i="1" smtClean="0">
+                      <a:rPr lang="en-US" sz="2600" b="0" i="1" smtClean="0">
                         <a:latin typeface="Cambria Math" panose="02040503050406030204" pitchFamily="18" charset="0"/>
                       </a:rPr>
                       <m:t>𝑦</m:t>
                     </m:r>
                     <m:r>
-                      <a:rPr lang="en-US" b="0" i="1" smtClean="0">
+                      <a:rPr lang="en-US" sz="2600" b="0" i="1" smtClean="0">
                         <a:latin typeface="Cambria Math" panose="02040503050406030204" pitchFamily="18" charset="0"/>
                       </a:rPr>
                       <m:t>+</m:t>
                     </m:r>
                     <m:r>
-                      <a:rPr lang="en-US" b="0" i="1" smtClean="0">
+                      <a:rPr lang="en-US" sz="2600" b="0" i="1" smtClean="0">
                         <a:latin typeface="Cambria Math" panose="02040503050406030204" pitchFamily="18" charset="0"/>
                       </a:rPr>
                       <m:t>𝑣</m:t>
                     </m:r>
                     <m:r>
-                      <a:rPr lang="en-US" b="0" i="1" smtClean="0">
+                      <a:rPr lang="en-US" sz="2600" b="0" i="1" smtClean="0">
                         <a:latin typeface="Cambria Math" panose="02040503050406030204" pitchFamily="18" charset="0"/>
                       </a:rPr>
                       <m:t>∗</m:t>
@@ -11594,13 +11605,13 @@
                       <m:rPr>
                         <m:sty m:val="p"/>
                       </m:rPr>
-                      <a:rPr lang="en-US" b="0" i="0" smtClean="0">
+                      <a:rPr lang="en-US" sz="2600" b="0" i="0" smtClean="0">
                         <a:latin typeface="Cambria Math" panose="02040503050406030204" pitchFamily="18" charset="0"/>
                       </a:rPr>
                       <m:t>sin</m:t>
                     </m:r>
                     <m:r>
-                      <a:rPr lang="en-US" b="0" i="1" smtClean="0">
+                      <a:rPr lang="en-US" sz="2600" b="0" i="1" smtClean="0">
                         <a:latin typeface="Cambria Math" panose="02040503050406030204" pitchFamily="18" charset="0"/>
                       </a:rPr>
                       <m:t>⁡(</m:t>
@@ -11609,7 +11620,7 @@
                       <m:rPr>
                         <m:sty m:val="p"/>
                       </m:rPr>
-                      <a:rPr lang="en-US" altLang="zh-CN" i="1">
+                      <a:rPr lang="en-US" altLang="zh-CN" sz="2600" i="1">
                         <a:latin typeface="Cambria Math" panose="02040503050406030204" pitchFamily="18" charset="0"/>
                       </a:rPr>
                       <m:t>θ</m:t>
@@ -11617,17 +11628,18 @@
                   </m:oMath>
                 </a14:m>
                 <a:r>
-                  <a:rPr lang="en-US" dirty="0"/>
+                  <a:rPr lang="en-US" sz="2600" dirty="0"/>
                   <a:t>),</a:t>
                 </a:r>
               </a:p>
               <a:p>
+                <a:pPr lvl="2"/>
                 <a14:m>
                   <m:oMath xmlns:m="http://schemas.openxmlformats.org/officeDocument/2006/math">
                     <m:sSub>
                       <m:sSubPr>
                         <m:ctrlPr>
-                          <a:rPr lang="en-US" altLang="zh-CN" b="0" i="1" smtClean="0">
+                          <a:rPr lang="en-US" altLang="zh-CN" sz="2600" b="0" i="1" smtClean="0">
                             <a:latin typeface="Cambria Math" panose="02040503050406030204" pitchFamily="18" charset="0"/>
                           </a:rPr>
                         </m:ctrlPr>
@@ -11637,7 +11649,7 @@
                           <m:rPr>
                             <m:sty m:val="p"/>
                           </m:rPr>
-                          <a:rPr lang="en-US" altLang="zh-CN" i="1">
+                          <a:rPr lang="en-US" altLang="zh-CN" sz="2600" i="1">
                             <a:latin typeface="Cambria Math" panose="02040503050406030204" pitchFamily="18" charset="0"/>
                           </a:rPr>
                           <m:t>θ</m:t>
@@ -11645,7 +11657,7 @@
                       </m:e>
                       <m:sub>
                         <m:r>
-                          <a:rPr lang="en-US" altLang="zh-CN" b="0" i="1" smtClean="0">
+                          <a:rPr lang="en-US" altLang="zh-CN" sz="2600" b="0" i="1" smtClean="0">
                             <a:latin typeface="Cambria Math" panose="02040503050406030204" pitchFamily="18" charset="0"/>
                           </a:rPr>
                           <m:t>𝑛𝑒𝑥𝑡</m:t>
@@ -11653,7 +11665,7 @@
                       </m:sub>
                     </m:sSub>
                     <m:r>
-                      <a:rPr lang="en-US" altLang="zh-CN" b="0" i="1" smtClean="0">
+                      <a:rPr lang="en-US" altLang="zh-CN" sz="2600" b="0" i="1" smtClean="0">
                         <a:latin typeface="Cambria Math" panose="02040503050406030204" pitchFamily="18" charset="0"/>
                       </a:rPr>
                       <m:t>=</m:t>
@@ -11662,25 +11674,25 @@
                       <m:rPr>
                         <m:sty m:val="p"/>
                       </m:rPr>
-                      <a:rPr lang="en-US" altLang="zh-CN" i="1">
+                      <a:rPr lang="en-US" altLang="zh-CN" sz="2600" i="1">
                         <a:latin typeface="Cambria Math" panose="02040503050406030204" pitchFamily="18" charset="0"/>
                       </a:rPr>
                       <m:t>θ</m:t>
                     </m:r>
                     <m:r>
-                      <a:rPr lang="en-US" altLang="zh-CN" b="0" i="1" smtClean="0">
+                      <a:rPr lang="en-US" altLang="zh-CN" sz="2600" b="0" i="1" smtClean="0">
                         <a:latin typeface="Cambria Math" panose="02040503050406030204" pitchFamily="18" charset="0"/>
                       </a:rPr>
                       <m:t>+</m:t>
                     </m:r>
                     <m:r>
-                      <a:rPr lang="en-US" altLang="zh-CN" b="0" i="1" smtClean="0">
+                      <a:rPr lang="en-US" altLang="zh-CN" sz="2600" b="0" i="1" smtClean="0">
                         <a:latin typeface="Cambria Math" panose="02040503050406030204" pitchFamily="18" charset="0"/>
                       </a:rPr>
                       <m:t>𝑣</m:t>
                     </m:r>
                     <m:r>
-                      <a:rPr lang="en-US" altLang="zh-CN" b="0" i="1" smtClean="0">
+                      <a:rPr lang="en-US" altLang="zh-CN" sz="2600" b="0" i="1" smtClean="0">
                         <a:latin typeface="Cambria Math" panose="02040503050406030204" pitchFamily="18" charset="0"/>
                       </a:rPr>
                       <m:t>∗</m:t>
@@ -11688,7 +11700,7 @@
                     <m:f>
                       <m:fPr>
                         <m:ctrlPr>
-                          <a:rPr lang="en-US" altLang="zh-CN" b="0" i="0" smtClean="0">
+                          <a:rPr lang="en-US" altLang="zh-CN" sz="2600" b="0" i="1" smtClean="0">
                             <a:latin typeface="Cambria Math" panose="02040503050406030204" pitchFamily="18" charset="0"/>
                           </a:rPr>
                         </m:ctrlPr>
@@ -11697,7 +11709,7 @@
                         <m:func>
                           <m:funcPr>
                             <m:ctrlPr>
-                              <a:rPr lang="en-US" altLang="zh-CN" b="0" i="1" smtClean="0">
+                              <a:rPr lang="en-US" altLang="zh-CN" sz="2600" b="0" i="1" smtClean="0">
                                 <a:latin typeface="Cambria Math" panose="02040503050406030204" pitchFamily="18" charset="0"/>
                               </a:rPr>
                             </m:ctrlPr>
@@ -11707,7 +11719,7 @@
                               <m:rPr>
                                 <m:sty m:val="p"/>
                               </m:rPr>
-                              <a:rPr lang="en-US" altLang="zh-CN" b="0" i="0" smtClean="0">
+                              <a:rPr lang="en-US" altLang="zh-CN" sz="2600" b="0" i="0" smtClean="0">
                                 <a:latin typeface="Cambria Math" panose="02040503050406030204" pitchFamily="18" charset="0"/>
                               </a:rPr>
                               <m:t>tan</m:t>
@@ -11717,14 +11729,14 @@
                             <m:d>
                               <m:dPr>
                                 <m:ctrlPr>
-                                  <a:rPr lang="en-US" altLang="zh-CN" b="0" i="1" smtClean="0">
+                                  <a:rPr lang="en-US" altLang="zh-CN" sz="2600" b="0" i="1" smtClean="0">
                                     <a:latin typeface="Cambria Math" panose="02040503050406030204" pitchFamily="18" charset="0"/>
                                   </a:rPr>
                                 </m:ctrlPr>
                               </m:dPr>
                               <m:e>
                                 <m:r>
-                                  <a:rPr lang="en-US" i="1">
+                                  <a:rPr lang="en-US" sz="2600" i="1">
                                     <a:latin typeface="Cambria Math" panose="02040503050406030204" pitchFamily="18" charset="0"/>
                                   </a:rPr>
                                   <m:t>𝜙</m:t>
@@ -11739,7 +11751,7 @@
                           <m:rPr>
                             <m:sty m:val="p"/>
                           </m:rPr>
-                          <a:rPr lang="en-US" altLang="zh-CN" b="0" i="0" smtClean="0">
+                          <a:rPr lang="en-US" altLang="zh-CN" sz="2600" b="0" i="0" smtClean="0">
                             <a:latin typeface="Cambria Math" panose="02040503050406030204" pitchFamily="18" charset="0"/>
                           </a:rPr>
                           <m:t>l</m:t>
@@ -11747,44 +11759,47 @@
                       </m:den>
                     </m:f>
                     <m:r>
-                      <a:rPr lang="en-US" altLang="zh-CN" b="0" i="0" smtClean="0">
+                      <a:rPr lang="en-US" altLang="zh-CN" sz="2600" b="0" i="0" smtClean="0">
                         <a:latin typeface="Cambria Math" panose="02040503050406030204" pitchFamily="18" charset="0"/>
                       </a:rPr>
                       <m:t>,</m:t>
                     </m:r>
                   </m:oMath>
                 </a14:m>
-                <a:endParaRPr lang="en-US" dirty="0"/>
+                <a:endParaRPr lang="en-US" sz="2600" dirty="0"/>
               </a:p>
               <a:p>
+                <a:pPr lvl="1"/>
                 <a:r>
-                  <a:rPr lang="en-US" dirty="0"/>
-                  <a:t>Control Input:</a:t>
+                  <a:rPr lang="en-US" sz="2600"/>
+                  <a:t>Control Inputs:</a:t>
                 </a:r>
+                <a:endParaRPr lang="en-US" sz="2600" dirty="0"/>
               </a:p>
               <a:p>
+                <a:pPr lvl="2"/>
                 <a14:m>
                   <m:oMath xmlns:m="http://schemas.openxmlformats.org/officeDocument/2006/math">
                     <m:r>
-                      <a:rPr lang="en-US" b="0" i="1" smtClean="0">
+                      <a:rPr lang="en-US" sz="2600" b="0" i="1" smtClean="0">
                         <a:latin typeface="Cambria Math" panose="02040503050406030204" pitchFamily="18" charset="0"/>
                       </a:rPr>
                       <m:t>𝑢</m:t>
                     </m:r>
                     <m:r>
-                      <a:rPr lang="en-US" b="0" i="1" smtClean="0">
+                      <a:rPr lang="en-US" sz="2600" b="0" i="1" smtClean="0">
                         <a:latin typeface="Cambria Math" panose="02040503050406030204" pitchFamily="18" charset="0"/>
                       </a:rPr>
                       <m:t>1=</m:t>
                     </m:r>
                     <m:r>
-                      <a:rPr lang="en-US" b="0" i="1" smtClean="0">
+                      <a:rPr lang="en-US" sz="2600" b="0" i="1" smtClean="0">
                         <a:latin typeface="Cambria Math" panose="02040503050406030204" pitchFamily="18" charset="0"/>
                       </a:rPr>
                       <m:t>𝑣</m:t>
                     </m:r>
                     <m:r>
-                      <a:rPr lang="en-US" b="0" i="1" smtClean="0">
+                      <a:rPr lang="en-US" sz="2600" b="0" i="1" smtClean="0">
                         <a:latin typeface="Cambria Math" panose="02040503050406030204" pitchFamily="18" charset="0"/>
                       </a:rPr>
                       <m:t>, </m:t>
@@ -11792,29 +11807,30 @@
                   </m:oMath>
                 </a14:m>
                 <a:r>
-                  <a:rPr lang="en-US" b="0" i="1" dirty="0">
+                  <a:rPr lang="en-US" sz="2600" b="0" i="1" dirty="0">
                     <a:latin typeface="Cambria Math" panose="02040503050406030204" pitchFamily="18" charset="0"/>
                   </a:rPr>
                   <a:t> </a:t>
                 </a:r>
                 <a:r>
-                  <a:rPr lang="en-US" b="0" dirty="0">
+                  <a:rPr lang="en-US" sz="2600" b="0" dirty="0">
                     <a:latin typeface="Cambria Math" panose="02040503050406030204" pitchFamily="18" charset="0"/>
                   </a:rPr>
                   <a:t>velocity of the vehicle</a:t>
                 </a:r>
               </a:p>
               <a:p>
+                <a:pPr lvl="2"/>
                 <a14:m>
                   <m:oMath xmlns:m="http://schemas.openxmlformats.org/officeDocument/2006/math">
                     <m:r>
-                      <a:rPr lang="en-US" b="0" i="1" smtClean="0">
+                      <a:rPr lang="en-US" sz="2600" b="0" i="1" smtClean="0">
                         <a:latin typeface="Cambria Math" panose="02040503050406030204" pitchFamily="18" charset="0"/>
                       </a:rPr>
                       <m:t>𝑢</m:t>
                     </m:r>
                     <m:r>
-                      <a:rPr lang="en-US" b="0" i="1" smtClean="0">
+                      <a:rPr lang="en-US" sz="2600" b="0" i="1" smtClean="0">
                         <a:latin typeface="Cambria Math" panose="02040503050406030204" pitchFamily="18" charset="0"/>
                       </a:rPr>
                       <m:t>2=</m:t>
@@ -11822,13 +11838,13 @@
                   </m:oMath>
                 </a14:m>
                 <a:r>
-                  <a:rPr lang="en-US" dirty="0"/>
+                  <a:rPr lang="en-US" sz="2600" dirty="0"/>
                   <a:t> </a:t>
                 </a:r>
                 <a14:m>
                   <m:oMath xmlns:m="http://schemas.openxmlformats.org/officeDocument/2006/math">
                     <m:r>
-                      <a:rPr lang="en-US" i="1">
+                      <a:rPr lang="en-US" sz="2600" i="1">
                         <a:latin typeface="Cambria Math" panose="02040503050406030204" pitchFamily="18" charset="0"/>
                       </a:rPr>
                       <m:t>𝜙</m:t>
@@ -11836,55 +11852,56 @@
                   </m:oMath>
                 </a14:m>
                 <a:r>
-                  <a:rPr lang="en-US" dirty="0"/>
+                  <a:rPr lang="en-US" sz="2600" dirty="0"/>
                   <a:t>, steering angle of the vehicle</a:t>
                 </a:r>
               </a:p>
               <a:p>
+                <a:pPr lvl="2"/>
                 <a:r>
-                  <a:rPr lang="en-US" dirty="0"/>
+                  <a:rPr lang="en-US" sz="2600" dirty="0"/>
                   <a:t>where </a:t>
                 </a:r>
                 <a14:m>
                   <m:oMath xmlns:m="http://schemas.openxmlformats.org/officeDocument/2006/math">
                     <m:r>
-                      <a:rPr lang="en-US" b="0" i="1" smtClean="0">
+                      <a:rPr lang="en-US" sz="2600" b="0" i="1" smtClean="0">
                         <a:latin typeface="Cambria Math" panose="02040503050406030204" pitchFamily="18" charset="0"/>
                       </a:rPr>
                       <m:t>−10&lt;</m:t>
                     </m:r>
                     <m:r>
-                      <a:rPr lang="en-US" b="0" i="1" smtClean="0">
+                      <a:rPr lang="en-US" sz="2600" b="0" i="1" smtClean="0">
                         <a:latin typeface="Cambria Math" panose="02040503050406030204" pitchFamily="18" charset="0"/>
                       </a:rPr>
                       <m:t>𝑢</m:t>
                     </m:r>
                     <m:r>
-                      <a:rPr lang="en-US" b="0" i="1" smtClean="0">
+                      <a:rPr lang="en-US" sz="2600" b="0" i="1" smtClean="0">
                         <a:latin typeface="Cambria Math" panose="02040503050406030204" pitchFamily="18" charset="0"/>
                       </a:rPr>
                       <m:t>1&lt;10, </m:t>
                     </m:r>
                     <m:r>
-                      <a:rPr lang="en-US" b="0" i="1" smtClean="0">
+                      <a:rPr lang="en-US" sz="2600" b="0" i="1" smtClean="0">
                         <a:latin typeface="Cambria Math" panose="02040503050406030204" pitchFamily="18" charset="0"/>
                       </a:rPr>
                       <m:t>𝑎𝑛𝑑</m:t>
                     </m:r>
                     <m:r>
-                      <a:rPr lang="en-US" b="0" i="1" smtClean="0">
+                      <a:rPr lang="en-US" sz="2600" b="0" i="1" smtClean="0">
                         <a:latin typeface="Cambria Math" panose="02040503050406030204" pitchFamily="18" charset="0"/>
                       </a:rPr>
                       <m:t> −0.8&lt;</m:t>
                     </m:r>
                     <m:r>
-                      <a:rPr lang="en-US" b="0" i="1" smtClean="0">
+                      <a:rPr lang="en-US" sz="2600" b="0" i="1" smtClean="0">
                         <a:latin typeface="Cambria Math" panose="02040503050406030204" pitchFamily="18" charset="0"/>
                       </a:rPr>
                       <m:t>𝑢</m:t>
                     </m:r>
                     <m:r>
-                      <a:rPr lang="en-US" b="0" i="1" smtClean="0">
+                      <a:rPr lang="en-US" sz="2600" b="0" i="1" smtClean="0">
                         <a:latin typeface="Cambria Math" panose="02040503050406030204" pitchFamily="18" charset="0"/>
                       </a:rPr>
                       <m:t>2&lt;0.8</m:t>
@@ -11892,7 +11909,7 @@
                   </m:oMath>
                 </a14:m>
                 <a:r>
-                  <a:rPr lang="en-US" dirty="0"/>
+                  <a:rPr lang="en-US" sz="2600" dirty="0"/>
                   <a:t> </a:t>
                 </a:r>
               </a:p>
@@ -11924,7 +11941,7 @@
               <a:blipFill>
                 <a:blip r:embed="rId2"/>
                 <a:stretch>
-                  <a:fillRect l="-1028"/>
+                  <a:fillRect l="-857" t="-1222"/>
                 </a:stretch>
               </a:blipFill>
             </p:spPr>
